--- a/JAVASCRIPT/JAVASCRIPT PPT.pptx
+++ b/JAVASCRIPT/JAVASCRIPT PPT.pptx
@@ -4,29 +4,49 @@
   <p:sldMasterIdLst>
     <p:sldMasterId id="2147483684" r:id="rId1"/>
   </p:sldMasterIdLst>
+  <p:notesMasterIdLst>
+    <p:notesMasterId r:id="rId41"/>
+  </p:notesMasterIdLst>
   <p:sldIdLst>
     <p:sldId id="256" r:id="rId2"/>
-    <p:sldId id="257" r:id="rId3"/>
-    <p:sldId id="258" r:id="rId4"/>
-    <p:sldId id="259" r:id="rId5"/>
-    <p:sldId id="260" r:id="rId6"/>
-    <p:sldId id="267" r:id="rId7"/>
-    <p:sldId id="261" r:id="rId8"/>
-    <p:sldId id="262" r:id="rId9"/>
-    <p:sldId id="263" r:id="rId10"/>
-    <p:sldId id="264" r:id="rId11"/>
-    <p:sldId id="265" r:id="rId12"/>
-    <p:sldId id="266" r:id="rId13"/>
-    <p:sldId id="268" r:id="rId14"/>
-    <p:sldId id="269" r:id="rId15"/>
-    <p:sldId id="270" r:id="rId16"/>
-    <p:sldId id="271" r:id="rId17"/>
-    <p:sldId id="272" r:id="rId18"/>
-    <p:sldId id="273" r:id="rId19"/>
-    <p:sldId id="274" r:id="rId20"/>
-    <p:sldId id="275" r:id="rId21"/>
-    <p:sldId id="276" r:id="rId22"/>
-    <p:sldId id="277" r:id="rId23"/>
+    <p:sldId id="285" r:id="rId3"/>
+    <p:sldId id="257" r:id="rId4"/>
+    <p:sldId id="258" r:id="rId5"/>
+    <p:sldId id="259" r:id="rId6"/>
+    <p:sldId id="260" r:id="rId7"/>
+    <p:sldId id="267" r:id="rId8"/>
+    <p:sldId id="261" r:id="rId9"/>
+    <p:sldId id="262" r:id="rId10"/>
+    <p:sldId id="263" r:id="rId11"/>
+    <p:sldId id="264" r:id="rId12"/>
+    <p:sldId id="265" r:id="rId13"/>
+    <p:sldId id="266" r:id="rId14"/>
+    <p:sldId id="268" r:id="rId15"/>
+    <p:sldId id="269" r:id="rId16"/>
+    <p:sldId id="270" r:id="rId17"/>
+    <p:sldId id="271" r:id="rId18"/>
+    <p:sldId id="272" r:id="rId19"/>
+    <p:sldId id="273" r:id="rId20"/>
+    <p:sldId id="274" r:id="rId21"/>
+    <p:sldId id="275" r:id="rId22"/>
+    <p:sldId id="276" r:id="rId23"/>
+    <p:sldId id="277" r:id="rId24"/>
+    <p:sldId id="286" r:id="rId25"/>
+    <p:sldId id="278" r:id="rId26"/>
+    <p:sldId id="279" r:id="rId27"/>
+    <p:sldId id="280" r:id="rId28"/>
+    <p:sldId id="281" r:id="rId29"/>
+    <p:sldId id="282" r:id="rId30"/>
+    <p:sldId id="283" r:id="rId31"/>
+    <p:sldId id="284" r:id="rId32"/>
+    <p:sldId id="287" r:id="rId33"/>
+    <p:sldId id="288" r:id="rId34"/>
+    <p:sldId id="293" r:id="rId35"/>
+    <p:sldId id="289" r:id="rId36"/>
+    <p:sldId id="290" r:id="rId37"/>
+    <p:sldId id="294" r:id="rId38"/>
+    <p:sldId id="291" r:id="rId39"/>
+    <p:sldId id="292" r:id="rId40"/>
   </p:sldIdLst>
   <p:sldSz cx="12192000" cy="6858000"/>
   <p:notesSz cx="6858000" cy="9144000"/>
@@ -133,6 +153,356 @@
 </p:presentation>
 </file>
 
+<file path=ppt/notesMasters/notesMaster1.xml><?xml version="1.0" encoding="utf-8"?>
+<p:notesMaster xmlns:a="http://schemas.openxmlformats.org/drawingml/2006/main" xmlns:r="http://schemas.openxmlformats.org/officeDocument/2006/relationships" xmlns:p="http://schemas.openxmlformats.org/presentationml/2006/main">
+  <p:cSld>
+    <p:bg>
+      <p:bgRef idx="1001">
+        <a:schemeClr val="bg1"/>
+      </p:bgRef>
+    </p:bg>
+    <p:spTree>
+      <p:nvGrpSpPr>
+        <p:cNvPr id="1" name=""/>
+        <p:cNvGrpSpPr/>
+        <p:nvPr/>
+      </p:nvGrpSpPr>
+      <p:grpSpPr>
+        <a:xfrm>
+          <a:off x="0" y="0"/>
+          <a:ext cx="0" cy="0"/>
+          <a:chOff x="0" y="0"/>
+          <a:chExt cx="0" cy="0"/>
+        </a:xfrm>
+      </p:grpSpPr>
+      <p:sp>
+        <p:nvSpPr>
+          <p:cNvPr id="2" name="Header Placeholder 1"/>
+          <p:cNvSpPr>
+            <a:spLocks noGrp="1"/>
+          </p:cNvSpPr>
+          <p:nvPr>
+            <p:ph type="hdr" sz="quarter"/>
+          </p:nvPr>
+        </p:nvSpPr>
+        <p:spPr>
+          <a:xfrm>
+            <a:off x="0" y="0"/>
+            <a:ext cx="2971800" cy="458788"/>
+          </a:xfrm>
+          <a:prstGeom prst="rect">
+            <a:avLst/>
+          </a:prstGeom>
+        </p:spPr>
+        <p:txBody>
+          <a:bodyPr vert="horz" lIns="91440" tIns="45720" rIns="91440" bIns="45720" rtlCol="0"/>
+          <a:lstStyle>
+            <a:lvl1pPr algn="l">
+              <a:defRPr sz="1200"/>
+            </a:lvl1pPr>
+          </a:lstStyle>
+          <a:p>
+            <a:endParaRPr lang="en-US"/>
+          </a:p>
+        </p:txBody>
+      </p:sp>
+      <p:sp>
+        <p:nvSpPr>
+          <p:cNvPr id="3" name="Date Placeholder 2"/>
+          <p:cNvSpPr>
+            <a:spLocks noGrp="1"/>
+          </p:cNvSpPr>
+          <p:nvPr>
+            <p:ph type="dt" idx="1"/>
+          </p:nvPr>
+        </p:nvSpPr>
+        <p:spPr>
+          <a:xfrm>
+            <a:off x="3884613" y="0"/>
+            <a:ext cx="2971800" cy="458788"/>
+          </a:xfrm>
+          <a:prstGeom prst="rect">
+            <a:avLst/>
+          </a:prstGeom>
+        </p:spPr>
+        <p:txBody>
+          <a:bodyPr vert="horz" lIns="91440" tIns="45720" rIns="91440" bIns="45720" rtlCol="0"/>
+          <a:lstStyle>
+            <a:lvl1pPr algn="r">
+              <a:defRPr sz="1200"/>
+            </a:lvl1pPr>
+          </a:lstStyle>
+          <a:p>
+            <a:fld id="{640FD743-BC05-4482-A4B6-4CF967787431}" type="datetimeFigureOut">
+              <a:rPr lang="en-US" smtClean="0"/>
+              <a:t>3/11/2025</a:t>
+            </a:fld>
+            <a:endParaRPr lang="en-US"/>
+          </a:p>
+        </p:txBody>
+      </p:sp>
+      <p:sp>
+        <p:nvSpPr>
+          <p:cNvPr id="4" name="Slide Image Placeholder 3"/>
+          <p:cNvSpPr>
+            <a:spLocks noGrp="1" noRot="1" noChangeAspect="1"/>
+          </p:cNvSpPr>
+          <p:nvPr>
+            <p:ph type="sldImg" idx="2"/>
+          </p:nvPr>
+        </p:nvSpPr>
+        <p:spPr>
+          <a:xfrm>
+            <a:off x="685800" y="1143000"/>
+            <a:ext cx="5486400" cy="3086100"/>
+          </a:xfrm>
+          <a:prstGeom prst="rect">
+            <a:avLst/>
+          </a:prstGeom>
+          <a:noFill/>
+          <a:ln w="12700">
+            <a:solidFill>
+              <a:prstClr val="black"/>
+            </a:solidFill>
+          </a:ln>
+        </p:spPr>
+        <p:txBody>
+          <a:bodyPr vert="horz" lIns="91440" tIns="45720" rIns="91440" bIns="45720" rtlCol="0" anchor="ctr"/>
+          <a:lstStyle/>
+          <a:p>
+            <a:endParaRPr lang="en-US"/>
+          </a:p>
+        </p:txBody>
+      </p:sp>
+      <p:sp>
+        <p:nvSpPr>
+          <p:cNvPr id="5" name="Notes Placeholder 4"/>
+          <p:cNvSpPr>
+            <a:spLocks noGrp="1"/>
+          </p:cNvSpPr>
+          <p:nvPr>
+            <p:ph type="body" sz="quarter" idx="3"/>
+          </p:nvPr>
+        </p:nvSpPr>
+        <p:spPr>
+          <a:xfrm>
+            <a:off x="685800" y="4400550"/>
+            <a:ext cx="5486400" cy="3600450"/>
+          </a:xfrm>
+          <a:prstGeom prst="rect">
+            <a:avLst/>
+          </a:prstGeom>
+        </p:spPr>
+        <p:txBody>
+          <a:bodyPr vert="horz" lIns="91440" tIns="45720" rIns="91440" bIns="45720" rtlCol="0"/>
+          <a:lstStyle/>
+          <a:p>
+            <a:pPr lvl="0"/>
+            <a:r>
+              <a:rPr lang="en-US" smtClean="0"/>
+              <a:t>Edit Master text styles</a:t>
+            </a:r>
+          </a:p>
+          <a:p>
+            <a:pPr lvl="1"/>
+            <a:r>
+              <a:rPr lang="en-US" smtClean="0"/>
+              <a:t>Second level</a:t>
+            </a:r>
+          </a:p>
+          <a:p>
+            <a:pPr lvl="2"/>
+            <a:r>
+              <a:rPr lang="en-US" smtClean="0"/>
+              <a:t>Third level</a:t>
+            </a:r>
+          </a:p>
+          <a:p>
+            <a:pPr lvl="3"/>
+            <a:r>
+              <a:rPr lang="en-US" smtClean="0"/>
+              <a:t>Fourth level</a:t>
+            </a:r>
+          </a:p>
+          <a:p>
+            <a:pPr lvl="4"/>
+            <a:r>
+              <a:rPr lang="en-US" smtClean="0"/>
+              <a:t>Fifth level</a:t>
+            </a:r>
+            <a:endParaRPr lang="en-US"/>
+          </a:p>
+        </p:txBody>
+      </p:sp>
+      <p:sp>
+        <p:nvSpPr>
+          <p:cNvPr id="6" name="Footer Placeholder 5"/>
+          <p:cNvSpPr>
+            <a:spLocks noGrp="1"/>
+          </p:cNvSpPr>
+          <p:nvPr>
+            <p:ph type="ftr" sz="quarter" idx="4"/>
+          </p:nvPr>
+        </p:nvSpPr>
+        <p:spPr>
+          <a:xfrm>
+            <a:off x="0" y="8685213"/>
+            <a:ext cx="2971800" cy="458787"/>
+          </a:xfrm>
+          <a:prstGeom prst="rect">
+            <a:avLst/>
+          </a:prstGeom>
+        </p:spPr>
+        <p:txBody>
+          <a:bodyPr vert="horz" lIns="91440" tIns="45720" rIns="91440" bIns="45720" rtlCol="0" anchor="b"/>
+          <a:lstStyle>
+            <a:lvl1pPr algn="l">
+              <a:defRPr sz="1200"/>
+            </a:lvl1pPr>
+          </a:lstStyle>
+          <a:p>
+            <a:endParaRPr lang="en-US"/>
+          </a:p>
+        </p:txBody>
+      </p:sp>
+      <p:sp>
+        <p:nvSpPr>
+          <p:cNvPr id="7" name="Slide Number Placeholder 6"/>
+          <p:cNvSpPr>
+            <a:spLocks noGrp="1"/>
+          </p:cNvSpPr>
+          <p:nvPr>
+            <p:ph type="sldNum" sz="quarter" idx="5"/>
+          </p:nvPr>
+        </p:nvSpPr>
+        <p:spPr>
+          <a:xfrm>
+            <a:off x="3884613" y="8685213"/>
+            <a:ext cx="2971800" cy="458787"/>
+          </a:xfrm>
+          <a:prstGeom prst="rect">
+            <a:avLst/>
+          </a:prstGeom>
+        </p:spPr>
+        <p:txBody>
+          <a:bodyPr vert="horz" lIns="91440" tIns="45720" rIns="91440" bIns="45720" rtlCol="0" anchor="b"/>
+          <a:lstStyle>
+            <a:lvl1pPr algn="r">
+              <a:defRPr sz="1200"/>
+            </a:lvl1pPr>
+          </a:lstStyle>
+          <a:p>
+            <a:fld id="{2C24BABD-4B51-4C67-B1FA-2AD2B9D790E2}" type="slidenum">
+              <a:rPr lang="en-US" smtClean="0"/>
+              <a:t>‹#›</a:t>
+            </a:fld>
+            <a:endParaRPr lang="en-US"/>
+          </a:p>
+        </p:txBody>
+      </p:sp>
+    </p:spTree>
+    <p:extLst>
+      <p:ext uri="{BB962C8B-B14F-4D97-AF65-F5344CB8AC3E}">
+        <p14:creationId xmlns:p14="http://schemas.microsoft.com/office/powerpoint/2010/main" val="1954213284"/>
+      </p:ext>
+    </p:extLst>
+  </p:cSld>
+  <p:clrMap bg1="lt1" tx1="dk1" bg2="lt2" tx2="dk2" accent1="accent1" accent2="accent2" accent3="accent3" accent4="accent4" accent5="accent5" accent6="accent6" hlink="hlink" folHlink="folHlink"/>
+  <p:notesStyle>
+    <a:lvl1pPr marL="0" algn="l" defTabSz="914400" rtl="0" eaLnBrk="1" latinLnBrk="0" hangingPunct="1">
+      <a:defRPr sz="1200" kern="1200">
+        <a:solidFill>
+          <a:schemeClr val="tx1"/>
+        </a:solidFill>
+        <a:latin typeface="+mn-lt"/>
+        <a:ea typeface="+mn-ea"/>
+        <a:cs typeface="+mn-cs"/>
+      </a:defRPr>
+    </a:lvl1pPr>
+    <a:lvl2pPr marL="457200" algn="l" defTabSz="914400" rtl="0" eaLnBrk="1" latinLnBrk="0" hangingPunct="1">
+      <a:defRPr sz="1200" kern="1200">
+        <a:solidFill>
+          <a:schemeClr val="tx1"/>
+        </a:solidFill>
+        <a:latin typeface="+mn-lt"/>
+        <a:ea typeface="+mn-ea"/>
+        <a:cs typeface="+mn-cs"/>
+      </a:defRPr>
+    </a:lvl2pPr>
+    <a:lvl3pPr marL="914400" algn="l" defTabSz="914400" rtl="0" eaLnBrk="1" latinLnBrk="0" hangingPunct="1">
+      <a:defRPr sz="1200" kern="1200">
+        <a:solidFill>
+          <a:schemeClr val="tx1"/>
+        </a:solidFill>
+        <a:latin typeface="+mn-lt"/>
+        <a:ea typeface="+mn-ea"/>
+        <a:cs typeface="+mn-cs"/>
+      </a:defRPr>
+    </a:lvl3pPr>
+    <a:lvl4pPr marL="1371600" algn="l" defTabSz="914400" rtl="0" eaLnBrk="1" latinLnBrk="0" hangingPunct="1">
+      <a:defRPr sz="1200" kern="1200">
+        <a:solidFill>
+          <a:schemeClr val="tx1"/>
+        </a:solidFill>
+        <a:latin typeface="+mn-lt"/>
+        <a:ea typeface="+mn-ea"/>
+        <a:cs typeface="+mn-cs"/>
+      </a:defRPr>
+    </a:lvl4pPr>
+    <a:lvl5pPr marL="1828800" algn="l" defTabSz="914400" rtl="0" eaLnBrk="1" latinLnBrk="0" hangingPunct="1">
+      <a:defRPr sz="1200" kern="1200">
+        <a:solidFill>
+          <a:schemeClr val="tx1"/>
+        </a:solidFill>
+        <a:latin typeface="+mn-lt"/>
+        <a:ea typeface="+mn-ea"/>
+        <a:cs typeface="+mn-cs"/>
+      </a:defRPr>
+    </a:lvl5pPr>
+    <a:lvl6pPr marL="2286000" algn="l" defTabSz="914400" rtl="0" eaLnBrk="1" latinLnBrk="0" hangingPunct="1">
+      <a:defRPr sz="1200" kern="1200">
+        <a:solidFill>
+          <a:schemeClr val="tx1"/>
+        </a:solidFill>
+        <a:latin typeface="+mn-lt"/>
+        <a:ea typeface="+mn-ea"/>
+        <a:cs typeface="+mn-cs"/>
+      </a:defRPr>
+    </a:lvl6pPr>
+    <a:lvl7pPr marL="2743200" algn="l" defTabSz="914400" rtl="0" eaLnBrk="1" latinLnBrk="0" hangingPunct="1">
+      <a:defRPr sz="1200" kern="1200">
+        <a:solidFill>
+          <a:schemeClr val="tx1"/>
+        </a:solidFill>
+        <a:latin typeface="+mn-lt"/>
+        <a:ea typeface="+mn-ea"/>
+        <a:cs typeface="+mn-cs"/>
+      </a:defRPr>
+    </a:lvl7pPr>
+    <a:lvl8pPr marL="3200400" algn="l" defTabSz="914400" rtl="0" eaLnBrk="1" latinLnBrk="0" hangingPunct="1">
+      <a:defRPr sz="1200" kern="1200">
+        <a:solidFill>
+          <a:schemeClr val="tx1"/>
+        </a:solidFill>
+        <a:latin typeface="+mn-lt"/>
+        <a:ea typeface="+mn-ea"/>
+        <a:cs typeface="+mn-cs"/>
+      </a:defRPr>
+    </a:lvl8pPr>
+    <a:lvl9pPr marL="3657600" algn="l" defTabSz="914400" rtl="0" eaLnBrk="1" latinLnBrk="0" hangingPunct="1">
+      <a:defRPr sz="1200" kern="1200">
+        <a:solidFill>
+          <a:schemeClr val="tx1"/>
+        </a:solidFill>
+        <a:latin typeface="+mn-lt"/>
+        <a:ea typeface="+mn-ea"/>
+        <a:cs typeface="+mn-cs"/>
+      </a:defRPr>
+    </a:lvl9pPr>
+  </p:notesStyle>
+</p:notesMaster>
+</file>
+
 <file path=ppt/slideLayouts/slideLayout1.xml><?xml version="1.0" encoding="utf-8"?>
 <p:sldLayout xmlns:a="http://schemas.openxmlformats.org/drawingml/2006/main" xmlns:r="http://schemas.openxmlformats.org/officeDocument/2006/relationships" xmlns:p="http://schemas.openxmlformats.org/presentationml/2006/main" type="title" preserve="1">
   <p:cSld name="Title Slide">
@@ -376,9 +746,9 @@
             </a:lvl1pPr>
           </a:lstStyle>
           <a:p>
-            <a:fld id="{EC7BB705-9A7B-4004-8F8B-8F99488766DB}" type="datetimeFigureOut">
+            <a:fld id="{4FC8A5DC-483B-4C3B-B9D6-B1E5B6F3D415}" type="datetime1">
               <a:rPr lang="en-US" smtClean="0"/>
-              <a:t>3/6/2025</a:t>
+              <a:t>3/11/2025</a:t>
             </a:fld>
             <a:endParaRPr lang="en-US"/>
           </a:p>
@@ -638,9 +1008,9 @@
           <a:bodyPr/>
           <a:lstStyle/>
           <a:p>
-            <a:fld id="{EC7BB705-9A7B-4004-8F8B-8F99488766DB}" type="datetimeFigureOut">
+            <a:fld id="{974A1467-D0AE-4BBF-A795-8863E7506591}" type="datetime1">
               <a:rPr lang="en-US" smtClean="0"/>
-              <a:t>3/6/2025</a:t>
+              <a:t>3/11/2025</a:t>
             </a:fld>
             <a:endParaRPr lang="en-US"/>
           </a:p>
@@ -873,9 +1243,9 @@
             </a:lvl1pPr>
           </a:lstStyle>
           <a:p>
-            <a:fld id="{EC7BB705-9A7B-4004-8F8B-8F99488766DB}" type="datetimeFigureOut">
+            <a:fld id="{72FA8D1C-D59E-4EC0-9456-BF1DBAC96D54}" type="datetime1">
               <a:rPr lang="en-US" smtClean="0"/>
-              <a:t>3/6/2025</a:t>
+              <a:t>3/11/2025</a:t>
             </a:fld>
             <a:endParaRPr lang="en-US"/>
           </a:p>
@@ -1113,9 +1483,9 @@
           <a:bodyPr/>
           <a:lstStyle/>
           <a:p>
-            <a:fld id="{EC7BB705-9A7B-4004-8F8B-8F99488766DB}" type="datetimeFigureOut">
+            <a:fld id="{90A65430-BB3C-44A1-9682-069601324596}" type="datetime1">
               <a:rPr lang="en-US" smtClean="0"/>
-              <a:t>3/6/2025</a:t>
+              <a:t>3/11/2025</a:t>
             </a:fld>
             <a:endParaRPr lang="en-US"/>
           </a:p>
@@ -1420,9 +1790,9 @@
             </a:lvl1pPr>
           </a:lstStyle>
           <a:p>
-            <a:fld id="{EC7BB705-9A7B-4004-8F8B-8F99488766DB}" type="datetimeFigureOut">
+            <a:fld id="{43BD6107-7534-4359-9428-CDC893BF9851}" type="datetime1">
               <a:rPr lang="en-US" smtClean="0"/>
-              <a:t>3/6/2025</a:t>
+              <a:t>3/11/2025</a:t>
             </a:fld>
             <a:endParaRPr lang="en-US"/>
           </a:p>
@@ -1722,9 +2092,9 @@
           <a:bodyPr/>
           <a:lstStyle/>
           <a:p>
-            <a:fld id="{EC7BB705-9A7B-4004-8F8B-8F99488766DB}" type="datetimeFigureOut">
+            <a:fld id="{251984FB-F333-4EAC-96FD-EA2705CC5A10}" type="datetime1">
               <a:rPr lang="en-US" smtClean="0"/>
-              <a:t>3/6/2025</a:t>
+              <a:t>3/11/2025</a:t>
             </a:fld>
             <a:endParaRPr lang="en-US"/>
           </a:p>
@@ -2144,9 +2514,9 @@
           <a:bodyPr/>
           <a:lstStyle/>
           <a:p>
-            <a:fld id="{EC7BB705-9A7B-4004-8F8B-8F99488766DB}" type="datetimeFigureOut">
+            <a:fld id="{3B8A7045-7F20-43DD-9244-1BDC8D2C2729}" type="datetime1">
               <a:rPr lang="en-US" smtClean="0"/>
-              <a:t>3/6/2025</a:t>
+              <a:t>3/11/2025</a:t>
             </a:fld>
             <a:endParaRPr lang="en-US"/>
           </a:p>
@@ -2239,9 +2609,9 @@
           <a:bodyPr/>
           <a:lstStyle/>
           <a:p>
-            <a:fld id="{EC7BB705-9A7B-4004-8F8B-8F99488766DB}" type="datetimeFigureOut">
+            <a:fld id="{1D1BA353-C2CF-4C65-8DC5-BBCFB2E0B447}" type="datetime1">
               <a:rPr lang="en-US" smtClean="0"/>
-              <a:t>3/6/2025</a:t>
+              <a:t>3/11/2025</a:t>
             </a:fld>
             <a:endParaRPr lang="en-US"/>
           </a:p>
@@ -2401,9 +2771,9 @@
           <a:bodyPr/>
           <a:lstStyle/>
           <a:p>
-            <a:fld id="{EC7BB705-9A7B-4004-8F8B-8F99488766DB}" type="datetimeFigureOut">
+            <a:fld id="{904F5CF2-CBCB-4E3B-8231-6D0064FABD8F}" type="datetime1">
               <a:rPr lang="en-US" smtClean="0"/>
-              <a:t>3/6/2025</a:t>
+              <a:t>3/11/2025</a:t>
             </a:fld>
             <a:endParaRPr lang="en-US"/>
           </a:p>
@@ -2779,9 +3149,9 @@
             </a:lvl1pPr>
           </a:lstStyle>
           <a:p>
-            <a:fld id="{EC7BB705-9A7B-4004-8F8B-8F99488766DB}" type="datetimeFigureOut">
+            <a:fld id="{043133FD-88D9-474B-AF19-D6EC2C0A42D7}" type="datetime1">
               <a:rPr lang="en-US" smtClean="0"/>
-              <a:t>3/6/2025</a:t>
+              <a:t>3/11/2025</a:t>
             </a:fld>
             <a:endParaRPr lang="en-US"/>
           </a:p>
@@ -3068,9 +3438,9 @@
           <a:bodyPr/>
           <a:lstStyle/>
           <a:p>
-            <a:fld id="{EC7BB705-9A7B-4004-8F8B-8F99488766DB}" type="datetimeFigureOut">
+            <a:fld id="{1284E585-702C-4563-A15C-4F09F5577D21}" type="datetime1">
               <a:rPr lang="en-US" smtClean="0"/>
-              <a:t>3/6/2025</a:t>
+              <a:t>3/11/2025</a:t>
             </a:fld>
             <a:endParaRPr lang="en-US"/>
           </a:p>
@@ -3279,9 +3649,9 @@
             </a:lvl1pPr>
           </a:lstStyle>
           <a:p>
-            <a:fld id="{EC7BB705-9A7B-4004-8F8B-8F99488766DB}" type="datetimeFigureOut">
+            <a:fld id="{6D071768-9095-4492-B259-62508B135DC9}" type="datetime1">
               <a:rPr lang="en-US" smtClean="0"/>
-              <a:t>3/6/2025</a:t>
+              <a:t>3/11/2025</a:t>
             </a:fld>
             <a:endParaRPr lang="en-US"/>
           </a:p>
@@ -3493,6 +3863,7 @@
     <p:sldLayoutId id="2147483694" r:id="rId10"/>
     <p:sldLayoutId id="2147483695" r:id="rId11"/>
   </p:sldLayoutIdLst>
+  <p:hf sldNum="0" hdr="0" ftr="0" dt="0"/>
   <p:txStyles>
     <p:titleStyle>
       <a:lvl1pPr algn="l" defTabSz="457200" rtl="0" eaLnBrk="1" latinLnBrk="0" hangingPunct="1">
@@ -3966,6 +4337,503 @@
           <a:p>
             <a:pPr algn="ctr"/>
             <a:r>
+              <a:rPr lang="en-US" b="1" dirty="0" smtClean="0"/>
+              <a:t>Characteristics </a:t>
+            </a:r>
+            <a:r>
+              <a:rPr lang="en-US" b="1" dirty="0"/>
+              <a:t>of JavaScript</a:t>
+            </a:r>
+          </a:p>
+        </p:txBody>
+      </p:sp>
+      <p:sp>
+        <p:nvSpPr>
+          <p:cNvPr id="9" name="TextBox 8"/>
+          <p:cNvSpPr txBox="1"/>
+          <p:nvPr/>
+        </p:nvSpPr>
+        <p:spPr>
+          <a:xfrm>
+            <a:off x="439616" y="2391508"/>
+            <a:ext cx="6031522" cy="2862322"/>
+          </a:xfrm>
+          <a:prstGeom prst="rect">
+            <a:avLst/>
+          </a:prstGeom>
+        </p:spPr>
+        <p:style>
+          <a:lnRef idx="2">
+            <a:schemeClr val="dk1"/>
+          </a:lnRef>
+          <a:fillRef idx="1">
+            <a:schemeClr val="lt1"/>
+          </a:fillRef>
+          <a:effectRef idx="0">
+            <a:schemeClr val="dk1"/>
+          </a:effectRef>
+          <a:fontRef idx="minor">
+            <a:schemeClr val="dk1"/>
+          </a:fontRef>
+        </p:style>
+        <p:txBody>
+          <a:bodyPr wrap="square" rtlCol="0">
+            <a:spAutoFit/>
+          </a:bodyPr>
+          <a:lstStyle/>
+          <a:p>
+            <a:r>
+              <a:rPr lang="en-US" b="1" dirty="0" smtClean="0">
+                <a:latin typeface="Google Sans"/>
+              </a:rPr>
+              <a:t>5. </a:t>
+            </a:r>
+            <a:r>
+              <a:rPr lang="en-US" b="1" u="sng" dirty="0" smtClean="0">
+                <a:latin typeface="Google Sans"/>
+              </a:rPr>
+              <a:t>Synchronous in Nature (Single-</a:t>
+            </a:r>
+            <a:r>
+              <a:rPr lang="en-US" b="1" u="sng" dirty="0" err="1" smtClean="0">
+                <a:latin typeface="Google Sans"/>
+              </a:rPr>
+              <a:t>Threded</a:t>
+            </a:r>
+            <a:r>
+              <a:rPr lang="en-US" b="1" u="sng" dirty="0" smtClean="0">
+                <a:latin typeface="Google Sans"/>
+              </a:rPr>
+              <a:t>):</a:t>
+            </a:r>
+          </a:p>
+          <a:p>
+            <a:pPr lvl="0" defTabSz="914400" eaLnBrk="0" fontAlgn="base" hangingPunct="0">
+              <a:spcBef>
+                <a:spcPct val="0"/>
+              </a:spcBef>
+              <a:spcAft>
+                <a:spcPct val="0"/>
+              </a:spcAft>
+            </a:pPr>
+            <a:endParaRPr lang="en-US" altLang="en-US" dirty="0">
+              <a:solidFill>
+                <a:schemeClr val="tx1"/>
+              </a:solidFill>
+              <a:latin typeface="Arial" panose="020B0604020202020204" pitchFamily="34" charset="0"/>
+            </a:endParaRPr>
+          </a:p>
+          <a:p>
+            <a:pPr lvl="0" defTabSz="914400" eaLnBrk="0" fontAlgn="base" hangingPunct="0">
+              <a:spcBef>
+                <a:spcPct val="0"/>
+              </a:spcBef>
+              <a:spcAft>
+                <a:spcPct val="0"/>
+              </a:spcAft>
+              <a:buFontTx/>
+              <a:buChar char="•"/>
+            </a:pPr>
+            <a:r>
+              <a:rPr lang="en-US" altLang="en-US" dirty="0">
+                <a:solidFill>
+                  <a:schemeClr val="tx1"/>
+                </a:solidFill>
+                <a:latin typeface="Arial" panose="020B0604020202020204" pitchFamily="34" charset="0"/>
+              </a:rPr>
+              <a:t>Executes </a:t>
+            </a:r>
+            <a:r>
+              <a:rPr lang="en-US" altLang="en-US" b="1" dirty="0">
+                <a:solidFill>
+                  <a:schemeClr val="tx1"/>
+                </a:solidFill>
+                <a:latin typeface="Arial" panose="020B0604020202020204" pitchFamily="34" charset="0"/>
+              </a:rPr>
+              <a:t>one task at a time</a:t>
+            </a:r>
+            <a:r>
+              <a:rPr lang="en-US" altLang="en-US" dirty="0">
+                <a:solidFill>
+                  <a:schemeClr val="tx1"/>
+                </a:solidFill>
+                <a:latin typeface="Arial" panose="020B0604020202020204" pitchFamily="34" charset="0"/>
+              </a:rPr>
+              <a:t> in order.</a:t>
+            </a:r>
+          </a:p>
+          <a:p>
+            <a:pPr lvl="0" defTabSz="914400" eaLnBrk="0" fontAlgn="base" hangingPunct="0">
+              <a:spcBef>
+                <a:spcPct val="0"/>
+              </a:spcBef>
+              <a:spcAft>
+                <a:spcPct val="0"/>
+              </a:spcAft>
+              <a:buFontTx/>
+              <a:buChar char="•"/>
+            </a:pPr>
+            <a:r>
+              <a:rPr lang="en-US" altLang="en-US" dirty="0">
+                <a:solidFill>
+                  <a:schemeClr val="tx1"/>
+                </a:solidFill>
+                <a:latin typeface="Arial" panose="020B0604020202020204" pitchFamily="34" charset="0"/>
+              </a:rPr>
+              <a:t>Can cause delays if one task takes too long. </a:t>
+            </a:r>
+            <a:endParaRPr lang="en-US" altLang="en-US" dirty="0" smtClean="0">
+              <a:solidFill>
+                <a:schemeClr val="tx1"/>
+              </a:solidFill>
+              <a:latin typeface="Arial" panose="020B0604020202020204" pitchFamily="34" charset="0"/>
+            </a:endParaRPr>
+          </a:p>
+          <a:p>
+            <a:pPr lvl="0" defTabSz="914400" eaLnBrk="0" fontAlgn="base" hangingPunct="0">
+              <a:spcBef>
+                <a:spcPct val="0"/>
+              </a:spcBef>
+              <a:spcAft>
+                <a:spcPct val="0"/>
+              </a:spcAft>
+              <a:buFontTx/>
+              <a:buChar char="•"/>
+            </a:pPr>
+            <a:r>
+              <a:rPr lang="en-US" altLang="en-US" dirty="0" smtClean="0">
+                <a:solidFill>
+                  <a:schemeClr val="tx1"/>
+                </a:solidFill>
+                <a:latin typeface="Arial" panose="020B0604020202020204" pitchFamily="34" charset="0"/>
+              </a:rPr>
+              <a:t>Example:</a:t>
+            </a:r>
+          </a:p>
+          <a:p>
+            <a:pPr lvl="0" defTabSz="914400" eaLnBrk="0" fontAlgn="base" hangingPunct="0">
+              <a:spcBef>
+                <a:spcPct val="0"/>
+              </a:spcBef>
+              <a:spcAft>
+                <a:spcPct val="0"/>
+              </a:spcAft>
+              <a:buFontTx/>
+              <a:buChar char="•"/>
+            </a:pPr>
+            <a:endParaRPr lang="en-US" altLang="en-US" dirty="0">
+              <a:solidFill>
+                <a:schemeClr val="tx1"/>
+              </a:solidFill>
+              <a:latin typeface="Arial" panose="020B0604020202020204" pitchFamily="34" charset="0"/>
+            </a:endParaRPr>
+          </a:p>
+          <a:p>
+            <a:pPr lvl="0" defTabSz="914400" eaLnBrk="0" fontAlgn="base" hangingPunct="0">
+              <a:spcBef>
+                <a:spcPct val="0"/>
+              </a:spcBef>
+              <a:spcAft>
+                <a:spcPct val="0"/>
+              </a:spcAft>
+              <a:buFontTx/>
+              <a:buChar char="•"/>
+            </a:pPr>
+            <a:r>
+              <a:rPr lang="en-US" altLang="en-US" dirty="0">
+                <a:solidFill>
+                  <a:schemeClr val="tx1"/>
+                </a:solidFill>
+                <a:latin typeface="Arial" panose="020B0604020202020204" pitchFamily="34" charset="0"/>
+              </a:rPr>
+              <a:t>console.log("First");</a:t>
+            </a:r>
+          </a:p>
+          <a:p>
+            <a:pPr lvl="0" defTabSz="914400" eaLnBrk="0" fontAlgn="base" hangingPunct="0">
+              <a:spcBef>
+                <a:spcPct val="0"/>
+              </a:spcBef>
+              <a:spcAft>
+                <a:spcPct val="0"/>
+              </a:spcAft>
+              <a:buFontTx/>
+              <a:buChar char="•"/>
+            </a:pPr>
+            <a:r>
+              <a:rPr lang="en-US" altLang="en-US" dirty="0">
+                <a:solidFill>
+                  <a:schemeClr val="tx1"/>
+                </a:solidFill>
+                <a:latin typeface="Arial" panose="020B0604020202020204" pitchFamily="34" charset="0"/>
+              </a:rPr>
+              <a:t>alert("Pause here...");</a:t>
+            </a:r>
+          </a:p>
+          <a:p>
+            <a:pPr lvl="0" defTabSz="914400" eaLnBrk="0" fontAlgn="base" hangingPunct="0">
+              <a:spcBef>
+                <a:spcPct val="0"/>
+              </a:spcBef>
+              <a:spcAft>
+                <a:spcPct val="0"/>
+              </a:spcAft>
+              <a:buFontTx/>
+              <a:buChar char="•"/>
+            </a:pPr>
+            <a:r>
+              <a:rPr lang="en-US" altLang="en-US" dirty="0">
+                <a:solidFill>
+                  <a:schemeClr val="tx1"/>
+                </a:solidFill>
+                <a:latin typeface="Arial" panose="020B0604020202020204" pitchFamily="34" charset="0"/>
+              </a:rPr>
+              <a:t>console.log("Second"); // Runs only after alert is </a:t>
+            </a:r>
+            <a:r>
+              <a:rPr lang="en-US" altLang="en-US" dirty="0" smtClean="0">
+                <a:solidFill>
+                  <a:schemeClr val="tx1"/>
+                </a:solidFill>
+                <a:latin typeface="Arial" panose="020B0604020202020204" pitchFamily="34" charset="0"/>
+              </a:rPr>
+              <a:t>closed</a:t>
+            </a:r>
+            <a:endParaRPr lang="en-US" altLang="en-US" dirty="0">
+              <a:solidFill>
+                <a:schemeClr val="tx1"/>
+              </a:solidFill>
+              <a:latin typeface="Arial" panose="020B0604020202020204" pitchFamily="34" charset="0"/>
+            </a:endParaRPr>
+          </a:p>
+          <a:p>
+            <a:endParaRPr lang="en-US" dirty="0">
+              <a:latin typeface="Google Sans"/>
+            </a:endParaRPr>
+          </a:p>
+        </p:txBody>
+      </p:sp>
+      <p:sp>
+        <p:nvSpPr>
+          <p:cNvPr id="4" name="Rectangle 2"/>
+          <p:cNvSpPr>
+            <a:spLocks noChangeArrowheads="1"/>
+          </p:cNvSpPr>
+          <p:nvPr/>
+        </p:nvSpPr>
+        <p:spPr bwMode="auto">
+          <a:xfrm>
+            <a:off x="375138" y="5716655"/>
+            <a:ext cx="10922977" cy="369332"/>
+          </a:xfrm>
+          <a:prstGeom prst="rect">
+            <a:avLst/>
+          </a:prstGeom>
+          <a:noFill/>
+          <a:ln>
+            <a:noFill/>
+          </a:ln>
+          <a:effectLst/>
+          <a:extLst>
+            <a:ext uri="{909E8E84-426E-40DD-AFC4-6F175D3DCCD1}">
+              <a14:hiddenFill xmlns:a14="http://schemas.microsoft.com/office/drawing/2010/main">
+                <a:solidFill>
+                  <a:schemeClr val="accent1"/>
+                </a:solidFill>
+              </a14:hiddenFill>
+            </a:ext>
+            <a:ext uri="{91240B29-F687-4F45-9708-019B960494DF}">
+              <a14:hiddenLine xmlns:a14="http://schemas.microsoft.com/office/drawing/2010/main" w="9525">
+                <a:solidFill>
+                  <a:schemeClr val="tx1"/>
+                </a:solidFill>
+                <a:miter lim="800000"/>
+                <a:headEnd/>
+                <a:tailEnd/>
+              </a14:hiddenLine>
+            </a:ext>
+            <a:ext uri="{AF507438-7753-43E0-B8FC-AC1667EBCBE1}">
+              <a14:hiddenEffects xmlns:a14="http://schemas.microsoft.com/office/drawing/2010/main">
+                <a:effectLst>
+                  <a:outerShdw dist="35921" dir="2700000" algn="ctr" rotWithShape="0">
+                    <a:schemeClr val="bg2"/>
+                  </a:outerShdw>
+                </a:effectLst>
+              </a14:hiddenEffects>
+            </a:ext>
+          </a:extLst>
+        </p:spPr>
+        <p:txBody>
+          <a:bodyPr vert="horz" wrap="square" lIns="91440" tIns="45720" rIns="91440" bIns="45720" numCol="1" anchor="ctr" anchorCtr="0" compatLnSpc="1">
+            <a:prstTxWarp prst="textNoShape">
+              <a:avLst/>
+            </a:prstTxWarp>
+            <a:spAutoFit/>
+          </a:bodyPr>
+          <a:lstStyle/>
+          <a:p>
+            <a:pPr marL="285750" marR="0" lvl="0" indent="-285750" algn="l" defTabSz="914400" rtl="0" eaLnBrk="0" fontAlgn="base" latinLnBrk="0" hangingPunct="0">
+              <a:lnSpc>
+                <a:spcPct val="100000"/>
+              </a:lnSpc>
+              <a:spcBef>
+                <a:spcPct val="0"/>
+              </a:spcBef>
+              <a:spcAft>
+                <a:spcPct val="0"/>
+              </a:spcAft>
+              <a:buClrTx/>
+              <a:buSzTx/>
+              <a:buFont typeface="Wingdings" panose="05000000000000000000" pitchFamily="2" charset="2"/>
+              <a:buChar char="q"/>
+              <a:tabLst/>
+            </a:pPr>
+            <a:r>
+              <a:rPr kumimoji="0" lang="en-US" altLang="en-US" b="0" i="0" u="none" strike="noStrike" cap="none" normalizeH="0" baseline="0" dirty="0" smtClean="0">
+                <a:ln>
+                  <a:noFill/>
+                </a:ln>
+                <a:solidFill>
+                  <a:schemeClr val="tx1"/>
+                </a:solidFill>
+                <a:effectLst/>
+                <a:latin typeface="Google Sans"/>
+              </a:rPr>
+              <a:t>But JS also supports </a:t>
+            </a:r>
+            <a:r>
+              <a:rPr kumimoji="0" lang="en-US" altLang="en-US" b="1" i="0" u="none" strike="noStrike" cap="none" normalizeH="0" baseline="0" dirty="0" smtClean="0">
+                <a:ln>
+                  <a:noFill/>
+                </a:ln>
+                <a:solidFill>
+                  <a:schemeClr val="tx1"/>
+                </a:solidFill>
+                <a:effectLst/>
+                <a:latin typeface="Google Sans"/>
+              </a:rPr>
+              <a:t>Asynchronous</a:t>
+            </a:r>
+            <a:r>
+              <a:rPr kumimoji="0" lang="en-US" altLang="en-US" b="0" i="0" u="none" strike="noStrike" cap="none" normalizeH="0" baseline="0" dirty="0" smtClean="0">
+                <a:ln>
+                  <a:noFill/>
+                </a:ln>
+                <a:solidFill>
+                  <a:schemeClr val="tx1"/>
+                </a:solidFill>
+                <a:effectLst/>
+                <a:latin typeface="Google Sans"/>
+              </a:rPr>
+              <a:t> tasks (like </a:t>
+            </a:r>
+            <a:r>
+              <a:rPr kumimoji="0" lang="en-US" altLang="en-US" b="0" i="0" u="none" strike="noStrike" cap="none" normalizeH="0" baseline="0" dirty="0" err="1" smtClean="0">
+                <a:ln>
+                  <a:noFill/>
+                </a:ln>
+                <a:solidFill>
+                  <a:schemeClr val="tx1"/>
+                </a:solidFill>
+                <a:effectLst/>
+                <a:latin typeface="Google Sans"/>
+              </a:rPr>
+              <a:t>setTimeout</a:t>
+            </a:r>
+            <a:r>
+              <a:rPr kumimoji="0" lang="en-US" altLang="en-US" b="0" i="0" u="none" strike="noStrike" cap="none" normalizeH="0" baseline="0" dirty="0" smtClean="0">
+                <a:ln>
+                  <a:noFill/>
+                </a:ln>
+                <a:solidFill>
+                  <a:schemeClr val="tx1"/>
+                </a:solidFill>
+                <a:effectLst/>
+                <a:latin typeface="Google Sans"/>
+              </a:rPr>
+              <a:t> &amp; fetch) to handle multiple things smoothly! </a:t>
+            </a:r>
+          </a:p>
+        </p:txBody>
+      </p:sp>
+      <p:pic>
+        <p:nvPicPr>
+          <p:cNvPr id="6" name="Picture 5"/>
+          <p:cNvPicPr>
+            <a:picLocks noChangeAspect="1"/>
+          </p:cNvPicPr>
+          <p:nvPr/>
+        </p:nvPicPr>
+        <p:blipFill>
+          <a:blip r:embed="rId2"/>
+          <a:stretch>
+            <a:fillRect/>
+          </a:stretch>
+        </p:blipFill>
+        <p:spPr>
+          <a:xfrm>
+            <a:off x="6805246" y="2988981"/>
+            <a:ext cx="5091267" cy="1454648"/>
+          </a:xfrm>
+          <a:prstGeom prst="rect">
+            <a:avLst/>
+          </a:prstGeom>
+        </p:spPr>
+      </p:pic>
+    </p:spTree>
+    <p:extLst>
+      <p:ext uri="{BB962C8B-B14F-4D97-AF65-F5344CB8AC3E}">
+        <p14:creationId xmlns:p14="http://schemas.microsoft.com/office/powerpoint/2010/main" val="2951765221"/>
+      </p:ext>
+    </p:extLst>
+  </p:cSld>
+  <p:clrMapOvr>
+    <a:masterClrMapping/>
+  </p:clrMapOvr>
+  <p:timing>
+    <p:tnLst>
+      <p:par>
+        <p:cTn id="1" dur="indefinite" restart="never" nodeType="tmRoot"/>
+      </p:par>
+    </p:tnLst>
+  </p:timing>
+</p:sld>
+</file>
+
+<file path=ppt/slides/slide11.xml><?xml version="1.0" encoding="utf-8"?>
+<p:sld xmlns:a="http://schemas.openxmlformats.org/drawingml/2006/main" xmlns:r="http://schemas.openxmlformats.org/officeDocument/2006/relationships" xmlns:p="http://schemas.openxmlformats.org/presentationml/2006/main">
+  <p:cSld>
+    <p:spTree>
+      <p:nvGrpSpPr>
+        <p:cNvPr id="1" name=""/>
+        <p:cNvGrpSpPr/>
+        <p:nvPr/>
+      </p:nvGrpSpPr>
+      <p:grpSpPr>
+        <a:xfrm>
+          <a:off x="0" y="0"/>
+          <a:ext cx="0" cy="0"/>
+          <a:chOff x="0" y="0"/>
+          <a:chExt cx="0" cy="0"/>
+        </a:xfrm>
+      </p:grpSpPr>
+      <p:sp>
+        <p:nvSpPr>
+          <p:cNvPr id="2" name="Title 1"/>
+          <p:cNvSpPr>
+            <a:spLocks noGrp="1"/>
+          </p:cNvSpPr>
+          <p:nvPr>
+            <p:ph type="title"/>
+          </p:nvPr>
+        </p:nvSpPr>
+        <p:spPr/>
+        <p:txBody>
+          <a:bodyPr anchor="ctr"/>
+          <a:lstStyle/>
+          <a:p>
+            <a:pPr algn="ctr"/>
+            <a:r>
               <a:rPr lang="en-US" b="1" dirty="0">
                 <a:latin typeface="Google Sans"/>
               </a:rPr>
@@ -4018,7 +4886,7 @@
 </p:sld>
 </file>
 
-<file path=ppt/slides/slide11.xml><?xml version="1.0" encoding="utf-8"?>
+<file path=ppt/slides/slide12.xml><?xml version="1.0" encoding="utf-8"?>
 <p:sld xmlns:a="http://schemas.openxmlformats.org/drawingml/2006/main" xmlns:r="http://schemas.openxmlformats.org/officeDocument/2006/relationships" xmlns:p="http://schemas.openxmlformats.org/presentationml/2006/main">
   <p:cSld>
     <p:spTree>
@@ -4063,7 +4931,7 @@
       </p:sp>
       <p:pic>
         <p:nvPicPr>
-          <p:cNvPr id="5" name="Picture 4"/>
+          <p:cNvPr id="4" name="Picture 3"/>
           <p:cNvPicPr>
             <a:picLocks noChangeAspect="1"/>
           </p:cNvPicPr>
@@ -4077,8 +4945,8 @@
         </p:blipFill>
         <p:spPr>
           <a:xfrm>
-            <a:off x="1328072" y="1894790"/>
-            <a:ext cx="9535856" cy="4563112"/>
+            <a:off x="1199466" y="1866195"/>
+            <a:ext cx="9793067" cy="4848902"/>
           </a:xfrm>
           <a:prstGeom prst="rect">
             <a:avLst/>
@@ -4105,7 +4973,7 @@
 </p:sld>
 </file>
 
-<file path=ppt/slides/slide12.xml><?xml version="1.0" encoding="utf-8"?>
+<file path=ppt/slides/slide13.xml><?xml version="1.0" encoding="utf-8"?>
 <p:sld xmlns:a="http://schemas.openxmlformats.org/drawingml/2006/main" xmlns:r="http://schemas.openxmlformats.org/officeDocument/2006/relationships" xmlns:p="http://schemas.openxmlformats.org/presentationml/2006/main">
   <p:cSld>
     <p:spTree>
@@ -4332,7 +5200,7 @@
 </p:sld>
 </file>
 
-<file path=ppt/slides/slide13.xml><?xml version="1.0" encoding="utf-8"?>
+<file path=ppt/slides/slide14.xml><?xml version="1.0" encoding="utf-8"?>
 <p:sld xmlns:a="http://schemas.openxmlformats.org/drawingml/2006/main" xmlns:r="http://schemas.openxmlformats.org/officeDocument/2006/relationships" xmlns:p="http://schemas.openxmlformats.org/presentationml/2006/main">
   <p:cSld>
     <p:spTree>
@@ -4475,7 +5343,7 @@
 </p:sld>
 </file>
 
-<file path=ppt/slides/slide14.xml><?xml version="1.0" encoding="utf-8"?>
+<file path=ppt/slides/slide15.xml><?xml version="1.0" encoding="utf-8"?>
 <p:sld xmlns:a="http://schemas.openxmlformats.org/drawingml/2006/main" xmlns:r="http://schemas.openxmlformats.org/officeDocument/2006/relationships" xmlns:p="http://schemas.openxmlformats.org/presentationml/2006/main">
   <p:cSld>
     <p:spTree>
@@ -4564,7 +5432,7 @@
 </p:sld>
 </file>
 
-<file path=ppt/slides/slide15.xml><?xml version="1.0" encoding="utf-8"?>
+<file path=ppt/slides/slide16.xml><?xml version="1.0" encoding="utf-8"?>
 <p:sld xmlns:a="http://schemas.openxmlformats.org/drawingml/2006/main" xmlns:r="http://schemas.openxmlformats.org/officeDocument/2006/relationships" xmlns:p="http://schemas.openxmlformats.org/presentationml/2006/main">
   <p:cSld>
     <p:spTree>
@@ -4791,7 +5659,7 @@
 </p:sld>
 </file>
 
-<file path=ppt/slides/slide16.xml><?xml version="1.0" encoding="utf-8"?>
+<file path=ppt/slides/slide17.xml><?xml version="1.0" encoding="utf-8"?>
 <p:sld xmlns:a="http://schemas.openxmlformats.org/drawingml/2006/main" xmlns:r="http://schemas.openxmlformats.org/officeDocument/2006/relationships" xmlns:p="http://schemas.openxmlformats.org/presentationml/2006/main">
   <p:cSld>
     <p:spTree>
@@ -4963,7 +5831,7 @@
 </p:sld>
 </file>
 
-<file path=ppt/slides/slide17.xml><?xml version="1.0" encoding="utf-8"?>
+<file path=ppt/slides/slide18.xml><?xml version="1.0" encoding="utf-8"?>
 <p:sld xmlns:a="http://schemas.openxmlformats.org/drawingml/2006/main" xmlns:r="http://schemas.openxmlformats.org/officeDocument/2006/relationships" xmlns:p="http://schemas.openxmlformats.org/presentationml/2006/main">
   <p:cSld>
     <p:spTree>
@@ -5096,7 +5964,7 @@
 </p:sld>
 </file>
 
-<file path=ppt/slides/slide18.xml><?xml version="1.0" encoding="utf-8"?>
+<file path=ppt/slides/slide19.xml><?xml version="1.0" encoding="utf-8"?>
 <p:sld xmlns:a="http://schemas.openxmlformats.org/drawingml/2006/main" xmlns:r="http://schemas.openxmlformats.org/officeDocument/2006/relationships" xmlns:p="http://schemas.openxmlformats.org/presentationml/2006/main">
   <p:cSld>
     <p:spTree>
@@ -5283,7 +6151,248 @@
 </p:sld>
 </file>
 
-<file path=ppt/slides/slide19.xml><?xml version="1.0" encoding="utf-8"?>
+<file path=ppt/slides/slide2.xml><?xml version="1.0" encoding="utf-8"?>
+<p:sld xmlns:a="http://schemas.openxmlformats.org/drawingml/2006/main" xmlns:r="http://schemas.openxmlformats.org/officeDocument/2006/relationships" xmlns:p="http://schemas.openxmlformats.org/presentationml/2006/main">
+  <p:cSld>
+    <p:spTree>
+      <p:nvGrpSpPr>
+        <p:cNvPr id="1" name=""/>
+        <p:cNvGrpSpPr/>
+        <p:nvPr/>
+      </p:nvGrpSpPr>
+      <p:grpSpPr>
+        <a:xfrm>
+          <a:off x="0" y="0"/>
+          <a:ext cx="0" cy="0"/>
+          <a:chOff x="0" y="0"/>
+          <a:chExt cx="0" cy="0"/>
+        </a:xfrm>
+      </p:grpSpPr>
+      <p:sp>
+        <p:nvSpPr>
+          <p:cNvPr id="2" name="Title 1"/>
+          <p:cNvSpPr>
+            <a:spLocks noGrp="1"/>
+          </p:cNvSpPr>
+          <p:nvPr>
+            <p:ph type="ctrTitle"/>
+          </p:nvPr>
+        </p:nvSpPr>
+        <p:spPr/>
+        <p:txBody>
+          <a:bodyPr anchor="ctr">
+            <a:normAutofit/>
+          </a:bodyPr>
+          <a:lstStyle/>
+          <a:p>
+            <a:r>
+              <a:rPr lang="en-US" sz="8800" dirty="0" smtClean="0"/>
+              <a:t>DAY-01</a:t>
+            </a:r>
+            <a:endParaRPr lang="en-US" sz="8800" dirty="0"/>
+          </a:p>
+        </p:txBody>
+      </p:sp>
+      <p:sp>
+        <p:nvSpPr>
+          <p:cNvPr id="4" name="TextBox 3"/>
+          <p:cNvSpPr txBox="1"/>
+          <p:nvPr/>
+        </p:nvSpPr>
+        <p:spPr>
+          <a:xfrm>
+            <a:off x="581191" y="3182815"/>
+            <a:ext cx="10993549" cy="3139321"/>
+          </a:xfrm>
+          <a:prstGeom prst="rect">
+            <a:avLst/>
+          </a:prstGeom>
+          <a:noFill/>
+        </p:spPr>
+        <p:txBody>
+          <a:bodyPr wrap="square" rtlCol="0">
+            <a:spAutoFit/>
+          </a:bodyPr>
+          <a:lstStyle/>
+          <a:p>
+            <a:r>
+              <a:rPr lang="en-US" u="sng" dirty="0" smtClean="0">
+                <a:solidFill>
+                  <a:schemeClr val="bg1"/>
+                </a:solidFill>
+              </a:rPr>
+              <a:t>Topics Covered</a:t>
+            </a:r>
+            <a:r>
+              <a:rPr lang="en-US" dirty="0" smtClean="0">
+                <a:solidFill>
+                  <a:schemeClr val="bg1"/>
+                </a:solidFill>
+              </a:rPr>
+              <a:t> : –</a:t>
+            </a:r>
+          </a:p>
+          <a:p>
+            <a:pPr marL="342900" indent="-342900">
+              <a:buFont typeface="+mj-lt"/>
+              <a:buAutoNum type="arabicPeriod"/>
+            </a:pPr>
+            <a:r>
+              <a:rPr lang="en-US" dirty="0" smtClean="0">
+                <a:solidFill>
+                  <a:schemeClr val="bg1"/>
+                </a:solidFill>
+              </a:rPr>
+              <a:t>What is Javascript?</a:t>
+            </a:r>
+          </a:p>
+          <a:p>
+            <a:pPr marL="342900" indent="-342900">
+              <a:buFont typeface="+mj-lt"/>
+              <a:buAutoNum type="arabicPeriod"/>
+            </a:pPr>
+            <a:r>
+              <a:rPr lang="en-US" dirty="0" smtClean="0">
+                <a:solidFill>
+                  <a:schemeClr val="bg1"/>
+                </a:solidFill>
+              </a:rPr>
+              <a:t>Why we need Javascript?</a:t>
+            </a:r>
+          </a:p>
+          <a:p>
+            <a:pPr marL="342900" indent="-342900">
+              <a:buFont typeface="+mj-lt"/>
+              <a:buAutoNum type="arabicPeriod"/>
+            </a:pPr>
+            <a:r>
+              <a:rPr lang="en-US" dirty="0" smtClean="0">
+                <a:solidFill>
+                  <a:schemeClr val="bg1"/>
+                </a:solidFill>
+              </a:rPr>
+              <a:t>History of Javascript</a:t>
+            </a:r>
+          </a:p>
+          <a:p>
+            <a:pPr marL="342900" indent="-342900">
+              <a:buFont typeface="+mj-lt"/>
+              <a:buAutoNum type="arabicPeriod"/>
+            </a:pPr>
+            <a:r>
+              <a:rPr lang="en-US" dirty="0" smtClean="0">
+                <a:solidFill>
+                  <a:schemeClr val="bg1"/>
+                </a:solidFill>
+              </a:rPr>
+              <a:t>JS Engines of different browser</a:t>
+            </a:r>
+          </a:p>
+          <a:p>
+            <a:pPr marL="342900" indent="-342900">
+              <a:buFont typeface="+mj-lt"/>
+              <a:buAutoNum type="arabicPeriod"/>
+            </a:pPr>
+            <a:r>
+              <a:rPr lang="en-US" dirty="0" smtClean="0">
+                <a:solidFill>
+                  <a:schemeClr val="bg1"/>
+                </a:solidFill>
+              </a:rPr>
+              <a:t>Characteristics of Javascript</a:t>
+            </a:r>
+          </a:p>
+          <a:p>
+            <a:pPr marL="342900" indent="-342900">
+              <a:buFont typeface="+mj-lt"/>
+              <a:buAutoNum type="arabicPeriod"/>
+            </a:pPr>
+            <a:r>
+              <a:rPr lang="en-US" dirty="0" smtClean="0">
+                <a:solidFill>
+                  <a:schemeClr val="bg1"/>
+                </a:solidFill>
+              </a:rPr>
+              <a:t> Ways to add Javascript</a:t>
+            </a:r>
+          </a:p>
+          <a:p>
+            <a:pPr marL="342900" indent="-342900">
+              <a:buFont typeface="+mj-lt"/>
+              <a:buAutoNum type="arabicPeriod"/>
+            </a:pPr>
+            <a:r>
+              <a:rPr lang="en-US" dirty="0" smtClean="0">
+                <a:solidFill>
+                  <a:schemeClr val="bg1"/>
+                </a:solidFill>
+              </a:rPr>
+              <a:t>Variables in Javascript</a:t>
+            </a:r>
+          </a:p>
+          <a:p>
+            <a:pPr marL="342900" indent="-342900">
+              <a:buFont typeface="+mj-lt"/>
+              <a:buAutoNum type="arabicPeriod"/>
+            </a:pPr>
+            <a:r>
+              <a:rPr lang="en-US" dirty="0" smtClean="0">
+                <a:solidFill>
+                  <a:schemeClr val="bg1"/>
+                </a:solidFill>
+              </a:rPr>
+              <a:t>Datatypes in Javascript</a:t>
+            </a:r>
+          </a:p>
+          <a:p>
+            <a:pPr marL="342900" indent="-342900">
+              <a:buFont typeface="+mj-lt"/>
+              <a:buAutoNum type="arabicPeriod"/>
+            </a:pPr>
+            <a:r>
+              <a:rPr lang="en-US" dirty="0" smtClean="0">
+                <a:solidFill>
+                  <a:schemeClr val="bg1"/>
+                </a:solidFill>
+              </a:rPr>
+              <a:t>Operators in Javascript</a:t>
+            </a:r>
+          </a:p>
+          <a:p>
+            <a:pPr marL="342900" indent="-342900">
+              <a:buFont typeface="+mj-lt"/>
+              <a:buAutoNum type="arabicPeriod"/>
+            </a:pPr>
+            <a:r>
+              <a:rPr lang="en-US" dirty="0" smtClean="0">
+                <a:solidFill>
+                  <a:schemeClr val="bg1"/>
+                </a:solidFill>
+              </a:rPr>
+              <a:t>Decision-Making Statements in Javascript</a:t>
+            </a:r>
+            <a:endParaRPr lang="en-US" dirty="0">
+              <a:solidFill>
+                <a:schemeClr val="bg1"/>
+              </a:solidFill>
+            </a:endParaRPr>
+          </a:p>
+        </p:txBody>
+      </p:sp>
+    </p:spTree>
+    <p:extLst>
+      <p:ext uri="{BB962C8B-B14F-4D97-AF65-F5344CB8AC3E}">
+        <p14:creationId xmlns:p14="http://schemas.microsoft.com/office/powerpoint/2010/main" val="2106892498"/>
+      </p:ext>
+    </p:extLst>
+  </p:cSld>
+  <p:clrMapOvr>
+    <a:masterClrMapping/>
+  </p:clrMapOvr>
+</p:sld>
+</file>
+
+<file path=ppt/slides/slide20.xml><?xml version="1.0" encoding="utf-8"?>
 <p:sld xmlns:a="http://schemas.openxmlformats.org/drawingml/2006/main" xmlns:r="http://schemas.openxmlformats.org/officeDocument/2006/relationships" xmlns:p="http://schemas.openxmlformats.org/presentationml/2006/main">
   <p:cSld>
     <p:spTree>
@@ -5428,305 +6537,7 @@
 </p:sld>
 </file>
 
-<file path=ppt/slides/slide2.xml><?xml version="1.0" encoding="utf-8"?>
-<p:sld xmlns:a="http://schemas.openxmlformats.org/drawingml/2006/main" xmlns:r="http://schemas.openxmlformats.org/officeDocument/2006/relationships" xmlns:p="http://schemas.openxmlformats.org/presentationml/2006/main">
-  <p:cSld>
-    <p:spTree>
-      <p:nvGrpSpPr>
-        <p:cNvPr id="1" name=""/>
-        <p:cNvGrpSpPr/>
-        <p:nvPr/>
-      </p:nvGrpSpPr>
-      <p:grpSpPr>
-        <a:xfrm>
-          <a:off x="0" y="0"/>
-          <a:ext cx="0" cy="0"/>
-          <a:chOff x="0" y="0"/>
-          <a:chExt cx="0" cy="0"/>
-        </a:xfrm>
-      </p:grpSpPr>
-      <p:sp>
-        <p:nvSpPr>
-          <p:cNvPr id="2" name="Title 1"/>
-          <p:cNvSpPr>
-            <a:spLocks noGrp="1"/>
-          </p:cNvSpPr>
-          <p:nvPr>
-            <p:ph type="title"/>
-          </p:nvPr>
-        </p:nvSpPr>
-        <p:spPr/>
-        <p:txBody>
-          <a:bodyPr anchor="ctr"/>
-          <a:lstStyle/>
-          <a:p>
-            <a:pPr algn="ctr"/>
-            <a:r>
-              <a:rPr lang="en-IN" b="1" dirty="0"/>
-              <a:t>What is </a:t>
-            </a:r>
-            <a:r>
-              <a:rPr lang="en-IN" b="1" dirty="0" smtClean="0"/>
-              <a:t>JavaScript</a:t>
-            </a:r>
-            <a:endParaRPr lang="en-US" dirty="0"/>
-          </a:p>
-        </p:txBody>
-      </p:sp>
-      <p:sp>
-        <p:nvSpPr>
-          <p:cNvPr id="4" name="TextBox 3"/>
-          <p:cNvSpPr txBox="1"/>
-          <p:nvPr/>
-        </p:nvSpPr>
-        <p:spPr>
-          <a:xfrm>
-            <a:off x="457200" y="1995854"/>
-            <a:ext cx="11306908" cy="4401205"/>
-          </a:xfrm>
-          <a:prstGeom prst="rect">
-            <a:avLst/>
-          </a:prstGeom>
-          <a:noFill/>
-        </p:spPr>
-        <p:txBody>
-          <a:bodyPr wrap="square" rtlCol="0">
-            <a:spAutoFit/>
-          </a:bodyPr>
-          <a:lstStyle/>
-          <a:p>
-            <a:pPr marL="285750" indent="-285750" algn="just">
-              <a:buFont typeface="Wingdings" panose="05000000000000000000" pitchFamily="2" charset="2"/>
-              <a:buChar char="Ø"/>
-            </a:pPr>
-            <a:r>
-              <a:rPr lang="en-US" sz="2000" dirty="0">
-                <a:latin typeface="Google Sans"/>
-              </a:rPr>
-              <a:t>JavaScript is a high level programming language which is used to create interactive web pages.</a:t>
-            </a:r>
-          </a:p>
-          <a:p>
-            <a:pPr marL="285750" indent="-285750" algn="just">
-              <a:buFont typeface="Wingdings" panose="05000000000000000000" pitchFamily="2" charset="2"/>
-              <a:buChar char="Ø"/>
-            </a:pPr>
-            <a:endParaRPr lang="en-US" sz="2000" dirty="0">
-              <a:latin typeface="Google Sans"/>
-            </a:endParaRPr>
-          </a:p>
-          <a:p>
-            <a:pPr marL="285750" indent="-285750" algn="just">
-              <a:buFont typeface="Wingdings" panose="05000000000000000000" pitchFamily="2" charset="2"/>
-              <a:buChar char="Ø"/>
-            </a:pPr>
-            <a:r>
-              <a:rPr lang="en-US" sz="2000" dirty="0">
-                <a:latin typeface="Google Sans"/>
-              </a:rPr>
-              <a:t>It is the only language understood by browser.</a:t>
-            </a:r>
-          </a:p>
-          <a:p>
-            <a:pPr marL="285750" indent="-285750" algn="just">
-              <a:buFont typeface="Wingdings" panose="05000000000000000000" pitchFamily="2" charset="2"/>
-              <a:buChar char="Ø"/>
-            </a:pPr>
-            <a:endParaRPr lang="en-US" sz="2000" dirty="0">
-              <a:latin typeface="Google Sans"/>
-            </a:endParaRPr>
-          </a:p>
-          <a:p>
-            <a:pPr marL="285750" indent="-285750" algn="just">
-              <a:buFont typeface="Wingdings" panose="05000000000000000000" pitchFamily="2" charset="2"/>
-              <a:buChar char="Ø"/>
-            </a:pPr>
-            <a:r>
-              <a:rPr lang="en-US" sz="2000" dirty="0">
-                <a:latin typeface="Google Sans"/>
-              </a:rPr>
-              <a:t>JavaScript is a scripting </a:t>
-            </a:r>
-            <a:r>
-              <a:rPr lang="en-US" sz="2000" dirty="0" smtClean="0">
-                <a:latin typeface="Google Sans"/>
-              </a:rPr>
-              <a:t>language. </a:t>
-            </a:r>
-            <a:endParaRPr lang="en-US" sz="2000" dirty="0">
-              <a:latin typeface="Google Sans"/>
-            </a:endParaRPr>
-          </a:p>
-          <a:p>
-            <a:pPr marL="285750" indent="-285750" algn="just">
-              <a:buFont typeface="Wingdings" panose="05000000000000000000" pitchFamily="2" charset="2"/>
-              <a:buChar char="Ø"/>
-            </a:pPr>
-            <a:endParaRPr lang="en-US" sz="2000" dirty="0">
-              <a:latin typeface="Google Sans"/>
-            </a:endParaRPr>
-          </a:p>
-          <a:p>
-            <a:pPr marL="285750" indent="-285750" algn="just">
-              <a:buFont typeface="Wingdings" panose="05000000000000000000" pitchFamily="2" charset="2"/>
-              <a:buChar char="Ø"/>
-            </a:pPr>
-            <a:r>
-              <a:rPr lang="en-US" sz="2000" dirty="0">
-                <a:latin typeface="Google Sans"/>
-              </a:rPr>
-              <a:t>It is the language you can use at browser side as well as server side.</a:t>
-            </a:r>
-          </a:p>
-          <a:p>
-            <a:pPr marL="285750" indent="-285750" algn="just">
-              <a:buFont typeface="Wingdings" panose="05000000000000000000" pitchFamily="2" charset="2"/>
-              <a:buChar char="Ø"/>
-            </a:pPr>
-            <a:endParaRPr lang="en-US" sz="2000" dirty="0">
-              <a:latin typeface="Google Sans"/>
-            </a:endParaRPr>
-          </a:p>
-          <a:p>
-            <a:pPr marL="285750" indent="-285750" algn="just">
-              <a:buFont typeface="Wingdings" panose="05000000000000000000" pitchFamily="2" charset="2"/>
-              <a:buChar char="Ø"/>
-            </a:pPr>
-            <a:r>
-              <a:rPr lang="en-US" sz="2000" dirty="0">
-                <a:latin typeface="Google Sans"/>
-              </a:rPr>
-              <a:t>It is the most commonly and popular language used right now.</a:t>
-            </a:r>
-          </a:p>
-          <a:p>
-            <a:pPr marL="285750" indent="-285750" algn="just">
-              <a:buFont typeface="Wingdings" panose="05000000000000000000" pitchFamily="2" charset="2"/>
-              <a:buChar char="Ø"/>
-            </a:pPr>
-            <a:endParaRPr lang="en-US" sz="2000" dirty="0">
-              <a:latin typeface="Google Sans"/>
-            </a:endParaRPr>
-          </a:p>
-          <a:p>
-            <a:pPr marL="285750" indent="-285750" algn="just">
-              <a:buFont typeface="Wingdings" panose="05000000000000000000" pitchFamily="2" charset="2"/>
-              <a:buChar char="Ø"/>
-            </a:pPr>
-            <a:r>
-              <a:rPr lang="en-US" sz="2000" dirty="0">
-                <a:latin typeface="Google Sans"/>
-              </a:rPr>
-              <a:t>A lot of framework and libraries are based on Javascript. It can be used for both frontend and backend.</a:t>
-            </a:r>
-          </a:p>
-          <a:p>
-            <a:pPr algn="just"/>
-            <a:r>
-              <a:rPr lang="en-US" sz="2000" dirty="0">
-                <a:latin typeface="Google Sans"/>
-              </a:rPr>
-              <a:t>	</a:t>
-            </a:r>
-            <a:r>
-              <a:rPr lang="en-US" sz="2000" dirty="0" smtClean="0">
-                <a:latin typeface="Google Sans"/>
-              </a:rPr>
-              <a:t>Frontend – </a:t>
-            </a:r>
-            <a:r>
-              <a:rPr lang="en-US" sz="2000" dirty="0" err="1" smtClean="0">
-                <a:latin typeface="Google Sans"/>
-              </a:rPr>
-              <a:t>React.Js</a:t>
-            </a:r>
-            <a:r>
-              <a:rPr lang="en-US" sz="2000" dirty="0">
-                <a:latin typeface="Google Sans"/>
-              </a:rPr>
-              <a:t>, </a:t>
-            </a:r>
-            <a:r>
-              <a:rPr lang="en-US" sz="2000" dirty="0" err="1" smtClean="0">
-                <a:latin typeface="Google Sans"/>
-              </a:rPr>
-              <a:t>Angular.Js</a:t>
-            </a:r>
-            <a:r>
-              <a:rPr lang="en-US" sz="2000" dirty="0">
-                <a:latin typeface="Google Sans"/>
-              </a:rPr>
-              <a:t>, </a:t>
-            </a:r>
-            <a:r>
-              <a:rPr lang="en-US" sz="2000" dirty="0" err="1" smtClean="0">
-                <a:latin typeface="Google Sans"/>
-              </a:rPr>
-              <a:t>Next.Js</a:t>
-            </a:r>
-            <a:endParaRPr lang="en-US" sz="2000" dirty="0">
-              <a:latin typeface="Google Sans"/>
-            </a:endParaRPr>
-          </a:p>
-          <a:p>
-            <a:pPr algn="just"/>
-            <a:r>
-              <a:rPr lang="en-US" sz="2000" dirty="0">
-                <a:latin typeface="Google Sans"/>
-              </a:rPr>
-              <a:t>	Backend </a:t>
-            </a:r>
-            <a:r>
-              <a:rPr lang="en-US" sz="2000" dirty="0" smtClean="0">
-                <a:latin typeface="Google Sans"/>
-              </a:rPr>
-              <a:t>– </a:t>
-            </a:r>
-            <a:r>
-              <a:rPr lang="en-US" sz="2000" dirty="0" err="1" smtClean="0">
-                <a:latin typeface="Google Sans"/>
-              </a:rPr>
-              <a:t>Node.Js</a:t>
-            </a:r>
-            <a:r>
-              <a:rPr lang="en-US" sz="2000" dirty="0">
-                <a:latin typeface="Google Sans"/>
-              </a:rPr>
-              <a:t>, </a:t>
-            </a:r>
-            <a:r>
-              <a:rPr lang="en-US" sz="2000" dirty="0" err="1" smtClean="0">
-                <a:latin typeface="Google Sans"/>
-              </a:rPr>
-              <a:t>Express.Js</a:t>
-            </a:r>
-            <a:endParaRPr lang="en-US" sz="2000" dirty="0">
-              <a:latin typeface="Google Sans"/>
-            </a:endParaRPr>
-          </a:p>
-        </p:txBody>
-      </p:sp>
-    </p:spTree>
-    <p:extLst>
-      <p:ext uri="{BB962C8B-B14F-4D97-AF65-F5344CB8AC3E}">
-        <p14:creationId xmlns:p14="http://schemas.microsoft.com/office/powerpoint/2010/main" val="1048833370"/>
-      </p:ext>
-    </p:extLst>
-  </p:cSld>
-  <p:clrMapOvr>
-    <a:masterClrMapping/>
-  </p:clrMapOvr>
-  <p:timing>
-    <p:tnLst>
-      <p:par>
-        <p:cTn id="1" dur="indefinite" restart="never" nodeType="tmRoot"/>
-      </p:par>
-    </p:tnLst>
-  </p:timing>
-</p:sld>
-</file>
-
-<file path=ppt/slides/slide20.xml><?xml version="1.0" encoding="utf-8"?>
+<file path=ppt/slides/slide21.xml><?xml version="1.0" encoding="utf-8"?>
 <p:sld xmlns:a="http://schemas.openxmlformats.org/drawingml/2006/main" xmlns:r="http://schemas.openxmlformats.org/officeDocument/2006/relationships" xmlns:p="http://schemas.openxmlformats.org/presentationml/2006/main">
   <p:cSld>
     <p:spTree>
@@ -5859,7 +6670,7 @@
 </p:sld>
 </file>
 
-<file path=ppt/slides/slide21.xml><?xml version="1.0" encoding="utf-8"?>
+<file path=ppt/slides/slide22.xml><?xml version="1.0" encoding="utf-8"?>
 <p:sld xmlns:a="http://schemas.openxmlformats.org/drawingml/2006/main" xmlns:r="http://schemas.openxmlformats.org/officeDocument/2006/relationships" xmlns:p="http://schemas.openxmlformats.org/presentationml/2006/main">
   <p:cSld>
     <p:spTree>
@@ -5992,7 +6803,7 @@
 </p:sld>
 </file>
 
-<file path=ppt/slides/slide22.xml><?xml version="1.0" encoding="utf-8"?>
+<file path=ppt/slides/slide23.xml><?xml version="1.0" encoding="utf-8"?>
 <p:sld xmlns:a="http://schemas.openxmlformats.org/drawingml/2006/main" xmlns:r="http://schemas.openxmlformats.org/officeDocument/2006/relationships" xmlns:p="http://schemas.openxmlformats.org/presentationml/2006/main">
   <p:cSld>
     <p:spTree>
@@ -6313,7 +7124,5305 @@
 </p:sld>
 </file>
 
+<file path=ppt/slides/slide24.xml><?xml version="1.0" encoding="utf-8"?>
+<p:sld xmlns:a="http://schemas.openxmlformats.org/drawingml/2006/main" xmlns:r="http://schemas.openxmlformats.org/officeDocument/2006/relationships" xmlns:p="http://schemas.openxmlformats.org/presentationml/2006/main">
+  <p:cSld>
+    <p:spTree>
+      <p:nvGrpSpPr>
+        <p:cNvPr id="1" name=""/>
+        <p:cNvGrpSpPr/>
+        <p:nvPr/>
+      </p:nvGrpSpPr>
+      <p:grpSpPr>
+        <a:xfrm>
+          <a:off x="0" y="0"/>
+          <a:ext cx="0" cy="0"/>
+          <a:chOff x="0" y="0"/>
+          <a:chExt cx="0" cy="0"/>
+        </a:xfrm>
+      </p:grpSpPr>
+      <p:sp>
+        <p:nvSpPr>
+          <p:cNvPr id="2" name="Title 1"/>
+          <p:cNvSpPr>
+            <a:spLocks noGrp="1"/>
+          </p:cNvSpPr>
+          <p:nvPr>
+            <p:ph type="ctrTitle"/>
+          </p:nvPr>
+        </p:nvSpPr>
+        <p:spPr/>
+        <p:txBody>
+          <a:bodyPr anchor="ctr">
+            <a:normAutofit/>
+          </a:bodyPr>
+          <a:lstStyle/>
+          <a:p>
+            <a:r>
+              <a:rPr lang="en-US" sz="8800" dirty="0" smtClean="0"/>
+              <a:t>DAY-02</a:t>
+            </a:r>
+            <a:endParaRPr lang="en-US" sz="8800" dirty="0"/>
+          </a:p>
+        </p:txBody>
+      </p:sp>
+      <p:sp>
+        <p:nvSpPr>
+          <p:cNvPr id="4" name="TextBox 3"/>
+          <p:cNvSpPr txBox="1"/>
+          <p:nvPr/>
+        </p:nvSpPr>
+        <p:spPr>
+          <a:xfrm>
+            <a:off x="581191" y="3182815"/>
+            <a:ext cx="10993549" cy="3693319"/>
+          </a:xfrm>
+          <a:prstGeom prst="rect">
+            <a:avLst/>
+          </a:prstGeom>
+          <a:noFill/>
+        </p:spPr>
+        <p:txBody>
+          <a:bodyPr wrap="square" numCol="2" rtlCol="0">
+            <a:spAutoFit/>
+          </a:bodyPr>
+          <a:lstStyle/>
+          <a:p>
+            <a:r>
+              <a:rPr lang="en-US" u="sng" dirty="0" smtClean="0">
+                <a:solidFill>
+                  <a:schemeClr val="bg1"/>
+                </a:solidFill>
+              </a:rPr>
+              <a:t>Topics Covered</a:t>
+            </a:r>
+            <a:r>
+              <a:rPr lang="en-US" dirty="0" smtClean="0">
+                <a:solidFill>
+                  <a:schemeClr val="bg1"/>
+                </a:solidFill>
+              </a:rPr>
+              <a:t> : –</a:t>
+            </a:r>
+          </a:p>
+          <a:p>
+            <a:pPr marL="342900" indent="-342900">
+              <a:buFont typeface="+mj-lt"/>
+              <a:buAutoNum type="arabicPeriod"/>
+            </a:pPr>
+            <a:r>
+              <a:rPr lang="en-US" dirty="0" smtClean="0">
+                <a:solidFill>
+                  <a:schemeClr val="bg1"/>
+                </a:solidFill>
+              </a:rPr>
+              <a:t>Looping Statements </a:t>
+            </a:r>
+          </a:p>
+          <a:p>
+            <a:pPr marL="857250" lvl="1" indent="-400050">
+              <a:buFont typeface="+mj-lt"/>
+              <a:buAutoNum type="romanLcPeriod"/>
+            </a:pPr>
+            <a:r>
+              <a:rPr lang="en-US" dirty="0" smtClean="0">
+                <a:solidFill>
+                  <a:schemeClr val="bg1"/>
+                </a:solidFill>
+              </a:rPr>
+              <a:t>For-loop</a:t>
+            </a:r>
+          </a:p>
+          <a:p>
+            <a:pPr marL="857250" lvl="1" indent="-400050">
+              <a:buFont typeface="+mj-lt"/>
+              <a:buAutoNum type="romanLcPeriod"/>
+            </a:pPr>
+            <a:r>
+              <a:rPr lang="en-US" dirty="0" smtClean="0">
+                <a:solidFill>
+                  <a:schemeClr val="bg1"/>
+                </a:solidFill>
+              </a:rPr>
+              <a:t>While-loop </a:t>
+            </a:r>
+          </a:p>
+          <a:p>
+            <a:pPr marL="857250" lvl="1" indent="-400050">
+              <a:buFont typeface="+mj-lt"/>
+              <a:buAutoNum type="romanLcPeriod"/>
+            </a:pPr>
+            <a:r>
+              <a:rPr lang="en-US" dirty="0" smtClean="0">
+                <a:solidFill>
+                  <a:schemeClr val="bg1"/>
+                </a:solidFill>
+              </a:rPr>
+              <a:t>do-while loop</a:t>
+            </a:r>
+          </a:p>
+          <a:p>
+            <a:pPr marL="342900" indent="-342900">
+              <a:buFont typeface="+mj-lt"/>
+              <a:buAutoNum type="arabicPeriod"/>
+            </a:pPr>
+            <a:r>
+              <a:rPr lang="en-US" dirty="0" smtClean="0">
+                <a:solidFill>
+                  <a:schemeClr val="bg1"/>
+                </a:solidFill>
+              </a:rPr>
+              <a:t>Functions in Javascript</a:t>
+            </a:r>
+          </a:p>
+          <a:p>
+            <a:pPr marL="857250" lvl="1" indent="-400050">
+              <a:buFont typeface="+mj-lt"/>
+              <a:buAutoNum type="romanLcPeriod"/>
+            </a:pPr>
+            <a:r>
+              <a:rPr lang="en-US" dirty="0" smtClean="0">
+                <a:solidFill>
+                  <a:schemeClr val="bg1"/>
+                </a:solidFill>
+              </a:rPr>
+              <a:t>What is Function?</a:t>
+            </a:r>
+          </a:p>
+          <a:p>
+            <a:pPr marL="857250" lvl="1" indent="-400050">
+              <a:buFont typeface="+mj-lt"/>
+              <a:buAutoNum type="romanLcPeriod"/>
+            </a:pPr>
+            <a:r>
+              <a:rPr lang="en-US" dirty="0" smtClean="0">
+                <a:solidFill>
+                  <a:schemeClr val="bg1"/>
+                </a:solidFill>
+              </a:rPr>
+              <a:t>How to declare functions</a:t>
+            </a:r>
+          </a:p>
+          <a:p>
+            <a:pPr marL="857250" lvl="1" indent="-400050">
+              <a:buFont typeface="+mj-lt"/>
+              <a:buAutoNum type="romanLcPeriod"/>
+            </a:pPr>
+            <a:r>
+              <a:rPr lang="en-US" dirty="0" smtClean="0">
+                <a:solidFill>
+                  <a:schemeClr val="bg1"/>
+                </a:solidFill>
+              </a:rPr>
+              <a:t>How to call or invoke the function</a:t>
+            </a:r>
+          </a:p>
+          <a:p>
+            <a:pPr marL="857250" lvl="1" indent="-400050">
+              <a:buFont typeface="+mj-lt"/>
+              <a:buAutoNum type="romanLcPeriod"/>
+            </a:pPr>
+            <a:r>
+              <a:rPr lang="en-US" dirty="0" smtClean="0">
+                <a:solidFill>
+                  <a:schemeClr val="bg1"/>
+                </a:solidFill>
+              </a:rPr>
+              <a:t>What are parameters and arguments in functions</a:t>
+            </a:r>
+          </a:p>
+          <a:p>
+            <a:pPr lvl="1"/>
+            <a:r>
+              <a:rPr lang="en-US" dirty="0" smtClean="0">
+                <a:solidFill>
+                  <a:schemeClr val="bg1"/>
+                </a:solidFill>
+              </a:rPr>
+              <a:t> </a:t>
+            </a:r>
+          </a:p>
+          <a:p>
+            <a:pPr lvl="1"/>
+            <a:endParaRPr lang="en-US" dirty="0" smtClean="0">
+              <a:solidFill>
+                <a:schemeClr val="bg1"/>
+              </a:solidFill>
+            </a:endParaRPr>
+          </a:p>
+          <a:p>
+            <a:endParaRPr lang="en-US" dirty="0">
+              <a:solidFill>
+                <a:schemeClr val="bg1"/>
+              </a:solidFill>
+            </a:endParaRPr>
+          </a:p>
+          <a:p>
+            <a:r>
+              <a:rPr lang="en-US" dirty="0" smtClean="0">
+                <a:solidFill>
+                  <a:schemeClr val="bg1"/>
+                </a:solidFill>
+              </a:rPr>
+              <a:t>3.  Types of Functions</a:t>
+            </a:r>
+          </a:p>
+          <a:p>
+            <a:pPr marL="857250" lvl="1" indent="-400050">
+              <a:buFont typeface="+mj-lt"/>
+              <a:buAutoNum type="romanLcPeriod"/>
+            </a:pPr>
+            <a:r>
+              <a:rPr lang="en-US" dirty="0" smtClean="0">
+                <a:solidFill>
+                  <a:schemeClr val="bg1"/>
+                </a:solidFill>
+              </a:rPr>
+              <a:t>Named Function</a:t>
+            </a:r>
+          </a:p>
+          <a:p>
+            <a:pPr marL="857250" lvl="1" indent="-400050">
+              <a:buFont typeface="+mj-lt"/>
+              <a:buAutoNum type="romanLcPeriod"/>
+            </a:pPr>
+            <a:r>
+              <a:rPr lang="en-US" dirty="0" smtClean="0">
+                <a:solidFill>
+                  <a:schemeClr val="bg1"/>
+                </a:solidFill>
+              </a:rPr>
+              <a:t>Anonymous Function</a:t>
+            </a:r>
+          </a:p>
+          <a:p>
+            <a:pPr marL="857250" lvl="1" indent="-400050">
+              <a:buFont typeface="+mj-lt"/>
+              <a:buAutoNum type="romanLcPeriod"/>
+            </a:pPr>
+            <a:r>
+              <a:rPr lang="en-US" dirty="0" smtClean="0">
+                <a:solidFill>
+                  <a:schemeClr val="bg1"/>
+                </a:solidFill>
+              </a:rPr>
+              <a:t>Arrow Function</a:t>
+            </a:r>
+          </a:p>
+          <a:p>
+            <a:pPr marL="857250" lvl="1" indent="-400050">
+              <a:buFont typeface="+mj-lt"/>
+              <a:buAutoNum type="romanLcPeriod"/>
+            </a:pPr>
+            <a:r>
+              <a:rPr lang="en-US" dirty="0" smtClean="0">
+                <a:solidFill>
+                  <a:schemeClr val="bg1"/>
+                </a:solidFill>
+              </a:rPr>
+              <a:t>Callback Function</a:t>
+            </a:r>
+          </a:p>
+          <a:p>
+            <a:pPr marL="857250" lvl="1" indent="-400050">
+              <a:buFont typeface="+mj-lt"/>
+              <a:buAutoNum type="romanLcPeriod"/>
+            </a:pPr>
+            <a:r>
+              <a:rPr lang="en-US" dirty="0" smtClean="0">
+                <a:solidFill>
+                  <a:schemeClr val="bg1"/>
+                </a:solidFill>
+              </a:rPr>
+              <a:t>Higher-Order Function (HOF)</a:t>
+            </a:r>
+          </a:p>
+        </p:txBody>
+      </p:sp>
+    </p:spTree>
+    <p:extLst>
+      <p:ext uri="{BB962C8B-B14F-4D97-AF65-F5344CB8AC3E}">
+        <p14:creationId xmlns:p14="http://schemas.microsoft.com/office/powerpoint/2010/main" val="1235748983"/>
+      </p:ext>
+    </p:extLst>
+  </p:cSld>
+  <p:clrMapOvr>
+    <a:masterClrMapping/>
+  </p:clrMapOvr>
+  <p:timing>
+    <p:tnLst>
+      <p:par>
+        <p:cTn id="1" dur="indefinite" restart="never" nodeType="tmRoot">
+          <p:childTnLst>
+            <p:seq concurrent="1" nextAc="seek">
+              <p:cTn id="2" dur="indefinite" nodeType="mainSeq">
+                <p:childTnLst>
+                  <p:par>
+                    <p:cTn id="3" fill="hold">
+                      <p:stCondLst>
+                        <p:cond delay="indefinite"/>
+                      </p:stCondLst>
+                      <p:childTnLst>
+                        <p:par>
+                          <p:cTn id="4" fill="hold">
+                            <p:stCondLst>
+                              <p:cond delay="0"/>
+                            </p:stCondLst>
+                            <p:childTnLst>
+                              <p:par>
+                                <p:cTn id="5" presetID="42" presetClass="entr" presetSubtype="0" fill="hold" grpId="0" nodeType="clickEffect">
+                                  <p:stCondLst>
+                                    <p:cond delay="0"/>
+                                  </p:stCondLst>
+                                  <p:childTnLst>
+                                    <p:set>
+                                      <p:cBhvr>
+                                        <p:cTn id="6" dur="1" fill="hold">
+                                          <p:stCondLst>
+                                            <p:cond delay="0"/>
+                                          </p:stCondLst>
+                                        </p:cTn>
+                                        <p:tgtEl>
+                                          <p:spTgt spid="4"/>
+                                        </p:tgtEl>
+                                        <p:attrNameLst>
+                                          <p:attrName>style.visibility</p:attrName>
+                                        </p:attrNameLst>
+                                      </p:cBhvr>
+                                      <p:to>
+                                        <p:strVal val="visible"/>
+                                      </p:to>
+                                    </p:set>
+                                    <p:animEffect transition="in" filter="fade">
+                                      <p:cBhvr>
+                                        <p:cTn id="7" dur="1000"/>
+                                        <p:tgtEl>
+                                          <p:spTgt spid="4"/>
+                                        </p:tgtEl>
+                                      </p:cBhvr>
+                                    </p:animEffect>
+                                    <p:anim calcmode="lin" valueType="num">
+                                      <p:cBhvr>
+                                        <p:cTn id="8" dur="1000" fill="hold"/>
+                                        <p:tgtEl>
+                                          <p:spTgt spid="4"/>
+                                        </p:tgtEl>
+                                        <p:attrNameLst>
+                                          <p:attrName>ppt_x</p:attrName>
+                                        </p:attrNameLst>
+                                      </p:cBhvr>
+                                      <p:tavLst>
+                                        <p:tav tm="0">
+                                          <p:val>
+                                            <p:strVal val="#ppt_x"/>
+                                          </p:val>
+                                        </p:tav>
+                                        <p:tav tm="100000">
+                                          <p:val>
+                                            <p:strVal val="#ppt_x"/>
+                                          </p:val>
+                                        </p:tav>
+                                      </p:tavLst>
+                                    </p:anim>
+                                    <p:anim calcmode="lin" valueType="num">
+                                      <p:cBhvr>
+                                        <p:cTn id="9" dur="1000" fill="hold"/>
+                                        <p:tgtEl>
+                                          <p:spTgt spid="4"/>
+                                        </p:tgtEl>
+                                        <p:attrNameLst>
+                                          <p:attrName>ppt_y</p:attrName>
+                                        </p:attrNameLst>
+                                      </p:cBhvr>
+                                      <p:tavLst>
+                                        <p:tav tm="0">
+                                          <p:val>
+                                            <p:strVal val="#ppt_y+.1"/>
+                                          </p:val>
+                                        </p:tav>
+                                        <p:tav tm="100000">
+                                          <p:val>
+                                            <p:strVal val="#ppt_y"/>
+                                          </p:val>
+                                        </p:tav>
+                                      </p:tavLst>
+                                    </p:anim>
+                                  </p:childTnLst>
+                                </p:cTn>
+                              </p:par>
+                            </p:childTnLst>
+                          </p:cTn>
+                        </p:par>
+                      </p:childTnLst>
+                    </p:cTn>
+                  </p:par>
+                </p:childTnLst>
+              </p:cTn>
+              <p:prevCondLst>
+                <p:cond evt="onPrev" delay="0">
+                  <p:tgtEl>
+                    <p:sldTgt/>
+                  </p:tgtEl>
+                </p:cond>
+              </p:prevCondLst>
+              <p:nextCondLst>
+                <p:cond evt="onNext" delay="0">
+                  <p:tgtEl>
+                    <p:sldTgt/>
+                  </p:tgtEl>
+                </p:cond>
+              </p:nextCondLst>
+            </p:seq>
+          </p:childTnLst>
+        </p:cTn>
+      </p:par>
+    </p:tnLst>
+    <p:bldLst>
+      <p:bldP spid="4" grpId="0"/>
+    </p:bldLst>
+  </p:timing>
+</p:sld>
+</file>
+
+<file path=ppt/slides/slide25.xml><?xml version="1.0" encoding="utf-8"?>
+<p:sld xmlns:a="http://schemas.openxmlformats.org/drawingml/2006/main" xmlns:r="http://schemas.openxmlformats.org/officeDocument/2006/relationships" xmlns:p="http://schemas.openxmlformats.org/presentationml/2006/main">
+  <p:cSld>
+    <p:spTree>
+      <p:nvGrpSpPr>
+        <p:cNvPr id="1" name=""/>
+        <p:cNvGrpSpPr/>
+        <p:nvPr/>
+      </p:nvGrpSpPr>
+      <p:grpSpPr>
+        <a:xfrm>
+          <a:off x="0" y="0"/>
+          <a:ext cx="0" cy="0"/>
+          <a:chOff x="0" y="0"/>
+          <a:chExt cx="0" cy="0"/>
+        </a:xfrm>
+      </p:grpSpPr>
+      <p:sp>
+        <p:nvSpPr>
+          <p:cNvPr id="2" name="Title 1"/>
+          <p:cNvSpPr>
+            <a:spLocks noGrp="1"/>
+          </p:cNvSpPr>
+          <p:nvPr>
+            <p:ph type="title"/>
+          </p:nvPr>
+        </p:nvSpPr>
+        <p:spPr/>
+        <p:txBody>
+          <a:bodyPr anchor="ctr"/>
+          <a:lstStyle/>
+          <a:p>
+            <a:pPr algn="ctr"/>
+            <a:r>
+              <a:rPr lang="en-US" b="1" dirty="0" smtClean="0">
+                <a:latin typeface="Google Sans"/>
+              </a:rPr>
+              <a:t>Looping statements</a:t>
+            </a:r>
+            <a:endParaRPr lang="en-US" b="1" dirty="0">
+              <a:latin typeface="Google Sans"/>
+            </a:endParaRPr>
+          </a:p>
+        </p:txBody>
+      </p:sp>
+      <p:sp>
+        <p:nvSpPr>
+          <p:cNvPr id="3" name="TextBox 2"/>
+          <p:cNvSpPr txBox="1"/>
+          <p:nvPr/>
+        </p:nvSpPr>
+        <p:spPr>
+          <a:xfrm>
+            <a:off x="439615" y="2048608"/>
+            <a:ext cx="11271739" cy="1420325"/>
+          </a:xfrm>
+          <a:prstGeom prst="rect">
+            <a:avLst/>
+          </a:prstGeom>
+          <a:noFill/>
+        </p:spPr>
+        <p:txBody>
+          <a:bodyPr wrap="square" rtlCol="0">
+            <a:spAutoFit/>
+          </a:bodyPr>
+          <a:lstStyle/>
+          <a:p>
+            <a:pPr marL="342900" indent="-342900">
+              <a:lnSpc>
+                <a:spcPct val="150000"/>
+              </a:lnSpc>
+              <a:buFont typeface="Wingdings" panose="05000000000000000000" pitchFamily="2" charset="2"/>
+              <a:buChar char="Ø"/>
+            </a:pPr>
+            <a:r>
+              <a:rPr lang="en-US" sz="2000" b="1" u="sng" dirty="0" smtClean="0">
+                <a:latin typeface="Google Sans"/>
+              </a:rPr>
+              <a:t>Looping Statements</a:t>
+            </a:r>
+            <a:r>
+              <a:rPr lang="en-US" sz="2000" dirty="0" smtClean="0">
+                <a:latin typeface="Google Sans"/>
+              </a:rPr>
+              <a:t>: A looping statement is a way to repeat a block of code multiple times based on a condition.</a:t>
+            </a:r>
+          </a:p>
+          <a:p>
+            <a:pPr marL="342900" indent="-342900">
+              <a:lnSpc>
+                <a:spcPct val="150000"/>
+              </a:lnSpc>
+              <a:buFont typeface="Wingdings" panose="05000000000000000000" pitchFamily="2" charset="2"/>
+              <a:buChar char="Ø"/>
+            </a:pPr>
+            <a:r>
+              <a:rPr lang="en-US" sz="2000" dirty="0" smtClean="0">
+                <a:latin typeface="Google Sans"/>
+              </a:rPr>
+              <a:t>This helps in doing repetitive tasks. </a:t>
+            </a:r>
+            <a:endParaRPr lang="en-US" altLang="en-US" sz="2000" dirty="0" smtClean="0">
+              <a:latin typeface="Google Sans"/>
+            </a:endParaRPr>
+          </a:p>
+        </p:txBody>
+      </p:sp>
+      <p:pic>
+        <p:nvPicPr>
+          <p:cNvPr id="4" name="Picture 3"/>
+          <p:cNvPicPr>
+            <a:picLocks noChangeAspect="1"/>
+          </p:cNvPicPr>
+          <p:nvPr/>
+        </p:nvPicPr>
+        <p:blipFill>
+          <a:blip r:embed="rId2"/>
+          <a:stretch>
+            <a:fillRect/>
+          </a:stretch>
+        </p:blipFill>
+        <p:spPr>
+          <a:xfrm>
+            <a:off x="2065867" y="3730135"/>
+            <a:ext cx="8019234" cy="3007213"/>
+          </a:xfrm>
+          <a:prstGeom prst="rect">
+            <a:avLst/>
+          </a:prstGeom>
+        </p:spPr>
+      </p:pic>
+    </p:spTree>
+    <p:extLst>
+      <p:ext uri="{BB962C8B-B14F-4D97-AF65-F5344CB8AC3E}">
+        <p14:creationId xmlns:p14="http://schemas.microsoft.com/office/powerpoint/2010/main" val="3299499857"/>
+      </p:ext>
+    </p:extLst>
+  </p:cSld>
+  <p:clrMapOvr>
+    <a:masterClrMapping/>
+  </p:clrMapOvr>
+  <p:timing>
+    <p:tnLst>
+      <p:par>
+        <p:cTn id="1" dur="indefinite" restart="never" nodeType="tmRoot">
+          <p:childTnLst>
+            <p:seq concurrent="1" nextAc="seek">
+              <p:cTn id="2" dur="indefinite" nodeType="mainSeq">
+                <p:childTnLst>
+                  <p:par>
+                    <p:cTn id="3" fill="hold">
+                      <p:stCondLst>
+                        <p:cond delay="indefinite"/>
+                      </p:stCondLst>
+                      <p:childTnLst>
+                        <p:par>
+                          <p:cTn id="4" fill="hold">
+                            <p:stCondLst>
+                              <p:cond delay="0"/>
+                            </p:stCondLst>
+                            <p:childTnLst>
+                              <p:par>
+                                <p:cTn id="5" presetID="42" presetClass="entr" presetSubtype="0" fill="hold" nodeType="clickEffect">
+                                  <p:stCondLst>
+                                    <p:cond delay="0"/>
+                                  </p:stCondLst>
+                                  <p:childTnLst>
+                                    <p:set>
+                                      <p:cBhvr>
+                                        <p:cTn id="6" dur="1" fill="hold">
+                                          <p:stCondLst>
+                                            <p:cond delay="0"/>
+                                          </p:stCondLst>
+                                        </p:cTn>
+                                        <p:tgtEl>
+                                          <p:spTgt spid="4"/>
+                                        </p:tgtEl>
+                                        <p:attrNameLst>
+                                          <p:attrName>style.visibility</p:attrName>
+                                        </p:attrNameLst>
+                                      </p:cBhvr>
+                                      <p:to>
+                                        <p:strVal val="visible"/>
+                                      </p:to>
+                                    </p:set>
+                                    <p:animEffect transition="in" filter="fade">
+                                      <p:cBhvr>
+                                        <p:cTn id="7" dur="1000"/>
+                                        <p:tgtEl>
+                                          <p:spTgt spid="4"/>
+                                        </p:tgtEl>
+                                      </p:cBhvr>
+                                    </p:animEffect>
+                                    <p:anim calcmode="lin" valueType="num">
+                                      <p:cBhvr>
+                                        <p:cTn id="8" dur="1000" fill="hold"/>
+                                        <p:tgtEl>
+                                          <p:spTgt spid="4"/>
+                                        </p:tgtEl>
+                                        <p:attrNameLst>
+                                          <p:attrName>ppt_x</p:attrName>
+                                        </p:attrNameLst>
+                                      </p:cBhvr>
+                                      <p:tavLst>
+                                        <p:tav tm="0">
+                                          <p:val>
+                                            <p:strVal val="#ppt_x"/>
+                                          </p:val>
+                                        </p:tav>
+                                        <p:tav tm="100000">
+                                          <p:val>
+                                            <p:strVal val="#ppt_x"/>
+                                          </p:val>
+                                        </p:tav>
+                                      </p:tavLst>
+                                    </p:anim>
+                                    <p:anim calcmode="lin" valueType="num">
+                                      <p:cBhvr>
+                                        <p:cTn id="9" dur="1000" fill="hold"/>
+                                        <p:tgtEl>
+                                          <p:spTgt spid="4"/>
+                                        </p:tgtEl>
+                                        <p:attrNameLst>
+                                          <p:attrName>ppt_y</p:attrName>
+                                        </p:attrNameLst>
+                                      </p:cBhvr>
+                                      <p:tavLst>
+                                        <p:tav tm="0">
+                                          <p:val>
+                                            <p:strVal val="#ppt_y+.1"/>
+                                          </p:val>
+                                        </p:tav>
+                                        <p:tav tm="100000">
+                                          <p:val>
+                                            <p:strVal val="#ppt_y"/>
+                                          </p:val>
+                                        </p:tav>
+                                      </p:tavLst>
+                                    </p:anim>
+                                  </p:childTnLst>
+                                </p:cTn>
+                              </p:par>
+                            </p:childTnLst>
+                          </p:cTn>
+                        </p:par>
+                      </p:childTnLst>
+                    </p:cTn>
+                  </p:par>
+                </p:childTnLst>
+              </p:cTn>
+              <p:prevCondLst>
+                <p:cond evt="onPrev" delay="0">
+                  <p:tgtEl>
+                    <p:sldTgt/>
+                  </p:tgtEl>
+                </p:cond>
+              </p:prevCondLst>
+              <p:nextCondLst>
+                <p:cond evt="onNext" delay="0">
+                  <p:tgtEl>
+                    <p:sldTgt/>
+                  </p:tgtEl>
+                </p:cond>
+              </p:nextCondLst>
+            </p:seq>
+          </p:childTnLst>
+        </p:cTn>
+      </p:par>
+    </p:tnLst>
+  </p:timing>
+</p:sld>
+</file>
+
+<file path=ppt/slides/slide26.xml><?xml version="1.0" encoding="utf-8"?>
+<p:sld xmlns:a="http://schemas.openxmlformats.org/drawingml/2006/main" xmlns:r="http://schemas.openxmlformats.org/officeDocument/2006/relationships" xmlns:p="http://schemas.openxmlformats.org/presentationml/2006/main">
+  <p:cSld>
+    <p:spTree>
+      <p:nvGrpSpPr>
+        <p:cNvPr id="1" name=""/>
+        <p:cNvGrpSpPr/>
+        <p:nvPr/>
+      </p:nvGrpSpPr>
+      <p:grpSpPr>
+        <a:xfrm>
+          <a:off x="0" y="0"/>
+          <a:ext cx="0" cy="0"/>
+          <a:chOff x="0" y="0"/>
+          <a:chExt cx="0" cy="0"/>
+        </a:xfrm>
+      </p:grpSpPr>
+      <p:sp>
+        <p:nvSpPr>
+          <p:cNvPr id="2" name="Title 1"/>
+          <p:cNvSpPr>
+            <a:spLocks noGrp="1"/>
+          </p:cNvSpPr>
+          <p:nvPr>
+            <p:ph type="title"/>
+          </p:nvPr>
+        </p:nvSpPr>
+        <p:spPr/>
+        <p:txBody>
+          <a:bodyPr anchor="ctr"/>
+          <a:lstStyle/>
+          <a:p>
+            <a:pPr algn="ctr"/>
+            <a:r>
+              <a:rPr lang="en-US" b="1" dirty="0" smtClean="0">
+                <a:latin typeface="Google Sans"/>
+              </a:rPr>
+              <a:t>For-loop</a:t>
+            </a:r>
+            <a:endParaRPr lang="en-US" b="1" dirty="0">
+              <a:latin typeface="Google Sans"/>
+            </a:endParaRPr>
+          </a:p>
+        </p:txBody>
+      </p:sp>
+      <p:sp>
+        <p:nvSpPr>
+          <p:cNvPr id="3" name="TextBox 2"/>
+          <p:cNvSpPr txBox="1"/>
+          <p:nvPr/>
+        </p:nvSpPr>
+        <p:spPr>
+          <a:xfrm>
+            <a:off x="439615" y="2048608"/>
+            <a:ext cx="11271739" cy="1631216"/>
+          </a:xfrm>
+          <a:prstGeom prst="rect">
+            <a:avLst/>
+          </a:prstGeom>
+          <a:noFill/>
+        </p:spPr>
+        <p:txBody>
+          <a:bodyPr wrap="square" rtlCol="0">
+            <a:spAutoFit/>
+          </a:bodyPr>
+          <a:lstStyle/>
+          <a:p>
+            <a:pPr marL="342900" indent="-342900">
+              <a:buFont typeface="Wingdings" panose="05000000000000000000" pitchFamily="2" charset="2"/>
+              <a:buChar char="Ø"/>
+            </a:pPr>
+            <a:r>
+              <a:rPr lang="en-US" sz="2000" b="1" u="sng" dirty="0" smtClean="0">
+                <a:latin typeface="Google Sans"/>
+              </a:rPr>
+              <a:t>For-Loop</a:t>
+            </a:r>
+            <a:r>
+              <a:rPr lang="en-US" sz="2000" dirty="0" smtClean="0">
+                <a:latin typeface="Google Sans"/>
+              </a:rPr>
+              <a:t>: A for loop is used when you know how many times you want the code to run.</a:t>
+            </a:r>
+          </a:p>
+          <a:p>
+            <a:pPr marL="342900" indent="-342900">
+              <a:buFont typeface="Wingdings" panose="05000000000000000000" pitchFamily="2" charset="2"/>
+              <a:buChar char="Ø"/>
+            </a:pPr>
+            <a:r>
+              <a:rPr lang="en-US" altLang="en-US" sz="2000" dirty="0" smtClean="0">
+                <a:latin typeface="Google Sans"/>
+              </a:rPr>
+              <a:t>It includes three parts:</a:t>
+            </a:r>
+          </a:p>
+          <a:p>
+            <a:r>
+              <a:rPr lang="en-US" altLang="en-US" sz="2000" dirty="0" smtClean="0">
+                <a:latin typeface="Google Sans"/>
+              </a:rPr>
+              <a:t>	1. Initialization</a:t>
+            </a:r>
+          </a:p>
+          <a:p>
+            <a:r>
+              <a:rPr lang="en-US" altLang="en-US" sz="2000" dirty="0">
+                <a:latin typeface="Google Sans"/>
+              </a:rPr>
+              <a:t>	</a:t>
+            </a:r>
+            <a:r>
+              <a:rPr lang="en-US" altLang="en-US" sz="2000" dirty="0" smtClean="0">
+                <a:latin typeface="Google Sans"/>
+              </a:rPr>
+              <a:t>2. Condition</a:t>
+            </a:r>
+          </a:p>
+          <a:p>
+            <a:r>
+              <a:rPr lang="en-US" altLang="en-US" sz="2000" dirty="0">
+                <a:latin typeface="Google Sans"/>
+              </a:rPr>
+              <a:t>	</a:t>
+            </a:r>
+            <a:r>
+              <a:rPr lang="en-US" altLang="en-US" sz="2000" dirty="0" smtClean="0">
+                <a:latin typeface="Google Sans"/>
+              </a:rPr>
+              <a:t>3. Increment/Decrement</a:t>
+            </a:r>
+          </a:p>
+        </p:txBody>
+      </p:sp>
+      <p:pic>
+        <p:nvPicPr>
+          <p:cNvPr id="4" name="Picture 3"/>
+          <p:cNvPicPr>
+            <a:picLocks noChangeAspect="1"/>
+          </p:cNvPicPr>
+          <p:nvPr/>
+        </p:nvPicPr>
+        <p:blipFill>
+          <a:blip r:embed="rId2"/>
+          <a:stretch>
+            <a:fillRect/>
+          </a:stretch>
+        </p:blipFill>
+        <p:spPr>
+          <a:xfrm>
+            <a:off x="2299246" y="3806530"/>
+            <a:ext cx="7552475" cy="2854607"/>
+          </a:xfrm>
+          <a:prstGeom prst="rect">
+            <a:avLst/>
+          </a:prstGeom>
+        </p:spPr>
+      </p:pic>
+    </p:spTree>
+    <p:extLst>
+      <p:ext uri="{BB962C8B-B14F-4D97-AF65-F5344CB8AC3E}">
+        <p14:creationId xmlns:p14="http://schemas.microsoft.com/office/powerpoint/2010/main" val="4013641116"/>
+      </p:ext>
+    </p:extLst>
+  </p:cSld>
+  <p:clrMapOvr>
+    <a:masterClrMapping/>
+  </p:clrMapOvr>
+  <p:timing>
+    <p:tnLst>
+      <p:par>
+        <p:cTn id="1" dur="indefinite" restart="never" nodeType="tmRoot">
+          <p:childTnLst>
+            <p:seq concurrent="1" nextAc="seek">
+              <p:cTn id="2" dur="indefinite" nodeType="mainSeq">
+                <p:childTnLst>
+                  <p:par>
+                    <p:cTn id="3" fill="hold">
+                      <p:stCondLst>
+                        <p:cond delay="indefinite"/>
+                      </p:stCondLst>
+                      <p:childTnLst>
+                        <p:par>
+                          <p:cTn id="4" fill="hold">
+                            <p:stCondLst>
+                              <p:cond delay="0"/>
+                            </p:stCondLst>
+                            <p:childTnLst>
+                              <p:par>
+                                <p:cTn id="5" presetID="42" presetClass="entr" presetSubtype="0" fill="hold" nodeType="clickEffect">
+                                  <p:stCondLst>
+                                    <p:cond delay="0"/>
+                                  </p:stCondLst>
+                                  <p:childTnLst>
+                                    <p:set>
+                                      <p:cBhvr>
+                                        <p:cTn id="6" dur="1" fill="hold">
+                                          <p:stCondLst>
+                                            <p:cond delay="0"/>
+                                          </p:stCondLst>
+                                        </p:cTn>
+                                        <p:tgtEl>
+                                          <p:spTgt spid="4"/>
+                                        </p:tgtEl>
+                                        <p:attrNameLst>
+                                          <p:attrName>style.visibility</p:attrName>
+                                        </p:attrNameLst>
+                                      </p:cBhvr>
+                                      <p:to>
+                                        <p:strVal val="visible"/>
+                                      </p:to>
+                                    </p:set>
+                                    <p:animEffect transition="in" filter="fade">
+                                      <p:cBhvr>
+                                        <p:cTn id="7" dur="1000"/>
+                                        <p:tgtEl>
+                                          <p:spTgt spid="4"/>
+                                        </p:tgtEl>
+                                      </p:cBhvr>
+                                    </p:animEffect>
+                                    <p:anim calcmode="lin" valueType="num">
+                                      <p:cBhvr>
+                                        <p:cTn id="8" dur="1000" fill="hold"/>
+                                        <p:tgtEl>
+                                          <p:spTgt spid="4"/>
+                                        </p:tgtEl>
+                                        <p:attrNameLst>
+                                          <p:attrName>ppt_x</p:attrName>
+                                        </p:attrNameLst>
+                                      </p:cBhvr>
+                                      <p:tavLst>
+                                        <p:tav tm="0">
+                                          <p:val>
+                                            <p:strVal val="#ppt_x"/>
+                                          </p:val>
+                                        </p:tav>
+                                        <p:tav tm="100000">
+                                          <p:val>
+                                            <p:strVal val="#ppt_x"/>
+                                          </p:val>
+                                        </p:tav>
+                                      </p:tavLst>
+                                    </p:anim>
+                                    <p:anim calcmode="lin" valueType="num">
+                                      <p:cBhvr>
+                                        <p:cTn id="9" dur="1000" fill="hold"/>
+                                        <p:tgtEl>
+                                          <p:spTgt spid="4"/>
+                                        </p:tgtEl>
+                                        <p:attrNameLst>
+                                          <p:attrName>ppt_y</p:attrName>
+                                        </p:attrNameLst>
+                                      </p:cBhvr>
+                                      <p:tavLst>
+                                        <p:tav tm="0">
+                                          <p:val>
+                                            <p:strVal val="#ppt_y+.1"/>
+                                          </p:val>
+                                        </p:tav>
+                                        <p:tav tm="100000">
+                                          <p:val>
+                                            <p:strVal val="#ppt_y"/>
+                                          </p:val>
+                                        </p:tav>
+                                      </p:tavLst>
+                                    </p:anim>
+                                  </p:childTnLst>
+                                </p:cTn>
+                              </p:par>
+                            </p:childTnLst>
+                          </p:cTn>
+                        </p:par>
+                      </p:childTnLst>
+                    </p:cTn>
+                  </p:par>
+                </p:childTnLst>
+              </p:cTn>
+              <p:prevCondLst>
+                <p:cond evt="onPrev" delay="0">
+                  <p:tgtEl>
+                    <p:sldTgt/>
+                  </p:tgtEl>
+                </p:cond>
+              </p:prevCondLst>
+              <p:nextCondLst>
+                <p:cond evt="onNext" delay="0">
+                  <p:tgtEl>
+                    <p:sldTgt/>
+                  </p:tgtEl>
+                </p:cond>
+              </p:nextCondLst>
+            </p:seq>
+          </p:childTnLst>
+        </p:cTn>
+      </p:par>
+    </p:tnLst>
+  </p:timing>
+</p:sld>
+</file>
+
+<file path=ppt/slides/slide27.xml><?xml version="1.0" encoding="utf-8"?>
+<p:sld xmlns:a="http://schemas.openxmlformats.org/drawingml/2006/main" xmlns:r="http://schemas.openxmlformats.org/officeDocument/2006/relationships" xmlns:p="http://schemas.openxmlformats.org/presentationml/2006/main">
+  <p:cSld>
+    <p:spTree>
+      <p:nvGrpSpPr>
+        <p:cNvPr id="1" name=""/>
+        <p:cNvGrpSpPr/>
+        <p:nvPr/>
+      </p:nvGrpSpPr>
+      <p:grpSpPr>
+        <a:xfrm>
+          <a:off x="0" y="0"/>
+          <a:ext cx="0" cy="0"/>
+          <a:chOff x="0" y="0"/>
+          <a:chExt cx="0" cy="0"/>
+        </a:xfrm>
+      </p:grpSpPr>
+      <p:sp>
+        <p:nvSpPr>
+          <p:cNvPr id="2" name="Title 1"/>
+          <p:cNvSpPr>
+            <a:spLocks noGrp="1"/>
+          </p:cNvSpPr>
+          <p:nvPr>
+            <p:ph type="title"/>
+          </p:nvPr>
+        </p:nvSpPr>
+        <p:spPr/>
+        <p:txBody>
+          <a:bodyPr anchor="ctr"/>
+          <a:lstStyle/>
+          <a:p>
+            <a:pPr algn="ctr"/>
+            <a:r>
+              <a:rPr lang="en-US" b="1" dirty="0" smtClean="0">
+                <a:latin typeface="Google Sans"/>
+              </a:rPr>
+              <a:t>While-loop</a:t>
+            </a:r>
+            <a:endParaRPr lang="en-US" b="1" dirty="0">
+              <a:latin typeface="Google Sans"/>
+            </a:endParaRPr>
+          </a:p>
+        </p:txBody>
+      </p:sp>
+      <p:sp>
+        <p:nvSpPr>
+          <p:cNvPr id="3" name="TextBox 2"/>
+          <p:cNvSpPr txBox="1"/>
+          <p:nvPr/>
+        </p:nvSpPr>
+        <p:spPr>
+          <a:xfrm>
+            <a:off x="439615" y="2048608"/>
+            <a:ext cx="11271739" cy="707886"/>
+          </a:xfrm>
+          <a:prstGeom prst="rect">
+            <a:avLst/>
+          </a:prstGeom>
+          <a:noFill/>
+        </p:spPr>
+        <p:txBody>
+          <a:bodyPr wrap="square" rtlCol="0">
+            <a:spAutoFit/>
+          </a:bodyPr>
+          <a:lstStyle/>
+          <a:p>
+            <a:pPr marL="342900" indent="-342900">
+              <a:buFont typeface="Wingdings" panose="05000000000000000000" pitchFamily="2" charset="2"/>
+              <a:buChar char="Ø"/>
+            </a:pPr>
+            <a:r>
+              <a:rPr lang="en-US" sz="2000" b="1" u="sng" dirty="0" smtClean="0">
+                <a:latin typeface="Google Sans"/>
+              </a:rPr>
+              <a:t>While-Loop</a:t>
+            </a:r>
+            <a:r>
+              <a:rPr lang="en-US" sz="2000" dirty="0" smtClean="0">
+                <a:latin typeface="Google Sans"/>
+              </a:rPr>
+              <a:t>: A while loop runs as long as a condition is true. If the condition is false from the start, it won’t run.</a:t>
+            </a:r>
+            <a:endParaRPr lang="en-US" altLang="en-US" sz="2000" dirty="0" smtClean="0">
+              <a:latin typeface="Google Sans"/>
+            </a:endParaRPr>
+          </a:p>
+        </p:txBody>
+      </p:sp>
+      <p:pic>
+        <p:nvPicPr>
+          <p:cNvPr id="4" name="Picture 3"/>
+          <p:cNvPicPr>
+            <a:picLocks noChangeAspect="1"/>
+          </p:cNvPicPr>
+          <p:nvPr/>
+        </p:nvPicPr>
+        <p:blipFill>
+          <a:blip r:embed="rId2"/>
+          <a:stretch>
+            <a:fillRect/>
+          </a:stretch>
+        </p:blipFill>
+        <p:spPr>
+          <a:xfrm>
+            <a:off x="2866293" y="3089146"/>
+            <a:ext cx="6426562" cy="3473341"/>
+          </a:xfrm>
+          <a:prstGeom prst="rect">
+            <a:avLst/>
+          </a:prstGeom>
+        </p:spPr>
+      </p:pic>
+    </p:spTree>
+    <p:extLst>
+      <p:ext uri="{BB962C8B-B14F-4D97-AF65-F5344CB8AC3E}">
+        <p14:creationId xmlns:p14="http://schemas.microsoft.com/office/powerpoint/2010/main" val="3139750635"/>
+      </p:ext>
+    </p:extLst>
+  </p:cSld>
+  <p:clrMapOvr>
+    <a:masterClrMapping/>
+  </p:clrMapOvr>
+  <p:timing>
+    <p:tnLst>
+      <p:par>
+        <p:cTn id="1" dur="indefinite" restart="never" nodeType="tmRoot">
+          <p:childTnLst>
+            <p:seq concurrent="1" nextAc="seek">
+              <p:cTn id="2" dur="indefinite" nodeType="mainSeq">
+                <p:childTnLst>
+                  <p:par>
+                    <p:cTn id="3" fill="hold">
+                      <p:stCondLst>
+                        <p:cond delay="indefinite"/>
+                      </p:stCondLst>
+                      <p:childTnLst>
+                        <p:par>
+                          <p:cTn id="4" fill="hold">
+                            <p:stCondLst>
+                              <p:cond delay="0"/>
+                            </p:stCondLst>
+                            <p:childTnLst>
+                              <p:par>
+                                <p:cTn id="5" presetID="42" presetClass="entr" presetSubtype="0" fill="hold" nodeType="clickEffect">
+                                  <p:stCondLst>
+                                    <p:cond delay="0"/>
+                                  </p:stCondLst>
+                                  <p:childTnLst>
+                                    <p:set>
+                                      <p:cBhvr>
+                                        <p:cTn id="6" dur="1" fill="hold">
+                                          <p:stCondLst>
+                                            <p:cond delay="0"/>
+                                          </p:stCondLst>
+                                        </p:cTn>
+                                        <p:tgtEl>
+                                          <p:spTgt spid="4"/>
+                                        </p:tgtEl>
+                                        <p:attrNameLst>
+                                          <p:attrName>style.visibility</p:attrName>
+                                        </p:attrNameLst>
+                                      </p:cBhvr>
+                                      <p:to>
+                                        <p:strVal val="visible"/>
+                                      </p:to>
+                                    </p:set>
+                                    <p:animEffect transition="in" filter="fade">
+                                      <p:cBhvr>
+                                        <p:cTn id="7" dur="1000"/>
+                                        <p:tgtEl>
+                                          <p:spTgt spid="4"/>
+                                        </p:tgtEl>
+                                      </p:cBhvr>
+                                    </p:animEffect>
+                                    <p:anim calcmode="lin" valueType="num">
+                                      <p:cBhvr>
+                                        <p:cTn id="8" dur="1000" fill="hold"/>
+                                        <p:tgtEl>
+                                          <p:spTgt spid="4"/>
+                                        </p:tgtEl>
+                                        <p:attrNameLst>
+                                          <p:attrName>ppt_x</p:attrName>
+                                        </p:attrNameLst>
+                                      </p:cBhvr>
+                                      <p:tavLst>
+                                        <p:tav tm="0">
+                                          <p:val>
+                                            <p:strVal val="#ppt_x"/>
+                                          </p:val>
+                                        </p:tav>
+                                        <p:tav tm="100000">
+                                          <p:val>
+                                            <p:strVal val="#ppt_x"/>
+                                          </p:val>
+                                        </p:tav>
+                                      </p:tavLst>
+                                    </p:anim>
+                                    <p:anim calcmode="lin" valueType="num">
+                                      <p:cBhvr>
+                                        <p:cTn id="9" dur="1000" fill="hold"/>
+                                        <p:tgtEl>
+                                          <p:spTgt spid="4"/>
+                                        </p:tgtEl>
+                                        <p:attrNameLst>
+                                          <p:attrName>ppt_y</p:attrName>
+                                        </p:attrNameLst>
+                                      </p:cBhvr>
+                                      <p:tavLst>
+                                        <p:tav tm="0">
+                                          <p:val>
+                                            <p:strVal val="#ppt_y+.1"/>
+                                          </p:val>
+                                        </p:tav>
+                                        <p:tav tm="100000">
+                                          <p:val>
+                                            <p:strVal val="#ppt_y"/>
+                                          </p:val>
+                                        </p:tav>
+                                      </p:tavLst>
+                                    </p:anim>
+                                  </p:childTnLst>
+                                </p:cTn>
+                              </p:par>
+                            </p:childTnLst>
+                          </p:cTn>
+                        </p:par>
+                      </p:childTnLst>
+                    </p:cTn>
+                  </p:par>
+                </p:childTnLst>
+              </p:cTn>
+              <p:prevCondLst>
+                <p:cond evt="onPrev" delay="0">
+                  <p:tgtEl>
+                    <p:sldTgt/>
+                  </p:tgtEl>
+                </p:cond>
+              </p:prevCondLst>
+              <p:nextCondLst>
+                <p:cond evt="onNext" delay="0">
+                  <p:tgtEl>
+                    <p:sldTgt/>
+                  </p:tgtEl>
+                </p:cond>
+              </p:nextCondLst>
+            </p:seq>
+          </p:childTnLst>
+        </p:cTn>
+      </p:par>
+    </p:tnLst>
+  </p:timing>
+</p:sld>
+</file>
+
+<file path=ppt/slides/slide28.xml><?xml version="1.0" encoding="utf-8"?>
+<p:sld xmlns:a="http://schemas.openxmlformats.org/drawingml/2006/main" xmlns:r="http://schemas.openxmlformats.org/officeDocument/2006/relationships" xmlns:p="http://schemas.openxmlformats.org/presentationml/2006/main">
+  <p:cSld>
+    <p:spTree>
+      <p:nvGrpSpPr>
+        <p:cNvPr id="1" name=""/>
+        <p:cNvGrpSpPr/>
+        <p:nvPr/>
+      </p:nvGrpSpPr>
+      <p:grpSpPr>
+        <a:xfrm>
+          <a:off x="0" y="0"/>
+          <a:ext cx="0" cy="0"/>
+          <a:chOff x="0" y="0"/>
+          <a:chExt cx="0" cy="0"/>
+        </a:xfrm>
+      </p:grpSpPr>
+      <p:sp>
+        <p:nvSpPr>
+          <p:cNvPr id="2" name="Title 1"/>
+          <p:cNvSpPr>
+            <a:spLocks noGrp="1"/>
+          </p:cNvSpPr>
+          <p:nvPr>
+            <p:ph type="title"/>
+          </p:nvPr>
+        </p:nvSpPr>
+        <p:spPr/>
+        <p:txBody>
+          <a:bodyPr anchor="ctr"/>
+          <a:lstStyle/>
+          <a:p>
+            <a:pPr algn="ctr"/>
+            <a:r>
+              <a:rPr lang="en-US" b="1" dirty="0" smtClean="0">
+                <a:latin typeface="Google Sans"/>
+              </a:rPr>
+              <a:t>Do-While loop</a:t>
+            </a:r>
+            <a:endParaRPr lang="en-US" b="1" dirty="0">
+              <a:latin typeface="Google Sans"/>
+            </a:endParaRPr>
+          </a:p>
+        </p:txBody>
+      </p:sp>
+      <p:sp>
+        <p:nvSpPr>
+          <p:cNvPr id="3" name="TextBox 2"/>
+          <p:cNvSpPr txBox="1"/>
+          <p:nvPr/>
+        </p:nvSpPr>
+        <p:spPr>
+          <a:xfrm>
+            <a:off x="439615" y="2048608"/>
+            <a:ext cx="11271739" cy="400110"/>
+          </a:xfrm>
+          <a:prstGeom prst="rect">
+            <a:avLst/>
+          </a:prstGeom>
+          <a:noFill/>
+        </p:spPr>
+        <p:txBody>
+          <a:bodyPr wrap="square" rtlCol="0">
+            <a:spAutoFit/>
+          </a:bodyPr>
+          <a:lstStyle/>
+          <a:p>
+            <a:pPr marL="342900" indent="-342900">
+              <a:buFont typeface="Wingdings" panose="05000000000000000000" pitchFamily="2" charset="2"/>
+              <a:buChar char="Ø"/>
+            </a:pPr>
+            <a:r>
+              <a:rPr lang="en-US" sz="2000" b="1" u="sng" dirty="0" smtClean="0">
+                <a:latin typeface="Google Sans"/>
+              </a:rPr>
+              <a:t>Do-While Loop</a:t>
+            </a:r>
+            <a:r>
+              <a:rPr lang="en-US" sz="2000" dirty="0" smtClean="0">
+                <a:latin typeface="Google Sans"/>
+              </a:rPr>
+              <a:t>: A do-while loop is similar to the while loop but it runs at least once.</a:t>
+            </a:r>
+            <a:endParaRPr lang="en-US" altLang="en-US" sz="2000" dirty="0" smtClean="0">
+              <a:latin typeface="Google Sans"/>
+            </a:endParaRPr>
+          </a:p>
+        </p:txBody>
+      </p:sp>
+      <p:pic>
+        <p:nvPicPr>
+          <p:cNvPr id="4" name="Picture 3"/>
+          <p:cNvPicPr>
+            <a:picLocks noChangeAspect="1"/>
+          </p:cNvPicPr>
+          <p:nvPr/>
+        </p:nvPicPr>
+        <p:blipFill>
+          <a:blip r:embed="rId2"/>
+          <a:stretch>
+            <a:fillRect/>
+          </a:stretch>
+        </p:blipFill>
+        <p:spPr>
+          <a:xfrm>
+            <a:off x="2766172" y="2960840"/>
+            <a:ext cx="6782747" cy="3581900"/>
+          </a:xfrm>
+          <a:prstGeom prst="rect">
+            <a:avLst/>
+          </a:prstGeom>
+        </p:spPr>
+      </p:pic>
+    </p:spTree>
+    <p:extLst>
+      <p:ext uri="{BB962C8B-B14F-4D97-AF65-F5344CB8AC3E}">
+        <p14:creationId xmlns:p14="http://schemas.microsoft.com/office/powerpoint/2010/main" val="3693516255"/>
+      </p:ext>
+    </p:extLst>
+  </p:cSld>
+  <p:clrMapOvr>
+    <a:masterClrMapping/>
+  </p:clrMapOvr>
+  <p:timing>
+    <p:tnLst>
+      <p:par>
+        <p:cTn id="1" dur="indefinite" restart="never" nodeType="tmRoot">
+          <p:childTnLst>
+            <p:seq concurrent="1" nextAc="seek">
+              <p:cTn id="2" dur="indefinite" nodeType="mainSeq">
+                <p:childTnLst>
+                  <p:par>
+                    <p:cTn id="3" fill="hold">
+                      <p:stCondLst>
+                        <p:cond delay="indefinite"/>
+                      </p:stCondLst>
+                      <p:childTnLst>
+                        <p:par>
+                          <p:cTn id="4" fill="hold">
+                            <p:stCondLst>
+                              <p:cond delay="0"/>
+                            </p:stCondLst>
+                            <p:childTnLst>
+                              <p:par>
+                                <p:cTn id="5" presetID="42" presetClass="entr" presetSubtype="0" fill="hold" nodeType="clickEffect">
+                                  <p:stCondLst>
+                                    <p:cond delay="0"/>
+                                  </p:stCondLst>
+                                  <p:childTnLst>
+                                    <p:set>
+                                      <p:cBhvr>
+                                        <p:cTn id="6" dur="1" fill="hold">
+                                          <p:stCondLst>
+                                            <p:cond delay="0"/>
+                                          </p:stCondLst>
+                                        </p:cTn>
+                                        <p:tgtEl>
+                                          <p:spTgt spid="4"/>
+                                        </p:tgtEl>
+                                        <p:attrNameLst>
+                                          <p:attrName>style.visibility</p:attrName>
+                                        </p:attrNameLst>
+                                      </p:cBhvr>
+                                      <p:to>
+                                        <p:strVal val="visible"/>
+                                      </p:to>
+                                    </p:set>
+                                    <p:animEffect transition="in" filter="fade">
+                                      <p:cBhvr>
+                                        <p:cTn id="7" dur="1000"/>
+                                        <p:tgtEl>
+                                          <p:spTgt spid="4"/>
+                                        </p:tgtEl>
+                                      </p:cBhvr>
+                                    </p:animEffect>
+                                    <p:anim calcmode="lin" valueType="num">
+                                      <p:cBhvr>
+                                        <p:cTn id="8" dur="1000" fill="hold"/>
+                                        <p:tgtEl>
+                                          <p:spTgt spid="4"/>
+                                        </p:tgtEl>
+                                        <p:attrNameLst>
+                                          <p:attrName>ppt_x</p:attrName>
+                                        </p:attrNameLst>
+                                      </p:cBhvr>
+                                      <p:tavLst>
+                                        <p:tav tm="0">
+                                          <p:val>
+                                            <p:strVal val="#ppt_x"/>
+                                          </p:val>
+                                        </p:tav>
+                                        <p:tav tm="100000">
+                                          <p:val>
+                                            <p:strVal val="#ppt_x"/>
+                                          </p:val>
+                                        </p:tav>
+                                      </p:tavLst>
+                                    </p:anim>
+                                    <p:anim calcmode="lin" valueType="num">
+                                      <p:cBhvr>
+                                        <p:cTn id="9" dur="1000" fill="hold"/>
+                                        <p:tgtEl>
+                                          <p:spTgt spid="4"/>
+                                        </p:tgtEl>
+                                        <p:attrNameLst>
+                                          <p:attrName>ppt_y</p:attrName>
+                                        </p:attrNameLst>
+                                      </p:cBhvr>
+                                      <p:tavLst>
+                                        <p:tav tm="0">
+                                          <p:val>
+                                            <p:strVal val="#ppt_y+.1"/>
+                                          </p:val>
+                                        </p:tav>
+                                        <p:tav tm="100000">
+                                          <p:val>
+                                            <p:strVal val="#ppt_y"/>
+                                          </p:val>
+                                        </p:tav>
+                                      </p:tavLst>
+                                    </p:anim>
+                                  </p:childTnLst>
+                                </p:cTn>
+                              </p:par>
+                            </p:childTnLst>
+                          </p:cTn>
+                        </p:par>
+                      </p:childTnLst>
+                    </p:cTn>
+                  </p:par>
+                </p:childTnLst>
+              </p:cTn>
+              <p:prevCondLst>
+                <p:cond evt="onPrev" delay="0">
+                  <p:tgtEl>
+                    <p:sldTgt/>
+                  </p:tgtEl>
+                </p:cond>
+              </p:prevCondLst>
+              <p:nextCondLst>
+                <p:cond evt="onNext" delay="0">
+                  <p:tgtEl>
+                    <p:sldTgt/>
+                  </p:tgtEl>
+                </p:cond>
+              </p:nextCondLst>
+            </p:seq>
+          </p:childTnLst>
+        </p:cTn>
+      </p:par>
+    </p:tnLst>
+  </p:timing>
+</p:sld>
+</file>
+
+<file path=ppt/slides/slide29.xml><?xml version="1.0" encoding="utf-8"?>
+<p:sld xmlns:a="http://schemas.openxmlformats.org/drawingml/2006/main" xmlns:r="http://schemas.openxmlformats.org/officeDocument/2006/relationships" xmlns:p="http://schemas.openxmlformats.org/presentationml/2006/main">
+  <p:cSld>
+    <p:spTree>
+      <p:nvGrpSpPr>
+        <p:cNvPr id="1" name=""/>
+        <p:cNvGrpSpPr/>
+        <p:nvPr/>
+      </p:nvGrpSpPr>
+      <p:grpSpPr>
+        <a:xfrm>
+          <a:off x="0" y="0"/>
+          <a:ext cx="0" cy="0"/>
+          <a:chOff x="0" y="0"/>
+          <a:chExt cx="0" cy="0"/>
+        </a:xfrm>
+      </p:grpSpPr>
+      <p:sp>
+        <p:nvSpPr>
+          <p:cNvPr id="2" name="Title 1"/>
+          <p:cNvSpPr>
+            <a:spLocks noGrp="1"/>
+          </p:cNvSpPr>
+          <p:nvPr>
+            <p:ph type="title"/>
+          </p:nvPr>
+        </p:nvSpPr>
+        <p:spPr/>
+        <p:txBody>
+          <a:bodyPr anchor="ctr"/>
+          <a:lstStyle/>
+          <a:p>
+            <a:pPr algn="ctr"/>
+            <a:r>
+              <a:rPr lang="en-US" b="1" dirty="0" smtClean="0">
+                <a:latin typeface="Google Sans"/>
+              </a:rPr>
+              <a:t>Functions in javascript</a:t>
+            </a:r>
+            <a:endParaRPr lang="en-US" b="1" dirty="0">
+              <a:latin typeface="Google Sans"/>
+            </a:endParaRPr>
+          </a:p>
+        </p:txBody>
+      </p:sp>
+      <p:sp>
+        <p:nvSpPr>
+          <p:cNvPr id="3" name="TextBox 2"/>
+          <p:cNvSpPr txBox="1"/>
+          <p:nvPr/>
+        </p:nvSpPr>
+        <p:spPr>
+          <a:xfrm>
+            <a:off x="439615" y="2048608"/>
+            <a:ext cx="11271739" cy="1015663"/>
+          </a:xfrm>
+          <a:prstGeom prst="rect">
+            <a:avLst/>
+          </a:prstGeom>
+          <a:noFill/>
+        </p:spPr>
+        <p:txBody>
+          <a:bodyPr wrap="square" rtlCol="0">
+            <a:spAutoFit/>
+          </a:bodyPr>
+          <a:lstStyle/>
+          <a:p>
+            <a:pPr marL="342900" indent="-342900">
+              <a:buFont typeface="Wingdings" panose="05000000000000000000" pitchFamily="2" charset="2"/>
+              <a:buChar char="Ø"/>
+            </a:pPr>
+            <a:r>
+              <a:rPr lang="en-US" sz="2000" b="1" u="sng" dirty="0" smtClean="0">
+                <a:latin typeface="Google Sans"/>
+              </a:rPr>
+              <a:t>Function</a:t>
+            </a:r>
+            <a:r>
+              <a:rPr lang="en-US" sz="2000" dirty="0" smtClean="0">
+                <a:latin typeface="Google Sans"/>
+              </a:rPr>
+              <a:t>: A function in javascript is block of code written to perform a specific or particular task.</a:t>
+            </a:r>
+          </a:p>
+          <a:p>
+            <a:pPr marL="342900" indent="-342900">
+              <a:buFont typeface="Wingdings" panose="05000000000000000000" pitchFamily="2" charset="2"/>
+              <a:buChar char="Ø"/>
+            </a:pPr>
+            <a:r>
+              <a:rPr lang="en-US" altLang="en-US" sz="2000" dirty="0" smtClean="0">
+                <a:latin typeface="Google Sans"/>
+              </a:rPr>
+              <a:t>It is executed when it is called or invoked.</a:t>
+            </a:r>
+          </a:p>
+          <a:p>
+            <a:pPr marL="342900" indent="-342900">
+              <a:buFont typeface="Wingdings" panose="05000000000000000000" pitchFamily="2" charset="2"/>
+              <a:buChar char="Ø"/>
+            </a:pPr>
+            <a:r>
+              <a:rPr lang="en-US" altLang="en-US" sz="2000" dirty="0" smtClean="0">
+                <a:latin typeface="Google Sans"/>
+              </a:rPr>
+              <a:t>Functions help to avoid repetition of code and make it reusable.</a:t>
+            </a:r>
+          </a:p>
+        </p:txBody>
+      </p:sp>
+      <p:pic>
+        <p:nvPicPr>
+          <p:cNvPr id="5" name="Picture 4"/>
+          <p:cNvPicPr>
+            <a:picLocks noChangeAspect="1"/>
+          </p:cNvPicPr>
+          <p:nvPr/>
+        </p:nvPicPr>
+        <p:blipFill>
+          <a:blip r:embed="rId2"/>
+          <a:stretch>
+            <a:fillRect/>
+          </a:stretch>
+        </p:blipFill>
+        <p:spPr>
+          <a:xfrm>
+            <a:off x="2127738" y="3396923"/>
+            <a:ext cx="7893141" cy="3367258"/>
+          </a:xfrm>
+          <a:prstGeom prst="rect">
+            <a:avLst/>
+          </a:prstGeom>
+        </p:spPr>
+      </p:pic>
+    </p:spTree>
+    <p:extLst>
+      <p:ext uri="{BB962C8B-B14F-4D97-AF65-F5344CB8AC3E}">
+        <p14:creationId xmlns:p14="http://schemas.microsoft.com/office/powerpoint/2010/main" val="2121843114"/>
+      </p:ext>
+    </p:extLst>
+  </p:cSld>
+  <p:clrMapOvr>
+    <a:masterClrMapping/>
+  </p:clrMapOvr>
+  <p:timing>
+    <p:tnLst>
+      <p:par>
+        <p:cTn id="1" dur="indefinite" restart="never" nodeType="tmRoot">
+          <p:childTnLst>
+            <p:seq concurrent="1" nextAc="seek">
+              <p:cTn id="2" dur="indefinite" nodeType="mainSeq">
+                <p:childTnLst>
+                  <p:par>
+                    <p:cTn id="3" fill="hold">
+                      <p:stCondLst>
+                        <p:cond delay="indefinite"/>
+                      </p:stCondLst>
+                      <p:childTnLst>
+                        <p:par>
+                          <p:cTn id="4" fill="hold">
+                            <p:stCondLst>
+                              <p:cond delay="0"/>
+                            </p:stCondLst>
+                            <p:childTnLst>
+                              <p:par>
+                                <p:cTn id="5" presetID="42" presetClass="entr" presetSubtype="0" fill="hold" nodeType="clickEffect">
+                                  <p:stCondLst>
+                                    <p:cond delay="0"/>
+                                  </p:stCondLst>
+                                  <p:childTnLst>
+                                    <p:set>
+                                      <p:cBhvr>
+                                        <p:cTn id="6" dur="1" fill="hold">
+                                          <p:stCondLst>
+                                            <p:cond delay="0"/>
+                                          </p:stCondLst>
+                                        </p:cTn>
+                                        <p:tgtEl>
+                                          <p:spTgt spid="5"/>
+                                        </p:tgtEl>
+                                        <p:attrNameLst>
+                                          <p:attrName>style.visibility</p:attrName>
+                                        </p:attrNameLst>
+                                      </p:cBhvr>
+                                      <p:to>
+                                        <p:strVal val="visible"/>
+                                      </p:to>
+                                    </p:set>
+                                    <p:animEffect transition="in" filter="fade">
+                                      <p:cBhvr>
+                                        <p:cTn id="7" dur="1000"/>
+                                        <p:tgtEl>
+                                          <p:spTgt spid="5"/>
+                                        </p:tgtEl>
+                                      </p:cBhvr>
+                                    </p:animEffect>
+                                    <p:anim calcmode="lin" valueType="num">
+                                      <p:cBhvr>
+                                        <p:cTn id="8" dur="1000" fill="hold"/>
+                                        <p:tgtEl>
+                                          <p:spTgt spid="5"/>
+                                        </p:tgtEl>
+                                        <p:attrNameLst>
+                                          <p:attrName>ppt_x</p:attrName>
+                                        </p:attrNameLst>
+                                      </p:cBhvr>
+                                      <p:tavLst>
+                                        <p:tav tm="0">
+                                          <p:val>
+                                            <p:strVal val="#ppt_x"/>
+                                          </p:val>
+                                        </p:tav>
+                                        <p:tav tm="100000">
+                                          <p:val>
+                                            <p:strVal val="#ppt_x"/>
+                                          </p:val>
+                                        </p:tav>
+                                      </p:tavLst>
+                                    </p:anim>
+                                    <p:anim calcmode="lin" valueType="num">
+                                      <p:cBhvr>
+                                        <p:cTn id="9" dur="1000" fill="hold"/>
+                                        <p:tgtEl>
+                                          <p:spTgt spid="5"/>
+                                        </p:tgtEl>
+                                        <p:attrNameLst>
+                                          <p:attrName>ppt_y</p:attrName>
+                                        </p:attrNameLst>
+                                      </p:cBhvr>
+                                      <p:tavLst>
+                                        <p:tav tm="0">
+                                          <p:val>
+                                            <p:strVal val="#ppt_y+.1"/>
+                                          </p:val>
+                                        </p:tav>
+                                        <p:tav tm="100000">
+                                          <p:val>
+                                            <p:strVal val="#ppt_y"/>
+                                          </p:val>
+                                        </p:tav>
+                                      </p:tavLst>
+                                    </p:anim>
+                                  </p:childTnLst>
+                                </p:cTn>
+                              </p:par>
+                            </p:childTnLst>
+                          </p:cTn>
+                        </p:par>
+                      </p:childTnLst>
+                    </p:cTn>
+                  </p:par>
+                </p:childTnLst>
+              </p:cTn>
+              <p:prevCondLst>
+                <p:cond evt="onPrev" delay="0">
+                  <p:tgtEl>
+                    <p:sldTgt/>
+                  </p:tgtEl>
+                </p:cond>
+              </p:prevCondLst>
+              <p:nextCondLst>
+                <p:cond evt="onNext" delay="0">
+                  <p:tgtEl>
+                    <p:sldTgt/>
+                  </p:tgtEl>
+                </p:cond>
+              </p:nextCondLst>
+            </p:seq>
+          </p:childTnLst>
+        </p:cTn>
+      </p:par>
+    </p:tnLst>
+  </p:timing>
+</p:sld>
+</file>
+
 <file path=ppt/slides/slide3.xml><?xml version="1.0" encoding="utf-8"?>
+<p:sld xmlns:a="http://schemas.openxmlformats.org/drawingml/2006/main" xmlns:r="http://schemas.openxmlformats.org/officeDocument/2006/relationships" xmlns:p="http://schemas.openxmlformats.org/presentationml/2006/main">
+  <p:cSld>
+    <p:spTree>
+      <p:nvGrpSpPr>
+        <p:cNvPr id="1" name=""/>
+        <p:cNvGrpSpPr/>
+        <p:nvPr/>
+      </p:nvGrpSpPr>
+      <p:grpSpPr>
+        <a:xfrm>
+          <a:off x="0" y="0"/>
+          <a:ext cx="0" cy="0"/>
+          <a:chOff x="0" y="0"/>
+          <a:chExt cx="0" cy="0"/>
+        </a:xfrm>
+      </p:grpSpPr>
+      <p:sp>
+        <p:nvSpPr>
+          <p:cNvPr id="2" name="Title 1"/>
+          <p:cNvSpPr>
+            <a:spLocks noGrp="1"/>
+          </p:cNvSpPr>
+          <p:nvPr>
+            <p:ph type="title"/>
+          </p:nvPr>
+        </p:nvSpPr>
+        <p:spPr/>
+        <p:txBody>
+          <a:bodyPr anchor="ctr"/>
+          <a:lstStyle/>
+          <a:p>
+            <a:pPr algn="ctr"/>
+            <a:r>
+              <a:rPr lang="en-IN" b="1" dirty="0"/>
+              <a:t>What is </a:t>
+            </a:r>
+            <a:r>
+              <a:rPr lang="en-IN" b="1" dirty="0" smtClean="0"/>
+              <a:t>JavaScript</a:t>
+            </a:r>
+            <a:endParaRPr lang="en-US" dirty="0"/>
+          </a:p>
+        </p:txBody>
+      </p:sp>
+      <p:sp>
+        <p:nvSpPr>
+          <p:cNvPr id="4" name="TextBox 3"/>
+          <p:cNvSpPr txBox="1"/>
+          <p:nvPr/>
+        </p:nvSpPr>
+        <p:spPr>
+          <a:xfrm>
+            <a:off x="457200" y="1995854"/>
+            <a:ext cx="11306908" cy="4401205"/>
+          </a:xfrm>
+          <a:prstGeom prst="rect">
+            <a:avLst/>
+          </a:prstGeom>
+          <a:noFill/>
+        </p:spPr>
+        <p:txBody>
+          <a:bodyPr wrap="square" rtlCol="0">
+            <a:spAutoFit/>
+          </a:bodyPr>
+          <a:lstStyle/>
+          <a:p>
+            <a:pPr marL="285750" indent="-285750" algn="just">
+              <a:buFont typeface="Wingdings" panose="05000000000000000000" pitchFamily="2" charset="2"/>
+              <a:buChar char="Ø"/>
+            </a:pPr>
+            <a:r>
+              <a:rPr lang="en-US" sz="2000" dirty="0">
+                <a:latin typeface="Google Sans"/>
+              </a:rPr>
+              <a:t>JavaScript is a high level programming language which is used to create interactive web pages.</a:t>
+            </a:r>
+          </a:p>
+          <a:p>
+            <a:pPr marL="285750" indent="-285750" algn="just">
+              <a:buFont typeface="Wingdings" panose="05000000000000000000" pitchFamily="2" charset="2"/>
+              <a:buChar char="Ø"/>
+            </a:pPr>
+            <a:endParaRPr lang="en-US" sz="2000" dirty="0">
+              <a:latin typeface="Google Sans"/>
+            </a:endParaRPr>
+          </a:p>
+          <a:p>
+            <a:pPr marL="285750" indent="-285750" algn="just">
+              <a:buFont typeface="Wingdings" panose="05000000000000000000" pitchFamily="2" charset="2"/>
+              <a:buChar char="Ø"/>
+            </a:pPr>
+            <a:r>
+              <a:rPr lang="en-US" sz="2000" dirty="0">
+                <a:latin typeface="Google Sans"/>
+              </a:rPr>
+              <a:t>It is the only language understood by browser.</a:t>
+            </a:r>
+          </a:p>
+          <a:p>
+            <a:pPr marL="285750" indent="-285750" algn="just">
+              <a:buFont typeface="Wingdings" panose="05000000000000000000" pitchFamily="2" charset="2"/>
+              <a:buChar char="Ø"/>
+            </a:pPr>
+            <a:endParaRPr lang="en-US" sz="2000" dirty="0">
+              <a:latin typeface="Google Sans"/>
+            </a:endParaRPr>
+          </a:p>
+          <a:p>
+            <a:pPr marL="285750" indent="-285750" algn="just">
+              <a:buFont typeface="Wingdings" panose="05000000000000000000" pitchFamily="2" charset="2"/>
+              <a:buChar char="Ø"/>
+            </a:pPr>
+            <a:r>
+              <a:rPr lang="en-US" sz="2000" dirty="0">
+                <a:latin typeface="Google Sans"/>
+              </a:rPr>
+              <a:t>JavaScript is a scripting </a:t>
+            </a:r>
+            <a:r>
+              <a:rPr lang="en-US" sz="2000" dirty="0" smtClean="0">
+                <a:latin typeface="Google Sans"/>
+              </a:rPr>
+              <a:t>language. </a:t>
+            </a:r>
+            <a:endParaRPr lang="en-US" sz="2000" dirty="0">
+              <a:latin typeface="Google Sans"/>
+            </a:endParaRPr>
+          </a:p>
+          <a:p>
+            <a:pPr marL="285750" indent="-285750" algn="just">
+              <a:buFont typeface="Wingdings" panose="05000000000000000000" pitchFamily="2" charset="2"/>
+              <a:buChar char="Ø"/>
+            </a:pPr>
+            <a:endParaRPr lang="en-US" sz="2000" dirty="0">
+              <a:latin typeface="Google Sans"/>
+            </a:endParaRPr>
+          </a:p>
+          <a:p>
+            <a:pPr marL="285750" indent="-285750" algn="just">
+              <a:buFont typeface="Wingdings" panose="05000000000000000000" pitchFamily="2" charset="2"/>
+              <a:buChar char="Ø"/>
+            </a:pPr>
+            <a:r>
+              <a:rPr lang="en-US" sz="2000" dirty="0">
+                <a:latin typeface="Google Sans"/>
+              </a:rPr>
+              <a:t>It is the language you can use at browser side as well as server side.</a:t>
+            </a:r>
+          </a:p>
+          <a:p>
+            <a:pPr marL="285750" indent="-285750" algn="just">
+              <a:buFont typeface="Wingdings" panose="05000000000000000000" pitchFamily="2" charset="2"/>
+              <a:buChar char="Ø"/>
+            </a:pPr>
+            <a:endParaRPr lang="en-US" sz="2000" dirty="0">
+              <a:latin typeface="Google Sans"/>
+            </a:endParaRPr>
+          </a:p>
+          <a:p>
+            <a:pPr marL="285750" indent="-285750" algn="just">
+              <a:buFont typeface="Wingdings" panose="05000000000000000000" pitchFamily="2" charset="2"/>
+              <a:buChar char="Ø"/>
+            </a:pPr>
+            <a:r>
+              <a:rPr lang="en-US" sz="2000" dirty="0">
+                <a:latin typeface="Google Sans"/>
+              </a:rPr>
+              <a:t>It is the most commonly and popular language used right now.</a:t>
+            </a:r>
+          </a:p>
+          <a:p>
+            <a:pPr marL="285750" indent="-285750" algn="just">
+              <a:buFont typeface="Wingdings" panose="05000000000000000000" pitchFamily="2" charset="2"/>
+              <a:buChar char="Ø"/>
+            </a:pPr>
+            <a:endParaRPr lang="en-US" sz="2000" dirty="0">
+              <a:latin typeface="Google Sans"/>
+            </a:endParaRPr>
+          </a:p>
+          <a:p>
+            <a:pPr marL="285750" indent="-285750" algn="just">
+              <a:buFont typeface="Wingdings" panose="05000000000000000000" pitchFamily="2" charset="2"/>
+              <a:buChar char="Ø"/>
+            </a:pPr>
+            <a:r>
+              <a:rPr lang="en-US" sz="2000" dirty="0">
+                <a:latin typeface="Google Sans"/>
+              </a:rPr>
+              <a:t>A lot of framework and libraries are based on Javascript. It can be used for both frontend and backend.</a:t>
+            </a:r>
+          </a:p>
+          <a:p>
+            <a:pPr algn="just"/>
+            <a:r>
+              <a:rPr lang="en-US" sz="2000" dirty="0">
+                <a:latin typeface="Google Sans"/>
+              </a:rPr>
+              <a:t>	</a:t>
+            </a:r>
+            <a:r>
+              <a:rPr lang="en-US" sz="2000" dirty="0" smtClean="0">
+                <a:latin typeface="Google Sans"/>
+              </a:rPr>
+              <a:t>Frontend – </a:t>
+            </a:r>
+            <a:r>
+              <a:rPr lang="en-US" sz="2000" dirty="0" err="1" smtClean="0">
+                <a:latin typeface="Google Sans"/>
+              </a:rPr>
+              <a:t>React.Js</a:t>
+            </a:r>
+            <a:r>
+              <a:rPr lang="en-US" sz="2000" dirty="0">
+                <a:latin typeface="Google Sans"/>
+              </a:rPr>
+              <a:t>, </a:t>
+            </a:r>
+            <a:r>
+              <a:rPr lang="en-US" sz="2000" dirty="0" err="1" smtClean="0">
+                <a:latin typeface="Google Sans"/>
+              </a:rPr>
+              <a:t>Angular.Js</a:t>
+            </a:r>
+            <a:r>
+              <a:rPr lang="en-US" sz="2000" dirty="0">
+                <a:latin typeface="Google Sans"/>
+              </a:rPr>
+              <a:t>, </a:t>
+            </a:r>
+            <a:r>
+              <a:rPr lang="en-US" sz="2000" dirty="0" err="1" smtClean="0">
+                <a:latin typeface="Google Sans"/>
+              </a:rPr>
+              <a:t>Next.Js</a:t>
+            </a:r>
+            <a:endParaRPr lang="en-US" sz="2000" dirty="0">
+              <a:latin typeface="Google Sans"/>
+            </a:endParaRPr>
+          </a:p>
+          <a:p>
+            <a:pPr algn="just"/>
+            <a:r>
+              <a:rPr lang="en-US" sz="2000" dirty="0">
+                <a:latin typeface="Google Sans"/>
+              </a:rPr>
+              <a:t>	Backend </a:t>
+            </a:r>
+            <a:r>
+              <a:rPr lang="en-US" sz="2000" dirty="0" smtClean="0">
+                <a:latin typeface="Google Sans"/>
+              </a:rPr>
+              <a:t>– </a:t>
+            </a:r>
+            <a:r>
+              <a:rPr lang="en-US" sz="2000" dirty="0" err="1" smtClean="0">
+                <a:latin typeface="Google Sans"/>
+              </a:rPr>
+              <a:t>Node.Js</a:t>
+            </a:r>
+            <a:r>
+              <a:rPr lang="en-US" sz="2000" dirty="0">
+                <a:latin typeface="Google Sans"/>
+              </a:rPr>
+              <a:t>, </a:t>
+            </a:r>
+            <a:r>
+              <a:rPr lang="en-US" sz="2000" dirty="0" err="1" smtClean="0">
+                <a:latin typeface="Google Sans"/>
+              </a:rPr>
+              <a:t>Express.Js</a:t>
+            </a:r>
+            <a:endParaRPr lang="en-US" sz="2000" dirty="0">
+              <a:latin typeface="Google Sans"/>
+            </a:endParaRPr>
+          </a:p>
+        </p:txBody>
+      </p:sp>
+    </p:spTree>
+    <p:extLst>
+      <p:ext uri="{BB962C8B-B14F-4D97-AF65-F5344CB8AC3E}">
+        <p14:creationId xmlns:p14="http://schemas.microsoft.com/office/powerpoint/2010/main" val="1048833370"/>
+      </p:ext>
+    </p:extLst>
+  </p:cSld>
+  <p:clrMapOvr>
+    <a:masterClrMapping/>
+  </p:clrMapOvr>
+  <p:timing>
+    <p:tnLst>
+      <p:par>
+        <p:cTn id="1" dur="indefinite" restart="never" nodeType="tmRoot"/>
+      </p:par>
+    </p:tnLst>
+  </p:timing>
+</p:sld>
+</file>
+
+<file path=ppt/slides/slide30.xml><?xml version="1.0" encoding="utf-8"?>
+<p:sld xmlns:a="http://schemas.openxmlformats.org/drawingml/2006/main" xmlns:r="http://schemas.openxmlformats.org/officeDocument/2006/relationships" xmlns:p="http://schemas.openxmlformats.org/presentationml/2006/main">
+  <p:cSld>
+    <p:spTree>
+      <p:nvGrpSpPr>
+        <p:cNvPr id="1" name=""/>
+        <p:cNvGrpSpPr/>
+        <p:nvPr/>
+      </p:nvGrpSpPr>
+      <p:grpSpPr>
+        <a:xfrm>
+          <a:off x="0" y="0"/>
+          <a:ext cx="0" cy="0"/>
+          <a:chOff x="0" y="0"/>
+          <a:chExt cx="0" cy="0"/>
+        </a:xfrm>
+      </p:grpSpPr>
+      <p:sp>
+        <p:nvSpPr>
+          <p:cNvPr id="2" name="Title 1"/>
+          <p:cNvSpPr>
+            <a:spLocks noGrp="1"/>
+          </p:cNvSpPr>
+          <p:nvPr>
+            <p:ph type="title"/>
+          </p:nvPr>
+        </p:nvSpPr>
+        <p:spPr/>
+        <p:txBody>
+          <a:bodyPr anchor="ctr"/>
+          <a:lstStyle/>
+          <a:p>
+            <a:pPr algn="ctr"/>
+            <a:r>
+              <a:rPr lang="en-US" b="1" dirty="0" smtClean="0">
+                <a:latin typeface="Google Sans"/>
+              </a:rPr>
+              <a:t>Functions in javascript</a:t>
+            </a:r>
+            <a:endParaRPr lang="en-US" b="1" dirty="0">
+              <a:latin typeface="Google Sans"/>
+            </a:endParaRPr>
+          </a:p>
+        </p:txBody>
+      </p:sp>
+      <p:sp>
+        <p:nvSpPr>
+          <p:cNvPr id="3" name="TextBox 2"/>
+          <p:cNvSpPr txBox="1"/>
+          <p:nvPr/>
+        </p:nvSpPr>
+        <p:spPr>
+          <a:xfrm>
+            <a:off x="439615" y="2048608"/>
+            <a:ext cx="11271739" cy="1881990"/>
+          </a:xfrm>
+          <a:prstGeom prst="rect">
+            <a:avLst/>
+          </a:prstGeom>
+          <a:noFill/>
+        </p:spPr>
+        <p:txBody>
+          <a:bodyPr wrap="square" rtlCol="0">
+            <a:spAutoFit/>
+          </a:bodyPr>
+          <a:lstStyle/>
+          <a:p>
+            <a:pPr marL="342900" indent="-342900">
+              <a:lnSpc>
+                <a:spcPct val="150000"/>
+              </a:lnSpc>
+              <a:buFont typeface="Wingdings" panose="05000000000000000000" pitchFamily="2" charset="2"/>
+              <a:buChar char="Ø"/>
+            </a:pPr>
+            <a:r>
+              <a:rPr lang="en-US" sz="2000" b="1" u="sng" dirty="0" smtClean="0">
+                <a:latin typeface="Google Sans"/>
+              </a:rPr>
+              <a:t>Function Call Statement</a:t>
+            </a:r>
+            <a:r>
+              <a:rPr lang="en-US" sz="2000" dirty="0" smtClean="0">
+                <a:latin typeface="Google Sans"/>
+              </a:rPr>
+              <a:t>: A function call statement is the part of the program where function is called, meaning the function is executed.</a:t>
+            </a:r>
+          </a:p>
+          <a:p>
+            <a:pPr marL="342900" indent="-342900">
+              <a:lnSpc>
+                <a:spcPct val="150000"/>
+              </a:lnSpc>
+              <a:buFont typeface="Wingdings" panose="05000000000000000000" pitchFamily="2" charset="2"/>
+              <a:buChar char="Ø"/>
+            </a:pPr>
+            <a:r>
+              <a:rPr lang="en-US" altLang="en-US" sz="2000" dirty="0" smtClean="0">
+                <a:latin typeface="Google Sans"/>
+              </a:rPr>
+              <a:t>A function call is the action that triggers that block of code.</a:t>
+            </a:r>
+          </a:p>
+          <a:p>
+            <a:pPr marL="342900" indent="-342900">
+              <a:lnSpc>
+                <a:spcPct val="150000"/>
+              </a:lnSpc>
+              <a:buFont typeface="Wingdings" panose="05000000000000000000" pitchFamily="2" charset="2"/>
+              <a:buChar char="Ø"/>
+            </a:pPr>
+            <a:r>
+              <a:rPr lang="en-US" altLang="en-US" sz="2000" dirty="0" smtClean="0">
+                <a:latin typeface="Google Sans"/>
+              </a:rPr>
+              <a:t>To call a function, you simply use its function name and followed by parentheses. ()</a:t>
+            </a:r>
+          </a:p>
+        </p:txBody>
+      </p:sp>
+      <p:pic>
+        <p:nvPicPr>
+          <p:cNvPr id="4" name="Picture 3"/>
+          <p:cNvPicPr>
+            <a:picLocks noChangeAspect="1"/>
+          </p:cNvPicPr>
+          <p:nvPr/>
+        </p:nvPicPr>
+        <p:blipFill>
+          <a:blip r:embed="rId2"/>
+          <a:stretch>
+            <a:fillRect/>
+          </a:stretch>
+        </p:blipFill>
+        <p:spPr>
+          <a:xfrm>
+            <a:off x="2576021" y="4263250"/>
+            <a:ext cx="7039957" cy="2143424"/>
+          </a:xfrm>
+          <a:prstGeom prst="rect">
+            <a:avLst/>
+          </a:prstGeom>
+        </p:spPr>
+      </p:pic>
+    </p:spTree>
+    <p:extLst>
+      <p:ext uri="{BB962C8B-B14F-4D97-AF65-F5344CB8AC3E}">
+        <p14:creationId xmlns:p14="http://schemas.microsoft.com/office/powerpoint/2010/main" val="2832308428"/>
+      </p:ext>
+    </p:extLst>
+  </p:cSld>
+  <p:clrMapOvr>
+    <a:masterClrMapping/>
+  </p:clrMapOvr>
+  <p:timing>
+    <p:tnLst>
+      <p:par>
+        <p:cTn id="1" dur="indefinite" restart="never" nodeType="tmRoot">
+          <p:childTnLst>
+            <p:seq concurrent="1" nextAc="seek">
+              <p:cTn id="2" dur="indefinite" nodeType="mainSeq">
+                <p:childTnLst>
+                  <p:par>
+                    <p:cTn id="3" fill="hold">
+                      <p:stCondLst>
+                        <p:cond delay="indefinite"/>
+                      </p:stCondLst>
+                      <p:childTnLst>
+                        <p:par>
+                          <p:cTn id="4" fill="hold">
+                            <p:stCondLst>
+                              <p:cond delay="0"/>
+                            </p:stCondLst>
+                            <p:childTnLst>
+                              <p:par>
+                                <p:cTn id="5" presetID="42" presetClass="entr" presetSubtype="0" fill="hold" nodeType="clickEffect">
+                                  <p:stCondLst>
+                                    <p:cond delay="0"/>
+                                  </p:stCondLst>
+                                  <p:childTnLst>
+                                    <p:set>
+                                      <p:cBhvr>
+                                        <p:cTn id="6" dur="1" fill="hold">
+                                          <p:stCondLst>
+                                            <p:cond delay="0"/>
+                                          </p:stCondLst>
+                                        </p:cTn>
+                                        <p:tgtEl>
+                                          <p:spTgt spid="4"/>
+                                        </p:tgtEl>
+                                        <p:attrNameLst>
+                                          <p:attrName>style.visibility</p:attrName>
+                                        </p:attrNameLst>
+                                      </p:cBhvr>
+                                      <p:to>
+                                        <p:strVal val="visible"/>
+                                      </p:to>
+                                    </p:set>
+                                    <p:animEffect transition="in" filter="fade">
+                                      <p:cBhvr>
+                                        <p:cTn id="7" dur="1000"/>
+                                        <p:tgtEl>
+                                          <p:spTgt spid="4"/>
+                                        </p:tgtEl>
+                                      </p:cBhvr>
+                                    </p:animEffect>
+                                    <p:anim calcmode="lin" valueType="num">
+                                      <p:cBhvr>
+                                        <p:cTn id="8" dur="1000" fill="hold"/>
+                                        <p:tgtEl>
+                                          <p:spTgt spid="4"/>
+                                        </p:tgtEl>
+                                        <p:attrNameLst>
+                                          <p:attrName>ppt_x</p:attrName>
+                                        </p:attrNameLst>
+                                      </p:cBhvr>
+                                      <p:tavLst>
+                                        <p:tav tm="0">
+                                          <p:val>
+                                            <p:strVal val="#ppt_x"/>
+                                          </p:val>
+                                        </p:tav>
+                                        <p:tav tm="100000">
+                                          <p:val>
+                                            <p:strVal val="#ppt_x"/>
+                                          </p:val>
+                                        </p:tav>
+                                      </p:tavLst>
+                                    </p:anim>
+                                    <p:anim calcmode="lin" valueType="num">
+                                      <p:cBhvr>
+                                        <p:cTn id="9" dur="1000" fill="hold"/>
+                                        <p:tgtEl>
+                                          <p:spTgt spid="4"/>
+                                        </p:tgtEl>
+                                        <p:attrNameLst>
+                                          <p:attrName>ppt_y</p:attrName>
+                                        </p:attrNameLst>
+                                      </p:cBhvr>
+                                      <p:tavLst>
+                                        <p:tav tm="0">
+                                          <p:val>
+                                            <p:strVal val="#ppt_y+.1"/>
+                                          </p:val>
+                                        </p:tav>
+                                        <p:tav tm="100000">
+                                          <p:val>
+                                            <p:strVal val="#ppt_y"/>
+                                          </p:val>
+                                        </p:tav>
+                                      </p:tavLst>
+                                    </p:anim>
+                                  </p:childTnLst>
+                                </p:cTn>
+                              </p:par>
+                            </p:childTnLst>
+                          </p:cTn>
+                        </p:par>
+                      </p:childTnLst>
+                    </p:cTn>
+                  </p:par>
+                </p:childTnLst>
+              </p:cTn>
+              <p:prevCondLst>
+                <p:cond evt="onPrev" delay="0">
+                  <p:tgtEl>
+                    <p:sldTgt/>
+                  </p:tgtEl>
+                </p:cond>
+              </p:prevCondLst>
+              <p:nextCondLst>
+                <p:cond evt="onNext" delay="0">
+                  <p:tgtEl>
+                    <p:sldTgt/>
+                  </p:tgtEl>
+                </p:cond>
+              </p:nextCondLst>
+            </p:seq>
+          </p:childTnLst>
+        </p:cTn>
+      </p:par>
+    </p:tnLst>
+  </p:timing>
+</p:sld>
+</file>
+
+<file path=ppt/slides/slide31.xml><?xml version="1.0" encoding="utf-8"?>
+<p:sld xmlns:a="http://schemas.openxmlformats.org/drawingml/2006/main" xmlns:r="http://schemas.openxmlformats.org/officeDocument/2006/relationships" xmlns:p="http://schemas.openxmlformats.org/presentationml/2006/main">
+  <p:cSld>
+    <p:spTree>
+      <p:nvGrpSpPr>
+        <p:cNvPr id="1" name=""/>
+        <p:cNvGrpSpPr/>
+        <p:nvPr/>
+      </p:nvGrpSpPr>
+      <p:grpSpPr>
+        <a:xfrm>
+          <a:off x="0" y="0"/>
+          <a:ext cx="0" cy="0"/>
+          <a:chOff x="0" y="0"/>
+          <a:chExt cx="0" cy="0"/>
+        </a:xfrm>
+      </p:grpSpPr>
+      <p:sp>
+        <p:nvSpPr>
+          <p:cNvPr id="2" name="Title 1"/>
+          <p:cNvSpPr>
+            <a:spLocks noGrp="1"/>
+          </p:cNvSpPr>
+          <p:nvPr>
+            <p:ph type="title"/>
+          </p:nvPr>
+        </p:nvSpPr>
+        <p:spPr/>
+        <p:txBody>
+          <a:bodyPr anchor="ctr"/>
+          <a:lstStyle/>
+          <a:p>
+            <a:pPr algn="ctr"/>
+            <a:r>
+              <a:rPr lang="en-US" b="1" dirty="0" smtClean="0">
+                <a:latin typeface="Google Sans"/>
+              </a:rPr>
+              <a:t>Functions in javascript</a:t>
+            </a:r>
+            <a:endParaRPr lang="en-US" b="1" dirty="0">
+              <a:latin typeface="Google Sans"/>
+            </a:endParaRPr>
+          </a:p>
+        </p:txBody>
+      </p:sp>
+      <p:sp>
+        <p:nvSpPr>
+          <p:cNvPr id="3" name="TextBox 2"/>
+          <p:cNvSpPr txBox="1"/>
+          <p:nvPr/>
+        </p:nvSpPr>
+        <p:spPr>
+          <a:xfrm>
+            <a:off x="439615" y="2048608"/>
+            <a:ext cx="11271739" cy="1015663"/>
+          </a:xfrm>
+          <a:prstGeom prst="rect">
+            <a:avLst/>
+          </a:prstGeom>
+          <a:noFill/>
+        </p:spPr>
+        <p:txBody>
+          <a:bodyPr wrap="square" rtlCol="0">
+            <a:spAutoFit/>
+          </a:bodyPr>
+          <a:lstStyle/>
+          <a:p>
+            <a:pPr marL="342900" indent="-342900">
+              <a:lnSpc>
+                <a:spcPct val="150000"/>
+              </a:lnSpc>
+              <a:buFont typeface="Wingdings" panose="05000000000000000000" pitchFamily="2" charset="2"/>
+              <a:buChar char="Ø"/>
+            </a:pPr>
+            <a:r>
+              <a:rPr lang="en-US" sz="2000" b="1" u="sng" dirty="0" smtClean="0">
+                <a:latin typeface="Google Sans"/>
+              </a:rPr>
+              <a:t>Parameters</a:t>
+            </a:r>
+            <a:r>
+              <a:rPr lang="en-US" sz="2000" dirty="0" smtClean="0">
+                <a:latin typeface="Google Sans"/>
+              </a:rPr>
+              <a:t>: A parameter is a variable defined in a function’s definition.</a:t>
+            </a:r>
+          </a:p>
+          <a:p>
+            <a:pPr marL="342900" indent="-342900">
+              <a:lnSpc>
+                <a:spcPct val="150000"/>
+              </a:lnSpc>
+              <a:buFont typeface="Wingdings" panose="05000000000000000000" pitchFamily="2" charset="2"/>
+              <a:buChar char="Ø"/>
+            </a:pPr>
+            <a:r>
+              <a:rPr lang="en-US" sz="2000" b="1" u="sng" dirty="0" smtClean="0">
+                <a:latin typeface="Google Sans"/>
+              </a:rPr>
+              <a:t>Arguments</a:t>
+            </a:r>
+            <a:r>
+              <a:rPr lang="en-US" sz="2000" dirty="0" smtClean="0">
+                <a:latin typeface="Google Sans"/>
+              </a:rPr>
+              <a:t>: An argument is the actual value that is passed to a function when it is called.</a:t>
+            </a:r>
+            <a:endParaRPr lang="en-US" sz="2000" dirty="0">
+              <a:latin typeface="Google Sans"/>
+            </a:endParaRPr>
+          </a:p>
+        </p:txBody>
+      </p:sp>
+      <p:pic>
+        <p:nvPicPr>
+          <p:cNvPr id="5" name="Picture 4"/>
+          <p:cNvPicPr>
+            <a:picLocks noChangeAspect="1"/>
+          </p:cNvPicPr>
+          <p:nvPr/>
+        </p:nvPicPr>
+        <p:blipFill>
+          <a:blip r:embed="rId2"/>
+          <a:stretch>
+            <a:fillRect/>
+          </a:stretch>
+        </p:blipFill>
+        <p:spPr>
+          <a:xfrm>
+            <a:off x="2523391" y="3291514"/>
+            <a:ext cx="7108783" cy="3383946"/>
+          </a:xfrm>
+          <a:prstGeom prst="rect">
+            <a:avLst/>
+          </a:prstGeom>
+        </p:spPr>
+      </p:pic>
+    </p:spTree>
+    <p:extLst>
+      <p:ext uri="{BB962C8B-B14F-4D97-AF65-F5344CB8AC3E}">
+        <p14:creationId xmlns:p14="http://schemas.microsoft.com/office/powerpoint/2010/main" val="2009965528"/>
+      </p:ext>
+    </p:extLst>
+  </p:cSld>
+  <p:clrMapOvr>
+    <a:masterClrMapping/>
+  </p:clrMapOvr>
+  <p:timing>
+    <p:tnLst>
+      <p:par>
+        <p:cTn id="1" dur="indefinite" restart="never" nodeType="tmRoot">
+          <p:childTnLst>
+            <p:seq concurrent="1" nextAc="seek">
+              <p:cTn id="2" dur="indefinite" nodeType="mainSeq">
+                <p:childTnLst>
+                  <p:par>
+                    <p:cTn id="3" fill="hold">
+                      <p:stCondLst>
+                        <p:cond delay="indefinite"/>
+                      </p:stCondLst>
+                      <p:childTnLst>
+                        <p:par>
+                          <p:cTn id="4" fill="hold">
+                            <p:stCondLst>
+                              <p:cond delay="0"/>
+                            </p:stCondLst>
+                            <p:childTnLst>
+                              <p:par>
+                                <p:cTn id="5" presetID="42" presetClass="entr" presetSubtype="0" fill="hold" nodeType="clickEffect">
+                                  <p:stCondLst>
+                                    <p:cond delay="0"/>
+                                  </p:stCondLst>
+                                  <p:childTnLst>
+                                    <p:set>
+                                      <p:cBhvr>
+                                        <p:cTn id="6" dur="1" fill="hold">
+                                          <p:stCondLst>
+                                            <p:cond delay="0"/>
+                                          </p:stCondLst>
+                                        </p:cTn>
+                                        <p:tgtEl>
+                                          <p:spTgt spid="5"/>
+                                        </p:tgtEl>
+                                        <p:attrNameLst>
+                                          <p:attrName>style.visibility</p:attrName>
+                                        </p:attrNameLst>
+                                      </p:cBhvr>
+                                      <p:to>
+                                        <p:strVal val="visible"/>
+                                      </p:to>
+                                    </p:set>
+                                    <p:animEffect transition="in" filter="fade">
+                                      <p:cBhvr>
+                                        <p:cTn id="7" dur="1000"/>
+                                        <p:tgtEl>
+                                          <p:spTgt spid="5"/>
+                                        </p:tgtEl>
+                                      </p:cBhvr>
+                                    </p:animEffect>
+                                    <p:anim calcmode="lin" valueType="num">
+                                      <p:cBhvr>
+                                        <p:cTn id="8" dur="1000" fill="hold"/>
+                                        <p:tgtEl>
+                                          <p:spTgt spid="5"/>
+                                        </p:tgtEl>
+                                        <p:attrNameLst>
+                                          <p:attrName>ppt_x</p:attrName>
+                                        </p:attrNameLst>
+                                      </p:cBhvr>
+                                      <p:tavLst>
+                                        <p:tav tm="0">
+                                          <p:val>
+                                            <p:strVal val="#ppt_x"/>
+                                          </p:val>
+                                        </p:tav>
+                                        <p:tav tm="100000">
+                                          <p:val>
+                                            <p:strVal val="#ppt_x"/>
+                                          </p:val>
+                                        </p:tav>
+                                      </p:tavLst>
+                                    </p:anim>
+                                    <p:anim calcmode="lin" valueType="num">
+                                      <p:cBhvr>
+                                        <p:cTn id="9" dur="1000" fill="hold"/>
+                                        <p:tgtEl>
+                                          <p:spTgt spid="5"/>
+                                        </p:tgtEl>
+                                        <p:attrNameLst>
+                                          <p:attrName>ppt_y</p:attrName>
+                                        </p:attrNameLst>
+                                      </p:cBhvr>
+                                      <p:tavLst>
+                                        <p:tav tm="0">
+                                          <p:val>
+                                            <p:strVal val="#ppt_y+.1"/>
+                                          </p:val>
+                                        </p:tav>
+                                        <p:tav tm="100000">
+                                          <p:val>
+                                            <p:strVal val="#ppt_y"/>
+                                          </p:val>
+                                        </p:tav>
+                                      </p:tavLst>
+                                    </p:anim>
+                                  </p:childTnLst>
+                                </p:cTn>
+                              </p:par>
+                            </p:childTnLst>
+                          </p:cTn>
+                        </p:par>
+                      </p:childTnLst>
+                    </p:cTn>
+                  </p:par>
+                </p:childTnLst>
+              </p:cTn>
+              <p:prevCondLst>
+                <p:cond evt="onPrev" delay="0">
+                  <p:tgtEl>
+                    <p:sldTgt/>
+                  </p:tgtEl>
+                </p:cond>
+              </p:prevCondLst>
+              <p:nextCondLst>
+                <p:cond evt="onNext" delay="0">
+                  <p:tgtEl>
+                    <p:sldTgt/>
+                  </p:tgtEl>
+                </p:cond>
+              </p:nextCondLst>
+            </p:seq>
+          </p:childTnLst>
+        </p:cTn>
+      </p:par>
+    </p:tnLst>
+  </p:timing>
+</p:sld>
+</file>
+
+<file path=ppt/slides/slide32.xml><?xml version="1.0" encoding="utf-8"?>
+<p:sld xmlns:a="http://schemas.openxmlformats.org/drawingml/2006/main" xmlns:r="http://schemas.openxmlformats.org/officeDocument/2006/relationships" xmlns:p="http://schemas.openxmlformats.org/presentationml/2006/main">
+  <p:cSld>
+    <p:spTree>
+      <p:nvGrpSpPr>
+        <p:cNvPr id="1" name=""/>
+        <p:cNvGrpSpPr/>
+        <p:nvPr/>
+      </p:nvGrpSpPr>
+      <p:grpSpPr>
+        <a:xfrm>
+          <a:off x="0" y="0"/>
+          <a:ext cx="0" cy="0"/>
+          <a:chOff x="0" y="0"/>
+          <a:chExt cx="0" cy="0"/>
+        </a:xfrm>
+      </p:grpSpPr>
+      <p:sp>
+        <p:nvSpPr>
+          <p:cNvPr id="2" name="Title 1"/>
+          <p:cNvSpPr>
+            <a:spLocks noGrp="1"/>
+          </p:cNvSpPr>
+          <p:nvPr>
+            <p:ph type="title"/>
+          </p:nvPr>
+        </p:nvSpPr>
+        <p:spPr/>
+        <p:txBody>
+          <a:bodyPr anchor="ctr"/>
+          <a:lstStyle/>
+          <a:p>
+            <a:pPr algn="ctr"/>
+            <a:r>
+              <a:rPr lang="en-US" b="1" dirty="0" smtClean="0">
+                <a:latin typeface="Google Sans"/>
+              </a:rPr>
+              <a:t>Types of Functions in javascript</a:t>
+            </a:r>
+            <a:endParaRPr lang="en-US" b="1" dirty="0">
+              <a:latin typeface="Google Sans"/>
+            </a:endParaRPr>
+          </a:p>
+        </p:txBody>
+      </p:sp>
+      <p:pic>
+        <p:nvPicPr>
+          <p:cNvPr id="4" name="Picture 3"/>
+          <p:cNvPicPr>
+            <a:picLocks noChangeAspect="1"/>
+          </p:cNvPicPr>
+          <p:nvPr/>
+        </p:nvPicPr>
+        <p:blipFill>
+          <a:blip r:embed="rId2"/>
+          <a:stretch>
+            <a:fillRect/>
+          </a:stretch>
+        </p:blipFill>
+        <p:spPr>
+          <a:xfrm>
+            <a:off x="1240850" y="1944608"/>
+            <a:ext cx="9974067" cy="4639322"/>
+          </a:xfrm>
+          <a:prstGeom prst="rect">
+            <a:avLst/>
+          </a:prstGeom>
+        </p:spPr>
+      </p:pic>
+    </p:spTree>
+    <p:extLst>
+      <p:ext uri="{BB962C8B-B14F-4D97-AF65-F5344CB8AC3E}">
+        <p14:creationId xmlns:p14="http://schemas.microsoft.com/office/powerpoint/2010/main" val="2439155943"/>
+      </p:ext>
+    </p:extLst>
+  </p:cSld>
+  <p:clrMapOvr>
+    <a:masterClrMapping/>
+  </p:clrMapOvr>
+  <p:timing>
+    <p:tnLst>
+      <p:par>
+        <p:cTn id="1" dur="indefinite" restart="never" nodeType="tmRoot">
+          <p:childTnLst>
+            <p:seq concurrent="1" nextAc="seek">
+              <p:cTn id="2" dur="indefinite" nodeType="mainSeq">
+                <p:childTnLst>
+                  <p:par>
+                    <p:cTn id="3" fill="hold">
+                      <p:stCondLst>
+                        <p:cond delay="indefinite"/>
+                      </p:stCondLst>
+                      <p:childTnLst>
+                        <p:par>
+                          <p:cTn id="4" fill="hold">
+                            <p:stCondLst>
+                              <p:cond delay="0"/>
+                            </p:stCondLst>
+                            <p:childTnLst>
+                              <p:par>
+                                <p:cTn id="5" presetID="14" presetClass="entr" presetSubtype="10" fill="hold" nodeType="clickEffect">
+                                  <p:stCondLst>
+                                    <p:cond delay="0"/>
+                                  </p:stCondLst>
+                                  <p:childTnLst>
+                                    <p:set>
+                                      <p:cBhvr>
+                                        <p:cTn id="6" dur="1" fill="hold">
+                                          <p:stCondLst>
+                                            <p:cond delay="0"/>
+                                          </p:stCondLst>
+                                        </p:cTn>
+                                        <p:tgtEl>
+                                          <p:spTgt spid="4"/>
+                                        </p:tgtEl>
+                                        <p:attrNameLst>
+                                          <p:attrName>style.visibility</p:attrName>
+                                        </p:attrNameLst>
+                                      </p:cBhvr>
+                                      <p:to>
+                                        <p:strVal val="visible"/>
+                                      </p:to>
+                                    </p:set>
+                                    <p:animEffect transition="in" filter="randombar(horizontal)">
+                                      <p:cBhvr>
+                                        <p:cTn id="7" dur="500"/>
+                                        <p:tgtEl>
+                                          <p:spTgt spid="4"/>
+                                        </p:tgtEl>
+                                      </p:cBhvr>
+                                    </p:animEffect>
+                                  </p:childTnLst>
+                                </p:cTn>
+                              </p:par>
+                            </p:childTnLst>
+                          </p:cTn>
+                        </p:par>
+                      </p:childTnLst>
+                    </p:cTn>
+                  </p:par>
+                </p:childTnLst>
+              </p:cTn>
+              <p:prevCondLst>
+                <p:cond evt="onPrev" delay="0">
+                  <p:tgtEl>
+                    <p:sldTgt/>
+                  </p:tgtEl>
+                </p:cond>
+              </p:prevCondLst>
+              <p:nextCondLst>
+                <p:cond evt="onNext" delay="0">
+                  <p:tgtEl>
+                    <p:sldTgt/>
+                  </p:tgtEl>
+                </p:cond>
+              </p:nextCondLst>
+            </p:seq>
+          </p:childTnLst>
+        </p:cTn>
+      </p:par>
+    </p:tnLst>
+  </p:timing>
+</p:sld>
+</file>
+
+<file path=ppt/slides/slide33.xml><?xml version="1.0" encoding="utf-8"?>
+<p:sld xmlns:a="http://schemas.openxmlformats.org/drawingml/2006/main" xmlns:r="http://schemas.openxmlformats.org/officeDocument/2006/relationships" xmlns:p="http://schemas.openxmlformats.org/presentationml/2006/main">
+  <p:cSld>
+    <p:spTree>
+      <p:nvGrpSpPr>
+        <p:cNvPr id="1" name=""/>
+        <p:cNvGrpSpPr/>
+        <p:nvPr/>
+      </p:nvGrpSpPr>
+      <p:grpSpPr>
+        <a:xfrm>
+          <a:off x="0" y="0"/>
+          <a:ext cx="0" cy="0"/>
+          <a:chOff x="0" y="0"/>
+          <a:chExt cx="0" cy="0"/>
+        </a:xfrm>
+      </p:grpSpPr>
+      <p:sp>
+        <p:nvSpPr>
+          <p:cNvPr id="2" name="Title 1"/>
+          <p:cNvSpPr>
+            <a:spLocks noGrp="1"/>
+          </p:cNvSpPr>
+          <p:nvPr>
+            <p:ph type="title"/>
+          </p:nvPr>
+        </p:nvSpPr>
+        <p:spPr/>
+        <p:txBody>
+          <a:bodyPr anchor="ctr"/>
+          <a:lstStyle/>
+          <a:p>
+            <a:pPr algn="ctr"/>
+            <a:r>
+              <a:rPr lang="en-US" b="1" dirty="0" smtClean="0">
+                <a:latin typeface="Google Sans"/>
+              </a:rPr>
+              <a:t>1. Named Function </a:t>
+            </a:r>
+            <a:endParaRPr lang="en-US" b="1" dirty="0">
+              <a:latin typeface="Google Sans"/>
+            </a:endParaRPr>
+          </a:p>
+        </p:txBody>
+      </p:sp>
+      <p:sp>
+        <p:nvSpPr>
+          <p:cNvPr id="5" name="TextBox 4"/>
+          <p:cNvSpPr txBox="1"/>
+          <p:nvPr/>
+        </p:nvSpPr>
+        <p:spPr>
+          <a:xfrm>
+            <a:off x="439615" y="2048608"/>
+            <a:ext cx="11271739" cy="1015663"/>
+          </a:xfrm>
+          <a:prstGeom prst="rect">
+            <a:avLst/>
+          </a:prstGeom>
+          <a:noFill/>
+        </p:spPr>
+        <p:txBody>
+          <a:bodyPr wrap="square" rtlCol="0">
+            <a:spAutoFit/>
+          </a:bodyPr>
+          <a:lstStyle/>
+          <a:p>
+            <a:pPr marL="342900" indent="-342900">
+              <a:lnSpc>
+                <a:spcPct val="150000"/>
+              </a:lnSpc>
+              <a:buFont typeface="Wingdings" panose="05000000000000000000" pitchFamily="2" charset="2"/>
+              <a:buChar char="Ø"/>
+            </a:pPr>
+            <a:r>
+              <a:rPr lang="en-US" sz="2000" b="1" u="sng" dirty="0" smtClean="0">
+                <a:latin typeface="Google Sans"/>
+              </a:rPr>
+              <a:t>Named Function</a:t>
+            </a:r>
+            <a:r>
+              <a:rPr lang="en-US" sz="2000" dirty="0" smtClean="0">
+                <a:latin typeface="Google Sans"/>
+              </a:rPr>
+              <a:t>: </a:t>
+            </a:r>
+            <a:r>
+              <a:rPr lang="en-US" sz="2000" dirty="0">
+                <a:latin typeface="Google Sans"/>
+              </a:rPr>
+              <a:t>A function that is defined with a name is called as Named Function</a:t>
+            </a:r>
+            <a:r>
+              <a:rPr lang="en-US" sz="2000" dirty="0" smtClean="0">
+                <a:latin typeface="Google Sans"/>
+              </a:rPr>
+              <a:t>.</a:t>
+            </a:r>
+          </a:p>
+          <a:p>
+            <a:pPr marL="342900" indent="-342900">
+              <a:lnSpc>
+                <a:spcPct val="150000"/>
+              </a:lnSpc>
+              <a:buFont typeface="Wingdings" panose="05000000000000000000" pitchFamily="2" charset="2"/>
+              <a:buChar char="Ø"/>
+            </a:pPr>
+            <a:r>
+              <a:rPr lang="en-US" sz="2000" dirty="0" smtClean="0">
+                <a:latin typeface="Google Sans"/>
+              </a:rPr>
+              <a:t>It is also called as Function Declaration. </a:t>
+            </a:r>
+            <a:endParaRPr lang="en-US" sz="2000" dirty="0">
+              <a:latin typeface="Google Sans"/>
+            </a:endParaRPr>
+          </a:p>
+        </p:txBody>
+      </p:sp>
+      <p:pic>
+        <p:nvPicPr>
+          <p:cNvPr id="3" name="Picture 2"/>
+          <p:cNvPicPr>
+            <a:picLocks noChangeAspect="1"/>
+          </p:cNvPicPr>
+          <p:nvPr/>
+        </p:nvPicPr>
+        <p:blipFill>
+          <a:blip r:embed="rId2"/>
+          <a:stretch>
+            <a:fillRect/>
+          </a:stretch>
+        </p:blipFill>
+        <p:spPr>
+          <a:xfrm>
+            <a:off x="2264952" y="3174983"/>
+            <a:ext cx="7621064" cy="3639058"/>
+          </a:xfrm>
+          <a:prstGeom prst="rect">
+            <a:avLst/>
+          </a:prstGeom>
+        </p:spPr>
+      </p:pic>
+    </p:spTree>
+    <p:extLst>
+      <p:ext uri="{BB962C8B-B14F-4D97-AF65-F5344CB8AC3E}">
+        <p14:creationId xmlns:p14="http://schemas.microsoft.com/office/powerpoint/2010/main" val="3115826303"/>
+      </p:ext>
+    </p:extLst>
+  </p:cSld>
+  <p:clrMapOvr>
+    <a:masterClrMapping/>
+  </p:clrMapOvr>
+  <p:timing>
+    <p:tnLst>
+      <p:par>
+        <p:cTn id="1" dur="indefinite" restart="never" nodeType="tmRoot">
+          <p:childTnLst>
+            <p:seq concurrent="1" nextAc="seek">
+              <p:cTn id="2" dur="indefinite" nodeType="mainSeq">
+                <p:childTnLst>
+                  <p:par>
+                    <p:cTn id="3" fill="hold">
+                      <p:stCondLst>
+                        <p:cond delay="indefinite"/>
+                      </p:stCondLst>
+                      <p:childTnLst>
+                        <p:par>
+                          <p:cTn id="4" fill="hold">
+                            <p:stCondLst>
+                              <p:cond delay="0"/>
+                            </p:stCondLst>
+                            <p:childTnLst>
+                              <p:par>
+                                <p:cTn id="5" presetID="42" presetClass="entr" presetSubtype="0" fill="hold" nodeType="clickEffect">
+                                  <p:stCondLst>
+                                    <p:cond delay="0"/>
+                                  </p:stCondLst>
+                                  <p:childTnLst>
+                                    <p:set>
+                                      <p:cBhvr>
+                                        <p:cTn id="6" dur="1" fill="hold">
+                                          <p:stCondLst>
+                                            <p:cond delay="0"/>
+                                          </p:stCondLst>
+                                        </p:cTn>
+                                        <p:tgtEl>
+                                          <p:spTgt spid="3"/>
+                                        </p:tgtEl>
+                                        <p:attrNameLst>
+                                          <p:attrName>style.visibility</p:attrName>
+                                        </p:attrNameLst>
+                                      </p:cBhvr>
+                                      <p:to>
+                                        <p:strVal val="visible"/>
+                                      </p:to>
+                                    </p:set>
+                                    <p:animEffect transition="in" filter="fade">
+                                      <p:cBhvr>
+                                        <p:cTn id="7" dur="1000"/>
+                                        <p:tgtEl>
+                                          <p:spTgt spid="3"/>
+                                        </p:tgtEl>
+                                      </p:cBhvr>
+                                    </p:animEffect>
+                                    <p:anim calcmode="lin" valueType="num">
+                                      <p:cBhvr>
+                                        <p:cTn id="8" dur="1000" fill="hold"/>
+                                        <p:tgtEl>
+                                          <p:spTgt spid="3"/>
+                                        </p:tgtEl>
+                                        <p:attrNameLst>
+                                          <p:attrName>ppt_x</p:attrName>
+                                        </p:attrNameLst>
+                                      </p:cBhvr>
+                                      <p:tavLst>
+                                        <p:tav tm="0">
+                                          <p:val>
+                                            <p:strVal val="#ppt_x"/>
+                                          </p:val>
+                                        </p:tav>
+                                        <p:tav tm="100000">
+                                          <p:val>
+                                            <p:strVal val="#ppt_x"/>
+                                          </p:val>
+                                        </p:tav>
+                                      </p:tavLst>
+                                    </p:anim>
+                                    <p:anim calcmode="lin" valueType="num">
+                                      <p:cBhvr>
+                                        <p:cTn id="9" dur="1000" fill="hold"/>
+                                        <p:tgtEl>
+                                          <p:spTgt spid="3"/>
+                                        </p:tgtEl>
+                                        <p:attrNameLst>
+                                          <p:attrName>ppt_y</p:attrName>
+                                        </p:attrNameLst>
+                                      </p:cBhvr>
+                                      <p:tavLst>
+                                        <p:tav tm="0">
+                                          <p:val>
+                                            <p:strVal val="#ppt_y+.1"/>
+                                          </p:val>
+                                        </p:tav>
+                                        <p:tav tm="100000">
+                                          <p:val>
+                                            <p:strVal val="#ppt_y"/>
+                                          </p:val>
+                                        </p:tav>
+                                      </p:tavLst>
+                                    </p:anim>
+                                  </p:childTnLst>
+                                </p:cTn>
+                              </p:par>
+                            </p:childTnLst>
+                          </p:cTn>
+                        </p:par>
+                      </p:childTnLst>
+                    </p:cTn>
+                  </p:par>
+                </p:childTnLst>
+              </p:cTn>
+              <p:prevCondLst>
+                <p:cond evt="onPrev" delay="0">
+                  <p:tgtEl>
+                    <p:sldTgt/>
+                  </p:tgtEl>
+                </p:cond>
+              </p:prevCondLst>
+              <p:nextCondLst>
+                <p:cond evt="onNext" delay="0">
+                  <p:tgtEl>
+                    <p:sldTgt/>
+                  </p:tgtEl>
+                </p:cond>
+              </p:nextCondLst>
+            </p:seq>
+          </p:childTnLst>
+        </p:cTn>
+      </p:par>
+    </p:tnLst>
+  </p:timing>
+</p:sld>
+</file>
+
+<file path=ppt/slides/slide34.xml><?xml version="1.0" encoding="utf-8"?>
+<p:sld xmlns:a="http://schemas.openxmlformats.org/drawingml/2006/main" xmlns:r="http://schemas.openxmlformats.org/officeDocument/2006/relationships" xmlns:p="http://schemas.openxmlformats.org/presentationml/2006/main">
+  <p:cSld>
+    <p:spTree>
+      <p:nvGrpSpPr>
+        <p:cNvPr id="1" name=""/>
+        <p:cNvGrpSpPr/>
+        <p:nvPr/>
+      </p:nvGrpSpPr>
+      <p:grpSpPr>
+        <a:xfrm>
+          <a:off x="0" y="0"/>
+          <a:ext cx="0" cy="0"/>
+          <a:chOff x="0" y="0"/>
+          <a:chExt cx="0" cy="0"/>
+        </a:xfrm>
+      </p:grpSpPr>
+      <p:sp>
+        <p:nvSpPr>
+          <p:cNvPr id="2" name="Title 1"/>
+          <p:cNvSpPr>
+            <a:spLocks noGrp="1"/>
+          </p:cNvSpPr>
+          <p:nvPr>
+            <p:ph type="title"/>
+          </p:nvPr>
+        </p:nvSpPr>
+        <p:spPr/>
+        <p:txBody>
+          <a:bodyPr anchor="ctr"/>
+          <a:lstStyle/>
+          <a:p>
+            <a:pPr algn="ctr"/>
+            <a:r>
+              <a:rPr lang="en-US" dirty="0"/>
+              <a:t>What is </a:t>
+            </a:r>
+            <a:r>
+              <a:rPr lang="en-US" cap="none" dirty="0" smtClean="0"/>
+              <a:t>return</a:t>
+            </a:r>
+            <a:r>
+              <a:rPr lang="en-US" dirty="0" smtClean="0"/>
+              <a:t> </a:t>
+            </a:r>
+            <a:r>
+              <a:rPr lang="en-US" dirty="0"/>
+              <a:t>Keyword in Function?</a:t>
+            </a:r>
+            <a:endParaRPr lang="en-US" b="1" dirty="0">
+              <a:latin typeface="Google Sans"/>
+            </a:endParaRPr>
+          </a:p>
+        </p:txBody>
+      </p:sp>
+      <p:sp>
+        <p:nvSpPr>
+          <p:cNvPr id="5" name="TextBox 4"/>
+          <p:cNvSpPr txBox="1"/>
+          <p:nvPr/>
+        </p:nvSpPr>
+        <p:spPr>
+          <a:xfrm>
+            <a:off x="439615" y="2048608"/>
+            <a:ext cx="11271739" cy="1477328"/>
+          </a:xfrm>
+          <a:prstGeom prst="rect">
+            <a:avLst/>
+          </a:prstGeom>
+          <a:noFill/>
+        </p:spPr>
+        <p:txBody>
+          <a:bodyPr wrap="square" rtlCol="0">
+            <a:spAutoFit/>
+          </a:bodyPr>
+          <a:lstStyle/>
+          <a:p>
+            <a:pPr marL="342900" indent="-342900">
+              <a:lnSpc>
+                <a:spcPct val="150000"/>
+              </a:lnSpc>
+              <a:buFont typeface="Wingdings" panose="05000000000000000000" pitchFamily="2" charset="2"/>
+              <a:buChar char="Ø"/>
+            </a:pPr>
+            <a:r>
+              <a:rPr lang="en-US" sz="2000" b="1" u="sng" dirty="0" smtClean="0">
+                <a:latin typeface="Google Sans"/>
+              </a:rPr>
+              <a:t>return Keyword</a:t>
+            </a:r>
+            <a:r>
+              <a:rPr lang="en-US" sz="2000" dirty="0" smtClean="0">
+                <a:latin typeface="Google Sans"/>
+              </a:rPr>
+              <a:t>: The </a:t>
+            </a:r>
+            <a:r>
+              <a:rPr lang="en-US" sz="2000" dirty="0" smtClean="0">
+                <a:solidFill>
+                  <a:srgbClr val="FF0000"/>
+                </a:solidFill>
+                <a:latin typeface="Google Sans"/>
+              </a:rPr>
+              <a:t>return </a:t>
+            </a:r>
+            <a:r>
+              <a:rPr lang="en-US" sz="2000" dirty="0" smtClean="0">
+                <a:latin typeface="Google Sans"/>
+              </a:rPr>
+              <a:t>keyword is used to send a value from a function back to the caller.</a:t>
+            </a:r>
+          </a:p>
+          <a:p>
+            <a:pPr marL="342900" indent="-342900">
+              <a:lnSpc>
+                <a:spcPct val="150000"/>
+              </a:lnSpc>
+              <a:buFont typeface="Wingdings" panose="05000000000000000000" pitchFamily="2" charset="2"/>
+              <a:buChar char="Ø"/>
+            </a:pPr>
+            <a:r>
+              <a:rPr lang="en-US" sz="2000" b="1" u="sng" dirty="0" smtClean="0">
+                <a:solidFill>
+                  <a:srgbClr val="FF0000"/>
+                </a:solidFill>
+                <a:latin typeface="Google Sans"/>
+              </a:rPr>
+              <a:t>NOTE</a:t>
+            </a:r>
+            <a:r>
+              <a:rPr lang="en-US" sz="2000" dirty="0" smtClean="0">
+                <a:solidFill>
+                  <a:srgbClr val="FF0000"/>
+                </a:solidFill>
+                <a:latin typeface="Google Sans"/>
+              </a:rPr>
+              <a:t>: </a:t>
+            </a:r>
+            <a:r>
+              <a:rPr lang="en-US" sz="2000" dirty="0" smtClean="0">
+                <a:latin typeface="Google Sans"/>
+              </a:rPr>
+              <a:t>It should be the last statement inside the function after that function execution will be stopped.</a:t>
+            </a:r>
+            <a:endParaRPr lang="en-US" sz="2000" dirty="0">
+              <a:latin typeface="Google Sans"/>
+            </a:endParaRPr>
+          </a:p>
+        </p:txBody>
+      </p:sp>
+      <p:pic>
+        <p:nvPicPr>
+          <p:cNvPr id="4" name="Picture 3"/>
+          <p:cNvPicPr>
+            <a:picLocks noChangeAspect="1"/>
+          </p:cNvPicPr>
+          <p:nvPr/>
+        </p:nvPicPr>
+        <p:blipFill>
+          <a:blip r:embed="rId2"/>
+          <a:stretch>
+            <a:fillRect/>
+          </a:stretch>
+        </p:blipFill>
+        <p:spPr>
+          <a:xfrm>
+            <a:off x="2505807" y="3342936"/>
+            <a:ext cx="7146481" cy="3377203"/>
+          </a:xfrm>
+          <a:prstGeom prst="rect">
+            <a:avLst/>
+          </a:prstGeom>
+        </p:spPr>
+      </p:pic>
+    </p:spTree>
+    <p:extLst>
+      <p:ext uri="{BB962C8B-B14F-4D97-AF65-F5344CB8AC3E}">
+        <p14:creationId xmlns:p14="http://schemas.microsoft.com/office/powerpoint/2010/main" val="563562666"/>
+      </p:ext>
+    </p:extLst>
+  </p:cSld>
+  <p:clrMapOvr>
+    <a:masterClrMapping/>
+  </p:clrMapOvr>
+  <p:timing>
+    <p:tnLst>
+      <p:par>
+        <p:cTn id="1" dur="indefinite" restart="never" nodeType="tmRoot">
+          <p:childTnLst>
+            <p:seq concurrent="1" nextAc="seek">
+              <p:cTn id="2" dur="indefinite" nodeType="mainSeq">
+                <p:childTnLst>
+                  <p:par>
+                    <p:cTn id="3" fill="hold">
+                      <p:stCondLst>
+                        <p:cond delay="indefinite"/>
+                      </p:stCondLst>
+                      <p:childTnLst>
+                        <p:par>
+                          <p:cTn id="4" fill="hold">
+                            <p:stCondLst>
+                              <p:cond delay="0"/>
+                            </p:stCondLst>
+                            <p:childTnLst>
+                              <p:par>
+                                <p:cTn id="5" presetID="42" presetClass="entr" presetSubtype="0" fill="hold" nodeType="clickEffect">
+                                  <p:stCondLst>
+                                    <p:cond delay="0"/>
+                                  </p:stCondLst>
+                                  <p:childTnLst>
+                                    <p:set>
+                                      <p:cBhvr>
+                                        <p:cTn id="6" dur="1" fill="hold">
+                                          <p:stCondLst>
+                                            <p:cond delay="0"/>
+                                          </p:stCondLst>
+                                        </p:cTn>
+                                        <p:tgtEl>
+                                          <p:spTgt spid="4"/>
+                                        </p:tgtEl>
+                                        <p:attrNameLst>
+                                          <p:attrName>style.visibility</p:attrName>
+                                        </p:attrNameLst>
+                                      </p:cBhvr>
+                                      <p:to>
+                                        <p:strVal val="visible"/>
+                                      </p:to>
+                                    </p:set>
+                                    <p:animEffect transition="in" filter="fade">
+                                      <p:cBhvr>
+                                        <p:cTn id="7" dur="1000"/>
+                                        <p:tgtEl>
+                                          <p:spTgt spid="4"/>
+                                        </p:tgtEl>
+                                      </p:cBhvr>
+                                    </p:animEffect>
+                                    <p:anim calcmode="lin" valueType="num">
+                                      <p:cBhvr>
+                                        <p:cTn id="8" dur="1000" fill="hold"/>
+                                        <p:tgtEl>
+                                          <p:spTgt spid="4"/>
+                                        </p:tgtEl>
+                                        <p:attrNameLst>
+                                          <p:attrName>ppt_x</p:attrName>
+                                        </p:attrNameLst>
+                                      </p:cBhvr>
+                                      <p:tavLst>
+                                        <p:tav tm="0">
+                                          <p:val>
+                                            <p:strVal val="#ppt_x"/>
+                                          </p:val>
+                                        </p:tav>
+                                        <p:tav tm="100000">
+                                          <p:val>
+                                            <p:strVal val="#ppt_x"/>
+                                          </p:val>
+                                        </p:tav>
+                                      </p:tavLst>
+                                    </p:anim>
+                                    <p:anim calcmode="lin" valueType="num">
+                                      <p:cBhvr>
+                                        <p:cTn id="9" dur="1000" fill="hold"/>
+                                        <p:tgtEl>
+                                          <p:spTgt spid="4"/>
+                                        </p:tgtEl>
+                                        <p:attrNameLst>
+                                          <p:attrName>ppt_y</p:attrName>
+                                        </p:attrNameLst>
+                                      </p:cBhvr>
+                                      <p:tavLst>
+                                        <p:tav tm="0">
+                                          <p:val>
+                                            <p:strVal val="#ppt_y+.1"/>
+                                          </p:val>
+                                        </p:tav>
+                                        <p:tav tm="100000">
+                                          <p:val>
+                                            <p:strVal val="#ppt_y"/>
+                                          </p:val>
+                                        </p:tav>
+                                      </p:tavLst>
+                                    </p:anim>
+                                  </p:childTnLst>
+                                </p:cTn>
+                              </p:par>
+                            </p:childTnLst>
+                          </p:cTn>
+                        </p:par>
+                      </p:childTnLst>
+                    </p:cTn>
+                  </p:par>
+                </p:childTnLst>
+              </p:cTn>
+              <p:prevCondLst>
+                <p:cond evt="onPrev" delay="0">
+                  <p:tgtEl>
+                    <p:sldTgt/>
+                  </p:tgtEl>
+                </p:cond>
+              </p:prevCondLst>
+              <p:nextCondLst>
+                <p:cond evt="onNext" delay="0">
+                  <p:tgtEl>
+                    <p:sldTgt/>
+                  </p:tgtEl>
+                </p:cond>
+              </p:nextCondLst>
+            </p:seq>
+          </p:childTnLst>
+        </p:cTn>
+      </p:par>
+    </p:tnLst>
+  </p:timing>
+</p:sld>
+</file>
+
+<file path=ppt/slides/slide35.xml><?xml version="1.0" encoding="utf-8"?>
+<p:sld xmlns:a="http://schemas.openxmlformats.org/drawingml/2006/main" xmlns:r="http://schemas.openxmlformats.org/officeDocument/2006/relationships" xmlns:p="http://schemas.openxmlformats.org/presentationml/2006/main">
+  <p:cSld>
+    <p:spTree>
+      <p:nvGrpSpPr>
+        <p:cNvPr id="1" name=""/>
+        <p:cNvGrpSpPr/>
+        <p:nvPr/>
+      </p:nvGrpSpPr>
+      <p:grpSpPr>
+        <a:xfrm>
+          <a:off x="0" y="0"/>
+          <a:ext cx="0" cy="0"/>
+          <a:chOff x="0" y="0"/>
+          <a:chExt cx="0" cy="0"/>
+        </a:xfrm>
+      </p:grpSpPr>
+      <p:sp>
+        <p:nvSpPr>
+          <p:cNvPr id="2" name="Title 1"/>
+          <p:cNvSpPr>
+            <a:spLocks noGrp="1"/>
+          </p:cNvSpPr>
+          <p:nvPr>
+            <p:ph type="title"/>
+          </p:nvPr>
+        </p:nvSpPr>
+        <p:spPr/>
+        <p:txBody>
+          <a:bodyPr anchor="ctr"/>
+          <a:lstStyle/>
+          <a:p>
+            <a:pPr algn="ctr"/>
+            <a:r>
+              <a:rPr lang="en-US" b="1" dirty="0">
+                <a:latin typeface="Google Sans"/>
+              </a:rPr>
+              <a:t>2</a:t>
+            </a:r>
+            <a:r>
+              <a:rPr lang="en-US" b="1" dirty="0" smtClean="0">
+                <a:latin typeface="Google Sans"/>
+              </a:rPr>
+              <a:t>. anonymous Function </a:t>
+            </a:r>
+            <a:endParaRPr lang="en-US" b="1" dirty="0">
+              <a:latin typeface="Google Sans"/>
+            </a:endParaRPr>
+          </a:p>
+        </p:txBody>
+      </p:sp>
+      <p:sp>
+        <p:nvSpPr>
+          <p:cNvPr id="5" name="TextBox 4"/>
+          <p:cNvSpPr txBox="1"/>
+          <p:nvPr/>
+        </p:nvSpPr>
+        <p:spPr>
+          <a:xfrm>
+            <a:off x="439615" y="2048608"/>
+            <a:ext cx="11271739" cy="496996"/>
+          </a:xfrm>
+          <a:prstGeom prst="rect">
+            <a:avLst/>
+          </a:prstGeom>
+          <a:noFill/>
+        </p:spPr>
+        <p:txBody>
+          <a:bodyPr wrap="square" rtlCol="0">
+            <a:spAutoFit/>
+          </a:bodyPr>
+          <a:lstStyle/>
+          <a:p>
+            <a:pPr marL="342900" indent="-342900">
+              <a:lnSpc>
+                <a:spcPct val="150000"/>
+              </a:lnSpc>
+              <a:buFont typeface="Wingdings" panose="05000000000000000000" pitchFamily="2" charset="2"/>
+              <a:buChar char="Ø"/>
+            </a:pPr>
+            <a:r>
+              <a:rPr lang="en-US" sz="2000" b="1" u="sng" dirty="0" smtClean="0">
+                <a:latin typeface="Google Sans"/>
+              </a:rPr>
+              <a:t>Anonymous Function</a:t>
+            </a:r>
+            <a:r>
+              <a:rPr lang="en-US" sz="2000" dirty="0" smtClean="0">
+                <a:latin typeface="Google Sans"/>
+              </a:rPr>
+              <a:t>: </a:t>
+            </a:r>
+            <a:r>
+              <a:rPr lang="en-US" sz="2000" dirty="0">
+                <a:latin typeface="Google Sans"/>
+              </a:rPr>
+              <a:t>An anonymous function is a function that does not have a name.</a:t>
+            </a:r>
+            <a:r>
+              <a:rPr lang="en-US" sz="2000" dirty="0" smtClean="0">
+                <a:latin typeface="Google Sans"/>
+              </a:rPr>
+              <a:t> </a:t>
+            </a:r>
+            <a:endParaRPr lang="en-US" sz="2000" dirty="0">
+              <a:latin typeface="Google Sans"/>
+            </a:endParaRPr>
+          </a:p>
+        </p:txBody>
+      </p:sp>
+      <p:sp>
+        <p:nvSpPr>
+          <p:cNvPr id="7" name="TextBox 6"/>
+          <p:cNvSpPr txBox="1"/>
+          <p:nvPr/>
+        </p:nvSpPr>
+        <p:spPr>
+          <a:xfrm>
+            <a:off x="339069" y="5982933"/>
+            <a:ext cx="11271739" cy="496996"/>
+          </a:xfrm>
+          <a:prstGeom prst="rect">
+            <a:avLst/>
+          </a:prstGeom>
+          <a:noFill/>
+        </p:spPr>
+        <p:txBody>
+          <a:bodyPr wrap="square" rtlCol="0">
+            <a:spAutoFit/>
+          </a:bodyPr>
+          <a:lstStyle/>
+          <a:p>
+            <a:pPr marL="342900" indent="-342900">
+              <a:lnSpc>
+                <a:spcPct val="150000"/>
+              </a:lnSpc>
+              <a:buFont typeface="Wingdings" panose="05000000000000000000" pitchFamily="2" charset="2"/>
+              <a:buChar char="Ø"/>
+            </a:pPr>
+            <a:r>
+              <a:rPr lang="en-US" sz="2000" b="1" dirty="0" smtClean="0">
+                <a:solidFill>
+                  <a:srgbClr val="FF0000"/>
+                </a:solidFill>
+                <a:latin typeface="Google Sans"/>
+              </a:rPr>
+              <a:t>Q. How to call or execute the Anonymous Function? </a:t>
+            </a:r>
+            <a:endParaRPr lang="en-US" sz="2000" b="1" dirty="0">
+              <a:solidFill>
+                <a:srgbClr val="FF0000"/>
+              </a:solidFill>
+              <a:latin typeface="Google Sans"/>
+            </a:endParaRPr>
+          </a:p>
+        </p:txBody>
+      </p:sp>
+      <p:pic>
+        <p:nvPicPr>
+          <p:cNvPr id="4" name="Picture 3"/>
+          <p:cNvPicPr>
+            <a:picLocks noChangeAspect="1"/>
+          </p:cNvPicPr>
+          <p:nvPr/>
+        </p:nvPicPr>
+        <p:blipFill>
+          <a:blip r:embed="rId2"/>
+          <a:stretch>
+            <a:fillRect/>
+          </a:stretch>
+        </p:blipFill>
+        <p:spPr>
+          <a:xfrm>
+            <a:off x="2285468" y="2878256"/>
+            <a:ext cx="7621064" cy="2991267"/>
+          </a:xfrm>
+          <a:prstGeom prst="rect">
+            <a:avLst/>
+          </a:prstGeom>
+        </p:spPr>
+      </p:pic>
+    </p:spTree>
+    <p:extLst>
+      <p:ext uri="{BB962C8B-B14F-4D97-AF65-F5344CB8AC3E}">
+        <p14:creationId xmlns:p14="http://schemas.microsoft.com/office/powerpoint/2010/main" val="3422936594"/>
+      </p:ext>
+    </p:extLst>
+  </p:cSld>
+  <p:clrMapOvr>
+    <a:masterClrMapping/>
+  </p:clrMapOvr>
+  <mc:AlternateContent xmlns:mc="http://schemas.openxmlformats.org/markup-compatibility/2006" xmlns:p14="http://schemas.microsoft.com/office/powerpoint/2010/main">
+    <mc:Choice Requires="p14">
+      <p:transition p14:dur="0"/>
+    </mc:Choice>
+    <mc:Fallback xmlns="">
+      <p:transition/>
+    </mc:Fallback>
+  </mc:AlternateContent>
+  <p:timing>
+    <p:tnLst>
+      <p:par>
+        <p:cTn id="1" dur="indefinite" restart="never" nodeType="tmRoot">
+          <p:childTnLst>
+            <p:seq concurrent="1" nextAc="seek">
+              <p:cTn id="2" dur="indefinite" nodeType="mainSeq">
+                <p:childTnLst>
+                  <p:par>
+                    <p:cTn id="3" fill="hold">
+                      <p:stCondLst>
+                        <p:cond delay="indefinite"/>
+                      </p:stCondLst>
+                      <p:childTnLst>
+                        <p:par>
+                          <p:cTn id="4" fill="hold">
+                            <p:stCondLst>
+                              <p:cond delay="0"/>
+                            </p:stCondLst>
+                            <p:childTnLst>
+                              <p:par>
+                                <p:cTn id="5" presetID="42" presetClass="entr" presetSubtype="0" fill="hold" nodeType="clickEffect">
+                                  <p:stCondLst>
+                                    <p:cond delay="0"/>
+                                  </p:stCondLst>
+                                  <p:childTnLst>
+                                    <p:set>
+                                      <p:cBhvr>
+                                        <p:cTn id="6" dur="1" fill="hold">
+                                          <p:stCondLst>
+                                            <p:cond delay="0"/>
+                                          </p:stCondLst>
+                                        </p:cTn>
+                                        <p:tgtEl>
+                                          <p:spTgt spid="4"/>
+                                        </p:tgtEl>
+                                        <p:attrNameLst>
+                                          <p:attrName>style.visibility</p:attrName>
+                                        </p:attrNameLst>
+                                      </p:cBhvr>
+                                      <p:to>
+                                        <p:strVal val="visible"/>
+                                      </p:to>
+                                    </p:set>
+                                    <p:animEffect transition="in" filter="fade">
+                                      <p:cBhvr>
+                                        <p:cTn id="7" dur="1000"/>
+                                        <p:tgtEl>
+                                          <p:spTgt spid="4"/>
+                                        </p:tgtEl>
+                                      </p:cBhvr>
+                                    </p:animEffect>
+                                    <p:anim calcmode="lin" valueType="num">
+                                      <p:cBhvr>
+                                        <p:cTn id="8" dur="1000" fill="hold"/>
+                                        <p:tgtEl>
+                                          <p:spTgt spid="4"/>
+                                        </p:tgtEl>
+                                        <p:attrNameLst>
+                                          <p:attrName>ppt_x</p:attrName>
+                                        </p:attrNameLst>
+                                      </p:cBhvr>
+                                      <p:tavLst>
+                                        <p:tav tm="0">
+                                          <p:val>
+                                            <p:strVal val="#ppt_x"/>
+                                          </p:val>
+                                        </p:tav>
+                                        <p:tav tm="100000">
+                                          <p:val>
+                                            <p:strVal val="#ppt_x"/>
+                                          </p:val>
+                                        </p:tav>
+                                      </p:tavLst>
+                                    </p:anim>
+                                    <p:anim calcmode="lin" valueType="num">
+                                      <p:cBhvr>
+                                        <p:cTn id="9" dur="1000" fill="hold"/>
+                                        <p:tgtEl>
+                                          <p:spTgt spid="4"/>
+                                        </p:tgtEl>
+                                        <p:attrNameLst>
+                                          <p:attrName>ppt_y</p:attrName>
+                                        </p:attrNameLst>
+                                      </p:cBhvr>
+                                      <p:tavLst>
+                                        <p:tav tm="0">
+                                          <p:val>
+                                            <p:strVal val="#ppt_y+.1"/>
+                                          </p:val>
+                                        </p:tav>
+                                        <p:tav tm="100000">
+                                          <p:val>
+                                            <p:strVal val="#ppt_y"/>
+                                          </p:val>
+                                        </p:tav>
+                                      </p:tavLst>
+                                    </p:anim>
+                                  </p:childTnLst>
+                                </p:cTn>
+                              </p:par>
+                            </p:childTnLst>
+                          </p:cTn>
+                        </p:par>
+                      </p:childTnLst>
+                    </p:cTn>
+                  </p:par>
+                  <p:par>
+                    <p:cTn id="10" fill="hold">
+                      <p:stCondLst>
+                        <p:cond delay="indefinite"/>
+                      </p:stCondLst>
+                      <p:childTnLst>
+                        <p:par>
+                          <p:cTn id="11" fill="hold">
+                            <p:stCondLst>
+                              <p:cond delay="0"/>
+                            </p:stCondLst>
+                            <p:childTnLst>
+                              <p:par>
+                                <p:cTn id="12" presetID="6" presetClass="entr" presetSubtype="16" fill="hold" grpId="0" nodeType="clickEffect">
+                                  <p:stCondLst>
+                                    <p:cond delay="0"/>
+                                  </p:stCondLst>
+                                  <p:childTnLst>
+                                    <p:set>
+                                      <p:cBhvr>
+                                        <p:cTn id="13" dur="1" fill="hold">
+                                          <p:stCondLst>
+                                            <p:cond delay="0"/>
+                                          </p:stCondLst>
+                                        </p:cTn>
+                                        <p:tgtEl>
+                                          <p:spTgt spid="7"/>
+                                        </p:tgtEl>
+                                        <p:attrNameLst>
+                                          <p:attrName>style.visibility</p:attrName>
+                                        </p:attrNameLst>
+                                      </p:cBhvr>
+                                      <p:to>
+                                        <p:strVal val="visible"/>
+                                      </p:to>
+                                    </p:set>
+                                    <p:animEffect transition="in" filter="circle(in)">
+                                      <p:cBhvr>
+                                        <p:cTn id="14" dur="2000"/>
+                                        <p:tgtEl>
+                                          <p:spTgt spid="7"/>
+                                        </p:tgtEl>
+                                      </p:cBhvr>
+                                    </p:animEffect>
+                                  </p:childTnLst>
+                                </p:cTn>
+                              </p:par>
+                            </p:childTnLst>
+                          </p:cTn>
+                        </p:par>
+                      </p:childTnLst>
+                    </p:cTn>
+                  </p:par>
+                </p:childTnLst>
+              </p:cTn>
+              <p:prevCondLst>
+                <p:cond evt="onPrev" delay="0">
+                  <p:tgtEl>
+                    <p:sldTgt/>
+                  </p:tgtEl>
+                </p:cond>
+              </p:prevCondLst>
+              <p:nextCondLst>
+                <p:cond evt="onNext" delay="0">
+                  <p:tgtEl>
+                    <p:sldTgt/>
+                  </p:tgtEl>
+                </p:cond>
+              </p:nextCondLst>
+            </p:seq>
+          </p:childTnLst>
+        </p:cTn>
+      </p:par>
+    </p:tnLst>
+    <p:bldLst>
+      <p:bldP spid="7" grpId="0"/>
+    </p:bldLst>
+  </p:timing>
+</p:sld>
+</file>
+
+<file path=ppt/slides/slide36.xml><?xml version="1.0" encoding="utf-8"?>
+<p:sld xmlns:a="http://schemas.openxmlformats.org/drawingml/2006/main" xmlns:r="http://schemas.openxmlformats.org/officeDocument/2006/relationships" xmlns:p="http://schemas.openxmlformats.org/presentationml/2006/main">
+  <p:cSld>
+    <p:spTree>
+      <p:nvGrpSpPr>
+        <p:cNvPr id="1" name=""/>
+        <p:cNvGrpSpPr/>
+        <p:nvPr/>
+      </p:nvGrpSpPr>
+      <p:grpSpPr>
+        <a:xfrm>
+          <a:off x="0" y="0"/>
+          <a:ext cx="0" cy="0"/>
+          <a:chOff x="0" y="0"/>
+          <a:chExt cx="0" cy="0"/>
+        </a:xfrm>
+      </p:grpSpPr>
+      <p:sp>
+        <p:nvSpPr>
+          <p:cNvPr id="2" name="Title 1"/>
+          <p:cNvSpPr>
+            <a:spLocks noGrp="1"/>
+          </p:cNvSpPr>
+          <p:nvPr>
+            <p:ph type="title"/>
+          </p:nvPr>
+        </p:nvSpPr>
+        <p:spPr/>
+        <p:txBody>
+          <a:bodyPr anchor="ctr"/>
+          <a:lstStyle/>
+          <a:p>
+            <a:pPr algn="ctr"/>
+            <a:r>
+              <a:rPr lang="en-US" b="1" dirty="0" smtClean="0">
+                <a:latin typeface="Google Sans"/>
+              </a:rPr>
+              <a:t>3. arrow Function </a:t>
+            </a:r>
+            <a:endParaRPr lang="en-US" b="1" dirty="0">
+              <a:latin typeface="Google Sans"/>
+            </a:endParaRPr>
+          </a:p>
+        </p:txBody>
+      </p:sp>
+      <p:sp>
+        <p:nvSpPr>
+          <p:cNvPr id="5" name="TextBox 4"/>
+          <p:cNvSpPr txBox="1"/>
+          <p:nvPr/>
+        </p:nvSpPr>
+        <p:spPr>
+          <a:xfrm>
+            <a:off x="439615" y="2048608"/>
+            <a:ext cx="11271739" cy="1938992"/>
+          </a:xfrm>
+          <a:prstGeom prst="rect">
+            <a:avLst/>
+          </a:prstGeom>
+          <a:noFill/>
+        </p:spPr>
+        <p:txBody>
+          <a:bodyPr wrap="square" rtlCol="0">
+            <a:spAutoFit/>
+          </a:bodyPr>
+          <a:lstStyle/>
+          <a:p>
+            <a:pPr marL="342900" indent="-342900">
+              <a:lnSpc>
+                <a:spcPct val="150000"/>
+              </a:lnSpc>
+              <a:buFont typeface="Wingdings" panose="05000000000000000000" pitchFamily="2" charset="2"/>
+              <a:buChar char="Ø"/>
+            </a:pPr>
+            <a:r>
+              <a:rPr lang="en-US" sz="2000" b="1" u="sng" dirty="0" smtClean="0">
+                <a:latin typeface="Google Sans"/>
+              </a:rPr>
+              <a:t>Arrow Function</a:t>
+            </a:r>
+            <a:r>
+              <a:rPr lang="en-US" sz="2000" dirty="0" smtClean="0">
+                <a:latin typeface="Google Sans"/>
+              </a:rPr>
+              <a:t>: </a:t>
+            </a:r>
+            <a:r>
+              <a:rPr lang="en-US" sz="2000" dirty="0">
+                <a:latin typeface="Google Sans"/>
+              </a:rPr>
+              <a:t>Arrow functions are a shorter way of writing functions. </a:t>
+            </a:r>
+            <a:endParaRPr lang="en-US" sz="2000" dirty="0" smtClean="0">
+              <a:latin typeface="Google Sans"/>
+            </a:endParaRPr>
+          </a:p>
+          <a:p>
+            <a:pPr marL="342900" indent="-342900">
+              <a:lnSpc>
+                <a:spcPct val="150000"/>
+              </a:lnSpc>
+              <a:buFont typeface="Wingdings" panose="05000000000000000000" pitchFamily="2" charset="2"/>
+              <a:buChar char="Ø"/>
+            </a:pPr>
+            <a:r>
+              <a:rPr lang="en-US" sz="2000" dirty="0">
+                <a:latin typeface="Google Sans"/>
+              </a:rPr>
+              <a:t>It is especially useful for anonymous functions</a:t>
+            </a:r>
+            <a:r>
+              <a:rPr lang="en-US" sz="2000" dirty="0" smtClean="0">
+                <a:latin typeface="Google Sans"/>
+              </a:rPr>
+              <a:t>.</a:t>
+            </a:r>
+          </a:p>
+          <a:p>
+            <a:pPr marL="342900" indent="-342900">
+              <a:lnSpc>
+                <a:spcPct val="150000"/>
+              </a:lnSpc>
+              <a:buFont typeface="Wingdings" panose="05000000000000000000" pitchFamily="2" charset="2"/>
+              <a:buChar char="Ø"/>
+            </a:pPr>
+            <a:r>
+              <a:rPr lang="en-US" sz="2000" dirty="0" smtClean="0">
+                <a:latin typeface="Google Sans"/>
+              </a:rPr>
+              <a:t>It is also called as </a:t>
+            </a:r>
+            <a:r>
+              <a:rPr lang="en-US" sz="2000" b="1" i="1" dirty="0" smtClean="0">
+                <a:latin typeface="Google Sans"/>
+              </a:rPr>
+              <a:t>Fat Arrow Function </a:t>
+            </a:r>
+            <a:r>
+              <a:rPr lang="en-US" sz="2000" dirty="0" smtClean="0">
+                <a:latin typeface="Google Sans"/>
+              </a:rPr>
+              <a:t>which is introduced in the </a:t>
+            </a:r>
+            <a:r>
+              <a:rPr lang="en-US" sz="2000" b="1" i="1" dirty="0" smtClean="0">
+                <a:latin typeface="Google Sans"/>
+              </a:rPr>
+              <a:t>ES6</a:t>
+            </a:r>
+            <a:r>
+              <a:rPr lang="en-US" sz="2000" dirty="0" smtClean="0">
+                <a:latin typeface="Google Sans"/>
+              </a:rPr>
+              <a:t> version in the year of </a:t>
+            </a:r>
+            <a:r>
+              <a:rPr lang="en-US" sz="2000" b="1" i="1" dirty="0" smtClean="0">
+                <a:latin typeface="Google Sans"/>
+              </a:rPr>
+              <a:t>2015</a:t>
+            </a:r>
+            <a:r>
+              <a:rPr lang="en-US" sz="2000" dirty="0">
+                <a:latin typeface="Google Sans"/>
+              </a:rPr>
+              <a:t>.</a:t>
+            </a:r>
+          </a:p>
+        </p:txBody>
+      </p:sp>
+      <p:pic>
+        <p:nvPicPr>
+          <p:cNvPr id="3" name="Picture 2"/>
+          <p:cNvPicPr>
+            <a:picLocks noChangeAspect="1"/>
+          </p:cNvPicPr>
+          <p:nvPr/>
+        </p:nvPicPr>
+        <p:blipFill>
+          <a:blip r:embed="rId2"/>
+          <a:stretch>
+            <a:fillRect/>
+          </a:stretch>
+        </p:blipFill>
+        <p:spPr>
+          <a:xfrm>
+            <a:off x="2892668" y="3692310"/>
+            <a:ext cx="6388875" cy="3018303"/>
+          </a:xfrm>
+          <a:prstGeom prst="rect">
+            <a:avLst/>
+          </a:prstGeom>
+        </p:spPr>
+      </p:pic>
+    </p:spTree>
+    <p:extLst>
+      <p:ext uri="{BB962C8B-B14F-4D97-AF65-F5344CB8AC3E}">
+        <p14:creationId xmlns:p14="http://schemas.microsoft.com/office/powerpoint/2010/main" val="252895934"/>
+      </p:ext>
+    </p:extLst>
+  </p:cSld>
+  <p:clrMapOvr>
+    <a:masterClrMapping/>
+  </p:clrMapOvr>
+  <p:timing>
+    <p:tnLst>
+      <p:par>
+        <p:cTn id="1" dur="indefinite" restart="never" nodeType="tmRoot">
+          <p:childTnLst>
+            <p:seq concurrent="1" nextAc="seek">
+              <p:cTn id="2" dur="indefinite" nodeType="mainSeq">
+                <p:childTnLst>
+                  <p:par>
+                    <p:cTn id="3" fill="hold">
+                      <p:stCondLst>
+                        <p:cond delay="indefinite"/>
+                      </p:stCondLst>
+                      <p:childTnLst>
+                        <p:par>
+                          <p:cTn id="4" fill="hold">
+                            <p:stCondLst>
+                              <p:cond delay="0"/>
+                            </p:stCondLst>
+                            <p:childTnLst>
+                              <p:par>
+                                <p:cTn id="5" presetID="14" presetClass="entr" presetSubtype="10" fill="hold" nodeType="clickEffect">
+                                  <p:stCondLst>
+                                    <p:cond delay="0"/>
+                                  </p:stCondLst>
+                                  <p:childTnLst>
+                                    <p:set>
+                                      <p:cBhvr>
+                                        <p:cTn id="6" dur="1" fill="hold">
+                                          <p:stCondLst>
+                                            <p:cond delay="0"/>
+                                          </p:stCondLst>
+                                        </p:cTn>
+                                        <p:tgtEl>
+                                          <p:spTgt spid="5">
+                                            <p:txEl>
+                                              <p:pRg st="2" end="2"/>
+                                            </p:txEl>
+                                          </p:spTgt>
+                                        </p:tgtEl>
+                                        <p:attrNameLst>
+                                          <p:attrName>style.visibility</p:attrName>
+                                        </p:attrNameLst>
+                                      </p:cBhvr>
+                                      <p:to>
+                                        <p:strVal val="visible"/>
+                                      </p:to>
+                                    </p:set>
+                                    <p:animEffect transition="in" filter="randombar(horizontal)">
+                                      <p:cBhvr>
+                                        <p:cTn id="7" dur="500"/>
+                                        <p:tgtEl>
+                                          <p:spTgt spid="5">
+                                            <p:txEl>
+                                              <p:pRg st="2" end="2"/>
+                                            </p:txEl>
+                                          </p:spTgt>
+                                        </p:tgtEl>
+                                      </p:cBhvr>
+                                    </p:animEffect>
+                                  </p:childTnLst>
+                                </p:cTn>
+                              </p:par>
+                            </p:childTnLst>
+                          </p:cTn>
+                        </p:par>
+                      </p:childTnLst>
+                    </p:cTn>
+                  </p:par>
+                  <p:par>
+                    <p:cTn id="8" fill="hold">
+                      <p:stCondLst>
+                        <p:cond delay="indefinite"/>
+                      </p:stCondLst>
+                      <p:childTnLst>
+                        <p:par>
+                          <p:cTn id="9" fill="hold">
+                            <p:stCondLst>
+                              <p:cond delay="0"/>
+                            </p:stCondLst>
+                            <p:childTnLst>
+                              <p:par>
+                                <p:cTn id="10" presetID="42" presetClass="entr" presetSubtype="0" fill="hold" nodeType="clickEffect">
+                                  <p:stCondLst>
+                                    <p:cond delay="0"/>
+                                  </p:stCondLst>
+                                  <p:childTnLst>
+                                    <p:set>
+                                      <p:cBhvr>
+                                        <p:cTn id="11" dur="1" fill="hold">
+                                          <p:stCondLst>
+                                            <p:cond delay="0"/>
+                                          </p:stCondLst>
+                                        </p:cTn>
+                                        <p:tgtEl>
+                                          <p:spTgt spid="3"/>
+                                        </p:tgtEl>
+                                        <p:attrNameLst>
+                                          <p:attrName>style.visibility</p:attrName>
+                                        </p:attrNameLst>
+                                      </p:cBhvr>
+                                      <p:to>
+                                        <p:strVal val="visible"/>
+                                      </p:to>
+                                    </p:set>
+                                    <p:animEffect transition="in" filter="fade">
+                                      <p:cBhvr>
+                                        <p:cTn id="12" dur="1000"/>
+                                        <p:tgtEl>
+                                          <p:spTgt spid="3"/>
+                                        </p:tgtEl>
+                                      </p:cBhvr>
+                                    </p:animEffect>
+                                    <p:anim calcmode="lin" valueType="num">
+                                      <p:cBhvr>
+                                        <p:cTn id="13" dur="1000" fill="hold"/>
+                                        <p:tgtEl>
+                                          <p:spTgt spid="3"/>
+                                        </p:tgtEl>
+                                        <p:attrNameLst>
+                                          <p:attrName>ppt_x</p:attrName>
+                                        </p:attrNameLst>
+                                      </p:cBhvr>
+                                      <p:tavLst>
+                                        <p:tav tm="0">
+                                          <p:val>
+                                            <p:strVal val="#ppt_x"/>
+                                          </p:val>
+                                        </p:tav>
+                                        <p:tav tm="100000">
+                                          <p:val>
+                                            <p:strVal val="#ppt_x"/>
+                                          </p:val>
+                                        </p:tav>
+                                      </p:tavLst>
+                                    </p:anim>
+                                    <p:anim calcmode="lin" valueType="num">
+                                      <p:cBhvr>
+                                        <p:cTn id="14" dur="1000" fill="hold"/>
+                                        <p:tgtEl>
+                                          <p:spTgt spid="3"/>
+                                        </p:tgtEl>
+                                        <p:attrNameLst>
+                                          <p:attrName>ppt_y</p:attrName>
+                                        </p:attrNameLst>
+                                      </p:cBhvr>
+                                      <p:tavLst>
+                                        <p:tav tm="0">
+                                          <p:val>
+                                            <p:strVal val="#ppt_y+.1"/>
+                                          </p:val>
+                                        </p:tav>
+                                        <p:tav tm="100000">
+                                          <p:val>
+                                            <p:strVal val="#ppt_y"/>
+                                          </p:val>
+                                        </p:tav>
+                                      </p:tavLst>
+                                    </p:anim>
+                                  </p:childTnLst>
+                                </p:cTn>
+                              </p:par>
+                            </p:childTnLst>
+                          </p:cTn>
+                        </p:par>
+                      </p:childTnLst>
+                    </p:cTn>
+                  </p:par>
+                </p:childTnLst>
+              </p:cTn>
+              <p:prevCondLst>
+                <p:cond evt="onPrev" delay="0">
+                  <p:tgtEl>
+                    <p:sldTgt/>
+                  </p:tgtEl>
+                </p:cond>
+              </p:prevCondLst>
+              <p:nextCondLst>
+                <p:cond evt="onNext" delay="0">
+                  <p:tgtEl>
+                    <p:sldTgt/>
+                  </p:tgtEl>
+                </p:cond>
+              </p:nextCondLst>
+            </p:seq>
+          </p:childTnLst>
+        </p:cTn>
+      </p:par>
+    </p:tnLst>
+  </p:timing>
+</p:sld>
+</file>
+
+<file path=ppt/slides/slide37.xml><?xml version="1.0" encoding="utf-8"?>
+<p:sld xmlns:a="http://schemas.openxmlformats.org/drawingml/2006/main" xmlns:r="http://schemas.openxmlformats.org/officeDocument/2006/relationships" xmlns:p="http://schemas.openxmlformats.org/presentationml/2006/main">
+  <p:cSld>
+    <p:spTree>
+      <p:nvGrpSpPr>
+        <p:cNvPr id="1" name=""/>
+        <p:cNvGrpSpPr/>
+        <p:nvPr/>
+      </p:nvGrpSpPr>
+      <p:grpSpPr>
+        <a:xfrm>
+          <a:off x="0" y="0"/>
+          <a:ext cx="0" cy="0"/>
+          <a:chOff x="0" y="0"/>
+          <a:chExt cx="0" cy="0"/>
+        </a:xfrm>
+      </p:grpSpPr>
+      <p:sp>
+        <p:nvSpPr>
+          <p:cNvPr id="2" name="Title 1"/>
+          <p:cNvSpPr>
+            <a:spLocks noGrp="1"/>
+          </p:cNvSpPr>
+          <p:nvPr>
+            <p:ph type="title"/>
+          </p:nvPr>
+        </p:nvSpPr>
+        <p:spPr/>
+        <p:txBody>
+          <a:bodyPr anchor="ctr"/>
+          <a:lstStyle/>
+          <a:p>
+            <a:pPr algn="ctr"/>
+            <a:r>
+              <a:rPr lang="en-US" b="1" cap="none" dirty="0" smtClean="0">
+                <a:latin typeface="Google Sans"/>
+              </a:rPr>
+              <a:t>return</a:t>
+            </a:r>
+            <a:r>
+              <a:rPr lang="en-US" b="1" dirty="0" smtClean="0">
+                <a:latin typeface="Google Sans"/>
+              </a:rPr>
+              <a:t> keyword in arrow function</a:t>
+            </a:r>
+            <a:endParaRPr lang="en-US" b="1" dirty="0">
+              <a:latin typeface="Google Sans"/>
+            </a:endParaRPr>
+          </a:p>
+        </p:txBody>
+      </p:sp>
+      <p:sp>
+        <p:nvSpPr>
+          <p:cNvPr id="5" name="TextBox 4"/>
+          <p:cNvSpPr txBox="1"/>
+          <p:nvPr/>
+        </p:nvSpPr>
+        <p:spPr>
+          <a:xfrm>
+            <a:off x="439615" y="2048608"/>
+            <a:ext cx="11271739" cy="1938992"/>
+          </a:xfrm>
+          <a:prstGeom prst="rect">
+            <a:avLst/>
+          </a:prstGeom>
+          <a:noFill/>
+        </p:spPr>
+        <p:txBody>
+          <a:bodyPr wrap="square" rtlCol="0">
+            <a:spAutoFit/>
+          </a:bodyPr>
+          <a:lstStyle/>
+          <a:p>
+            <a:pPr marL="342900" indent="-342900">
+              <a:lnSpc>
+                <a:spcPct val="150000"/>
+              </a:lnSpc>
+              <a:buFont typeface="Wingdings" panose="05000000000000000000" pitchFamily="2" charset="2"/>
+              <a:buChar char="Ø"/>
+            </a:pPr>
+            <a:r>
+              <a:rPr lang="en-US" sz="2000" b="1" dirty="0" smtClean="0">
+                <a:latin typeface="Google Sans"/>
+              </a:rPr>
+              <a:t>1. </a:t>
+            </a:r>
+            <a:r>
+              <a:rPr lang="en-US" sz="2000" b="1" u="sng" dirty="0" smtClean="0">
+                <a:latin typeface="Google Sans"/>
+              </a:rPr>
+              <a:t>Implicit Return</a:t>
+            </a:r>
+            <a:r>
+              <a:rPr lang="en-US" sz="2000" dirty="0" smtClean="0">
+                <a:latin typeface="Google Sans"/>
+              </a:rPr>
+              <a:t>: </a:t>
+            </a:r>
+            <a:r>
+              <a:rPr lang="en-US" sz="2000" dirty="0">
+                <a:latin typeface="Google Sans"/>
+              </a:rPr>
+              <a:t>If the function has a single statement, you can omit the </a:t>
+            </a:r>
+            <a:r>
+              <a:rPr lang="en-US" sz="2000" b="1" i="1" dirty="0">
+                <a:solidFill>
+                  <a:srgbClr val="FF0000"/>
+                </a:solidFill>
+                <a:latin typeface="Google Sans"/>
+              </a:rPr>
+              <a:t>return</a:t>
+            </a:r>
+            <a:r>
+              <a:rPr lang="en-US" sz="2000" dirty="0">
+                <a:latin typeface="Google Sans"/>
+              </a:rPr>
+              <a:t> and curly braces </a:t>
+            </a:r>
+            <a:r>
+              <a:rPr lang="en-US" sz="2000" dirty="0">
+                <a:solidFill>
+                  <a:srgbClr val="FF0000"/>
+                </a:solidFill>
+                <a:latin typeface="Google Sans"/>
+              </a:rPr>
+              <a:t>{}</a:t>
+            </a:r>
+            <a:r>
+              <a:rPr lang="en-US" sz="2000" dirty="0">
+                <a:latin typeface="Google Sans"/>
+              </a:rPr>
+              <a:t> .</a:t>
+            </a:r>
+            <a:endParaRPr lang="en-US" sz="2000" dirty="0" smtClean="0">
+              <a:latin typeface="Google Sans"/>
+            </a:endParaRPr>
+          </a:p>
+          <a:p>
+            <a:pPr marL="342900" indent="-342900">
+              <a:lnSpc>
+                <a:spcPct val="150000"/>
+              </a:lnSpc>
+              <a:buFont typeface="Wingdings" panose="05000000000000000000" pitchFamily="2" charset="2"/>
+              <a:buChar char="Ø"/>
+            </a:pPr>
+            <a:r>
+              <a:rPr lang="en-US" sz="2000" b="1" dirty="0" smtClean="0">
+                <a:latin typeface="Google Sans"/>
+              </a:rPr>
+              <a:t>2. </a:t>
+            </a:r>
+            <a:r>
+              <a:rPr lang="en-US" sz="2000" b="1" u="sng" dirty="0" smtClean="0">
+                <a:latin typeface="Google Sans"/>
+              </a:rPr>
+              <a:t>Explicit </a:t>
+            </a:r>
+            <a:r>
+              <a:rPr lang="en-US" sz="2000" b="1" u="sng" dirty="0">
+                <a:latin typeface="Google Sans"/>
+              </a:rPr>
+              <a:t>Return</a:t>
+            </a:r>
+            <a:r>
+              <a:rPr lang="en-US" sz="2000" dirty="0" smtClean="0">
+                <a:latin typeface="Google Sans"/>
+              </a:rPr>
+              <a:t>: </a:t>
+            </a:r>
+            <a:r>
+              <a:rPr lang="en-US" sz="2000" dirty="0">
+                <a:latin typeface="Google Sans"/>
+              </a:rPr>
+              <a:t>If there are multiple statements, you need to use explicitly and you have to use curly braces </a:t>
+            </a:r>
+            <a:r>
+              <a:rPr lang="en-US" sz="2000" dirty="0">
+                <a:solidFill>
+                  <a:srgbClr val="FF0000"/>
+                </a:solidFill>
+                <a:latin typeface="Google Sans"/>
+              </a:rPr>
+              <a:t>{}</a:t>
+            </a:r>
+            <a:r>
+              <a:rPr lang="en-US" sz="2000" dirty="0">
+                <a:latin typeface="Google Sans"/>
+              </a:rPr>
+              <a:t> mandatory.</a:t>
+            </a:r>
+          </a:p>
+        </p:txBody>
+      </p:sp>
+      <p:pic>
+        <p:nvPicPr>
+          <p:cNvPr id="4" name="Picture 3"/>
+          <p:cNvPicPr>
+            <a:picLocks noChangeAspect="1"/>
+          </p:cNvPicPr>
+          <p:nvPr/>
+        </p:nvPicPr>
+        <p:blipFill>
+          <a:blip r:embed="rId2"/>
+          <a:stretch>
+            <a:fillRect/>
+          </a:stretch>
+        </p:blipFill>
+        <p:spPr>
+          <a:xfrm>
+            <a:off x="1780244" y="3996393"/>
+            <a:ext cx="8631511" cy="2829510"/>
+          </a:xfrm>
+          <a:prstGeom prst="rect">
+            <a:avLst/>
+          </a:prstGeom>
+        </p:spPr>
+      </p:pic>
+    </p:spTree>
+    <p:extLst>
+      <p:ext uri="{BB962C8B-B14F-4D97-AF65-F5344CB8AC3E}">
+        <p14:creationId xmlns:p14="http://schemas.microsoft.com/office/powerpoint/2010/main" val="1997493642"/>
+      </p:ext>
+    </p:extLst>
+  </p:cSld>
+  <p:clrMapOvr>
+    <a:masterClrMapping/>
+  </p:clrMapOvr>
+  <p:timing>
+    <p:tnLst>
+      <p:par>
+        <p:cTn id="1" dur="indefinite" restart="never" nodeType="tmRoot">
+          <p:childTnLst>
+            <p:seq concurrent="1" nextAc="seek">
+              <p:cTn id="2" dur="indefinite" nodeType="mainSeq">
+                <p:childTnLst>
+                  <p:par>
+                    <p:cTn id="3" fill="hold">
+                      <p:stCondLst>
+                        <p:cond delay="indefinite"/>
+                      </p:stCondLst>
+                      <p:childTnLst>
+                        <p:par>
+                          <p:cTn id="4" fill="hold">
+                            <p:stCondLst>
+                              <p:cond delay="0"/>
+                            </p:stCondLst>
+                            <p:childTnLst>
+                              <p:par>
+                                <p:cTn id="5" presetID="42" presetClass="entr" presetSubtype="0" fill="hold" nodeType="clickEffect">
+                                  <p:stCondLst>
+                                    <p:cond delay="0"/>
+                                  </p:stCondLst>
+                                  <p:childTnLst>
+                                    <p:set>
+                                      <p:cBhvr>
+                                        <p:cTn id="6" dur="1" fill="hold">
+                                          <p:stCondLst>
+                                            <p:cond delay="0"/>
+                                          </p:stCondLst>
+                                        </p:cTn>
+                                        <p:tgtEl>
+                                          <p:spTgt spid="4"/>
+                                        </p:tgtEl>
+                                        <p:attrNameLst>
+                                          <p:attrName>style.visibility</p:attrName>
+                                        </p:attrNameLst>
+                                      </p:cBhvr>
+                                      <p:to>
+                                        <p:strVal val="visible"/>
+                                      </p:to>
+                                    </p:set>
+                                    <p:animEffect transition="in" filter="fade">
+                                      <p:cBhvr>
+                                        <p:cTn id="7" dur="1000"/>
+                                        <p:tgtEl>
+                                          <p:spTgt spid="4"/>
+                                        </p:tgtEl>
+                                      </p:cBhvr>
+                                    </p:animEffect>
+                                    <p:anim calcmode="lin" valueType="num">
+                                      <p:cBhvr>
+                                        <p:cTn id="8" dur="1000" fill="hold"/>
+                                        <p:tgtEl>
+                                          <p:spTgt spid="4"/>
+                                        </p:tgtEl>
+                                        <p:attrNameLst>
+                                          <p:attrName>ppt_x</p:attrName>
+                                        </p:attrNameLst>
+                                      </p:cBhvr>
+                                      <p:tavLst>
+                                        <p:tav tm="0">
+                                          <p:val>
+                                            <p:strVal val="#ppt_x"/>
+                                          </p:val>
+                                        </p:tav>
+                                        <p:tav tm="100000">
+                                          <p:val>
+                                            <p:strVal val="#ppt_x"/>
+                                          </p:val>
+                                        </p:tav>
+                                      </p:tavLst>
+                                    </p:anim>
+                                    <p:anim calcmode="lin" valueType="num">
+                                      <p:cBhvr>
+                                        <p:cTn id="9" dur="1000" fill="hold"/>
+                                        <p:tgtEl>
+                                          <p:spTgt spid="4"/>
+                                        </p:tgtEl>
+                                        <p:attrNameLst>
+                                          <p:attrName>ppt_y</p:attrName>
+                                        </p:attrNameLst>
+                                      </p:cBhvr>
+                                      <p:tavLst>
+                                        <p:tav tm="0">
+                                          <p:val>
+                                            <p:strVal val="#ppt_y+.1"/>
+                                          </p:val>
+                                        </p:tav>
+                                        <p:tav tm="100000">
+                                          <p:val>
+                                            <p:strVal val="#ppt_y"/>
+                                          </p:val>
+                                        </p:tav>
+                                      </p:tavLst>
+                                    </p:anim>
+                                  </p:childTnLst>
+                                </p:cTn>
+                              </p:par>
+                            </p:childTnLst>
+                          </p:cTn>
+                        </p:par>
+                      </p:childTnLst>
+                    </p:cTn>
+                  </p:par>
+                </p:childTnLst>
+              </p:cTn>
+              <p:prevCondLst>
+                <p:cond evt="onPrev" delay="0">
+                  <p:tgtEl>
+                    <p:sldTgt/>
+                  </p:tgtEl>
+                </p:cond>
+              </p:prevCondLst>
+              <p:nextCondLst>
+                <p:cond evt="onNext" delay="0">
+                  <p:tgtEl>
+                    <p:sldTgt/>
+                  </p:tgtEl>
+                </p:cond>
+              </p:nextCondLst>
+            </p:seq>
+          </p:childTnLst>
+        </p:cTn>
+      </p:par>
+    </p:tnLst>
+  </p:timing>
+</p:sld>
+</file>
+
+<file path=ppt/slides/slide38.xml><?xml version="1.0" encoding="utf-8"?>
+<p:sld xmlns:a="http://schemas.openxmlformats.org/drawingml/2006/main" xmlns:r="http://schemas.openxmlformats.org/officeDocument/2006/relationships" xmlns:p="http://schemas.openxmlformats.org/presentationml/2006/main">
+  <p:cSld>
+    <p:spTree>
+      <p:nvGrpSpPr>
+        <p:cNvPr id="1" name=""/>
+        <p:cNvGrpSpPr/>
+        <p:nvPr/>
+      </p:nvGrpSpPr>
+      <p:grpSpPr>
+        <a:xfrm>
+          <a:off x="0" y="0"/>
+          <a:ext cx="0" cy="0"/>
+          <a:chOff x="0" y="0"/>
+          <a:chExt cx="0" cy="0"/>
+        </a:xfrm>
+      </p:grpSpPr>
+      <p:sp>
+        <p:nvSpPr>
+          <p:cNvPr id="2" name="Title 1"/>
+          <p:cNvSpPr>
+            <a:spLocks noGrp="1"/>
+          </p:cNvSpPr>
+          <p:nvPr>
+            <p:ph type="title"/>
+          </p:nvPr>
+        </p:nvSpPr>
+        <p:spPr/>
+        <p:txBody>
+          <a:bodyPr anchor="ctr"/>
+          <a:lstStyle/>
+          <a:p>
+            <a:pPr algn="ctr"/>
+            <a:r>
+              <a:rPr lang="en-US" b="1" dirty="0">
+                <a:latin typeface="Google Sans"/>
+              </a:rPr>
+              <a:t>4</a:t>
+            </a:r>
+            <a:r>
+              <a:rPr lang="en-US" b="1" dirty="0" smtClean="0">
+                <a:latin typeface="Google Sans"/>
+              </a:rPr>
+              <a:t>. Callback Function </a:t>
+            </a:r>
+            <a:endParaRPr lang="en-US" b="1" dirty="0">
+              <a:latin typeface="Google Sans"/>
+            </a:endParaRPr>
+          </a:p>
+        </p:txBody>
+      </p:sp>
+      <p:sp>
+        <p:nvSpPr>
+          <p:cNvPr id="5" name="TextBox 4"/>
+          <p:cNvSpPr txBox="1"/>
+          <p:nvPr/>
+        </p:nvSpPr>
+        <p:spPr>
+          <a:xfrm>
+            <a:off x="439615" y="2048608"/>
+            <a:ext cx="11271739" cy="1015663"/>
+          </a:xfrm>
+          <a:prstGeom prst="rect">
+            <a:avLst/>
+          </a:prstGeom>
+          <a:noFill/>
+        </p:spPr>
+        <p:txBody>
+          <a:bodyPr wrap="square" rtlCol="0">
+            <a:spAutoFit/>
+          </a:bodyPr>
+          <a:lstStyle/>
+          <a:p>
+            <a:pPr marL="342900" indent="-342900">
+              <a:lnSpc>
+                <a:spcPct val="150000"/>
+              </a:lnSpc>
+              <a:buFont typeface="Wingdings" panose="05000000000000000000" pitchFamily="2" charset="2"/>
+              <a:buChar char="Ø"/>
+            </a:pPr>
+            <a:r>
+              <a:rPr lang="en-US" sz="2000" b="1" u="sng" dirty="0" smtClean="0">
+                <a:latin typeface="Google Sans"/>
+              </a:rPr>
+              <a:t>Callback Function</a:t>
+            </a:r>
+            <a:r>
+              <a:rPr lang="en-US" sz="2000" dirty="0" smtClean="0">
+                <a:latin typeface="Google Sans"/>
+              </a:rPr>
+              <a:t>: A callback function is a function passed into another function as an </a:t>
+            </a:r>
+            <a:r>
+              <a:rPr lang="en-US" sz="2000" i="1" dirty="0" smtClean="0">
+                <a:solidFill>
+                  <a:srgbClr val="FF0000"/>
+                </a:solidFill>
+                <a:latin typeface="Google Sans"/>
+              </a:rPr>
+              <a:t>argument</a:t>
+            </a:r>
+            <a:r>
+              <a:rPr lang="en-US" sz="2000" dirty="0" smtClean="0">
+                <a:latin typeface="Google Sans"/>
+              </a:rPr>
+              <a:t>, is known as callback function. </a:t>
+            </a:r>
+            <a:endParaRPr lang="en-US" sz="2000" dirty="0">
+              <a:latin typeface="Google Sans"/>
+            </a:endParaRPr>
+          </a:p>
+        </p:txBody>
+      </p:sp>
+      <p:pic>
+        <p:nvPicPr>
+          <p:cNvPr id="3" name="Picture 2"/>
+          <p:cNvPicPr>
+            <a:picLocks noChangeAspect="1"/>
+          </p:cNvPicPr>
+          <p:nvPr/>
+        </p:nvPicPr>
+        <p:blipFill>
+          <a:blip r:embed="rId2"/>
+          <a:stretch>
+            <a:fillRect/>
+          </a:stretch>
+        </p:blipFill>
+        <p:spPr>
+          <a:xfrm>
+            <a:off x="439615" y="3535680"/>
+            <a:ext cx="11273545" cy="2608207"/>
+          </a:xfrm>
+          <a:prstGeom prst="rect">
+            <a:avLst/>
+          </a:prstGeom>
+        </p:spPr>
+      </p:pic>
+    </p:spTree>
+    <p:extLst>
+      <p:ext uri="{BB962C8B-B14F-4D97-AF65-F5344CB8AC3E}">
+        <p14:creationId xmlns:p14="http://schemas.microsoft.com/office/powerpoint/2010/main" val="771736120"/>
+      </p:ext>
+    </p:extLst>
+  </p:cSld>
+  <p:clrMapOvr>
+    <a:masterClrMapping/>
+  </p:clrMapOvr>
+  <p:timing>
+    <p:tnLst>
+      <p:par>
+        <p:cTn id="1" dur="indefinite" restart="never" nodeType="tmRoot">
+          <p:childTnLst>
+            <p:seq concurrent="1" nextAc="seek">
+              <p:cTn id="2" dur="indefinite" nodeType="mainSeq">
+                <p:childTnLst>
+                  <p:par>
+                    <p:cTn id="3" fill="hold">
+                      <p:stCondLst>
+                        <p:cond delay="indefinite"/>
+                      </p:stCondLst>
+                      <p:childTnLst>
+                        <p:par>
+                          <p:cTn id="4" fill="hold">
+                            <p:stCondLst>
+                              <p:cond delay="0"/>
+                            </p:stCondLst>
+                            <p:childTnLst>
+                              <p:par>
+                                <p:cTn id="5" presetID="14" presetClass="entr" presetSubtype="10" fill="hold" nodeType="clickEffect">
+                                  <p:stCondLst>
+                                    <p:cond delay="0"/>
+                                  </p:stCondLst>
+                                  <p:childTnLst>
+                                    <p:set>
+                                      <p:cBhvr>
+                                        <p:cTn id="6" dur="1" fill="hold">
+                                          <p:stCondLst>
+                                            <p:cond delay="0"/>
+                                          </p:stCondLst>
+                                        </p:cTn>
+                                        <p:tgtEl>
+                                          <p:spTgt spid="3"/>
+                                        </p:tgtEl>
+                                        <p:attrNameLst>
+                                          <p:attrName>style.visibility</p:attrName>
+                                        </p:attrNameLst>
+                                      </p:cBhvr>
+                                      <p:to>
+                                        <p:strVal val="visible"/>
+                                      </p:to>
+                                    </p:set>
+                                    <p:animEffect transition="in" filter="randombar(horizontal)">
+                                      <p:cBhvr>
+                                        <p:cTn id="7" dur="500"/>
+                                        <p:tgtEl>
+                                          <p:spTgt spid="3"/>
+                                        </p:tgtEl>
+                                      </p:cBhvr>
+                                    </p:animEffect>
+                                  </p:childTnLst>
+                                </p:cTn>
+                              </p:par>
+                            </p:childTnLst>
+                          </p:cTn>
+                        </p:par>
+                      </p:childTnLst>
+                    </p:cTn>
+                  </p:par>
+                </p:childTnLst>
+              </p:cTn>
+              <p:prevCondLst>
+                <p:cond evt="onPrev" delay="0">
+                  <p:tgtEl>
+                    <p:sldTgt/>
+                  </p:tgtEl>
+                </p:cond>
+              </p:prevCondLst>
+              <p:nextCondLst>
+                <p:cond evt="onNext" delay="0">
+                  <p:tgtEl>
+                    <p:sldTgt/>
+                  </p:tgtEl>
+                </p:cond>
+              </p:nextCondLst>
+            </p:seq>
+          </p:childTnLst>
+        </p:cTn>
+      </p:par>
+    </p:tnLst>
+  </p:timing>
+</p:sld>
+</file>
+
+<file path=ppt/slides/slide39.xml><?xml version="1.0" encoding="utf-8"?>
+<p:sld xmlns:a="http://schemas.openxmlformats.org/drawingml/2006/main" xmlns:r="http://schemas.openxmlformats.org/officeDocument/2006/relationships" xmlns:p="http://schemas.openxmlformats.org/presentationml/2006/main">
+  <p:cSld>
+    <p:spTree>
+      <p:nvGrpSpPr>
+        <p:cNvPr id="1" name=""/>
+        <p:cNvGrpSpPr/>
+        <p:nvPr/>
+      </p:nvGrpSpPr>
+      <p:grpSpPr>
+        <a:xfrm>
+          <a:off x="0" y="0"/>
+          <a:ext cx="0" cy="0"/>
+          <a:chOff x="0" y="0"/>
+          <a:chExt cx="0" cy="0"/>
+        </a:xfrm>
+      </p:grpSpPr>
+      <p:sp>
+        <p:nvSpPr>
+          <p:cNvPr id="2" name="Title 1"/>
+          <p:cNvSpPr>
+            <a:spLocks noGrp="1"/>
+          </p:cNvSpPr>
+          <p:nvPr>
+            <p:ph type="title"/>
+          </p:nvPr>
+        </p:nvSpPr>
+        <p:spPr/>
+        <p:txBody>
+          <a:bodyPr anchor="ctr"/>
+          <a:lstStyle/>
+          <a:p>
+            <a:pPr algn="ctr"/>
+            <a:r>
+              <a:rPr lang="en-US" b="1" dirty="0" smtClean="0">
+                <a:latin typeface="Google Sans"/>
+              </a:rPr>
+              <a:t>5. HOF Function </a:t>
+            </a:r>
+            <a:endParaRPr lang="en-US" b="1" dirty="0">
+              <a:latin typeface="Google Sans"/>
+            </a:endParaRPr>
+          </a:p>
+        </p:txBody>
+      </p:sp>
+      <p:sp>
+        <p:nvSpPr>
+          <p:cNvPr id="5" name="TextBox 4"/>
+          <p:cNvSpPr txBox="1"/>
+          <p:nvPr/>
+        </p:nvSpPr>
+        <p:spPr>
+          <a:xfrm>
+            <a:off x="439615" y="2048608"/>
+            <a:ext cx="11271739" cy="1477328"/>
+          </a:xfrm>
+          <a:prstGeom prst="rect">
+            <a:avLst/>
+          </a:prstGeom>
+          <a:noFill/>
+        </p:spPr>
+        <p:txBody>
+          <a:bodyPr wrap="square" rtlCol="0">
+            <a:spAutoFit/>
+          </a:bodyPr>
+          <a:lstStyle/>
+          <a:p>
+            <a:pPr marL="342900" indent="-342900">
+              <a:lnSpc>
+                <a:spcPct val="150000"/>
+              </a:lnSpc>
+              <a:buFont typeface="Wingdings" panose="05000000000000000000" pitchFamily="2" charset="2"/>
+              <a:buChar char="Ø"/>
+            </a:pPr>
+            <a:r>
+              <a:rPr lang="en-US" sz="2000" b="1" u="sng" dirty="0" smtClean="0">
+                <a:latin typeface="Google Sans"/>
+              </a:rPr>
+              <a:t>HOF Function</a:t>
+            </a:r>
+            <a:r>
+              <a:rPr lang="en-US" sz="2000" dirty="0" smtClean="0">
+                <a:latin typeface="Google Sans"/>
+              </a:rPr>
+              <a:t>: HOF stands for Higher-Order Function in Javascript.</a:t>
+            </a:r>
+          </a:p>
+          <a:p>
+            <a:pPr marL="342900" indent="-342900">
+              <a:lnSpc>
+                <a:spcPct val="150000"/>
+              </a:lnSpc>
+              <a:buFont typeface="Wingdings" panose="05000000000000000000" pitchFamily="2" charset="2"/>
+              <a:buChar char="Ø"/>
+            </a:pPr>
+            <a:r>
+              <a:rPr lang="en-US" sz="2000" dirty="0" smtClean="0">
+                <a:latin typeface="Google Sans"/>
+              </a:rPr>
+              <a:t>A higher-order function is a function which accept a callback function as arguments that function we called as Higher-Order Function. </a:t>
+            </a:r>
+            <a:endParaRPr lang="en-US" sz="2000" dirty="0">
+              <a:latin typeface="Google Sans"/>
+            </a:endParaRPr>
+          </a:p>
+        </p:txBody>
+      </p:sp>
+      <p:pic>
+        <p:nvPicPr>
+          <p:cNvPr id="4" name="Picture 3"/>
+          <p:cNvPicPr>
+            <a:picLocks noChangeAspect="1"/>
+          </p:cNvPicPr>
+          <p:nvPr/>
+        </p:nvPicPr>
+        <p:blipFill>
+          <a:blip r:embed="rId2"/>
+          <a:stretch>
+            <a:fillRect/>
+          </a:stretch>
+        </p:blipFill>
+        <p:spPr>
+          <a:xfrm>
+            <a:off x="439615" y="3592830"/>
+            <a:ext cx="11273545" cy="2608207"/>
+          </a:xfrm>
+          <a:prstGeom prst="rect">
+            <a:avLst/>
+          </a:prstGeom>
+        </p:spPr>
+      </p:pic>
+      <p:sp>
+        <p:nvSpPr>
+          <p:cNvPr id="3" name="Rectangle 2"/>
+          <p:cNvSpPr/>
+          <p:nvPr/>
+        </p:nvSpPr>
+        <p:spPr>
+          <a:xfrm>
+            <a:off x="581192" y="4295775"/>
+            <a:ext cx="3781258" cy="1733550"/>
+          </a:xfrm>
+          <a:prstGeom prst="rect">
+            <a:avLst/>
+          </a:prstGeom>
+          <a:noFill/>
+          <a:ln w="9525" cap="flat" cmpd="sng" algn="ctr">
+            <a:solidFill>
+              <a:srgbClr val="FF0000"/>
+            </a:solidFill>
+            <a:prstDash val="solid"/>
+            <a:round/>
+            <a:headEnd type="none" w="med" len="med"/>
+            <a:tailEnd type="none" w="med" len="med"/>
+          </a:ln>
+        </p:spPr>
+        <p:style>
+          <a:lnRef idx="0">
+            <a:scrgbClr r="0" g="0" b="0"/>
+          </a:lnRef>
+          <a:fillRef idx="0">
+            <a:scrgbClr r="0" g="0" b="0"/>
+          </a:fillRef>
+          <a:effectRef idx="0">
+            <a:scrgbClr r="0" g="0" b="0"/>
+          </a:effectRef>
+          <a:fontRef idx="minor">
+            <a:schemeClr val="accent1"/>
+          </a:fontRef>
+        </p:style>
+        <p:txBody>
+          <a:bodyPr rtlCol="0" anchor="ctr"/>
+          <a:lstStyle/>
+          <a:p>
+            <a:pPr algn="ctr"/>
+            <a:endParaRPr lang="en-US"/>
+          </a:p>
+        </p:txBody>
+      </p:sp>
+      <p:sp>
+        <p:nvSpPr>
+          <p:cNvPr id="6" name="Down Arrow 5"/>
+          <p:cNvSpPr/>
+          <p:nvPr/>
+        </p:nvSpPr>
+        <p:spPr>
+          <a:xfrm>
+            <a:off x="2119396" y="3743325"/>
+            <a:ext cx="471404" cy="552450"/>
+          </a:xfrm>
+          <a:prstGeom prst="downArrow">
+            <a:avLst/>
+          </a:prstGeom>
+          <a:solidFill>
+            <a:srgbClr val="FF0000"/>
+          </a:solidFill>
+        </p:spPr>
+        <p:style>
+          <a:lnRef idx="2">
+            <a:schemeClr val="accent1">
+              <a:shade val="50000"/>
+            </a:schemeClr>
+          </a:lnRef>
+          <a:fillRef idx="1">
+            <a:schemeClr val="accent1"/>
+          </a:fillRef>
+          <a:effectRef idx="0">
+            <a:schemeClr val="accent1"/>
+          </a:effectRef>
+          <a:fontRef idx="minor">
+            <a:schemeClr val="lt1"/>
+          </a:fontRef>
+        </p:style>
+        <p:txBody>
+          <a:bodyPr rtlCol="0" anchor="ctr"/>
+          <a:lstStyle/>
+          <a:p>
+            <a:pPr algn="ctr"/>
+            <a:endParaRPr lang="en-US"/>
+          </a:p>
+        </p:txBody>
+      </p:sp>
+    </p:spTree>
+    <p:extLst>
+      <p:ext uri="{BB962C8B-B14F-4D97-AF65-F5344CB8AC3E}">
+        <p14:creationId xmlns:p14="http://schemas.microsoft.com/office/powerpoint/2010/main" val="3858827356"/>
+      </p:ext>
+    </p:extLst>
+  </p:cSld>
+  <p:clrMapOvr>
+    <a:masterClrMapping/>
+  </p:clrMapOvr>
+  <p:timing>
+    <p:tnLst>
+      <p:par>
+        <p:cTn id="1" dur="indefinite" restart="never" nodeType="tmRoot">
+          <p:childTnLst>
+            <p:seq concurrent="1" nextAc="seek">
+              <p:cTn id="2" dur="indefinite" nodeType="mainSeq">
+                <p:childTnLst>
+                  <p:par>
+                    <p:cTn id="3" fill="hold">
+                      <p:stCondLst>
+                        <p:cond delay="indefinite"/>
+                      </p:stCondLst>
+                      <p:childTnLst>
+                        <p:par>
+                          <p:cTn id="4" fill="hold">
+                            <p:stCondLst>
+                              <p:cond delay="0"/>
+                            </p:stCondLst>
+                            <p:childTnLst>
+                              <p:par>
+                                <p:cTn id="5" presetID="42" presetClass="entr" presetSubtype="0" fill="hold" nodeType="clickEffect">
+                                  <p:stCondLst>
+                                    <p:cond delay="0"/>
+                                  </p:stCondLst>
+                                  <p:childTnLst>
+                                    <p:set>
+                                      <p:cBhvr>
+                                        <p:cTn id="6" dur="1" fill="hold">
+                                          <p:stCondLst>
+                                            <p:cond delay="0"/>
+                                          </p:stCondLst>
+                                        </p:cTn>
+                                        <p:tgtEl>
+                                          <p:spTgt spid="4"/>
+                                        </p:tgtEl>
+                                        <p:attrNameLst>
+                                          <p:attrName>style.visibility</p:attrName>
+                                        </p:attrNameLst>
+                                      </p:cBhvr>
+                                      <p:to>
+                                        <p:strVal val="visible"/>
+                                      </p:to>
+                                    </p:set>
+                                    <p:animEffect transition="in" filter="fade">
+                                      <p:cBhvr>
+                                        <p:cTn id="7" dur="1000"/>
+                                        <p:tgtEl>
+                                          <p:spTgt spid="4"/>
+                                        </p:tgtEl>
+                                      </p:cBhvr>
+                                    </p:animEffect>
+                                    <p:anim calcmode="lin" valueType="num">
+                                      <p:cBhvr>
+                                        <p:cTn id="8" dur="1000" fill="hold"/>
+                                        <p:tgtEl>
+                                          <p:spTgt spid="4"/>
+                                        </p:tgtEl>
+                                        <p:attrNameLst>
+                                          <p:attrName>ppt_x</p:attrName>
+                                        </p:attrNameLst>
+                                      </p:cBhvr>
+                                      <p:tavLst>
+                                        <p:tav tm="0">
+                                          <p:val>
+                                            <p:strVal val="#ppt_x"/>
+                                          </p:val>
+                                        </p:tav>
+                                        <p:tav tm="100000">
+                                          <p:val>
+                                            <p:strVal val="#ppt_x"/>
+                                          </p:val>
+                                        </p:tav>
+                                      </p:tavLst>
+                                    </p:anim>
+                                    <p:anim calcmode="lin" valueType="num">
+                                      <p:cBhvr>
+                                        <p:cTn id="9" dur="1000" fill="hold"/>
+                                        <p:tgtEl>
+                                          <p:spTgt spid="4"/>
+                                        </p:tgtEl>
+                                        <p:attrNameLst>
+                                          <p:attrName>ppt_y</p:attrName>
+                                        </p:attrNameLst>
+                                      </p:cBhvr>
+                                      <p:tavLst>
+                                        <p:tav tm="0">
+                                          <p:val>
+                                            <p:strVal val="#ppt_y+.1"/>
+                                          </p:val>
+                                        </p:tav>
+                                        <p:tav tm="100000">
+                                          <p:val>
+                                            <p:strVal val="#ppt_y"/>
+                                          </p:val>
+                                        </p:tav>
+                                      </p:tavLst>
+                                    </p:anim>
+                                  </p:childTnLst>
+                                </p:cTn>
+                              </p:par>
+                            </p:childTnLst>
+                          </p:cTn>
+                        </p:par>
+                      </p:childTnLst>
+                    </p:cTn>
+                  </p:par>
+                  <p:par>
+                    <p:cTn id="10" fill="hold">
+                      <p:stCondLst>
+                        <p:cond delay="indefinite"/>
+                      </p:stCondLst>
+                      <p:childTnLst>
+                        <p:par>
+                          <p:cTn id="11" fill="hold">
+                            <p:stCondLst>
+                              <p:cond delay="0"/>
+                            </p:stCondLst>
+                            <p:childTnLst>
+                              <p:par>
+                                <p:cTn id="12" presetID="22" presetClass="entr" presetSubtype="4" fill="hold" grpId="0" nodeType="clickEffect">
+                                  <p:stCondLst>
+                                    <p:cond delay="0"/>
+                                  </p:stCondLst>
+                                  <p:childTnLst>
+                                    <p:set>
+                                      <p:cBhvr>
+                                        <p:cTn id="13" dur="1" fill="hold">
+                                          <p:stCondLst>
+                                            <p:cond delay="0"/>
+                                          </p:stCondLst>
+                                        </p:cTn>
+                                        <p:tgtEl>
+                                          <p:spTgt spid="3"/>
+                                        </p:tgtEl>
+                                        <p:attrNameLst>
+                                          <p:attrName>style.visibility</p:attrName>
+                                        </p:attrNameLst>
+                                      </p:cBhvr>
+                                      <p:to>
+                                        <p:strVal val="visible"/>
+                                      </p:to>
+                                    </p:set>
+                                    <p:animEffect transition="in" filter="wipe(down)">
+                                      <p:cBhvr>
+                                        <p:cTn id="14" dur="500"/>
+                                        <p:tgtEl>
+                                          <p:spTgt spid="3"/>
+                                        </p:tgtEl>
+                                      </p:cBhvr>
+                                    </p:animEffect>
+                                  </p:childTnLst>
+                                </p:cTn>
+                              </p:par>
+                            </p:childTnLst>
+                          </p:cTn>
+                        </p:par>
+                      </p:childTnLst>
+                    </p:cTn>
+                  </p:par>
+                  <p:par>
+                    <p:cTn id="15" fill="hold">
+                      <p:stCondLst>
+                        <p:cond delay="indefinite"/>
+                      </p:stCondLst>
+                      <p:childTnLst>
+                        <p:par>
+                          <p:cTn id="16" fill="hold">
+                            <p:stCondLst>
+                              <p:cond delay="0"/>
+                            </p:stCondLst>
+                            <p:childTnLst>
+                              <p:par>
+                                <p:cTn id="17" presetID="14" presetClass="entr" presetSubtype="10" fill="hold" grpId="0" nodeType="clickEffect">
+                                  <p:stCondLst>
+                                    <p:cond delay="0"/>
+                                  </p:stCondLst>
+                                  <p:childTnLst>
+                                    <p:set>
+                                      <p:cBhvr>
+                                        <p:cTn id="18" dur="1" fill="hold">
+                                          <p:stCondLst>
+                                            <p:cond delay="0"/>
+                                          </p:stCondLst>
+                                        </p:cTn>
+                                        <p:tgtEl>
+                                          <p:spTgt spid="6"/>
+                                        </p:tgtEl>
+                                        <p:attrNameLst>
+                                          <p:attrName>style.visibility</p:attrName>
+                                        </p:attrNameLst>
+                                      </p:cBhvr>
+                                      <p:to>
+                                        <p:strVal val="visible"/>
+                                      </p:to>
+                                    </p:set>
+                                    <p:animEffect transition="in" filter="randombar(horizontal)">
+                                      <p:cBhvr>
+                                        <p:cTn id="19" dur="500"/>
+                                        <p:tgtEl>
+                                          <p:spTgt spid="6"/>
+                                        </p:tgtEl>
+                                      </p:cBhvr>
+                                    </p:animEffect>
+                                  </p:childTnLst>
+                                </p:cTn>
+                              </p:par>
+                            </p:childTnLst>
+                          </p:cTn>
+                        </p:par>
+                      </p:childTnLst>
+                    </p:cTn>
+                  </p:par>
+                </p:childTnLst>
+              </p:cTn>
+              <p:prevCondLst>
+                <p:cond evt="onPrev" delay="0">
+                  <p:tgtEl>
+                    <p:sldTgt/>
+                  </p:tgtEl>
+                </p:cond>
+              </p:prevCondLst>
+              <p:nextCondLst>
+                <p:cond evt="onNext" delay="0">
+                  <p:tgtEl>
+                    <p:sldTgt/>
+                  </p:tgtEl>
+                </p:cond>
+              </p:nextCondLst>
+            </p:seq>
+          </p:childTnLst>
+        </p:cTn>
+      </p:par>
+    </p:tnLst>
+    <p:bldLst>
+      <p:bldP spid="3" grpId="0" animBg="1"/>
+      <p:bldP spid="6" grpId="0" animBg="1"/>
+    </p:bldLst>
+  </p:timing>
+</p:sld>
+</file>
+
+<file path=ppt/slides/slide4.xml><?xml version="1.0" encoding="utf-8"?>
 <p:sld xmlns:a="http://schemas.openxmlformats.org/drawingml/2006/main" xmlns:r="http://schemas.openxmlformats.org/officeDocument/2006/relationships" xmlns:p="http://schemas.openxmlformats.org/presentationml/2006/main">
   <p:cSld>
     <p:spTree>
@@ -6603,7 +12712,7 @@
 </p:sld>
 </file>
 
-<file path=ppt/slides/slide4.xml><?xml version="1.0" encoding="utf-8"?>
+<file path=ppt/slides/slide5.xml><?xml version="1.0" encoding="utf-8"?>
 <p:sld xmlns:a="http://schemas.openxmlformats.org/drawingml/2006/main" xmlns:r="http://schemas.openxmlformats.org/officeDocument/2006/relationships" xmlns:p="http://schemas.openxmlformats.org/presentationml/2006/main">
   <p:cSld>
     <p:spTree>
@@ -6798,7 +12907,7 @@
 </p:sld>
 </file>
 
-<file path=ppt/slides/slide5.xml><?xml version="1.0" encoding="utf-8"?>
+<file path=ppt/slides/slide6.xml><?xml version="1.0" encoding="utf-8"?>
 <p:sld xmlns:a="http://schemas.openxmlformats.org/drawingml/2006/main" xmlns:r="http://schemas.openxmlformats.org/officeDocument/2006/relationships" xmlns:p="http://schemas.openxmlformats.org/presentationml/2006/main">
   <p:cSld>
     <p:spTree>
@@ -6930,7 +13039,7 @@
 </p:sld>
 </file>
 
-<file path=ppt/slides/slide6.xml><?xml version="1.0" encoding="utf-8"?>
+<file path=ppt/slides/slide7.xml><?xml version="1.0" encoding="utf-8"?>
 <p:sld xmlns:a="http://schemas.openxmlformats.org/drawingml/2006/main" xmlns:r="http://schemas.openxmlformats.org/officeDocument/2006/relationships" xmlns:p="http://schemas.openxmlformats.org/presentationml/2006/main">
   <p:cSld>
     <p:spTree>
@@ -7024,186 +13133,6 @@
 </p:sld>
 </file>
 
-<file path=ppt/slides/slide7.xml><?xml version="1.0" encoding="utf-8"?>
-<p:sld xmlns:a="http://schemas.openxmlformats.org/drawingml/2006/main" xmlns:r="http://schemas.openxmlformats.org/officeDocument/2006/relationships" xmlns:p="http://schemas.openxmlformats.org/presentationml/2006/main">
-  <p:cSld>
-    <p:spTree>
-      <p:nvGrpSpPr>
-        <p:cNvPr id="1" name=""/>
-        <p:cNvGrpSpPr/>
-        <p:nvPr/>
-      </p:nvGrpSpPr>
-      <p:grpSpPr>
-        <a:xfrm>
-          <a:off x="0" y="0"/>
-          <a:ext cx="0" cy="0"/>
-          <a:chOff x="0" y="0"/>
-          <a:chExt cx="0" cy="0"/>
-        </a:xfrm>
-      </p:grpSpPr>
-      <p:sp>
-        <p:nvSpPr>
-          <p:cNvPr id="2" name="Title 1"/>
-          <p:cNvSpPr>
-            <a:spLocks noGrp="1"/>
-          </p:cNvSpPr>
-          <p:nvPr>
-            <p:ph type="title"/>
-          </p:nvPr>
-        </p:nvSpPr>
-        <p:spPr/>
-        <p:txBody>
-          <a:bodyPr anchor="ctr"/>
-          <a:lstStyle/>
-          <a:p>
-            <a:pPr algn="ctr"/>
-            <a:r>
-              <a:rPr lang="en-US" b="1" dirty="0" smtClean="0"/>
-              <a:t>Characteristics </a:t>
-            </a:r>
-            <a:r>
-              <a:rPr lang="en-US" b="1" dirty="0"/>
-              <a:t>of JavaScript</a:t>
-            </a:r>
-          </a:p>
-        </p:txBody>
-      </p:sp>
-      <p:sp>
-        <p:nvSpPr>
-          <p:cNvPr id="4" name="TextBox 3"/>
-          <p:cNvSpPr txBox="1"/>
-          <p:nvPr/>
-        </p:nvSpPr>
-        <p:spPr>
-          <a:xfrm>
-            <a:off x="465992" y="2066192"/>
-            <a:ext cx="11262946" cy="3694409"/>
-          </a:xfrm>
-          <a:prstGeom prst="rect">
-            <a:avLst/>
-          </a:prstGeom>
-          <a:noFill/>
-        </p:spPr>
-        <p:txBody>
-          <a:bodyPr wrap="square" rtlCol="0">
-            <a:spAutoFit/>
-          </a:bodyPr>
-          <a:lstStyle/>
-          <a:p>
-            <a:pPr marL="342900" indent="-342900">
-              <a:lnSpc>
-                <a:spcPct val="150000"/>
-              </a:lnSpc>
-              <a:buFont typeface="+mj-lt"/>
-              <a:buAutoNum type="arabicPeriod"/>
-            </a:pPr>
-            <a:r>
-              <a:rPr lang="en-US" sz="3200" dirty="0" smtClean="0">
-                <a:latin typeface="Google Sans"/>
-              </a:rPr>
-              <a:t>Client-Side Scripting Language</a:t>
-            </a:r>
-          </a:p>
-          <a:p>
-            <a:pPr marL="342900" indent="-342900">
-              <a:lnSpc>
-                <a:spcPct val="150000"/>
-              </a:lnSpc>
-              <a:buFont typeface="+mj-lt"/>
-              <a:buAutoNum type="arabicPeriod"/>
-            </a:pPr>
-            <a:r>
-              <a:rPr lang="en-US" sz="3200" dirty="0" smtClean="0">
-                <a:latin typeface="Google Sans"/>
-              </a:rPr>
-              <a:t>Dynamically Typed Language</a:t>
-            </a:r>
-          </a:p>
-          <a:p>
-            <a:pPr marL="342900" indent="-342900">
-              <a:lnSpc>
-                <a:spcPct val="150000"/>
-              </a:lnSpc>
-              <a:buFont typeface="+mj-lt"/>
-              <a:buAutoNum type="arabicPeriod"/>
-            </a:pPr>
-            <a:r>
-              <a:rPr lang="en-US" sz="3200" dirty="0">
-                <a:latin typeface="Google Sans"/>
-              </a:rPr>
-              <a:t>Weakly </a:t>
-            </a:r>
-            <a:r>
-              <a:rPr lang="en-US" sz="3200" dirty="0" smtClean="0">
-                <a:latin typeface="Google Sans"/>
-              </a:rPr>
-              <a:t>Typed Language</a:t>
-            </a:r>
-          </a:p>
-          <a:p>
-            <a:pPr marL="342900" indent="-342900">
-              <a:lnSpc>
-                <a:spcPct val="150000"/>
-              </a:lnSpc>
-              <a:buFont typeface="+mj-lt"/>
-              <a:buAutoNum type="arabicPeriod"/>
-            </a:pPr>
-            <a:r>
-              <a:rPr lang="en-US" sz="3200" dirty="0">
-                <a:latin typeface="Google Sans"/>
-              </a:rPr>
-              <a:t>Interpreted </a:t>
-            </a:r>
-            <a:r>
-              <a:rPr lang="en-US" sz="3200" dirty="0" smtClean="0">
-                <a:latin typeface="Google Sans"/>
-              </a:rPr>
-              <a:t>Language</a:t>
-            </a:r>
-          </a:p>
-          <a:p>
-            <a:pPr marL="342900" indent="-342900">
-              <a:lnSpc>
-                <a:spcPct val="150000"/>
-              </a:lnSpc>
-              <a:buFont typeface="+mj-lt"/>
-              <a:buAutoNum type="arabicPeriod"/>
-            </a:pPr>
-            <a:r>
-              <a:rPr lang="en-US" sz="3200" dirty="0" smtClean="0">
-                <a:latin typeface="Google Sans"/>
-              </a:rPr>
-              <a:t>Synchronous in Nature </a:t>
-            </a:r>
-            <a:r>
-              <a:rPr lang="en-US" sz="3200" dirty="0">
-                <a:latin typeface="Google Sans"/>
-              </a:rPr>
-              <a:t>(Single-Threaded)</a:t>
-            </a:r>
-          </a:p>
-        </p:txBody>
-      </p:sp>
-    </p:spTree>
-    <p:extLst>
-      <p:ext uri="{BB962C8B-B14F-4D97-AF65-F5344CB8AC3E}">
-        <p14:creationId xmlns:p14="http://schemas.microsoft.com/office/powerpoint/2010/main" val="1752444269"/>
-      </p:ext>
-    </p:extLst>
-  </p:cSld>
-  <p:clrMapOvr>
-    <a:masterClrMapping/>
-  </p:clrMapOvr>
-  <p:timing>
-    <p:tnLst>
-      <p:par>
-        <p:cTn id="1" dur="indefinite" restart="never" nodeType="tmRoot"/>
-      </p:par>
-    </p:tnLst>
-  </p:timing>
-</p:sld>
-</file>
-
 <file path=ppt/slides/slide8.xml><?xml version="1.0" encoding="utf-8"?>
 <p:sld xmlns:a="http://schemas.openxmlformats.org/drawingml/2006/main" xmlns:r="http://schemas.openxmlformats.org/officeDocument/2006/relationships" xmlns:p="http://schemas.openxmlformats.org/presentationml/2006/main">
   <p:cSld>
@@ -7250,33 +13179,20 @@
       </p:sp>
       <p:sp>
         <p:nvSpPr>
-          <p:cNvPr id="9" name="TextBox 8"/>
+          <p:cNvPr id="4" name="TextBox 3"/>
           <p:cNvSpPr txBox="1"/>
           <p:nvPr/>
         </p:nvSpPr>
         <p:spPr>
           <a:xfrm>
-            <a:off x="457200" y="2074985"/>
-            <a:ext cx="5565531" cy="1754326"/>
+            <a:off x="465992" y="2066192"/>
+            <a:ext cx="11262946" cy="3694409"/>
           </a:xfrm>
           <a:prstGeom prst="rect">
             <a:avLst/>
           </a:prstGeom>
+          <a:noFill/>
         </p:spPr>
-        <p:style>
-          <a:lnRef idx="2">
-            <a:schemeClr val="dk1"/>
-          </a:lnRef>
-          <a:fillRef idx="1">
-            <a:schemeClr val="lt1"/>
-          </a:fillRef>
-          <a:effectRef idx="0">
-            <a:schemeClr val="dk1"/>
-          </a:effectRef>
-          <a:fontRef idx="minor">
-            <a:schemeClr val="dk1"/>
-          </a:fontRef>
-        </p:style>
         <p:txBody>
           <a:bodyPr wrap="square" rtlCol="0">
             <a:spAutoFit/>
@@ -7284,556 +13200,103 @@
           <a:lstStyle/>
           <a:p>
             <a:pPr marL="342900" indent="-342900">
+              <a:lnSpc>
+                <a:spcPct val="150000"/>
+              </a:lnSpc>
+              <a:buFont typeface="+mj-lt"/>
               <a:buAutoNum type="arabicPeriod"/>
             </a:pPr>
             <a:r>
-              <a:rPr lang="en-US" b="1" u="sng" dirty="0" smtClean="0">
-                <a:latin typeface="Google Sans"/>
-              </a:rPr>
-              <a:t>Client-Side </a:t>
-            </a:r>
-            <a:r>
-              <a:rPr lang="en-US" b="1" u="sng" dirty="0">
-                <a:latin typeface="Google Sans"/>
-              </a:rPr>
-              <a:t>Scripting </a:t>
-            </a:r>
-            <a:r>
-              <a:rPr lang="en-US" b="1" u="sng" dirty="0" smtClean="0">
-                <a:latin typeface="Google Sans"/>
-              </a:rPr>
-              <a:t>Language:</a:t>
-            </a:r>
-          </a:p>
-          <a:p>
-            <a:endParaRPr lang="en-US" altLang="en-US" dirty="0">
-              <a:latin typeface="Google Sans"/>
-            </a:endParaRPr>
-          </a:p>
-          <a:p>
-            <a:pPr lvl="0" defTabSz="914400" eaLnBrk="0" fontAlgn="base" hangingPunct="0">
-              <a:spcBef>
-                <a:spcPct val="0"/>
-              </a:spcBef>
-              <a:spcAft>
-                <a:spcPct val="0"/>
-              </a:spcAft>
-              <a:buFontTx/>
-              <a:buChar char="•"/>
+              <a:rPr lang="en-US" sz="3200" dirty="0" smtClean="0">
+                <a:latin typeface="Google Sans"/>
+              </a:rPr>
+              <a:t>Client-Side Scripting Language</a:t>
+            </a:r>
+          </a:p>
+          <a:p>
+            <a:pPr marL="342900" indent="-342900">
+              <a:lnSpc>
+                <a:spcPct val="150000"/>
+              </a:lnSpc>
+              <a:buFont typeface="+mj-lt"/>
+              <a:buAutoNum type="arabicPeriod"/>
             </a:pPr>
             <a:r>
-              <a:rPr lang="en-US" altLang="en-US" dirty="0">
-                <a:latin typeface="Google Sans"/>
-              </a:rPr>
-              <a:t>Runs </a:t>
-            </a:r>
-            <a:r>
-              <a:rPr lang="en-US" altLang="en-US" b="1" dirty="0">
-                <a:latin typeface="Google Sans"/>
-              </a:rPr>
-              <a:t>inside the browser</a:t>
-            </a:r>
-            <a:r>
-              <a:rPr lang="en-US" altLang="en-US" dirty="0">
-                <a:latin typeface="Google Sans"/>
-              </a:rPr>
-              <a:t> (</a:t>
-            </a:r>
-            <a:r>
-              <a:rPr lang="en-US" altLang="en-US" dirty="0" smtClean="0">
-                <a:latin typeface="Google Sans"/>
-              </a:rPr>
-              <a:t>Chrome).</a:t>
-            </a:r>
-            <a:endParaRPr lang="en-US" altLang="en-US" dirty="0">
-              <a:latin typeface="Google Sans"/>
-            </a:endParaRPr>
-          </a:p>
-          <a:p>
-            <a:pPr lvl="0" defTabSz="914400" eaLnBrk="0" fontAlgn="base" hangingPunct="0">
-              <a:spcBef>
-                <a:spcPct val="0"/>
-              </a:spcBef>
-              <a:spcAft>
-                <a:spcPct val="0"/>
-              </a:spcAft>
-              <a:buFontTx/>
-              <a:buChar char="•"/>
+              <a:rPr lang="en-US" sz="3200" dirty="0" smtClean="0">
+                <a:latin typeface="Google Sans"/>
+              </a:rPr>
+              <a:t>Dynamically Typed Language</a:t>
+            </a:r>
+          </a:p>
+          <a:p>
+            <a:pPr marL="342900" indent="-342900">
+              <a:lnSpc>
+                <a:spcPct val="150000"/>
+              </a:lnSpc>
+              <a:buFont typeface="+mj-lt"/>
+              <a:buAutoNum type="arabicPeriod"/>
             </a:pPr>
             <a:r>
-              <a:rPr lang="en-US" altLang="en-US" dirty="0">
-                <a:latin typeface="Google Sans"/>
-              </a:rPr>
-              <a:t>No need for a server to process every action.</a:t>
-            </a:r>
-          </a:p>
-          <a:p>
-            <a:pPr lvl="0" defTabSz="914400" eaLnBrk="0" fontAlgn="base" hangingPunct="0">
-              <a:spcBef>
-                <a:spcPct val="0"/>
-              </a:spcBef>
-              <a:spcAft>
-                <a:spcPct val="0"/>
-              </a:spcAft>
-              <a:buFontTx/>
-              <a:buChar char="•"/>
+              <a:rPr lang="en-US" sz="3200" dirty="0">
+                <a:latin typeface="Google Sans"/>
+              </a:rPr>
+              <a:t>Weakly </a:t>
+            </a:r>
+            <a:r>
+              <a:rPr lang="en-US" sz="3200" dirty="0" smtClean="0">
+                <a:latin typeface="Google Sans"/>
+              </a:rPr>
+              <a:t>Typed Language</a:t>
+            </a:r>
+          </a:p>
+          <a:p>
+            <a:pPr marL="342900" indent="-342900">
+              <a:lnSpc>
+                <a:spcPct val="150000"/>
+              </a:lnSpc>
+              <a:buFont typeface="+mj-lt"/>
+              <a:buAutoNum type="arabicPeriod"/>
             </a:pPr>
             <a:r>
-              <a:rPr lang="en-US" altLang="en-US" dirty="0">
-                <a:latin typeface="Google Sans"/>
-              </a:rPr>
-              <a:t>Example: Clicking a button changes text </a:t>
-            </a:r>
-            <a:r>
-              <a:rPr lang="en-US" altLang="en-US" b="1" dirty="0">
-                <a:latin typeface="Google Sans"/>
-              </a:rPr>
-              <a:t>instantly</a:t>
-            </a:r>
-            <a:r>
-              <a:rPr lang="en-US" altLang="en-US" dirty="0">
-                <a:latin typeface="Google Sans"/>
-              </a:rPr>
-              <a:t>. </a:t>
-            </a:r>
-            <a:endParaRPr lang="en-US" dirty="0">
-              <a:latin typeface="Google Sans"/>
-            </a:endParaRPr>
-          </a:p>
-          <a:p>
-            <a:endParaRPr lang="en-US" dirty="0">
-              <a:latin typeface="Google Sans"/>
-            </a:endParaRPr>
-          </a:p>
-        </p:txBody>
-      </p:sp>
-      <p:sp>
-        <p:nvSpPr>
-          <p:cNvPr id="12" name="TextBox 11"/>
-          <p:cNvSpPr txBox="1"/>
-          <p:nvPr/>
-        </p:nvSpPr>
-        <p:spPr>
-          <a:xfrm>
-            <a:off x="6175130" y="2074985"/>
-            <a:ext cx="5565531" cy="1754326"/>
-          </a:xfrm>
-          <a:prstGeom prst="rect">
-            <a:avLst/>
-          </a:prstGeom>
-        </p:spPr>
-        <p:style>
-          <a:lnRef idx="2">
-            <a:schemeClr val="dk1"/>
-          </a:lnRef>
-          <a:fillRef idx="1">
-            <a:schemeClr val="lt1"/>
-          </a:fillRef>
-          <a:effectRef idx="0">
-            <a:schemeClr val="dk1"/>
-          </a:effectRef>
-          <a:fontRef idx="minor">
-            <a:schemeClr val="dk1"/>
-          </a:fontRef>
-        </p:style>
-        <p:txBody>
-          <a:bodyPr wrap="square" rtlCol="0">
-            <a:spAutoFit/>
-          </a:bodyPr>
-          <a:lstStyle/>
-          <a:p>
-            <a:r>
-              <a:rPr lang="en-US" altLang="en-US" b="1" dirty="0" smtClean="0">
-                <a:latin typeface="Google Sans"/>
-              </a:rPr>
-              <a:t>2.</a:t>
-            </a:r>
-            <a:r>
-              <a:rPr lang="en-US" altLang="en-US" dirty="0" smtClean="0">
-                <a:latin typeface="Google Sans"/>
-              </a:rPr>
-              <a:t> </a:t>
-            </a:r>
-            <a:r>
-              <a:rPr lang="en-US" b="1" u="sng" dirty="0">
-                <a:latin typeface="Google Sans"/>
-              </a:rPr>
-              <a:t>Dynamically </a:t>
-            </a:r>
-            <a:r>
-              <a:rPr lang="en-US" b="1" u="sng" dirty="0" smtClean="0">
-                <a:latin typeface="Google Sans"/>
-              </a:rPr>
-              <a:t>Typed Language:</a:t>
-            </a:r>
-            <a:endParaRPr lang="en-US" altLang="en-US" b="1" u="sng" dirty="0">
-              <a:latin typeface="Google Sans"/>
-            </a:endParaRPr>
-          </a:p>
-          <a:p>
-            <a:pPr lvl="0" defTabSz="914400" eaLnBrk="0" fontAlgn="base" hangingPunct="0">
-              <a:spcBef>
-                <a:spcPct val="0"/>
-              </a:spcBef>
-              <a:spcAft>
-                <a:spcPct val="0"/>
-              </a:spcAft>
+              <a:rPr lang="en-US" sz="3200" dirty="0">
+                <a:latin typeface="Google Sans"/>
+              </a:rPr>
+              <a:t>Interpreted </a:t>
+            </a:r>
+            <a:r>
+              <a:rPr lang="en-US" sz="3200" dirty="0" smtClean="0">
+                <a:latin typeface="Google Sans"/>
+              </a:rPr>
+              <a:t>Language</a:t>
+            </a:r>
+          </a:p>
+          <a:p>
+            <a:pPr marL="342900" indent="-342900">
+              <a:lnSpc>
+                <a:spcPct val="150000"/>
+              </a:lnSpc>
+              <a:buFont typeface="+mj-lt"/>
+              <a:buAutoNum type="arabicPeriod"/>
             </a:pPr>
-            <a:endParaRPr lang="en-US" altLang="en-US" dirty="0">
-              <a:solidFill>
-                <a:schemeClr val="tx1"/>
-              </a:solidFill>
-              <a:latin typeface="Google Sans"/>
-            </a:endParaRPr>
-          </a:p>
-          <a:p>
-            <a:pPr lvl="0" defTabSz="914400" eaLnBrk="0" fontAlgn="base" hangingPunct="0">
-              <a:spcBef>
-                <a:spcPct val="0"/>
-              </a:spcBef>
-              <a:spcAft>
-                <a:spcPct val="0"/>
-              </a:spcAft>
-              <a:buFontTx/>
-              <a:buChar char="•"/>
-            </a:pPr>
-            <a:r>
-              <a:rPr lang="en-US" altLang="en-US" dirty="0">
-                <a:solidFill>
-                  <a:schemeClr val="tx1"/>
-                </a:solidFill>
-                <a:latin typeface="Google Sans"/>
-              </a:rPr>
-              <a:t>No need to define variable types (number, string, etc.).</a:t>
-            </a:r>
-          </a:p>
-          <a:p>
-            <a:pPr lvl="0" defTabSz="914400" eaLnBrk="0" fontAlgn="base" hangingPunct="0">
-              <a:spcBef>
-                <a:spcPct val="0"/>
-              </a:spcBef>
-              <a:spcAft>
-                <a:spcPct val="0"/>
-              </a:spcAft>
-              <a:buFontTx/>
-              <a:buChar char="•"/>
-            </a:pPr>
-            <a:r>
-              <a:rPr lang="en-US" altLang="en-US" dirty="0">
-                <a:solidFill>
-                  <a:schemeClr val="tx1"/>
-                </a:solidFill>
-                <a:latin typeface="Google Sans"/>
-              </a:rPr>
-              <a:t>JS automatically detects the type at runtime. </a:t>
-            </a:r>
-          </a:p>
-          <a:p>
-            <a:pPr lvl="0" defTabSz="914400" eaLnBrk="0" fontAlgn="base" hangingPunct="0">
-              <a:spcBef>
-                <a:spcPct val="0"/>
-              </a:spcBef>
-              <a:spcAft>
-                <a:spcPct val="0"/>
-              </a:spcAft>
-            </a:pPr>
-            <a:endParaRPr lang="en-US" altLang="en-US" dirty="0">
-              <a:latin typeface="Google Sans"/>
-            </a:endParaRPr>
-          </a:p>
-        </p:txBody>
-      </p:sp>
-      <p:sp>
-        <p:nvSpPr>
-          <p:cNvPr id="14" name="TextBox 13"/>
-          <p:cNvSpPr txBox="1"/>
-          <p:nvPr/>
-        </p:nvSpPr>
-        <p:spPr>
-          <a:xfrm>
-            <a:off x="457199" y="4302370"/>
-            <a:ext cx="5565531" cy="2031325"/>
-          </a:xfrm>
-          <a:prstGeom prst="rect">
-            <a:avLst/>
-          </a:prstGeom>
-        </p:spPr>
-        <p:style>
-          <a:lnRef idx="2">
-            <a:schemeClr val="dk1"/>
-          </a:lnRef>
-          <a:fillRef idx="1">
-            <a:schemeClr val="lt1"/>
-          </a:fillRef>
-          <a:effectRef idx="0">
-            <a:schemeClr val="dk1"/>
-          </a:effectRef>
-          <a:fontRef idx="minor">
-            <a:schemeClr val="dk1"/>
-          </a:fontRef>
-        </p:style>
-        <p:txBody>
-          <a:bodyPr wrap="square" rtlCol="0">
-            <a:spAutoFit/>
-          </a:bodyPr>
-          <a:lstStyle/>
-          <a:p>
-            <a:r>
-              <a:rPr lang="en-US" b="1" dirty="0" smtClean="0">
-                <a:latin typeface="Google Sans"/>
-              </a:rPr>
-              <a:t>3. </a:t>
-            </a:r>
-            <a:r>
-              <a:rPr lang="en-US" b="1" u="sng" dirty="0" smtClean="0">
-                <a:latin typeface="Google Sans"/>
-              </a:rPr>
-              <a:t>Weakly Typed Language:</a:t>
-            </a:r>
-          </a:p>
-          <a:p>
-            <a:pPr lvl="0" defTabSz="914400" eaLnBrk="0" fontAlgn="base" hangingPunct="0">
-              <a:spcBef>
-                <a:spcPct val="0"/>
-              </a:spcBef>
-              <a:spcAft>
-                <a:spcPct val="0"/>
-              </a:spcAft>
-            </a:pPr>
-            <a:endParaRPr lang="en-US" altLang="en-US" dirty="0">
-              <a:solidFill>
-                <a:schemeClr val="tx1"/>
-              </a:solidFill>
-              <a:latin typeface="Arial" panose="020B0604020202020204" pitchFamily="34" charset="0"/>
-            </a:endParaRPr>
-          </a:p>
-          <a:p>
-            <a:pPr lvl="0" defTabSz="914400" eaLnBrk="0" fontAlgn="base" hangingPunct="0">
-              <a:spcBef>
-                <a:spcPct val="0"/>
-              </a:spcBef>
-              <a:spcAft>
-                <a:spcPct val="0"/>
-              </a:spcAft>
-              <a:buFontTx/>
-              <a:buChar char="•"/>
-            </a:pPr>
-            <a:r>
-              <a:rPr lang="en-US" altLang="en-US" dirty="0">
-                <a:solidFill>
-                  <a:schemeClr val="tx1"/>
-                </a:solidFill>
-                <a:latin typeface="Arial" panose="020B0604020202020204" pitchFamily="34" charset="0"/>
-              </a:rPr>
-              <a:t>Allows operations between different data types.</a:t>
-            </a:r>
-          </a:p>
-          <a:p>
-            <a:pPr lvl="0" defTabSz="914400" eaLnBrk="0" fontAlgn="base" hangingPunct="0">
-              <a:spcBef>
-                <a:spcPct val="0"/>
-              </a:spcBef>
-              <a:spcAft>
-                <a:spcPct val="0"/>
-              </a:spcAft>
-              <a:buFontTx/>
-              <a:buChar char="•"/>
-            </a:pPr>
-            <a:r>
-              <a:rPr lang="en-US" altLang="en-US" dirty="0">
-                <a:solidFill>
-                  <a:schemeClr val="tx1"/>
-                </a:solidFill>
-                <a:latin typeface="Arial" panose="020B0604020202020204" pitchFamily="34" charset="0"/>
-              </a:rPr>
-              <a:t>Can cause unexpected behavior. </a:t>
-            </a:r>
-            <a:endParaRPr lang="en-US" altLang="en-US" dirty="0" smtClean="0">
-              <a:solidFill>
-                <a:schemeClr val="tx1"/>
-              </a:solidFill>
-              <a:latin typeface="Arial" panose="020B0604020202020204" pitchFamily="34" charset="0"/>
-            </a:endParaRPr>
-          </a:p>
-          <a:p>
-            <a:pPr lvl="0" defTabSz="914400" eaLnBrk="0" fontAlgn="base" hangingPunct="0">
-              <a:spcBef>
-                <a:spcPct val="0"/>
-              </a:spcBef>
-              <a:spcAft>
-                <a:spcPct val="0"/>
-              </a:spcAft>
-              <a:buFontTx/>
-              <a:buChar char="•"/>
-            </a:pPr>
-            <a:r>
-              <a:rPr lang="en-US" altLang="en-US" dirty="0" smtClean="0">
-                <a:solidFill>
-                  <a:schemeClr val="tx1"/>
-                </a:solidFill>
-                <a:latin typeface="Arial" panose="020B0604020202020204" pitchFamily="34" charset="0"/>
-              </a:rPr>
-              <a:t>Example: </a:t>
-            </a:r>
-            <a:r>
-              <a:rPr lang="en-US" dirty="0"/>
-              <a:t>(String + Number = String), (String - Number = Number)</a:t>
-            </a:r>
-            <a:endParaRPr lang="en-US" altLang="en-US" dirty="0">
-              <a:solidFill>
-                <a:schemeClr val="tx1"/>
-              </a:solidFill>
-              <a:latin typeface="Arial" panose="020B0604020202020204" pitchFamily="34" charset="0"/>
-            </a:endParaRPr>
-          </a:p>
-          <a:p>
-            <a:endParaRPr lang="en-US" dirty="0">
-              <a:latin typeface="Google Sans"/>
-            </a:endParaRPr>
-          </a:p>
-        </p:txBody>
-      </p:sp>
-      <p:sp>
-        <p:nvSpPr>
-          <p:cNvPr id="15" name="TextBox 14"/>
-          <p:cNvSpPr txBox="1"/>
-          <p:nvPr/>
-        </p:nvSpPr>
-        <p:spPr>
-          <a:xfrm>
-            <a:off x="6175130" y="4302370"/>
-            <a:ext cx="5565531" cy="2031325"/>
-          </a:xfrm>
-          <a:prstGeom prst="rect">
-            <a:avLst/>
-          </a:prstGeom>
-        </p:spPr>
-        <p:style>
-          <a:lnRef idx="2">
-            <a:schemeClr val="dk1"/>
-          </a:lnRef>
-          <a:fillRef idx="1">
-            <a:schemeClr val="lt1"/>
-          </a:fillRef>
-          <a:effectRef idx="0">
-            <a:schemeClr val="dk1"/>
-          </a:effectRef>
-          <a:fontRef idx="minor">
-            <a:schemeClr val="dk1"/>
-          </a:fontRef>
-        </p:style>
-        <p:txBody>
-          <a:bodyPr wrap="square" rtlCol="0">
-            <a:spAutoFit/>
-          </a:bodyPr>
-          <a:lstStyle/>
-          <a:p>
-            <a:r>
-              <a:rPr lang="en-US" b="1" dirty="0">
-                <a:latin typeface="Google Sans"/>
-              </a:rPr>
-              <a:t>4</a:t>
-            </a:r>
-            <a:r>
-              <a:rPr lang="en-US" b="1" dirty="0" smtClean="0">
-                <a:latin typeface="Google Sans"/>
-              </a:rPr>
-              <a:t>. </a:t>
-            </a:r>
-            <a:r>
-              <a:rPr lang="en-US" b="1" u="sng" dirty="0" smtClean="0">
-                <a:latin typeface="Google Sans"/>
-              </a:rPr>
-              <a:t>Interpreted Language:</a:t>
-            </a:r>
-          </a:p>
-          <a:p>
-            <a:pPr lvl="0" defTabSz="914400" eaLnBrk="0" fontAlgn="base" hangingPunct="0">
-              <a:spcBef>
-                <a:spcPct val="0"/>
-              </a:spcBef>
-              <a:spcAft>
-                <a:spcPct val="0"/>
-              </a:spcAft>
-            </a:pPr>
-            <a:endParaRPr lang="en-US" altLang="en-US" dirty="0">
-              <a:solidFill>
-                <a:schemeClr val="tx1"/>
-              </a:solidFill>
-              <a:latin typeface="Arial" panose="020B0604020202020204" pitchFamily="34" charset="0"/>
-            </a:endParaRPr>
-          </a:p>
-          <a:p>
-            <a:pPr lvl="0" defTabSz="914400" eaLnBrk="0" fontAlgn="base" hangingPunct="0">
-              <a:spcBef>
-                <a:spcPct val="0"/>
-              </a:spcBef>
-              <a:spcAft>
-                <a:spcPct val="0"/>
-              </a:spcAft>
-              <a:buFontTx/>
-              <a:buChar char="•"/>
-            </a:pPr>
-            <a:r>
-              <a:rPr lang="en-US" altLang="en-US" dirty="0">
-                <a:solidFill>
-                  <a:schemeClr val="tx1"/>
-                </a:solidFill>
-                <a:latin typeface="Arial" panose="020B0604020202020204" pitchFamily="34" charset="0"/>
-              </a:rPr>
-              <a:t>Executes </a:t>
-            </a:r>
-            <a:r>
-              <a:rPr lang="en-US" altLang="en-US" b="1" dirty="0">
-                <a:solidFill>
-                  <a:schemeClr val="tx1"/>
-                </a:solidFill>
-                <a:latin typeface="Arial" panose="020B0604020202020204" pitchFamily="34" charset="0"/>
-              </a:rPr>
-              <a:t>line by line</a:t>
-            </a:r>
-            <a:r>
-              <a:rPr lang="en-US" altLang="en-US" dirty="0">
-                <a:solidFill>
-                  <a:schemeClr val="tx1"/>
-                </a:solidFill>
-                <a:latin typeface="Arial" panose="020B0604020202020204" pitchFamily="34" charset="0"/>
-              </a:rPr>
-              <a:t> in the browser (no need to compile).</a:t>
-            </a:r>
-          </a:p>
-          <a:p>
-            <a:pPr lvl="0" defTabSz="914400" eaLnBrk="0" fontAlgn="base" hangingPunct="0">
-              <a:spcBef>
-                <a:spcPct val="0"/>
-              </a:spcBef>
-              <a:spcAft>
-                <a:spcPct val="0"/>
-              </a:spcAft>
-              <a:buFontTx/>
-              <a:buChar char="•"/>
-            </a:pPr>
-            <a:r>
-              <a:rPr lang="en-US" altLang="en-US" dirty="0">
-                <a:solidFill>
-                  <a:schemeClr val="tx1"/>
-                </a:solidFill>
-                <a:latin typeface="Arial" panose="020B0604020202020204" pitchFamily="34" charset="0"/>
-              </a:rPr>
-              <a:t>Easier to debug but slightly slower than compiled languages. </a:t>
-            </a:r>
-          </a:p>
-          <a:p>
-            <a:endParaRPr lang="en-US" dirty="0">
-              <a:latin typeface="Google Sans"/>
-            </a:endParaRPr>
+            <a:r>
+              <a:rPr lang="en-US" sz="3200" dirty="0" smtClean="0">
+                <a:latin typeface="Google Sans"/>
+              </a:rPr>
+              <a:t>Synchronous in Nature </a:t>
+            </a:r>
+            <a:r>
+              <a:rPr lang="en-US" sz="3200" dirty="0">
+                <a:latin typeface="Google Sans"/>
+              </a:rPr>
+              <a:t>(Single-Threaded)</a:t>
+            </a:r>
           </a:p>
         </p:txBody>
       </p:sp>
     </p:spTree>
     <p:extLst>
       <p:ext uri="{BB962C8B-B14F-4D97-AF65-F5344CB8AC3E}">
-        <p14:creationId xmlns:p14="http://schemas.microsoft.com/office/powerpoint/2010/main" val="4128924483"/>
+        <p14:creationId xmlns:p14="http://schemas.microsoft.com/office/powerpoint/2010/main" val="1752444269"/>
       </p:ext>
     </p:extLst>
   </p:cSld>
@@ -7902,8 +13365,8 @@
         </p:nvSpPr>
         <p:spPr>
           <a:xfrm>
-            <a:off x="439616" y="2391508"/>
-            <a:ext cx="6031522" cy="2862322"/>
+            <a:off x="457200" y="2074985"/>
+            <a:ext cx="5565531" cy="1754326"/>
           </a:xfrm>
           <a:prstGeom prst="rect">
             <a:avLst/>
@@ -7929,29 +13392,312 @@
           </a:bodyPr>
           <a:lstStyle/>
           <a:p>
+            <a:pPr marL="342900" indent="-342900">
+              <a:buAutoNum type="arabicPeriod"/>
+            </a:pPr>
+            <a:r>
+              <a:rPr lang="en-US" b="1" u="sng" dirty="0" smtClean="0">
+                <a:latin typeface="Google Sans"/>
+              </a:rPr>
+              <a:t>Client-Side </a:t>
+            </a:r>
+            <a:r>
+              <a:rPr lang="en-US" b="1" u="sng" dirty="0">
+                <a:latin typeface="Google Sans"/>
+              </a:rPr>
+              <a:t>Scripting </a:t>
+            </a:r>
+            <a:r>
+              <a:rPr lang="en-US" b="1" u="sng" dirty="0" smtClean="0">
+                <a:latin typeface="Google Sans"/>
+              </a:rPr>
+              <a:t>Language:</a:t>
+            </a:r>
+          </a:p>
+          <a:p>
+            <a:endParaRPr lang="en-US" altLang="en-US" dirty="0">
+              <a:latin typeface="Google Sans"/>
+            </a:endParaRPr>
+          </a:p>
+          <a:p>
+            <a:pPr lvl="0" defTabSz="914400" eaLnBrk="0" fontAlgn="base" hangingPunct="0">
+              <a:spcBef>
+                <a:spcPct val="0"/>
+              </a:spcBef>
+              <a:spcAft>
+                <a:spcPct val="0"/>
+              </a:spcAft>
+              <a:buFontTx/>
+              <a:buChar char="•"/>
+            </a:pPr>
+            <a:r>
+              <a:rPr lang="en-US" altLang="en-US" dirty="0">
+                <a:latin typeface="Google Sans"/>
+              </a:rPr>
+              <a:t>Runs </a:t>
+            </a:r>
+            <a:r>
+              <a:rPr lang="en-US" altLang="en-US" b="1" dirty="0">
+                <a:latin typeface="Google Sans"/>
+              </a:rPr>
+              <a:t>inside the browser</a:t>
+            </a:r>
+            <a:r>
+              <a:rPr lang="en-US" altLang="en-US" dirty="0">
+                <a:latin typeface="Google Sans"/>
+              </a:rPr>
+              <a:t> (</a:t>
+            </a:r>
+            <a:r>
+              <a:rPr lang="en-US" altLang="en-US" dirty="0" smtClean="0">
+                <a:latin typeface="Google Sans"/>
+              </a:rPr>
+              <a:t>Chrome).</a:t>
+            </a:r>
+            <a:endParaRPr lang="en-US" altLang="en-US" dirty="0">
+              <a:latin typeface="Google Sans"/>
+            </a:endParaRPr>
+          </a:p>
+          <a:p>
+            <a:pPr lvl="0" defTabSz="914400" eaLnBrk="0" fontAlgn="base" hangingPunct="0">
+              <a:spcBef>
+                <a:spcPct val="0"/>
+              </a:spcBef>
+              <a:spcAft>
+                <a:spcPct val="0"/>
+              </a:spcAft>
+              <a:buFontTx/>
+              <a:buChar char="•"/>
+            </a:pPr>
+            <a:r>
+              <a:rPr lang="en-US" altLang="en-US" dirty="0">
+                <a:latin typeface="Google Sans"/>
+              </a:rPr>
+              <a:t>No need for a server to process every action.</a:t>
+            </a:r>
+          </a:p>
+          <a:p>
+            <a:pPr lvl="0" defTabSz="914400" eaLnBrk="0" fontAlgn="base" hangingPunct="0">
+              <a:spcBef>
+                <a:spcPct val="0"/>
+              </a:spcBef>
+              <a:spcAft>
+                <a:spcPct val="0"/>
+              </a:spcAft>
+              <a:buFontTx/>
+              <a:buChar char="•"/>
+            </a:pPr>
+            <a:r>
+              <a:rPr lang="en-US" altLang="en-US" dirty="0">
+                <a:latin typeface="Google Sans"/>
+              </a:rPr>
+              <a:t>Example: Clicking a button changes text </a:t>
+            </a:r>
+            <a:r>
+              <a:rPr lang="en-US" altLang="en-US" b="1" dirty="0">
+                <a:latin typeface="Google Sans"/>
+              </a:rPr>
+              <a:t>instantly</a:t>
+            </a:r>
+            <a:r>
+              <a:rPr lang="en-US" altLang="en-US" dirty="0">
+                <a:latin typeface="Google Sans"/>
+              </a:rPr>
+              <a:t>. </a:t>
+            </a:r>
+            <a:endParaRPr lang="en-US" dirty="0">
+              <a:latin typeface="Google Sans"/>
+            </a:endParaRPr>
+          </a:p>
+          <a:p>
+            <a:endParaRPr lang="en-US" dirty="0">
+              <a:latin typeface="Google Sans"/>
+            </a:endParaRPr>
+          </a:p>
+        </p:txBody>
+      </p:sp>
+      <p:sp>
+        <p:nvSpPr>
+          <p:cNvPr id="12" name="TextBox 11"/>
+          <p:cNvSpPr txBox="1"/>
+          <p:nvPr/>
+        </p:nvSpPr>
+        <p:spPr>
+          <a:xfrm>
+            <a:off x="6175130" y="2074985"/>
+            <a:ext cx="5565531" cy="1754326"/>
+          </a:xfrm>
+          <a:prstGeom prst="rect">
+            <a:avLst/>
+          </a:prstGeom>
+        </p:spPr>
+        <p:style>
+          <a:lnRef idx="2">
+            <a:schemeClr val="dk1"/>
+          </a:lnRef>
+          <a:fillRef idx="1">
+            <a:schemeClr val="lt1"/>
+          </a:fillRef>
+          <a:effectRef idx="0">
+            <a:schemeClr val="dk1"/>
+          </a:effectRef>
+          <a:fontRef idx="minor">
+            <a:schemeClr val="dk1"/>
+          </a:fontRef>
+        </p:style>
+        <p:txBody>
+          <a:bodyPr wrap="square" rtlCol="0">
+            <a:spAutoFit/>
+          </a:bodyPr>
+          <a:lstStyle/>
+          <a:p>
+            <a:r>
+              <a:rPr lang="en-US" altLang="en-US" b="1" dirty="0" smtClean="0">
+                <a:latin typeface="Google Sans"/>
+              </a:rPr>
+              <a:t>2.</a:t>
+            </a:r>
+            <a:r>
+              <a:rPr lang="en-US" altLang="en-US" dirty="0" smtClean="0">
+                <a:latin typeface="Google Sans"/>
+              </a:rPr>
+              <a:t> </a:t>
+            </a:r>
+            <a:r>
+              <a:rPr lang="en-US" b="1" u="sng" dirty="0">
+                <a:latin typeface="Google Sans"/>
+              </a:rPr>
+              <a:t>Dynamically </a:t>
+            </a:r>
+            <a:r>
+              <a:rPr lang="en-US" b="1" u="sng" dirty="0" smtClean="0">
+                <a:latin typeface="Google Sans"/>
+              </a:rPr>
+              <a:t>Typed Language:</a:t>
+            </a:r>
+            <a:endParaRPr lang="en-US" altLang="en-US" b="1" u="sng" dirty="0">
+              <a:latin typeface="Google Sans"/>
+            </a:endParaRPr>
+          </a:p>
+          <a:p>
+            <a:pPr lvl="0" defTabSz="914400" eaLnBrk="0" fontAlgn="base" hangingPunct="0">
+              <a:spcBef>
+                <a:spcPct val="0"/>
+              </a:spcBef>
+              <a:spcAft>
+                <a:spcPct val="0"/>
+              </a:spcAft>
+            </a:pPr>
+            <a:endParaRPr lang="en-US" altLang="en-US" dirty="0">
+              <a:solidFill>
+                <a:schemeClr val="tx1"/>
+              </a:solidFill>
+              <a:latin typeface="Google Sans"/>
+            </a:endParaRPr>
+          </a:p>
+          <a:p>
+            <a:pPr lvl="0" defTabSz="914400" eaLnBrk="0" fontAlgn="base" hangingPunct="0">
+              <a:spcBef>
+                <a:spcPct val="0"/>
+              </a:spcBef>
+              <a:spcAft>
+                <a:spcPct val="0"/>
+              </a:spcAft>
+              <a:buFontTx/>
+              <a:buChar char="•"/>
+            </a:pPr>
+            <a:r>
+              <a:rPr lang="en-US" altLang="en-US" dirty="0">
+                <a:solidFill>
+                  <a:schemeClr val="tx1"/>
+                </a:solidFill>
+                <a:latin typeface="Google Sans"/>
+              </a:rPr>
+              <a:t>No need to define variable types (number, string, etc.).</a:t>
+            </a:r>
+          </a:p>
+          <a:p>
+            <a:pPr lvl="0" defTabSz="914400" eaLnBrk="0" fontAlgn="base" hangingPunct="0">
+              <a:spcBef>
+                <a:spcPct val="0"/>
+              </a:spcBef>
+              <a:spcAft>
+                <a:spcPct val="0"/>
+              </a:spcAft>
+              <a:buFontTx/>
+              <a:buChar char="•"/>
+            </a:pPr>
+            <a:r>
+              <a:rPr lang="en-US" altLang="en-US" dirty="0">
+                <a:solidFill>
+                  <a:schemeClr val="tx1"/>
+                </a:solidFill>
+                <a:latin typeface="Google Sans"/>
+              </a:rPr>
+              <a:t>JS automatically detects the type at runtime. </a:t>
+            </a:r>
+          </a:p>
+          <a:p>
+            <a:pPr lvl="0" defTabSz="914400" eaLnBrk="0" fontAlgn="base" hangingPunct="0">
+              <a:spcBef>
+                <a:spcPct val="0"/>
+              </a:spcBef>
+              <a:spcAft>
+                <a:spcPct val="0"/>
+              </a:spcAft>
+            </a:pPr>
+            <a:endParaRPr lang="en-US" altLang="en-US" dirty="0">
+              <a:latin typeface="Google Sans"/>
+            </a:endParaRPr>
+          </a:p>
+        </p:txBody>
+      </p:sp>
+      <p:sp>
+        <p:nvSpPr>
+          <p:cNvPr id="14" name="TextBox 13"/>
+          <p:cNvSpPr txBox="1"/>
+          <p:nvPr/>
+        </p:nvSpPr>
+        <p:spPr>
+          <a:xfrm>
+            <a:off x="457199" y="4302370"/>
+            <a:ext cx="5565531" cy="2031325"/>
+          </a:xfrm>
+          <a:prstGeom prst="rect">
+            <a:avLst/>
+          </a:prstGeom>
+        </p:spPr>
+        <p:style>
+          <a:lnRef idx="2">
+            <a:schemeClr val="dk1"/>
+          </a:lnRef>
+          <a:fillRef idx="1">
+            <a:schemeClr val="lt1"/>
+          </a:fillRef>
+          <a:effectRef idx="0">
+            <a:schemeClr val="dk1"/>
+          </a:effectRef>
+          <a:fontRef idx="minor">
+            <a:schemeClr val="dk1"/>
+          </a:fontRef>
+        </p:style>
+        <p:txBody>
+          <a:bodyPr wrap="square" rtlCol="0">
+            <a:spAutoFit/>
+          </a:bodyPr>
+          <a:lstStyle/>
+          <a:p>
             <a:r>
               <a:rPr lang="en-US" b="1" dirty="0" smtClean="0">
                 <a:latin typeface="Google Sans"/>
               </a:rPr>
-              <a:t>5. </a:t>
+              <a:t>3. </a:t>
             </a:r>
             <a:r>
               <a:rPr lang="en-US" b="1" u="sng" dirty="0" smtClean="0">
                 <a:latin typeface="Google Sans"/>
               </a:rPr>
-              <a:t>Synchronous in Nature (Single-</a:t>
-            </a:r>
-            <a:r>
-              <a:rPr lang="en-US" b="1" u="sng" dirty="0" err="1" smtClean="0">
-                <a:latin typeface="Google Sans"/>
-              </a:rPr>
-              <a:t>Threded</a:t>
-            </a:r>
-            <a:r>
-              <a:rPr lang="en-US" b="1" u="sng" dirty="0" smtClean="0">
-                <a:latin typeface="Google Sans"/>
-              </a:rPr>
-              <a:t>):</a:t>
+              <a:t>Weakly Typed Language:</a:t>
             </a:r>
           </a:p>
           <a:p>
@@ -7988,25 +13734,7 @@
                 </a:solidFill>
                 <a:latin typeface="Arial" panose="020B0604020202020204" pitchFamily="34" charset="0"/>
               </a:rPr>
-              <a:t>Executes </a:t>
-            </a:r>
-            <a:r>
-              <a:rPr lang="en-US" altLang="en-US" b="1" dirty="0">
-                <a:solidFill>
-                  <a:schemeClr val="tx1"/>
-                </a:solidFill>
-                <a:latin typeface="Arial" panose="020B0604020202020204" pitchFamily="34" charset="0"/>
-              </a:rPr>
-              <a:t>one task at a time</a:t>
-            </a:r>
-            <a:r>
-              <a:rPr lang="en-US" altLang="en-US" dirty="0">
-                <a:solidFill>
-                  <a:schemeClr val="tx1"/>
-                </a:solidFill>
-                <a:latin typeface="Arial" panose="020B0604020202020204" pitchFamily="34" charset="0"/>
-              </a:rPr>
-              <a:t> in order.</a:t>
+              <a:t>Allows operations between different data types.</a:t>
             </a:r>
           </a:p>
           <a:p>
@@ -8027,7 +13755,7 @@
                 </a:solidFill>
                 <a:latin typeface="Arial" panose="020B0604020202020204" pitchFamily="34" charset="0"/>
               </a:rPr>
-              <a:t>Can cause delays if one task takes too long. </a:t>
+              <a:t>Can cause unexpected behavior. </a:t>
             </a:r>
             <a:endParaRPr lang="en-US" altLang="en-US" dirty="0" smtClean="0">
               <a:solidFill>
@@ -8054,8 +13782,95 @@
                 </a:solidFill>
                 <a:latin typeface="Arial" panose="020B0604020202020204" pitchFamily="34" charset="0"/>
               </a:rPr>
-              <a:t>Example:</a:t>
-            </a:r>
+              <a:t>Example: </a:t>
+            </a:r>
+            <a:r>
+              <a:rPr lang="en-US" dirty="0"/>
+              <a:t>(String + Number = String), (String - Number = Number)</a:t>
+            </a:r>
+            <a:endParaRPr lang="en-US" altLang="en-US" dirty="0">
+              <a:solidFill>
+                <a:schemeClr val="tx1"/>
+              </a:solidFill>
+              <a:latin typeface="Arial" panose="020B0604020202020204" pitchFamily="34" charset="0"/>
+            </a:endParaRPr>
+          </a:p>
+          <a:p>
+            <a:endParaRPr lang="en-US" dirty="0">
+              <a:latin typeface="Google Sans"/>
+            </a:endParaRPr>
+          </a:p>
+        </p:txBody>
+      </p:sp>
+      <p:sp>
+        <p:nvSpPr>
+          <p:cNvPr id="15" name="TextBox 14"/>
+          <p:cNvSpPr txBox="1"/>
+          <p:nvPr/>
+        </p:nvSpPr>
+        <p:spPr>
+          <a:xfrm>
+            <a:off x="6175130" y="4302370"/>
+            <a:ext cx="5565531" cy="2031325"/>
+          </a:xfrm>
+          <a:prstGeom prst="rect">
+            <a:avLst/>
+          </a:prstGeom>
+        </p:spPr>
+        <p:style>
+          <a:lnRef idx="2">
+            <a:schemeClr val="dk1"/>
+          </a:lnRef>
+          <a:fillRef idx="1">
+            <a:schemeClr val="lt1"/>
+          </a:fillRef>
+          <a:effectRef idx="0">
+            <a:schemeClr val="dk1"/>
+          </a:effectRef>
+          <a:fontRef idx="minor">
+            <a:schemeClr val="dk1"/>
+          </a:fontRef>
+        </p:style>
+        <p:txBody>
+          <a:bodyPr wrap="square" rtlCol="0">
+            <a:spAutoFit/>
+          </a:bodyPr>
+          <a:lstStyle/>
+          <a:p>
+            <a:r>
+              <a:rPr lang="en-US" b="1" dirty="0">
+                <a:latin typeface="Google Sans"/>
+              </a:rPr>
+              <a:t>4</a:t>
+            </a:r>
+            <a:r>
+              <a:rPr lang="en-US" b="1" dirty="0" smtClean="0">
+                <a:latin typeface="Google Sans"/>
+              </a:rPr>
+              <a:t>. </a:t>
+            </a:r>
+            <a:r>
+              <a:rPr lang="en-US" b="1" u="sng" dirty="0" smtClean="0">
+                <a:latin typeface="Google Sans"/>
+              </a:rPr>
+              <a:t>Interpreted Language:</a:t>
+            </a:r>
+          </a:p>
+          <a:p>
+            <a:pPr lvl="0" defTabSz="914400" eaLnBrk="0" fontAlgn="base" hangingPunct="0">
+              <a:spcBef>
+                <a:spcPct val="0"/>
+              </a:spcBef>
+              <a:spcAft>
+                <a:spcPct val="0"/>
+              </a:spcAft>
+            </a:pPr>
+            <a:endParaRPr lang="en-US" altLang="en-US" dirty="0">
+              <a:solidFill>
+                <a:schemeClr val="tx1"/>
+              </a:solidFill>
+              <a:latin typeface="Arial" panose="020B0604020202020204" pitchFamily="34" charset="0"/>
+            </a:endParaRPr>
           </a:p>
           <a:p>
             <a:pPr lvl="0" defTabSz="914400" eaLnBrk="0" fontAlgn="base" hangingPunct="0">
@@ -8068,12 +13883,33 @@
               <a:buFontTx/>
               <a:buChar char="•"/>
             </a:pPr>
-            <a:endParaRPr lang="en-US" altLang="en-US" dirty="0">
-              <a:solidFill>
-                <a:schemeClr val="tx1"/>
-              </a:solidFill>
-              <a:latin typeface="Arial" panose="020B0604020202020204" pitchFamily="34" charset="0"/>
-            </a:endParaRPr>
+            <a:r>
+              <a:rPr lang="en-US" altLang="en-US" dirty="0">
+                <a:solidFill>
+                  <a:schemeClr val="tx1"/>
+                </a:solidFill>
+                <a:latin typeface="Arial" panose="020B0604020202020204" pitchFamily="34" charset="0"/>
+              </a:rPr>
+              <a:t>Executes </a:t>
+            </a:r>
+            <a:r>
+              <a:rPr lang="en-US" altLang="en-US" b="1" dirty="0">
+                <a:solidFill>
+                  <a:schemeClr val="tx1"/>
+                </a:solidFill>
+                <a:latin typeface="Arial" panose="020B0604020202020204" pitchFamily="34" charset="0"/>
+              </a:rPr>
+              <a:t>line by line</a:t>
+            </a:r>
+            <a:r>
+              <a:rPr lang="en-US" altLang="en-US" dirty="0">
+                <a:solidFill>
+                  <a:schemeClr val="tx1"/>
+                </a:solidFill>
+                <a:latin typeface="Arial" panose="020B0604020202020204" pitchFamily="34" charset="0"/>
+              </a:rPr>
+              <a:t> in the browser (no need to compile).</a:t>
+            </a:r>
           </a:p>
           <a:p>
             <a:pPr lvl="0" defTabSz="914400" eaLnBrk="0" fontAlgn="base" hangingPunct="0">
@@ -8093,65 +13929,8 @@
                 </a:solidFill>
                 <a:latin typeface="Arial" panose="020B0604020202020204" pitchFamily="34" charset="0"/>
               </a:rPr>
-              <a:t>console.log("First");</a:t>
-            </a:r>
-          </a:p>
-          <a:p>
-            <a:pPr lvl="0" defTabSz="914400" eaLnBrk="0" fontAlgn="base" hangingPunct="0">
-              <a:spcBef>
-                <a:spcPct val="0"/>
-              </a:spcBef>
-              <a:spcAft>
-                <a:spcPct val="0"/>
-              </a:spcAft>
-              <a:buFontTx/>
-              <a:buChar char="•"/>
-            </a:pPr>
-            <a:r>
-              <a:rPr lang="en-US" altLang="en-US" dirty="0">
-                <a:solidFill>
-                  <a:schemeClr val="tx1"/>
-                </a:solidFill>
-                <a:latin typeface="Arial" panose="020B0604020202020204" pitchFamily="34" charset="0"/>
-              </a:rPr>
-              <a:t>alert("Pause here...");</a:t>
-            </a:r>
-          </a:p>
-          <a:p>
-            <a:pPr lvl="0" defTabSz="914400" eaLnBrk="0" fontAlgn="base" hangingPunct="0">
-              <a:spcBef>
-                <a:spcPct val="0"/>
-              </a:spcBef>
-              <a:spcAft>
-                <a:spcPct val="0"/>
-              </a:spcAft>
-              <a:buFontTx/>
-              <a:buChar char="•"/>
-            </a:pPr>
-            <a:r>
-              <a:rPr lang="en-US" altLang="en-US" dirty="0">
-                <a:solidFill>
-                  <a:schemeClr val="tx1"/>
-                </a:solidFill>
-                <a:latin typeface="Arial" panose="020B0604020202020204" pitchFamily="34" charset="0"/>
-              </a:rPr>
-              <a:t>console.log("Second"); // Runs only after alert is </a:t>
-            </a:r>
-            <a:r>
-              <a:rPr lang="en-US" altLang="en-US" dirty="0" smtClean="0">
-                <a:solidFill>
-                  <a:schemeClr val="tx1"/>
-                </a:solidFill>
-                <a:latin typeface="Arial" panose="020B0604020202020204" pitchFamily="34" charset="0"/>
-              </a:rPr>
-              <a:t>closed</a:t>
-            </a:r>
-            <a:endParaRPr lang="en-US" altLang="en-US" dirty="0">
-              <a:solidFill>
-                <a:schemeClr val="tx1"/>
-              </a:solidFill>
-              <a:latin typeface="Arial" panose="020B0604020202020204" pitchFamily="34" charset="0"/>
-            </a:endParaRPr>
+              <a:t>Easier to debug but slightly slower than compiled languages. </a:t>
+            </a:r>
           </a:p>
           <a:p>
             <a:endParaRPr lang="en-US" dirty="0">
@@ -8160,177 +13939,10 @@
           </a:p>
         </p:txBody>
       </p:sp>
-      <p:sp>
-        <p:nvSpPr>
-          <p:cNvPr id="4" name="Rectangle 2"/>
-          <p:cNvSpPr>
-            <a:spLocks noChangeArrowheads="1"/>
-          </p:cNvSpPr>
-          <p:nvPr/>
-        </p:nvSpPr>
-        <p:spPr bwMode="auto">
-          <a:xfrm>
-            <a:off x="375138" y="5716655"/>
-            <a:ext cx="10922977" cy="369332"/>
-          </a:xfrm>
-          <a:prstGeom prst="rect">
-            <a:avLst/>
-          </a:prstGeom>
-          <a:noFill/>
-          <a:ln>
-            <a:noFill/>
-          </a:ln>
-          <a:effectLst/>
-          <a:extLst>
-            <a:ext uri="{909E8E84-426E-40DD-AFC4-6F175D3DCCD1}">
-              <a14:hiddenFill xmlns:a14="http://schemas.microsoft.com/office/drawing/2010/main">
-                <a:solidFill>
-                  <a:schemeClr val="accent1"/>
-                </a:solidFill>
-              </a14:hiddenFill>
-            </a:ext>
-            <a:ext uri="{91240B29-F687-4F45-9708-019B960494DF}">
-              <a14:hiddenLine xmlns:a14="http://schemas.microsoft.com/office/drawing/2010/main" w="9525">
-                <a:solidFill>
-                  <a:schemeClr val="tx1"/>
-                </a:solidFill>
-                <a:miter lim="800000"/>
-                <a:headEnd/>
-                <a:tailEnd/>
-              </a14:hiddenLine>
-            </a:ext>
-            <a:ext uri="{AF507438-7753-43E0-B8FC-AC1667EBCBE1}">
-              <a14:hiddenEffects xmlns:a14="http://schemas.microsoft.com/office/drawing/2010/main">
-                <a:effectLst>
-                  <a:outerShdw dist="35921" dir="2700000" algn="ctr" rotWithShape="0">
-                    <a:schemeClr val="bg2"/>
-                  </a:outerShdw>
-                </a:effectLst>
-              </a14:hiddenEffects>
-            </a:ext>
-          </a:extLst>
-        </p:spPr>
-        <p:txBody>
-          <a:bodyPr vert="horz" wrap="square" lIns="91440" tIns="45720" rIns="91440" bIns="45720" numCol="1" anchor="ctr" anchorCtr="0" compatLnSpc="1">
-            <a:prstTxWarp prst="textNoShape">
-              <a:avLst/>
-            </a:prstTxWarp>
-            <a:spAutoFit/>
-          </a:bodyPr>
-          <a:lstStyle/>
-          <a:p>
-            <a:pPr marL="285750" marR="0" lvl="0" indent="-285750" algn="l" defTabSz="914400" rtl="0" eaLnBrk="0" fontAlgn="base" latinLnBrk="0" hangingPunct="0">
-              <a:lnSpc>
-                <a:spcPct val="100000"/>
-              </a:lnSpc>
-              <a:spcBef>
-                <a:spcPct val="0"/>
-              </a:spcBef>
-              <a:spcAft>
-                <a:spcPct val="0"/>
-              </a:spcAft>
-              <a:buClrTx/>
-              <a:buSzTx/>
-              <a:buFont typeface="Wingdings" panose="05000000000000000000" pitchFamily="2" charset="2"/>
-              <a:buChar char="q"/>
-              <a:tabLst/>
-            </a:pPr>
-            <a:r>
-              <a:rPr kumimoji="0" lang="en-US" altLang="en-US" b="0" i="0" u="none" strike="noStrike" cap="none" normalizeH="0" baseline="0" dirty="0" smtClean="0">
-                <a:ln>
-                  <a:noFill/>
-                </a:ln>
-                <a:solidFill>
-                  <a:schemeClr val="tx1"/>
-                </a:solidFill>
-                <a:effectLst/>
-                <a:latin typeface="Google Sans"/>
-              </a:rPr>
-              <a:t>But JS also supports </a:t>
-            </a:r>
-            <a:r>
-              <a:rPr kumimoji="0" lang="en-US" altLang="en-US" b="1" i="0" u="none" strike="noStrike" cap="none" normalizeH="0" baseline="0" dirty="0" smtClean="0">
-                <a:ln>
-                  <a:noFill/>
-                </a:ln>
-                <a:solidFill>
-                  <a:schemeClr val="tx1"/>
-                </a:solidFill>
-                <a:effectLst/>
-                <a:latin typeface="Google Sans"/>
-              </a:rPr>
-              <a:t>Asynchronous</a:t>
-            </a:r>
-            <a:r>
-              <a:rPr kumimoji="0" lang="en-US" altLang="en-US" b="0" i="0" u="none" strike="noStrike" cap="none" normalizeH="0" baseline="0" dirty="0" smtClean="0">
-                <a:ln>
-                  <a:noFill/>
-                </a:ln>
-                <a:solidFill>
-                  <a:schemeClr val="tx1"/>
-                </a:solidFill>
-                <a:effectLst/>
-                <a:latin typeface="Google Sans"/>
-              </a:rPr>
-              <a:t> tasks (like </a:t>
-            </a:r>
-            <a:r>
-              <a:rPr kumimoji="0" lang="en-US" altLang="en-US" b="0" i="0" u="none" strike="noStrike" cap="none" normalizeH="0" baseline="0" dirty="0" err="1" smtClean="0">
-                <a:ln>
-                  <a:noFill/>
-                </a:ln>
-                <a:solidFill>
-                  <a:schemeClr val="tx1"/>
-                </a:solidFill>
-                <a:effectLst/>
-                <a:latin typeface="Google Sans"/>
-              </a:rPr>
-              <a:t>setTimeout</a:t>
-            </a:r>
-            <a:r>
-              <a:rPr kumimoji="0" lang="en-US" altLang="en-US" b="0" i="0" u="none" strike="noStrike" cap="none" normalizeH="0" baseline="0" dirty="0" smtClean="0">
-                <a:ln>
-                  <a:noFill/>
-                </a:ln>
-                <a:solidFill>
-                  <a:schemeClr val="tx1"/>
-                </a:solidFill>
-                <a:effectLst/>
-                <a:latin typeface="Google Sans"/>
-              </a:rPr>
-              <a:t> &amp; fetch) to handle multiple things smoothly! </a:t>
-            </a:r>
-          </a:p>
-        </p:txBody>
-      </p:sp>
-      <p:pic>
-        <p:nvPicPr>
-          <p:cNvPr id="6" name="Picture 5"/>
-          <p:cNvPicPr>
-            <a:picLocks noChangeAspect="1"/>
-          </p:cNvPicPr>
-          <p:nvPr/>
-        </p:nvPicPr>
-        <p:blipFill>
-          <a:blip r:embed="rId2"/>
-          <a:stretch>
-            <a:fillRect/>
-          </a:stretch>
-        </p:blipFill>
-        <p:spPr>
-          <a:xfrm>
-            <a:off x="6805246" y="2988981"/>
-            <a:ext cx="5091267" cy="1454648"/>
-          </a:xfrm>
-          <a:prstGeom prst="rect">
-            <a:avLst/>
-          </a:prstGeom>
-        </p:spPr>
-      </p:pic>
     </p:spTree>
     <p:extLst>
       <p:ext uri="{BB962C8B-B14F-4D97-AF65-F5344CB8AC3E}">
-        <p14:creationId xmlns:p14="http://schemas.microsoft.com/office/powerpoint/2010/main" val="2951765221"/>
+        <p14:creationId xmlns:p14="http://schemas.microsoft.com/office/powerpoint/2010/main" val="4128924483"/>
       </p:ext>
     </p:extLst>
   </p:cSld>
@@ -8614,4 +14226,265 @@
     </a:ext>
   </a:extLst>
 </a:theme>
+</file>
+
+<file path=ppt/theme/theme2.xml><?xml version="1.0" encoding="utf-8"?>
+<a:theme xmlns:a="http://schemas.openxmlformats.org/drawingml/2006/main" name="Office Theme">
+  <a:themeElements>
+    <a:clrScheme name="Office">
+      <a:dk1>
+        <a:sysClr val="windowText" lastClr="000000"/>
+      </a:dk1>
+      <a:lt1>
+        <a:sysClr val="window" lastClr="FFFFFF"/>
+      </a:lt1>
+      <a:dk2>
+        <a:srgbClr val="44546A"/>
+      </a:dk2>
+      <a:lt2>
+        <a:srgbClr val="E7E6E6"/>
+      </a:lt2>
+      <a:accent1>
+        <a:srgbClr val="5B9BD5"/>
+      </a:accent1>
+      <a:accent2>
+        <a:srgbClr val="ED7D31"/>
+      </a:accent2>
+      <a:accent3>
+        <a:srgbClr val="A5A5A5"/>
+      </a:accent3>
+      <a:accent4>
+        <a:srgbClr val="FFC000"/>
+      </a:accent4>
+      <a:accent5>
+        <a:srgbClr val="4472C4"/>
+      </a:accent5>
+      <a:accent6>
+        <a:srgbClr val="70AD47"/>
+      </a:accent6>
+      <a:hlink>
+        <a:srgbClr val="0563C1"/>
+      </a:hlink>
+      <a:folHlink>
+        <a:srgbClr val="954F72"/>
+      </a:folHlink>
+    </a:clrScheme>
+    <a:fontScheme name="Office">
+      <a:majorFont>
+        <a:latin typeface="Calibri Light" panose="020F0302020204030204"/>
+        <a:ea typeface=""/>
+        <a:cs typeface=""/>
+        <a:font script="Jpan" typeface="游ゴシック Light"/>
+        <a:font script="Hang" typeface="맑은 고딕"/>
+        <a:font script="Hans" typeface="等线 Light"/>
+        <a:font script="Hant" typeface="新細明體"/>
+        <a:font script="Arab" typeface="Times New Roman"/>
+        <a:font script="Hebr" typeface="Times New Roman"/>
+        <a:font script="Thai" typeface="Angsana New"/>
+        <a:font script="Ethi" typeface="Nyala"/>
+        <a:font script="Beng" typeface="Vrinda"/>
+        <a:font script="Gujr" typeface="Shruti"/>
+        <a:font script="Khmr" typeface="MoolBoran"/>
+        <a:font script="Knda" typeface="Tunga"/>
+        <a:font script="Guru" typeface="Raavi"/>
+        <a:font script="Cans" typeface="Euphemia"/>
+        <a:font script="Cher" typeface="Plantagenet Cherokee"/>
+        <a:font script="Yiii" typeface="Microsoft Yi Baiti"/>
+        <a:font script="Tibt" typeface="Microsoft Himalaya"/>
+        <a:font script="Thaa" typeface="MV Boli"/>
+        <a:font script="Deva" typeface="Mangal"/>
+        <a:font script="Telu" typeface="Gautami"/>
+        <a:font script="Taml" typeface="Latha"/>
+        <a:font script="Syrc" typeface="Estrangelo Edessa"/>
+        <a:font script="Orya" typeface="Kalinga"/>
+        <a:font script="Mlym" typeface="Kartika"/>
+        <a:font script="Laoo" typeface="DokChampa"/>
+        <a:font script="Sinh" typeface="Iskoola Pota"/>
+        <a:font script="Mong" typeface="Mongolian Baiti"/>
+        <a:font script="Viet" typeface="Times New Roman"/>
+        <a:font script="Uigh" typeface="Microsoft Uighur"/>
+        <a:font script="Geor" typeface="Sylfaen"/>
+      </a:majorFont>
+      <a:minorFont>
+        <a:latin typeface="Calibri" panose="020F0502020204030204"/>
+        <a:ea typeface=""/>
+        <a:cs typeface=""/>
+        <a:font script="Jpan" typeface="游ゴシック"/>
+        <a:font script="Hang" typeface="맑은 고딕"/>
+        <a:font script="Hans" typeface="等线"/>
+        <a:font script="Hant" typeface="新細明體"/>
+        <a:font script="Arab" typeface="Arial"/>
+        <a:font script="Hebr" typeface="Arial"/>
+        <a:font script="Thai" typeface="Cordia New"/>
+        <a:font script="Ethi" typeface="Nyala"/>
+        <a:font script="Beng" typeface="Vrinda"/>
+        <a:font script="Gujr" typeface="Shruti"/>
+        <a:font script="Khmr" typeface="DaunPenh"/>
+        <a:font script="Knda" typeface="Tunga"/>
+        <a:font script="Guru" typeface="Raavi"/>
+        <a:font script="Cans" typeface="Euphemia"/>
+        <a:font script="Cher" typeface="Plantagenet Cherokee"/>
+        <a:font script="Yiii" typeface="Microsoft Yi Baiti"/>
+        <a:font script="Tibt" typeface="Microsoft Himalaya"/>
+        <a:font script="Thaa" typeface="MV Boli"/>
+        <a:font script="Deva" typeface="Mangal"/>
+        <a:font script="Telu" typeface="Gautami"/>
+        <a:font script="Taml" typeface="Latha"/>
+        <a:font script="Syrc" typeface="Estrangelo Edessa"/>
+        <a:font script="Orya" typeface="Kalinga"/>
+        <a:font script="Mlym" typeface="Kartika"/>
+        <a:font script="Laoo" typeface="DokChampa"/>
+        <a:font script="Sinh" typeface="Iskoola Pota"/>
+        <a:font script="Mong" typeface="Mongolian Baiti"/>
+        <a:font script="Viet" typeface="Arial"/>
+        <a:font script="Uigh" typeface="Microsoft Uighur"/>
+        <a:font script="Geor" typeface="Sylfaen"/>
+      </a:minorFont>
+    </a:fontScheme>
+    <a:fmtScheme name="Office">
+      <a:fillStyleLst>
+        <a:solidFill>
+          <a:schemeClr val="phClr"/>
+        </a:solidFill>
+        <a:gradFill rotWithShape="1">
+          <a:gsLst>
+            <a:gs pos="0">
+              <a:schemeClr val="phClr">
+                <a:lumMod val="110000"/>
+                <a:satMod val="105000"/>
+                <a:tint val="67000"/>
+              </a:schemeClr>
+            </a:gs>
+            <a:gs pos="50000">
+              <a:schemeClr val="phClr">
+                <a:lumMod val="105000"/>
+                <a:satMod val="103000"/>
+                <a:tint val="73000"/>
+              </a:schemeClr>
+            </a:gs>
+            <a:gs pos="100000">
+              <a:schemeClr val="phClr">
+                <a:lumMod val="105000"/>
+                <a:satMod val="109000"/>
+                <a:tint val="81000"/>
+              </a:schemeClr>
+            </a:gs>
+          </a:gsLst>
+          <a:lin ang="5400000" scaled="0"/>
+        </a:gradFill>
+        <a:gradFill rotWithShape="1">
+          <a:gsLst>
+            <a:gs pos="0">
+              <a:schemeClr val="phClr">
+                <a:satMod val="103000"/>
+                <a:lumMod val="102000"/>
+                <a:tint val="94000"/>
+              </a:schemeClr>
+            </a:gs>
+            <a:gs pos="50000">
+              <a:schemeClr val="phClr">
+                <a:satMod val="110000"/>
+                <a:lumMod val="100000"/>
+                <a:shade val="100000"/>
+              </a:schemeClr>
+            </a:gs>
+            <a:gs pos="100000">
+              <a:schemeClr val="phClr">
+                <a:lumMod val="99000"/>
+                <a:satMod val="120000"/>
+                <a:shade val="78000"/>
+              </a:schemeClr>
+            </a:gs>
+          </a:gsLst>
+          <a:lin ang="5400000" scaled="0"/>
+        </a:gradFill>
+      </a:fillStyleLst>
+      <a:lnStyleLst>
+        <a:ln w="6350" cap="flat" cmpd="sng" algn="ctr">
+          <a:solidFill>
+            <a:schemeClr val="phClr"/>
+          </a:solidFill>
+          <a:prstDash val="solid"/>
+          <a:miter lim="800000"/>
+        </a:ln>
+        <a:ln w="12700" cap="flat" cmpd="sng" algn="ctr">
+          <a:solidFill>
+            <a:schemeClr val="phClr"/>
+          </a:solidFill>
+          <a:prstDash val="solid"/>
+          <a:miter lim="800000"/>
+        </a:ln>
+        <a:ln w="19050" cap="flat" cmpd="sng" algn="ctr">
+          <a:solidFill>
+            <a:schemeClr val="phClr"/>
+          </a:solidFill>
+          <a:prstDash val="solid"/>
+          <a:miter lim="800000"/>
+        </a:ln>
+      </a:lnStyleLst>
+      <a:effectStyleLst>
+        <a:effectStyle>
+          <a:effectLst/>
+        </a:effectStyle>
+        <a:effectStyle>
+          <a:effectLst/>
+        </a:effectStyle>
+        <a:effectStyle>
+          <a:effectLst>
+            <a:outerShdw blurRad="57150" dist="19050" dir="5400000" algn="ctr" rotWithShape="0">
+              <a:srgbClr val="000000">
+                <a:alpha val="63000"/>
+              </a:srgbClr>
+            </a:outerShdw>
+          </a:effectLst>
+        </a:effectStyle>
+      </a:effectStyleLst>
+      <a:bgFillStyleLst>
+        <a:solidFill>
+          <a:schemeClr val="phClr"/>
+        </a:solidFill>
+        <a:solidFill>
+          <a:schemeClr val="phClr">
+            <a:tint val="95000"/>
+            <a:satMod val="170000"/>
+          </a:schemeClr>
+        </a:solidFill>
+        <a:gradFill rotWithShape="1">
+          <a:gsLst>
+            <a:gs pos="0">
+              <a:schemeClr val="phClr">
+                <a:tint val="93000"/>
+                <a:satMod val="150000"/>
+                <a:shade val="98000"/>
+                <a:lumMod val="102000"/>
+              </a:schemeClr>
+            </a:gs>
+            <a:gs pos="50000">
+              <a:schemeClr val="phClr">
+                <a:tint val="98000"/>
+                <a:satMod val="130000"/>
+                <a:shade val="90000"/>
+                <a:lumMod val="103000"/>
+              </a:schemeClr>
+            </a:gs>
+            <a:gs pos="100000">
+              <a:schemeClr val="phClr">
+                <a:shade val="63000"/>
+                <a:satMod val="120000"/>
+              </a:schemeClr>
+            </a:gs>
+          </a:gsLst>
+          <a:lin ang="5400000" scaled="0"/>
+        </a:gradFill>
+      </a:bgFillStyleLst>
+    </a:fmtScheme>
+  </a:themeElements>
+  <a:objectDefaults/>
+  <a:extraClrSchemeLst/>
+  <a:extLst>
+    <a:ext uri="{05A4C25C-085E-4340-85A3-A5531E510DB2}">
+      <thm15:themeFamily xmlns:thm15="http://schemas.microsoft.com/office/thememl/2012/main" name="Office Theme" id="{62F939B6-93AF-4DB8-9C6B-D6C7DFDC589F}" vid="{4A3C46E8-61CC-4603-A589-7422A47A8E4A}"/>
+    </a:ext>
+  </a:extLst>
+</a:theme>
 </file>
--- a/JAVASCRIPT/JAVASCRIPT PPT.pptx
+++ b/JAVASCRIPT/JAVASCRIPT PPT.pptx
@@ -5,7 +5,7 @@
     <p:sldMasterId id="2147483684" r:id="rId1"/>
   </p:sldMasterIdLst>
   <p:notesMasterIdLst>
-    <p:notesMasterId r:id="rId41"/>
+    <p:notesMasterId r:id="rId55"/>
   </p:notesMasterIdLst>
   <p:sldIdLst>
     <p:sldId id="256" r:id="rId2"/>
@@ -47,6 +47,20 @@
     <p:sldId id="294" r:id="rId38"/>
     <p:sldId id="291" r:id="rId39"/>
     <p:sldId id="292" r:id="rId40"/>
+    <p:sldId id="295" r:id="rId41"/>
+    <p:sldId id="296" r:id="rId42"/>
+    <p:sldId id="297" r:id="rId43"/>
+    <p:sldId id="298" r:id="rId44"/>
+    <p:sldId id="299" r:id="rId45"/>
+    <p:sldId id="300" r:id="rId46"/>
+    <p:sldId id="301" r:id="rId47"/>
+    <p:sldId id="302" r:id="rId48"/>
+    <p:sldId id="303" r:id="rId49"/>
+    <p:sldId id="304" r:id="rId50"/>
+    <p:sldId id="305" r:id="rId51"/>
+    <p:sldId id="306" r:id="rId52"/>
+    <p:sldId id="307" r:id="rId53"/>
+    <p:sldId id="308" r:id="rId54"/>
   </p:sldIdLst>
   <p:sldSz cx="12192000" cy="6858000"/>
   <p:notesSz cx="6858000" cy="9144000"/>
@@ -235,7 +249,7 @@
           <a:p>
             <a:fld id="{640FD743-BC05-4482-A4B6-4CF967787431}" type="datetimeFigureOut">
               <a:rPr lang="en-US" smtClean="0"/>
-              <a:t>3/11/2025</a:t>
+              <a:t>3/12/2025</a:t>
             </a:fld>
             <a:endParaRPr lang="en-US"/>
           </a:p>
@@ -748,7 +762,7 @@
           <a:p>
             <a:fld id="{4FC8A5DC-483B-4C3B-B9D6-B1E5B6F3D415}" type="datetime1">
               <a:rPr lang="en-US" smtClean="0"/>
-              <a:t>3/11/2025</a:t>
+              <a:t>3/12/2025</a:t>
             </a:fld>
             <a:endParaRPr lang="en-US"/>
           </a:p>
@@ -1010,7 +1024,7 @@
           <a:p>
             <a:fld id="{974A1467-D0AE-4BBF-A795-8863E7506591}" type="datetime1">
               <a:rPr lang="en-US" smtClean="0"/>
-              <a:t>3/11/2025</a:t>
+              <a:t>3/12/2025</a:t>
             </a:fld>
             <a:endParaRPr lang="en-US"/>
           </a:p>
@@ -1245,7 +1259,7 @@
           <a:p>
             <a:fld id="{72FA8D1C-D59E-4EC0-9456-BF1DBAC96D54}" type="datetime1">
               <a:rPr lang="en-US" smtClean="0"/>
-              <a:t>3/11/2025</a:t>
+              <a:t>3/12/2025</a:t>
             </a:fld>
             <a:endParaRPr lang="en-US"/>
           </a:p>
@@ -1485,7 +1499,7 @@
           <a:p>
             <a:fld id="{90A65430-BB3C-44A1-9682-069601324596}" type="datetime1">
               <a:rPr lang="en-US" smtClean="0"/>
-              <a:t>3/11/2025</a:t>
+              <a:t>3/12/2025</a:t>
             </a:fld>
             <a:endParaRPr lang="en-US"/>
           </a:p>
@@ -1792,7 +1806,7 @@
           <a:p>
             <a:fld id="{43BD6107-7534-4359-9428-CDC893BF9851}" type="datetime1">
               <a:rPr lang="en-US" smtClean="0"/>
-              <a:t>3/11/2025</a:t>
+              <a:t>3/12/2025</a:t>
             </a:fld>
             <a:endParaRPr lang="en-US"/>
           </a:p>
@@ -2094,7 +2108,7 @@
           <a:p>
             <a:fld id="{251984FB-F333-4EAC-96FD-EA2705CC5A10}" type="datetime1">
               <a:rPr lang="en-US" smtClean="0"/>
-              <a:t>3/11/2025</a:t>
+              <a:t>3/12/2025</a:t>
             </a:fld>
             <a:endParaRPr lang="en-US"/>
           </a:p>
@@ -2516,7 +2530,7 @@
           <a:p>
             <a:fld id="{3B8A7045-7F20-43DD-9244-1BDC8D2C2729}" type="datetime1">
               <a:rPr lang="en-US" smtClean="0"/>
-              <a:t>3/11/2025</a:t>
+              <a:t>3/12/2025</a:t>
             </a:fld>
             <a:endParaRPr lang="en-US"/>
           </a:p>
@@ -2611,7 +2625,7 @@
           <a:p>
             <a:fld id="{1D1BA353-C2CF-4C65-8DC5-BBCFB2E0B447}" type="datetime1">
               <a:rPr lang="en-US" smtClean="0"/>
-              <a:t>3/11/2025</a:t>
+              <a:t>3/12/2025</a:t>
             </a:fld>
             <a:endParaRPr lang="en-US"/>
           </a:p>
@@ -2773,7 +2787,7 @@
           <a:p>
             <a:fld id="{904F5CF2-CBCB-4E3B-8231-6D0064FABD8F}" type="datetime1">
               <a:rPr lang="en-US" smtClean="0"/>
-              <a:t>3/11/2025</a:t>
+              <a:t>3/12/2025</a:t>
             </a:fld>
             <a:endParaRPr lang="en-US"/>
           </a:p>
@@ -3151,7 +3165,7 @@
           <a:p>
             <a:fld id="{043133FD-88D9-474B-AF19-D6EC2C0A42D7}" type="datetime1">
               <a:rPr lang="en-US" smtClean="0"/>
-              <a:t>3/11/2025</a:t>
+              <a:t>3/12/2025</a:t>
             </a:fld>
             <a:endParaRPr lang="en-US"/>
           </a:p>
@@ -3440,7 +3454,7 @@
           <a:p>
             <a:fld id="{1284E585-702C-4563-A15C-4F09F5577D21}" type="datetime1">
               <a:rPr lang="en-US" smtClean="0"/>
-              <a:t>3/11/2025</a:t>
+              <a:t>3/12/2025</a:t>
             </a:fld>
             <a:endParaRPr lang="en-US"/>
           </a:p>
@@ -3651,7 +3665,7 @@
           <a:p>
             <a:fld id="{6D071768-9095-4492-B259-62508B135DC9}" type="datetime1">
               <a:rPr lang="en-US" smtClean="0"/>
-              <a:t>3/11/2025</a:t>
+              <a:t>3/12/2025</a:t>
             </a:fld>
             <a:endParaRPr lang="en-US"/>
           </a:p>
@@ -12712,6 +12726,5011 @@
 </p:sld>
 </file>
 
+<file path=ppt/slides/slide40.xml><?xml version="1.0" encoding="utf-8"?>
+<p:sld xmlns:a="http://schemas.openxmlformats.org/drawingml/2006/main" xmlns:r="http://schemas.openxmlformats.org/officeDocument/2006/relationships" xmlns:p="http://schemas.openxmlformats.org/presentationml/2006/main">
+  <p:cSld>
+    <p:spTree>
+      <p:nvGrpSpPr>
+        <p:cNvPr id="1" name=""/>
+        <p:cNvGrpSpPr/>
+        <p:nvPr/>
+      </p:nvGrpSpPr>
+      <p:grpSpPr>
+        <a:xfrm>
+          <a:off x="0" y="0"/>
+          <a:ext cx="0" cy="0"/>
+          <a:chOff x="0" y="0"/>
+          <a:chExt cx="0" cy="0"/>
+        </a:xfrm>
+      </p:grpSpPr>
+      <p:sp>
+        <p:nvSpPr>
+          <p:cNvPr id="2" name="Title 1"/>
+          <p:cNvSpPr>
+            <a:spLocks noGrp="1"/>
+          </p:cNvSpPr>
+          <p:nvPr>
+            <p:ph type="ctrTitle"/>
+          </p:nvPr>
+        </p:nvSpPr>
+        <p:spPr/>
+        <p:txBody>
+          <a:bodyPr anchor="ctr">
+            <a:normAutofit/>
+          </a:bodyPr>
+          <a:lstStyle/>
+          <a:p>
+            <a:r>
+              <a:rPr lang="en-US" sz="8800" dirty="0" smtClean="0"/>
+              <a:t>DAY-03</a:t>
+            </a:r>
+            <a:endParaRPr lang="en-US" sz="8800" dirty="0"/>
+          </a:p>
+        </p:txBody>
+      </p:sp>
+      <p:sp>
+        <p:nvSpPr>
+          <p:cNvPr id="4" name="TextBox 3"/>
+          <p:cNvSpPr txBox="1"/>
+          <p:nvPr/>
+        </p:nvSpPr>
+        <p:spPr>
+          <a:xfrm>
+            <a:off x="581190" y="3587261"/>
+            <a:ext cx="10993549" cy="2862322"/>
+          </a:xfrm>
+          <a:prstGeom prst="rect">
+            <a:avLst/>
+          </a:prstGeom>
+          <a:noFill/>
+        </p:spPr>
+        <p:txBody>
+          <a:bodyPr wrap="square" numCol="2" rtlCol="0">
+            <a:spAutoFit/>
+          </a:bodyPr>
+          <a:lstStyle/>
+          <a:p>
+            <a:r>
+              <a:rPr lang="en-US" u="sng" dirty="0" smtClean="0">
+                <a:solidFill>
+                  <a:schemeClr val="bg1"/>
+                </a:solidFill>
+              </a:rPr>
+              <a:t>Topics Covered</a:t>
+            </a:r>
+            <a:r>
+              <a:rPr lang="en-US" dirty="0" smtClean="0">
+                <a:solidFill>
+                  <a:schemeClr val="bg1"/>
+                </a:solidFill>
+              </a:rPr>
+              <a:t> : –</a:t>
+            </a:r>
+          </a:p>
+          <a:p>
+            <a:endParaRPr lang="en-US" dirty="0" smtClean="0">
+              <a:solidFill>
+                <a:schemeClr val="bg1"/>
+              </a:solidFill>
+            </a:endParaRPr>
+          </a:p>
+          <a:p>
+            <a:pPr marL="342900" indent="-342900">
+              <a:buFont typeface="+mj-lt"/>
+              <a:buAutoNum type="arabicPeriod"/>
+            </a:pPr>
+            <a:r>
+              <a:rPr lang="en-US" dirty="0" smtClean="0">
+                <a:solidFill>
+                  <a:schemeClr val="bg1"/>
+                </a:solidFill>
+              </a:rPr>
+              <a:t>Strings in Javascript</a:t>
+            </a:r>
+          </a:p>
+          <a:p>
+            <a:pPr marL="857250" lvl="1" indent="-400050">
+              <a:buFont typeface="+mj-lt"/>
+              <a:buAutoNum type="romanLcPeriod"/>
+            </a:pPr>
+            <a:r>
+              <a:rPr lang="en-US" dirty="0" smtClean="0">
+                <a:solidFill>
+                  <a:schemeClr val="bg1"/>
+                </a:solidFill>
+              </a:rPr>
+              <a:t>What is String?</a:t>
+            </a:r>
+          </a:p>
+          <a:p>
+            <a:pPr marL="857250" lvl="1" indent="-400050">
+              <a:buFont typeface="+mj-lt"/>
+              <a:buAutoNum type="romanLcPeriod"/>
+            </a:pPr>
+            <a:r>
+              <a:rPr lang="en-US" dirty="0" smtClean="0">
+                <a:solidFill>
+                  <a:schemeClr val="bg1"/>
+                </a:solidFill>
+              </a:rPr>
+              <a:t>How to declare strings</a:t>
+            </a:r>
+          </a:p>
+          <a:p>
+            <a:pPr marL="342900" indent="-342900">
+              <a:buFont typeface="+mj-lt"/>
+              <a:buAutoNum type="arabicPeriod"/>
+            </a:pPr>
+            <a:r>
+              <a:rPr lang="en-US" dirty="0" smtClean="0">
+                <a:solidFill>
+                  <a:schemeClr val="bg1"/>
+                </a:solidFill>
+              </a:rPr>
+              <a:t>String Methods</a:t>
+            </a:r>
+          </a:p>
+          <a:p>
+            <a:pPr marL="342900" indent="-342900">
+              <a:buFont typeface="+mj-lt"/>
+              <a:buAutoNum type="arabicPeriod"/>
+            </a:pPr>
+            <a:endParaRPr lang="en-US" dirty="0">
+              <a:solidFill>
+                <a:schemeClr val="bg1"/>
+              </a:solidFill>
+            </a:endParaRPr>
+          </a:p>
+          <a:p>
+            <a:pPr marL="342900" indent="-342900">
+              <a:buFont typeface="+mj-lt"/>
+              <a:buAutoNum type="arabicPeriod"/>
+            </a:pPr>
+            <a:endParaRPr lang="en-US" dirty="0" smtClean="0">
+              <a:solidFill>
+                <a:schemeClr val="bg1"/>
+              </a:solidFill>
+            </a:endParaRPr>
+          </a:p>
+          <a:p>
+            <a:pPr marL="342900" indent="-342900">
+              <a:buFont typeface="+mj-lt"/>
+              <a:buAutoNum type="arabicPeriod"/>
+            </a:pPr>
+            <a:endParaRPr lang="en-US" dirty="0">
+              <a:solidFill>
+                <a:schemeClr val="bg1"/>
+              </a:solidFill>
+            </a:endParaRPr>
+          </a:p>
+          <a:p>
+            <a:pPr marL="342900" indent="-342900">
+              <a:buFont typeface="+mj-lt"/>
+              <a:buAutoNum type="arabicPeriod"/>
+            </a:pPr>
+            <a:endParaRPr lang="en-US" dirty="0" smtClean="0">
+              <a:solidFill>
+                <a:schemeClr val="bg1"/>
+              </a:solidFill>
+            </a:endParaRPr>
+          </a:p>
+          <a:p>
+            <a:endParaRPr lang="en-US" dirty="0" smtClean="0">
+              <a:solidFill>
+                <a:schemeClr val="bg1"/>
+              </a:solidFill>
+            </a:endParaRPr>
+          </a:p>
+          <a:p>
+            <a:pPr marL="342900" indent="-342900">
+              <a:buFont typeface="+mj-lt"/>
+              <a:buAutoNum type="arabicPeriod"/>
+            </a:pPr>
+            <a:r>
+              <a:rPr lang="en-US" dirty="0" smtClean="0">
+                <a:solidFill>
+                  <a:schemeClr val="bg1"/>
+                </a:solidFill>
+              </a:rPr>
+              <a:t>Arrays in Javascript</a:t>
+            </a:r>
+          </a:p>
+          <a:p>
+            <a:pPr marL="857250" lvl="1" indent="-400050">
+              <a:buFont typeface="+mj-lt"/>
+              <a:buAutoNum type="romanLcPeriod"/>
+            </a:pPr>
+            <a:r>
+              <a:rPr lang="en-US" dirty="0" smtClean="0">
+                <a:solidFill>
+                  <a:schemeClr val="bg1"/>
+                </a:solidFill>
+              </a:rPr>
+              <a:t>What is Array?</a:t>
+            </a:r>
+          </a:p>
+          <a:p>
+            <a:pPr marL="857250" lvl="1" indent="-400050">
+              <a:buFont typeface="+mj-lt"/>
+              <a:buAutoNum type="romanLcPeriod"/>
+            </a:pPr>
+            <a:r>
+              <a:rPr lang="en-US" dirty="0" smtClean="0">
+                <a:solidFill>
+                  <a:schemeClr val="bg1"/>
+                </a:solidFill>
+              </a:rPr>
+              <a:t>How to create array?</a:t>
+            </a:r>
+          </a:p>
+          <a:p>
+            <a:pPr marL="857250" lvl="1" indent="-400050">
+              <a:buFont typeface="+mj-lt"/>
+              <a:buAutoNum type="romanLcPeriod"/>
+            </a:pPr>
+            <a:r>
+              <a:rPr lang="en-US" dirty="0" smtClean="0">
+                <a:solidFill>
+                  <a:schemeClr val="bg1"/>
+                </a:solidFill>
+              </a:rPr>
+              <a:t>How to access the array elements</a:t>
+            </a:r>
+          </a:p>
+          <a:p>
+            <a:pPr marL="342900" indent="-342900">
+              <a:buFont typeface="+mj-lt"/>
+              <a:buAutoNum type="arabicPeriod"/>
+            </a:pPr>
+            <a:r>
+              <a:rPr lang="en-US" dirty="0" smtClean="0">
+                <a:solidFill>
+                  <a:schemeClr val="bg1"/>
+                </a:solidFill>
+              </a:rPr>
+              <a:t>Array Methods</a:t>
+            </a:r>
+          </a:p>
+        </p:txBody>
+      </p:sp>
+    </p:spTree>
+    <p:extLst>
+      <p:ext uri="{BB962C8B-B14F-4D97-AF65-F5344CB8AC3E}">
+        <p14:creationId xmlns:p14="http://schemas.microsoft.com/office/powerpoint/2010/main" val="941984539"/>
+      </p:ext>
+    </p:extLst>
+  </p:cSld>
+  <p:clrMapOvr>
+    <a:masterClrMapping/>
+  </p:clrMapOvr>
+  <p:timing>
+    <p:tnLst>
+      <p:par>
+        <p:cTn id="1" dur="indefinite" restart="never" nodeType="tmRoot">
+          <p:childTnLst>
+            <p:seq concurrent="1" nextAc="seek">
+              <p:cTn id="2" dur="indefinite" nodeType="mainSeq">
+                <p:childTnLst>
+                  <p:par>
+                    <p:cTn id="3" fill="hold">
+                      <p:stCondLst>
+                        <p:cond delay="indefinite"/>
+                      </p:stCondLst>
+                      <p:childTnLst>
+                        <p:par>
+                          <p:cTn id="4" fill="hold">
+                            <p:stCondLst>
+                              <p:cond delay="0"/>
+                            </p:stCondLst>
+                            <p:childTnLst>
+                              <p:par>
+                                <p:cTn id="5" presetID="42" presetClass="entr" presetSubtype="0" fill="hold" grpId="0" nodeType="clickEffect">
+                                  <p:stCondLst>
+                                    <p:cond delay="0"/>
+                                  </p:stCondLst>
+                                  <p:childTnLst>
+                                    <p:set>
+                                      <p:cBhvr>
+                                        <p:cTn id="6" dur="1" fill="hold">
+                                          <p:stCondLst>
+                                            <p:cond delay="0"/>
+                                          </p:stCondLst>
+                                        </p:cTn>
+                                        <p:tgtEl>
+                                          <p:spTgt spid="4"/>
+                                        </p:tgtEl>
+                                        <p:attrNameLst>
+                                          <p:attrName>style.visibility</p:attrName>
+                                        </p:attrNameLst>
+                                      </p:cBhvr>
+                                      <p:to>
+                                        <p:strVal val="visible"/>
+                                      </p:to>
+                                    </p:set>
+                                    <p:animEffect transition="in" filter="fade">
+                                      <p:cBhvr>
+                                        <p:cTn id="7" dur="1000"/>
+                                        <p:tgtEl>
+                                          <p:spTgt spid="4"/>
+                                        </p:tgtEl>
+                                      </p:cBhvr>
+                                    </p:animEffect>
+                                    <p:anim calcmode="lin" valueType="num">
+                                      <p:cBhvr>
+                                        <p:cTn id="8" dur="1000" fill="hold"/>
+                                        <p:tgtEl>
+                                          <p:spTgt spid="4"/>
+                                        </p:tgtEl>
+                                        <p:attrNameLst>
+                                          <p:attrName>ppt_x</p:attrName>
+                                        </p:attrNameLst>
+                                      </p:cBhvr>
+                                      <p:tavLst>
+                                        <p:tav tm="0">
+                                          <p:val>
+                                            <p:strVal val="#ppt_x"/>
+                                          </p:val>
+                                        </p:tav>
+                                        <p:tav tm="100000">
+                                          <p:val>
+                                            <p:strVal val="#ppt_x"/>
+                                          </p:val>
+                                        </p:tav>
+                                      </p:tavLst>
+                                    </p:anim>
+                                    <p:anim calcmode="lin" valueType="num">
+                                      <p:cBhvr>
+                                        <p:cTn id="9" dur="1000" fill="hold"/>
+                                        <p:tgtEl>
+                                          <p:spTgt spid="4"/>
+                                        </p:tgtEl>
+                                        <p:attrNameLst>
+                                          <p:attrName>ppt_y</p:attrName>
+                                        </p:attrNameLst>
+                                      </p:cBhvr>
+                                      <p:tavLst>
+                                        <p:tav tm="0">
+                                          <p:val>
+                                            <p:strVal val="#ppt_y+.1"/>
+                                          </p:val>
+                                        </p:tav>
+                                        <p:tav tm="100000">
+                                          <p:val>
+                                            <p:strVal val="#ppt_y"/>
+                                          </p:val>
+                                        </p:tav>
+                                      </p:tavLst>
+                                    </p:anim>
+                                  </p:childTnLst>
+                                </p:cTn>
+                              </p:par>
+                            </p:childTnLst>
+                          </p:cTn>
+                        </p:par>
+                      </p:childTnLst>
+                    </p:cTn>
+                  </p:par>
+                </p:childTnLst>
+              </p:cTn>
+              <p:prevCondLst>
+                <p:cond evt="onPrev" delay="0">
+                  <p:tgtEl>
+                    <p:sldTgt/>
+                  </p:tgtEl>
+                </p:cond>
+              </p:prevCondLst>
+              <p:nextCondLst>
+                <p:cond evt="onNext" delay="0">
+                  <p:tgtEl>
+                    <p:sldTgt/>
+                  </p:tgtEl>
+                </p:cond>
+              </p:nextCondLst>
+            </p:seq>
+          </p:childTnLst>
+        </p:cTn>
+      </p:par>
+    </p:tnLst>
+    <p:bldLst>
+      <p:bldP spid="4" grpId="0"/>
+    </p:bldLst>
+  </p:timing>
+</p:sld>
+</file>
+
+<file path=ppt/slides/slide41.xml><?xml version="1.0" encoding="utf-8"?>
+<p:sld xmlns:a="http://schemas.openxmlformats.org/drawingml/2006/main" xmlns:r="http://schemas.openxmlformats.org/officeDocument/2006/relationships" xmlns:p="http://schemas.openxmlformats.org/presentationml/2006/main">
+  <p:cSld>
+    <p:spTree>
+      <p:nvGrpSpPr>
+        <p:cNvPr id="1" name=""/>
+        <p:cNvGrpSpPr/>
+        <p:nvPr/>
+      </p:nvGrpSpPr>
+      <p:grpSpPr>
+        <a:xfrm>
+          <a:off x="0" y="0"/>
+          <a:ext cx="0" cy="0"/>
+          <a:chOff x="0" y="0"/>
+          <a:chExt cx="0" cy="0"/>
+        </a:xfrm>
+      </p:grpSpPr>
+      <p:sp>
+        <p:nvSpPr>
+          <p:cNvPr id="2" name="Title 1"/>
+          <p:cNvSpPr>
+            <a:spLocks noGrp="1"/>
+          </p:cNvSpPr>
+          <p:nvPr>
+            <p:ph type="title"/>
+          </p:nvPr>
+        </p:nvSpPr>
+        <p:spPr/>
+        <p:txBody>
+          <a:bodyPr anchor="ctr"/>
+          <a:lstStyle/>
+          <a:p>
+            <a:pPr algn="ctr"/>
+            <a:r>
+              <a:rPr lang="en-US" b="1" dirty="0" smtClean="0">
+                <a:latin typeface="Google Sans"/>
+              </a:rPr>
+              <a:t>Strings in javascript</a:t>
+            </a:r>
+            <a:endParaRPr lang="en-US" b="1" dirty="0">
+              <a:latin typeface="Google Sans"/>
+            </a:endParaRPr>
+          </a:p>
+        </p:txBody>
+      </p:sp>
+      <p:sp>
+        <p:nvSpPr>
+          <p:cNvPr id="5" name="TextBox 4"/>
+          <p:cNvSpPr txBox="1"/>
+          <p:nvPr/>
+        </p:nvSpPr>
+        <p:spPr>
+          <a:xfrm>
+            <a:off x="439615" y="2048608"/>
+            <a:ext cx="11271739" cy="1015663"/>
+          </a:xfrm>
+          <a:prstGeom prst="rect">
+            <a:avLst/>
+          </a:prstGeom>
+          <a:noFill/>
+        </p:spPr>
+        <p:txBody>
+          <a:bodyPr wrap="square" rtlCol="0">
+            <a:spAutoFit/>
+          </a:bodyPr>
+          <a:lstStyle/>
+          <a:p>
+            <a:pPr marL="342900" indent="-342900">
+              <a:lnSpc>
+                <a:spcPct val="150000"/>
+              </a:lnSpc>
+              <a:buFont typeface="Wingdings" panose="05000000000000000000" pitchFamily="2" charset="2"/>
+              <a:buChar char="Ø"/>
+            </a:pPr>
+            <a:r>
+              <a:rPr lang="en-US" sz="2000" b="1" u="sng" dirty="0" smtClean="0">
+                <a:latin typeface="Google Sans"/>
+              </a:rPr>
+              <a:t>String</a:t>
+            </a:r>
+            <a:r>
+              <a:rPr lang="en-US" sz="2000" dirty="0" smtClean="0">
+                <a:latin typeface="Google Sans"/>
+              </a:rPr>
+              <a:t>: String is the collection of characters.</a:t>
+            </a:r>
+          </a:p>
+          <a:p>
+            <a:pPr marL="342900" indent="-342900">
+              <a:lnSpc>
+                <a:spcPct val="150000"/>
+              </a:lnSpc>
+              <a:buFont typeface="Wingdings" panose="05000000000000000000" pitchFamily="2" charset="2"/>
+              <a:buChar char="Ø"/>
+            </a:pPr>
+            <a:r>
+              <a:rPr lang="en-US" sz="2000" dirty="0" smtClean="0">
+                <a:latin typeface="Google Sans"/>
+              </a:rPr>
+              <a:t>Strings are immutable, means their content cannot be changed once created.</a:t>
+            </a:r>
+          </a:p>
+        </p:txBody>
+      </p:sp>
+      <p:pic>
+        <p:nvPicPr>
+          <p:cNvPr id="7" name="Picture 6"/>
+          <p:cNvPicPr>
+            <a:picLocks noChangeAspect="1"/>
+          </p:cNvPicPr>
+          <p:nvPr/>
+        </p:nvPicPr>
+        <p:blipFill>
+          <a:blip r:embed="rId2"/>
+          <a:stretch>
+            <a:fillRect/>
+          </a:stretch>
+        </p:blipFill>
+        <p:spPr>
+          <a:xfrm>
+            <a:off x="1852084" y="3499147"/>
+            <a:ext cx="7573432" cy="2743583"/>
+          </a:xfrm>
+          <a:prstGeom prst="rect">
+            <a:avLst/>
+          </a:prstGeom>
+        </p:spPr>
+      </p:pic>
+    </p:spTree>
+    <p:extLst>
+      <p:ext uri="{BB962C8B-B14F-4D97-AF65-F5344CB8AC3E}">
+        <p14:creationId xmlns:p14="http://schemas.microsoft.com/office/powerpoint/2010/main" val="3940922951"/>
+      </p:ext>
+    </p:extLst>
+  </p:cSld>
+  <p:clrMapOvr>
+    <a:masterClrMapping/>
+  </p:clrMapOvr>
+  <p:timing>
+    <p:tnLst>
+      <p:par>
+        <p:cTn id="1" dur="indefinite" restart="never" nodeType="tmRoot">
+          <p:childTnLst>
+            <p:seq concurrent="1" nextAc="seek">
+              <p:cTn id="2" dur="indefinite" nodeType="mainSeq">
+                <p:childTnLst>
+                  <p:par>
+                    <p:cTn id="3" fill="hold">
+                      <p:stCondLst>
+                        <p:cond delay="indefinite"/>
+                      </p:stCondLst>
+                      <p:childTnLst>
+                        <p:par>
+                          <p:cTn id="4" fill="hold">
+                            <p:stCondLst>
+                              <p:cond delay="0"/>
+                            </p:stCondLst>
+                            <p:childTnLst>
+                              <p:par>
+                                <p:cTn id="5" presetID="42" presetClass="entr" presetSubtype="0" fill="hold" nodeType="clickEffect">
+                                  <p:stCondLst>
+                                    <p:cond delay="0"/>
+                                  </p:stCondLst>
+                                  <p:childTnLst>
+                                    <p:set>
+                                      <p:cBhvr>
+                                        <p:cTn id="6" dur="1" fill="hold">
+                                          <p:stCondLst>
+                                            <p:cond delay="0"/>
+                                          </p:stCondLst>
+                                        </p:cTn>
+                                        <p:tgtEl>
+                                          <p:spTgt spid="5">
+                                            <p:txEl>
+                                              <p:pRg st="0" end="0"/>
+                                            </p:txEl>
+                                          </p:spTgt>
+                                        </p:tgtEl>
+                                        <p:attrNameLst>
+                                          <p:attrName>style.visibility</p:attrName>
+                                        </p:attrNameLst>
+                                      </p:cBhvr>
+                                      <p:to>
+                                        <p:strVal val="visible"/>
+                                      </p:to>
+                                    </p:set>
+                                    <p:animEffect transition="in" filter="fade">
+                                      <p:cBhvr>
+                                        <p:cTn id="7" dur="1000"/>
+                                        <p:tgtEl>
+                                          <p:spTgt spid="5">
+                                            <p:txEl>
+                                              <p:pRg st="0" end="0"/>
+                                            </p:txEl>
+                                          </p:spTgt>
+                                        </p:tgtEl>
+                                      </p:cBhvr>
+                                    </p:animEffect>
+                                    <p:anim calcmode="lin" valueType="num">
+                                      <p:cBhvr>
+                                        <p:cTn id="8" dur="1000" fill="hold"/>
+                                        <p:tgtEl>
+                                          <p:spTgt spid="5">
+                                            <p:txEl>
+                                              <p:pRg st="0" end="0"/>
+                                            </p:txEl>
+                                          </p:spTgt>
+                                        </p:tgtEl>
+                                        <p:attrNameLst>
+                                          <p:attrName>ppt_x</p:attrName>
+                                        </p:attrNameLst>
+                                      </p:cBhvr>
+                                      <p:tavLst>
+                                        <p:tav tm="0">
+                                          <p:val>
+                                            <p:strVal val="#ppt_x"/>
+                                          </p:val>
+                                        </p:tav>
+                                        <p:tav tm="100000">
+                                          <p:val>
+                                            <p:strVal val="#ppt_x"/>
+                                          </p:val>
+                                        </p:tav>
+                                      </p:tavLst>
+                                    </p:anim>
+                                    <p:anim calcmode="lin" valueType="num">
+                                      <p:cBhvr>
+                                        <p:cTn id="9" dur="1000" fill="hold"/>
+                                        <p:tgtEl>
+                                          <p:spTgt spid="5">
+                                            <p:txEl>
+                                              <p:pRg st="0" end="0"/>
+                                            </p:txEl>
+                                          </p:spTgt>
+                                        </p:tgtEl>
+                                        <p:attrNameLst>
+                                          <p:attrName>ppt_y</p:attrName>
+                                        </p:attrNameLst>
+                                      </p:cBhvr>
+                                      <p:tavLst>
+                                        <p:tav tm="0">
+                                          <p:val>
+                                            <p:strVal val="#ppt_y+.1"/>
+                                          </p:val>
+                                        </p:tav>
+                                        <p:tav tm="100000">
+                                          <p:val>
+                                            <p:strVal val="#ppt_y"/>
+                                          </p:val>
+                                        </p:tav>
+                                      </p:tavLst>
+                                    </p:anim>
+                                  </p:childTnLst>
+                                </p:cTn>
+                              </p:par>
+                            </p:childTnLst>
+                          </p:cTn>
+                        </p:par>
+                      </p:childTnLst>
+                    </p:cTn>
+                  </p:par>
+                  <p:par>
+                    <p:cTn id="10" fill="hold">
+                      <p:stCondLst>
+                        <p:cond delay="indefinite"/>
+                      </p:stCondLst>
+                      <p:childTnLst>
+                        <p:par>
+                          <p:cTn id="11" fill="hold">
+                            <p:stCondLst>
+                              <p:cond delay="0"/>
+                            </p:stCondLst>
+                            <p:childTnLst>
+                              <p:par>
+                                <p:cTn id="12" presetID="42" presetClass="entr" presetSubtype="0" fill="hold" nodeType="clickEffect">
+                                  <p:stCondLst>
+                                    <p:cond delay="0"/>
+                                  </p:stCondLst>
+                                  <p:childTnLst>
+                                    <p:set>
+                                      <p:cBhvr>
+                                        <p:cTn id="13" dur="1" fill="hold">
+                                          <p:stCondLst>
+                                            <p:cond delay="0"/>
+                                          </p:stCondLst>
+                                        </p:cTn>
+                                        <p:tgtEl>
+                                          <p:spTgt spid="5">
+                                            <p:txEl>
+                                              <p:pRg st="1" end="1"/>
+                                            </p:txEl>
+                                          </p:spTgt>
+                                        </p:tgtEl>
+                                        <p:attrNameLst>
+                                          <p:attrName>style.visibility</p:attrName>
+                                        </p:attrNameLst>
+                                      </p:cBhvr>
+                                      <p:to>
+                                        <p:strVal val="visible"/>
+                                      </p:to>
+                                    </p:set>
+                                    <p:animEffect transition="in" filter="fade">
+                                      <p:cBhvr>
+                                        <p:cTn id="14" dur="1000"/>
+                                        <p:tgtEl>
+                                          <p:spTgt spid="5">
+                                            <p:txEl>
+                                              <p:pRg st="1" end="1"/>
+                                            </p:txEl>
+                                          </p:spTgt>
+                                        </p:tgtEl>
+                                      </p:cBhvr>
+                                    </p:animEffect>
+                                    <p:anim calcmode="lin" valueType="num">
+                                      <p:cBhvr>
+                                        <p:cTn id="15" dur="1000" fill="hold"/>
+                                        <p:tgtEl>
+                                          <p:spTgt spid="5">
+                                            <p:txEl>
+                                              <p:pRg st="1" end="1"/>
+                                            </p:txEl>
+                                          </p:spTgt>
+                                        </p:tgtEl>
+                                        <p:attrNameLst>
+                                          <p:attrName>ppt_x</p:attrName>
+                                        </p:attrNameLst>
+                                      </p:cBhvr>
+                                      <p:tavLst>
+                                        <p:tav tm="0">
+                                          <p:val>
+                                            <p:strVal val="#ppt_x"/>
+                                          </p:val>
+                                        </p:tav>
+                                        <p:tav tm="100000">
+                                          <p:val>
+                                            <p:strVal val="#ppt_x"/>
+                                          </p:val>
+                                        </p:tav>
+                                      </p:tavLst>
+                                    </p:anim>
+                                    <p:anim calcmode="lin" valueType="num">
+                                      <p:cBhvr>
+                                        <p:cTn id="16" dur="1000" fill="hold"/>
+                                        <p:tgtEl>
+                                          <p:spTgt spid="5">
+                                            <p:txEl>
+                                              <p:pRg st="1" end="1"/>
+                                            </p:txEl>
+                                          </p:spTgt>
+                                        </p:tgtEl>
+                                        <p:attrNameLst>
+                                          <p:attrName>ppt_y</p:attrName>
+                                        </p:attrNameLst>
+                                      </p:cBhvr>
+                                      <p:tavLst>
+                                        <p:tav tm="0">
+                                          <p:val>
+                                            <p:strVal val="#ppt_y+.1"/>
+                                          </p:val>
+                                        </p:tav>
+                                        <p:tav tm="100000">
+                                          <p:val>
+                                            <p:strVal val="#ppt_y"/>
+                                          </p:val>
+                                        </p:tav>
+                                      </p:tavLst>
+                                    </p:anim>
+                                  </p:childTnLst>
+                                </p:cTn>
+                              </p:par>
+                            </p:childTnLst>
+                          </p:cTn>
+                        </p:par>
+                      </p:childTnLst>
+                    </p:cTn>
+                  </p:par>
+                  <p:par>
+                    <p:cTn id="17" fill="hold">
+                      <p:stCondLst>
+                        <p:cond delay="indefinite"/>
+                      </p:stCondLst>
+                      <p:childTnLst>
+                        <p:par>
+                          <p:cTn id="18" fill="hold">
+                            <p:stCondLst>
+                              <p:cond delay="0"/>
+                            </p:stCondLst>
+                            <p:childTnLst>
+                              <p:par>
+                                <p:cTn id="19" presetID="14" presetClass="entr" presetSubtype="10" fill="hold" nodeType="clickEffect">
+                                  <p:stCondLst>
+                                    <p:cond delay="0"/>
+                                  </p:stCondLst>
+                                  <p:childTnLst>
+                                    <p:set>
+                                      <p:cBhvr>
+                                        <p:cTn id="20" dur="1" fill="hold">
+                                          <p:stCondLst>
+                                            <p:cond delay="0"/>
+                                          </p:stCondLst>
+                                        </p:cTn>
+                                        <p:tgtEl>
+                                          <p:spTgt spid="7"/>
+                                        </p:tgtEl>
+                                        <p:attrNameLst>
+                                          <p:attrName>style.visibility</p:attrName>
+                                        </p:attrNameLst>
+                                      </p:cBhvr>
+                                      <p:to>
+                                        <p:strVal val="visible"/>
+                                      </p:to>
+                                    </p:set>
+                                    <p:animEffect transition="in" filter="randombar(horizontal)">
+                                      <p:cBhvr>
+                                        <p:cTn id="21" dur="500"/>
+                                        <p:tgtEl>
+                                          <p:spTgt spid="7"/>
+                                        </p:tgtEl>
+                                      </p:cBhvr>
+                                    </p:animEffect>
+                                  </p:childTnLst>
+                                </p:cTn>
+                              </p:par>
+                            </p:childTnLst>
+                          </p:cTn>
+                        </p:par>
+                      </p:childTnLst>
+                    </p:cTn>
+                  </p:par>
+                </p:childTnLst>
+              </p:cTn>
+              <p:prevCondLst>
+                <p:cond evt="onPrev" delay="0">
+                  <p:tgtEl>
+                    <p:sldTgt/>
+                  </p:tgtEl>
+                </p:cond>
+              </p:prevCondLst>
+              <p:nextCondLst>
+                <p:cond evt="onNext" delay="0">
+                  <p:tgtEl>
+                    <p:sldTgt/>
+                  </p:tgtEl>
+                </p:cond>
+              </p:nextCondLst>
+            </p:seq>
+          </p:childTnLst>
+        </p:cTn>
+      </p:par>
+    </p:tnLst>
+  </p:timing>
+</p:sld>
+</file>
+
+<file path=ppt/slides/slide42.xml><?xml version="1.0" encoding="utf-8"?>
+<p:sld xmlns:a="http://schemas.openxmlformats.org/drawingml/2006/main" xmlns:r="http://schemas.openxmlformats.org/officeDocument/2006/relationships" xmlns:p="http://schemas.openxmlformats.org/presentationml/2006/main">
+  <p:cSld>
+    <p:spTree>
+      <p:nvGrpSpPr>
+        <p:cNvPr id="1" name=""/>
+        <p:cNvGrpSpPr/>
+        <p:nvPr/>
+      </p:nvGrpSpPr>
+      <p:grpSpPr>
+        <a:xfrm>
+          <a:off x="0" y="0"/>
+          <a:ext cx="0" cy="0"/>
+          <a:chOff x="0" y="0"/>
+          <a:chExt cx="0" cy="0"/>
+        </a:xfrm>
+      </p:grpSpPr>
+      <p:sp>
+        <p:nvSpPr>
+          <p:cNvPr id="2" name="Title 1"/>
+          <p:cNvSpPr>
+            <a:spLocks noGrp="1"/>
+          </p:cNvSpPr>
+          <p:nvPr>
+            <p:ph type="title"/>
+          </p:nvPr>
+        </p:nvSpPr>
+        <p:spPr/>
+        <p:txBody>
+          <a:bodyPr anchor="ctr"/>
+          <a:lstStyle/>
+          <a:p>
+            <a:pPr algn="ctr"/>
+            <a:r>
+              <a:rPr lang="en-US" b="1" dirty="0" smtClean="0">
+                <a:latin typeface="Google Sans"/>
+              </a:rPr>
+              <a:t>String – length property</a:t>
+            </a:r>
+            <a:endParaRPr lang="en-US" b="1" dirty="0">
+              <a:latin typeface="Google Sans"/>
+            </a:endParaRPr>
+          </a:p>
+        </p:txBody>
+      </p:sp>
+      <p:sp>
+        <p:nvSpPr>
+          <p:cNvPr id="5" name="TextBox 4"/>
+          <p:cNvSpPr txBox="1"/>
+          <p:nvPr/>
+        </p:nvSpPr>
+        <p:spPr>
+          <a:xfrm>
+            <a:off x="439615" y="2048608"/>
+            <a:ext cx="11271739" cy="1015663"/>
+          </a:xfrm>
+          <a:prstGeom prst="rect">
+            <a:avLst/>
+          </a:prstGeom>
+          <a:noFill/>
+        </p:spPr>
+        <p:txBody>
+          <a:bodyPr wrap="square" rtlCol="0">
+            <a:spAutoFit/>
+          </a:bodyPr>
+          <a:lstStyle/>
+          <a:p>
+            <a:pPr marL="342900" indent="-342900">
+              <a:lnSpc>
+                <a:spcPct val="150000"/>
+              </a:lnSpc>
+              <a:buFont typeface="Wingdings" panose="05000000000000000000" pitchFamily="2" charset="2"/>
+              <a:buChar char="Ø"/>
+            </a:pPr>
+            <a:r>
+              <a:rPr lang="en-US" sz="2000" b="1" u="sng" dirty="0" smtClean="0">
+                <a:latin typeface="Google Sans"/>
+              </a:rPr>
+              <a:t>length</a:t>
+            </a:r>
+            <a:r>
+              <a:rPr lang="en-US" sz="2000" dirty="0" smtClean="0">
+                <a:latin typeface="Google Sans"/>
+              </a:rPr>
+              <a:t>: The </a:t>
+            </a:r>
+            <a:r>
+              <a:rPr lang="en-US" sz="2000" i="1" dirty="0" smtClean="0">
+                <a:solidFill>
+                  <a:srgbClr val="FF0000"/>
+                </a:solidFill>
+                <a:latin typeface="Google Sans"/>
+              </a:rPr>
+              <a:t>length </a:t>
+            </a:r>
+            <a:r>
+              <a:rPr lang="en-US" sz="2000" dirty="0" smtClean="0">
+                <a:latin typeface="Google Sans"/>
+              </a:rPr>
+              <a:t>property is used to determine the number of characters in a string.</a:t>
+            </a:r>
+          </a:p>
+          <a:p>
+            <a:pPr marL="342900" indent="-342900">
+              <a:lnSpc>
+                <a:spcPct val="150000"/>
+              </a:lnSpc>
+              <a:buFont typeface="Wingdings" panose="05000000000000000000" pitchFamily="2" charset="2"/>
+              <a:buChar char="Ø"/>
+            </a:pPr>
+            <a:r>
+              <a:rPr lang="en-US" sz="2000" dirty="0" smtClean="0">
+                <a:latin typeface="Google Sans"/>
+              </a:rPr>
+              <a:t>It includes spaces, special characters, alphabets, etc.</a:t>
+            </a:r>
+          </a:p>
+        </p:txBody>
+      </p:sp>
+      <p:pic>
+        <p:nvPicPr>
+          <p:cNvPr id="3" name="Picture 2"/>
+          <p:cNvPicPr>
+            <a:picLocks noChangeAspect="1"/>
+          </p:cNvPicPr>
+          <p:nvPr/>
+        </p:nvPicPr>
+        <p:blipFill>
+          <a:blip r:embed="rId2"/>
+          <a:stretch>
+            <a:fillRect/>
+          </a:stretch>
+        </p:blipFill>
+        <p:spPr>
+          <a:xfrm>
+            <a:off x="3489085" y="3786405"/>
+            <a:ext cx="5172797" cy="2133898"/>
+          </a:xfrm>
+          <a:prstGeom prst="rect">
+            <a:avLst/>
+          </a:prstGeom>
+        </p:spPr>
+      </p:pic>
+    </p:spTree>
+    <p:extLst>
+      <p:ext uri="{BB962C8B-B14F-4D97-AF65-F5344CB8AC3E}">
+        <p14:creationId xmlns:p14="http://schemas.microsoft.com/office/powerpoint/2010/main" val="3694994593"/>
+      </p:ext>
+    </p:extLst>
+  </p:cSld>
+  <p:clrMapOvr>
+    <a:masterClrMapping/>
+  </p:clrMapOvr>
+  <p:timing>
+    <p:tnLst>
+      <p:par>
+        <p:cTn id="1" dur="indefinite" restart="never" nodeType="tmRoot">
+          <p:childTnLst>
+            <p:seq concurrent="1" nextAc="seek">
+              <p:cTn id="2" dur="indefinite" nodeType="mainSeq">
+                <p:childTnLst>
+                  <p:par>
+                    <p:cTn id="3" fill="hold">
+                      <p:stCondLst>
+                        <p:cond delay="indefinite"/>
+                      </p:stCondLst>
+                      <p:childTnLst>
+                        <p:par>
+                          <p:cTn id="4" fill="hold">
+                            <p:stCondLst>
+                              <p:cond delay="0"/>
+                            </p:stCondLst>
+                            <p:childTnLst>
+                              <p:par>
+                                <p:cTn id="5" presetID="42" presetClass="entr" presetSubtype="0" fill="hold" nodeType="clickEffect">
+                                  <p:stCondLst>
+                                    <p:cond delay="0"/>
+                                  </p:stCondLst>
+                                  <p:childTnLst>
+                                    <p:set>
+                                      <p:cBhvr>
+                                        <p:cTn id="6" dur="1" fill="hold">
+                                          <p:stCondLst>
+                                            <p:cond delay="0"/>
+                                          </p:stCondLst>
+                                        </p:cTn>
+                                        <p:tgtEl>
+                                          <p:spTgt spid="5">
+                                            <p:txEl>
+                                              <p:pRg st="0" end="0"/>
+                                            </p:txEl>
+                                          </p:spTgt>
+                                        </p:tgtEl>
+                                        <p:attrNameLst>
+                                          <p:attrName>style.visibility</p:attrName>
+                                        </p:attrNameLst>
+                                      </p:cBhvr>
+                                      <p:to>
+                                        <p:strVal val="visible"/>
+                                      </p:to>
+                                    </p:set>
+                                    <p:animEffect transition="in" filter="fade">
+                                      <p:cBhvr>
+                                        <p:cTn id="7" dur="1000"/>
+                                        <p:tgtEl>
+                                          <p:spTgt spid="5">
+                                            <p:txEl>
+                                              <p:pRg st="0" end="0"/>
+                                            </p:txEl>
+                                          </p:spTgt>
+                                        </p:tgtEl>
+                                      </p:cBhvr>
+                                    </p:animEffect>
+                                    <p:anim calcmode="lin" valueType="num">
+                                      <p:cBhvr>
+                                        <p:cTn id="8" dur="1000" fill="hold"/>
+                                        <p:tgtEl>
+                                          <p:spTgt spid="5">
+                                            <p:txEl>
+                                              <p:pRg st="0" end="0"/>
+                                            </p:txEl>
+                                          </p:spTgt>
+                                        </p:tgtEl>
+                                        <p:attrNameLst>
+                                          <p:attrName>ppt_x</p:attrName>
+                                        </p:attrNameLst>
+                                      </p:cBhvr>
+                                      <p:tavLst>
+                                        <p:tav tm="0">
+                                          <p:val>
+                                            <p:strVal val="#ppt_x"/>
+                                          </p:val>
+                                        </p:tav>
+                                        <p:tav tm="100000">
+                                          <p:val>
+                                            <p:strVal val="#ppt_x"/>
+                                          </p:val>
+                                        </p:tav>
+                                      </p:tavLst>
+                                    </p:anim>
+                                    <p:anim calcmode="lin" valueType="num">
+                                      <p:cBhvr>
+                                        <p:cTn id="9" dur="1000" fill="hold"/>
+                                        <p:tgtEl>
+                                          <p:spTgt spid="5">
+                                            <p:txEl>
+                                              <p:pRg st="0" end="0"/>
+                                            </p:txEl>
+                                          </p:spTgt>
+                                        </p:tgtEl>
+                                        <p:attrNameLst>
+                                          <p:attrName>ppt_y</p:attrName>
+                                        </p:attrNameLst>
+                                      </p:cBhvr>
+                                      <p:tavLst>
+                                        <p:tav tm="0">
+                                          <p:val>
+                                            <p:strVal val="#ppt_y+.1"/>
+                                          </p:val>
+                                        </p:tav>
+                                        <p:tav tm="100000">
+                                          <p:val>
+                                            <p:strVal val="#ppt_y"/>
+                                          </p:val>
+                                        </p:tav>
+                                      </p:tavLst>
+                                    </p:anim>
+                                  </p:childTnLst>
+                                </p:cTn>
+                              </p:par>
+                            </p:childTnLst>
+                          </p:cTn>
+                        </p:par>
+                      </p:childTnLst>
+                    </p:cTn>
+                  </p:par>
+                  <p:par>
+                    <p:cTn id="10" fill="hold">
+                      <p:stCondLst>
+                        <p:cond delay="indefinite"/>
+                      </p:stCondLst>
+                      <p:childTnLst>
+                        <p:par>
+                          <p:cTn id="11" fill="hold">
+                            <p:stCondLst>
+                              <p:cond delay="0"/>
+                            </p:stCondLst>
+                            <p:childTnLst>
+                              <p:par>
+                                <p:cTn id="12" presetID="42" presetClass="entr" presetSubtype="0" fill="hold" nodeType="clickEffect">
+                                  <p:stCondLst>
+                                    <p:cond delay="0"/>
+                                  </p:stCondLst>
+                                  <p:childTnLst>
+                                    <p:set>
+                                      <p:cBhvr>
+                                        <p:cTn id="13" dur="1" fill="hold">
+                                          <p:stCondLst>
+                                            <p:cond delay="0"/>
+                                          </p:stCondLst>
+                                        </p:cTn>
+                                        <p:tgtEl>
+                                          <p:spTgt spid="5">
+                                            <p:txEl>
+                                              <p:pRg st="1" end="1"/>
+                                            </p:txEl>
+                                          </p:spTgt>
+                                        </p:tgtEl>
+                                        <p:attrNameLst>
+                                          <p:attrName>style.visibility</p:attrName>
+                                        </p:attrNameLst>
+                                      </p:cBhvr>
+                                      <p:to>
+                                        <p:strVal val="visible"/>
+                                      </p:to>
+                                    </p:set>
+                                    <p:animEffect transition="in" filter="fade">
+                                      <p:cBhvr>
+                                        <p:cTn id="14" dur="1000"/>
+                                        <p:tgtEl>
+                                          <p:spTgt spid="5">
+                                            <p:txEl>
+                                              <p:pRg st="1" end="1"/>
+                                            </p:txEl>
+                                          </p:spTgt>
+                                        </p:tgtEl>
+                                      </p:cBhvr>
+                                    </p:animEffect>
+                                    <p:anim calcmode="lin" valueType="num">
+                                      <p:cBhvr>
+                                        <p:cTn id="15" dur="1000" fill="hold"/>
+                                        <p:tgtEl>
+                                          <p:spTgt spid="5">
+                                            <p:txEl>
+                                              <p:pRg st="1" end="1"/>
+                                            </p:txEl>
+                                          </p:spTgt>
+                                        </p:tgtEl>
+                                        <p:attrNameLst>
+                                          <p:attrName>ppt_x</p:attrName>
+                                        </p:attrNameLst>
+                                      </p:cBhvr>
+                                      <p:tavLst>
+                                        <p:tav tm="0">
+                                          <p:val>
+                                            <p:strVal val="#ppt_x"/>
+                                          </p:val>
+                                        </p:tav>
+                                        <p:tav tm="100000">
+                                          <p:val>
+                                            <p:strVal val="#ppt_x"/>
+                                          </p:val>
+                                        </p:tav>
+                                      </p:tavLst>
+                                    </p:anim>
+                                    <p:anim calcmode="lin" valueType="num">
+                                      <p:cBhvr>
+                                        <p:cTn id="16" dur="1000" fill="hold"/>
+                                        <p:tgtEl>
+                                          <p:spTgt spid="5">
+                                            <p:txEl>
+                                              <p:pRg st="1" end="1"/>
+                                            </p:txEl>
+                                          </p:spTgt>
+                                        </p:tgtEl>
+                                        <p:attrNameLst>
+                                          <p:attrName>ppt_y</p:attrName>
+                                        </p:attrNameLst>
+                                      </p:cBhvr>
+                                      <p:tavLst>
+                                        <p:tav tm="0">
+                                          <p:val>
+                                            <p:strVal val="#ppt_y+.1"/>
+                                          </p:val>
+                                        </p:tav>
+                                        <p:tav tm="100000">
+                                          <p:val>
+                                            <p:strVal val="#ppt_y"/>
+                                          </p:val>
+                                        </p:tav>
+                                      </p:tavLst>
+                                    </p:anim>
+                                  </p:childTnLst>
+                                </p:cTn>
+                              </p:par>
+                            </p:childTnLst>
+                          </p:cTn>
+                        </p:par>
+                      </p:childTnLst>
+                    </p:cTn>
+                  </p:par>
+                  <p:par>
+                    <p:cTn id="17" fill="hold">
+                      <p:stCondLst>
+                        <p:cond delay="indefinite"/>
+                      </p:stCondLst>
+                      <p:childTnLst>
+                        <p:par>
+                          <p:cTn id="18" fill="hold">
+                            <p:stCondLst>
+                              <p:cond delay="0"/>
+                            </p:stCondLst>
+                            <p:childTnLst>
+                              <p:par>
+                                <p:cTn id="19" presetID="14" presetClass="entr" presetSubtype="10" fill="hold" nodeType="clickEffect">
+                                  <p:stCondLst>
+                                    <p:cond delay="0"/>
+                                  </p:stCondLst>
+                                  <p:childTnLst>
+                                    <p:set>
+                                      <p:cBhvr>
+                                        <p:cTn id="20" dur="1" fill="hold">
+                                          <p:stCondLst>
+                                            <p:cond delay="0"/>
+                                          </p:stCondLst>
+                                        </p:cTn>
+                                        <p:tgtEl>
+                                          <p:spTgt spid="3"/>
+                                        </p:tgtEl>
+                                        <p:attrNameLst>
+                                          <p:attrName>style.visibility</p:attrName>
+                                        </p:attrNameLst>
+                                      </p:cBhvr>
+                                      <p:to>
+                                        <p:strVal val="visible"/>
+                                      </p:to>
+                                    </p:set>
+                                    <p:animEffect transition="in" filter="randombar(horizontal)">
+                                      <p:cBhvr>
+                                        <p:cTn id="21" dur="500"/>
+                                        <p:tgtEl>
+                                          <p:spTgt spid="3"/>
+                                        </p:tgtEl>
+                                      </p:cBhvr>
+                                    </p:animEffect>
+                                  </p:childTnLst>
+                                </p:cTn>
+                              </p:par>
+                            </p:childTnLst>
+                          </p:cTn>
+                        </p:par>
+                      </p:childTnLst>
+                    </p:cTn>
+                  </p:par>
+                </p:childTnLst>
+              </p:cTn>
+              <p:prevCondLst>
+                <p:cond evt="onPrev" delay="0">
+                  <p:tgtEl>
+                    <p:sldTgt/>
+                  </p:tgtEl>
+                </p:cond>
+              </p:prevCondLst>
+              <p:nextCondLst>
+                <p:cond evt="onNext" delay="0">
+                  <p:tgtEl>
+                    <p:sldTgt/>
+                  </p:tgtEl>
+                </p:cond>
+              </p:nextCondLst>
+            </p:seq>
+          </p:childTnLst>
+        </p:cTn>
+      </p:par>
+    </p:tnLst>
+  </p:timing>
+</p:sld>
+</file>
+
+<file path=ppt/slides/slide43.xml><?xml version="1.0" encoding="utf-8"?>
+<p:sld xmlns:a="http://schemas.openxmlformats.org/drawingml/2006/main" xmlns:r="http://schemas.openxmlformats.org/officeDocument/2006/relationships" xmlns:p="http://schemas.openxmlformats.org/presentationml/2006/main">
+  <p:cSld>
+    <p:spTree>
+      <p:nvGrpSpPr>
+        <p:cNvPr id="1" name=""/>
+        <p:cNvGrpSpPr/>
+        <p:nvPr/>
+      </p:nvGrpSpPr>
+      <p:grpSpPr>
+        <a:xfrm>
+          <a:off x="0" y="0"/>
+          <a:ext cx="0" cy="0"/>
+          <a:chOff x="0" y="0"/>
+          <a:chExt cx="0" cy="0"/>
+        </a:xfrm>
+      </p:grpSpPr>
+      <p:sp>
+        <p:nvSpPr>
+          <p:cNvPr id="2" name="Title 1"/>
+          <p:cNvSpPr>
+            <a:spLocks noGrp="1"/>
+          </p:cNvSpPr>
+          <p:nvPr>
+            <p:ph type="title"/>
+          </p:nvPr>
+        </p:nvSpPr>
+        <p:spPr/>
+        <p:txBody>
+          <a:bodyPr anchor="ctr"/>
+          <a:lstStyle/>
+          <a:p>
+            <a:pPr algn="ctr"/>
+            <a:r>
+              <a:rPr lang="en-US" b="1" dirty="0" smtClean="0">
+                <a:latin typeface="Google Sans"/>
+              </a:rPr>
+              <a:t>String Methods in javascript</a:t>
+            </a:r>
+            <a:endParaRPr lang="en-US" b="1" dirty="0">
+              <a:latin typeface="Google Sans"/>
+            </a:endParaRPr>
+          </a:p>
+        </p:txBody>
+      </p:sp>
+      <p:pic>
+        <p:nvPicPr>
+          <p:cNvPr id="6" name="Picture 5"/>
+          <p:cNvPicPr>
+            <a:picLocks noChangeAspect="1"/>
+          </p:cNvPicPr>
+          <p:nvPr/>
+        </p:nvPicPr>
+        <p:blipFill>
+          <a:blip r:embed="rId2"/>
+          <a:stretch>
+            <a:fillRect/>
+          </a:stretch>
+        </p:blipFill>
+        <p:spPr>
+          <a:xfrm>
+            <a:off x="2237173" y="1932134"/>
+            <a:ext cx="7717654" cy="4714850"/>
+          </a:xfrm>
+          <a:prstGeom prst="rect">
+            <a:avLst/>
+          </a:prstGeom>
+        </p:spPr>
+      </p:pic>
+    </p:spTree>
+    <p:extLst>
+      <p:ext uri="{BB962C8B-B14F-4D97-AF65-F5344CB8AC3E}">
+        <p14:creationId xmlns:p14="http://schemas.microsoft.com/office/powerpoint/2010/main" val="1945100631"/>
+      </p:ext>
+    </p:extLst>
+  </p:cSld>
+  <p:clrMapOvr>
+    <a:masterClrMapping/>
+  </p:clrMapOvr>
+  <p:timing>
+    <p:tnLst>
+      <p:par>
+        <p:cTn id="1" dur="indefinite" restart="never" nodeType="tmRoot">
+          <p:childTnLst>
+            <p:seq concurrent="1" nextAc="seek">
+              <p:cTn id="2" dur="indefinite" nodeType="mainSeq">
+                <p:childTnLst>
+                  <p:par>
+                    <p:cTn id="3" fill="hold">
+                      <p:stCondLst>
+                        <p:cond delay="indefinite"/>
+                      </p:stCondLst>
+                      <p:childTnLst>
+                        <p:par>
+                          <p:cTn id="4" fill="hold">
+                            <p:stCondLst>
+                              <p:cond delay="0"/>
+                            </p:stCondLst>
+                            <p:childTnLst>
+                              <p:par>
+                                <p:cTn id="5" presetID="14" presetClass="entr" presetSubtype="10" fill="hold" nodeType="clickEffect">
+                                  <p:stCondLst>
+                                    <p:cond delay="0"/>
+                                  </p:stCondLst>
+                                  <p:childTnLst>
+                                    <p:set>
+                                      <p:cBhvr>
+                                        <p:cTn id="6" dur="1" fill="hold">
+                                          <p:stCondLst>
+                                            <p:cond delay="0"/>
+                                          </p:stCondLst>
+                                        </p:cTn>
+                                        <p:tgtEl>
+                                          <p:spTgt spid="6"/>
+                                        </p:tgtEl>
+                                        <p:attrNameLst>
+                                          <p:attrName>style.visibility</p:attrName>
+                                        </p:attrNameLst>
+                                      </p:cBhvr>
+                                      <p:to>
+                                        <p:strVal val="visible"/>
+                                      </p:to>
+                                    </p:set>
+                                    <p:animEffect transition="in" filter="randombar(horizontal)">
+                                      <p:cBhvr>
+                                        <p:cTn id="7" dur="500"/>
+                                        <p:tgtEl>
+                                          <p:spTgt spid="6"/>
+                                        </p:tgtEl>
+                                      </p:cBhvr>
+                                    </p:animEffect>
+                                  </p:childTnLst>
+                                </p:cTn>
+                              </p:par>
+                            </p:childTnLst>
+                          </p:cTn>
+                        </p:par>
+                      </p:childTnLst>
+                    </p:cTn>
+                  </p:par>
+                </p:childTnLst>
+              </p:cTn>
+              <p:prevCondLst>
+                <p:cond evt="onPrev" delay="0">
+                  <p:tgtEl>
+                    <p:sldTgt/>
+                  </p:tgtEl>
+                </p:cond>
+              </p:prevCondLst>
+              <p:nextCondLst>
+                <p:cond evt="onNext" delay="0">
+                  <p:tgtEl>
+                    <p:sldTgt/>
+                  </p:tgtEl>
+                </p:cond>
+              </p:nextCondLst>
+            </p:seq>
+          </p:childTnLst>
+        </p:cTn>
+      </p:par>
+    </p:tnLst>
+  </p:timing>
+</p:sld>
+</file>
+
+<file path=ppt/slides/slide44.xml><?xml version="1.0" encoding="utf-8"?>
+<p:sld xmlns:a="http://schemas.openxmlformats.org/drawingml/2006/main" xmlns:r="http://schemas.openxmlformats.org/officeDocument/2006/relationships" xmlns:p="http://schemas.openxmlformats.org/presentationml/2006/main">
+  <p:cSld>
+    <p:spTree>
+      <p:nvGrpSpPr>
+        <p:cNvPr id="1" name=""/>
+        <p:cNvGrpSpPr/>
+        <p:nvPr/>
+      </p:nvGrpSpPr>
+      <p:grpSpPr>
+        <a:xfrm>
+          <a:off x="0" y="0"/>
+          <a:ext cx="0" cy="0"/>
+          <a:chOff x="0" y="0"/>
+          <a:chExt cx="0" cy="0"/>
+        </a:xfrm>
+      </p:grpSpPr>
+      <p:sp>
+        <p:nvSpPr>
+          <p:cNvPr id="2" name="Title 1"/>
+          <p:cNvSpPr>
+            <a:spLocks noGrp="1"/>
+          </p:cNvSpPr>
+          <p:nvPr>
+            <p:ph type="title"/>
+          </p:nvPr>
+        </p:nvSpPr>
+        <p:spPr/>
+        <p:txBody>
+          <a:bodyPr anchor="ctr"/>
+          <a:lstStyle/>
+          <a:p>
+            <a:pPr algn="ctr"/>
+            <a:r>
+              <a:rPr lang="en-US" b="1" dirty="0" smtClean="0">
+                <a:latin typeface="Google Sans"/>
+              </a:rPr>
+              <a:t>String Methods in javascript</a:t>
+            </a:r>
+            <a:endParaRPr lang="en-US" b="1" dirty="0">
+              <a:latin typeface="Google Sans"/>
+            </a:endParaRPr>
+          </a:p>
+        </p:txBody>
+      </p:sp>
+      <p:sp>
+        <p:nvSpPr>
+          <p:cNvPr id="4" name="TextBox 3"/>
+          <p:cNvSpPr txBox="1"/>
+          <p:nvPr/>
+        </p:nvSpPr>
+        <p:spPr>
+          <a:xfrm>
+            <a:off x="460130" y="1837593"/>
+            <a:ext cx="11271739" cy="4616648"/>
+          </a:xfrm>
+          <a:prstGeom prst="rect">
+            <a:avLst/>
+          </a:prstGeom>
+          <a:noFill/>
+        </p:spPr>
+        <p:txBody>
+          <a:bodyPr wrap="square" rtlCol="0">
+            <a:spAutoFit/>
+          </a:bodyPr>
+          <a:lstStyle/>
+          <a:p>
+            <a:pPr marL="457200" indent="-457200">
+              <a:lnSpc>
+                <a:spcPct val="150000"/>
+              </a:lnSpc>
+              <a:buFont typeface="+mj-lt"/>
+              <a:buAutoNum type="arabicPeriod"/>
+            </a:pPr>
+            <a:r>
+              <a:rPr lang="en-US" sz="1900" b="1" dirty="0" err="1" smtClean="0">
+                <a:latin typeface="Google Sans"/>
+              </a:rPr>
+              <a:t>toUpperCase</a:t>
+            </a:r>
+            <a:r>
+              <a:rPr lang="en-US" sz="1900" b="1" dirty="0" smtClean="0">
+                <a:latin typeface="Google Sans"/>
+              </a:rPr>
+              <a:t>()</a:t>
+            </a:r>
+            <a:r>
+              <a:rPr lang="en-US" sz="1900" dirty="0" smtClean="0">
+                <a:latin typeface="Google Sans"/>
+              </a:rPr>
+              <a:t>: </a:t>
+            </a:r>
+            <a:r>
+              <a:rPr lang="en-US" sz="2000" dirty="0"/>
+              <a:t>Converts a string to uppercase</a:t>
+            </a:r>
+            <a:r>
+              <a:rPr lang="en-US" sz="2000" dirty="0" smtClean="0"/>
+              <a:t>.</a:t>
+            </a:r>
+          </a:p>
+          <a:p>
+            <a:pPr lvl="1">
+              <a:lnSpc>
+                <a:spcPct val="150000"/>
+              </a:lnSpc>
+            </a:pPr>
+            <a:r>
+              <a:rPr lang="en-US" sz="1900" u="sng" dirty="0" smtClean="0">
+                <a:solidFill>
+                  <a:srgbClr val="FF0000"/>
+                </a:solidFill>
+                <a:latin typeface="Google Sans"/>
+              </a:rPr>
+              <a:t>Syntax</a:t>
+            </a:r>
+            <a:r>
+              <a:rPr lang="en-US" sz="1900" dirty="0" smtClean="0">
+                <a:solidFill>
+                  <a:srgbClr val="FF0000"/>
+                </a:solidFill>
+                <a:latin typeface="Google Sans"/>
+              </a:rPr>
+              <a:t> -  </a:t>
+            </a:r>
+            <a:r>
+              <a:rPr lang="en-US" sz="1900" dirty="0" err="1" smtClean="0">
+                <a:latin typeface="Google Sans"/>
+              </a:rPr>
+              <a:t>string.</a:t>
+            </a:r>
+            <a:r>
+              <a:rPr lang="en-US" sz="1900" dirty="0" err="1" smtClean="0">
+                <a:solidFill>
+                  <a:srgbClr val="0070C0"/>
+                </a:solidFill>
+                <a:latin typeface="Google Sans"/>
+              </a:rPr>
+              <a:t>toUpperCase</a:t>
+            </a:r>
+            <a:r>
+              <a:rPr lang="en-US" sz="1900" dirty="0" smtClean="0">
+                <a:solidFill>
+                  <a:srgbClr val="0070C0"/>
+                </a:solidFill>
+                <a:latin typeface="Google Sans"/>
+              </a:rPr>
+              <a:t>()</a:t>
+            </a:r>
+            <a:r>
+              <a:rPr lang="en-US" sz="1900" dirty="0" smtClean="0">
+                <a:latin typeface="Google Sans"/>
+              </a:rPr>
+              <a:t>;</a:t>
+            </a:r>
+            <a:endParaRPr lang="en-US" sz="1900" dirty="0" smtClean="0">
+              <a:solidFill>
+                <a:srgbClr val="FF0000"/>
+              </a:solidFill>
+              <a:latin typeface="Google Sans"/>
+            </a:endParaRPr>
+          </a:p>
+          <a:p>
+            <a:pPr marL="457200" indent="-457200">
+              <a:lnSpc>
+                <a:spcPct val="150000"/>
+              </a:lnSpc>
+              <a:buFont typeface="+mj-lt"/>
+              <a:buAutoNum type="arabicPeriod"/>
+            </a:pPr>
+            <a:r>
+              <a:rPr lang="en-US" sz="1900" b="1" dirty="0" err="1" smtClean="0">
+                <a:latin typeface="Google Sans"/>
+              </a:rPr>
+              <a:t>toLowerCase</a:t>
+            </a:r>
+            <a:r>
+              <a:rPr lang="en-US" sz="1900" b="1" dirty="0" smtClean="0">
+                <a:latin typeface="Google Sans"/>
+              </a:rPr>
+              <a:t>(): </a:t>
+            </a:r>
+            <a:r>
+              <a:rPr lang="en-US" sz="2000" dirty="0"/>
+              <a:t>Converts a string to </a:t>
+            </a:r>
+            <a:r>
+              <a:rPr lang="en-US" sz="2000" dirty="0" smtClean="0"/>
+              <a:t>lowercase.</a:t>
+            </a:r>
+          </a:p>
+          <a:p>
+            <a:pPr lvl="1">
+              <a:lnSpc>
+                <a:spcPct val="150000"/>
+              </a:lnSpc>
+            </a:pPr>
+            <a:r>
+              <a:rPr lang="en-US" sz="1900" u="sng" dirty="0">
+                <a:solidFill>
+                  <a:srgbClr val="FF0000"/>
+                </a:solidFill>
+                <a:latin typeface="Google Sans"/>
+              </a:rPr>
+              <a:t>Syntax</a:t>
+            </a:r>
+            <a:r>
+              <a:rPr lang="en-US" sz="1900" dirty="0">
+                <a:solidFill>
+                  <a:srgbClr val="FF0000"/>
+                </a:solidFill>
+                <a:latin typeface="Google Sans"/>
+              </a:rPr>
+              <a:t> -  </a:t>
+            </a:r>
+            <a:r>
+              <a:rPr lang="en-US" sz="1900" dirty="0" err="1" smtClean="0">
+                <a:latin typeface="Google Sans"/>
+              </a:rPr>
+              <a:t>string.</a:t>
+            </a:r>
+            <a:r>
+              <a:rPr lang="en-US" sz="1900" dirty="0" err="1" smtClean="0">
+                <a:solidFill>
+                  <a:srgbClr val="0070C0"/>
+                </a:solidFill>
+                <a:latin typeface="Google Sans"/>
+              </a:rPr>
+              <a:t>toLowerCase</a:t>
+            </a:r>
+            <a:r>
+              <a:rPr lang="en-US" sz="1900" dirty="0" smtClean="0">
+                <a:solidFill>
+                  <a:srgbClr val="0070C0"/>
+                </a:solidFill>
+                <a:latin typeface="Google Sans"/>
+              </a:rPr>
+              <a:t>()</a:t>
+            </a:r>
+            <a:r>
+              <a:rPr lang="en-US" sz="1900" dirty="0" smtClean="0">
+                <a:latin typeface="Google Sans"/>
+              </a:rPr>
+              <a:t>;</a:t>
+            </a:r>
+            <a:endParaRPr lang="en-US" sz="1900" b="1" dirty="0" smtClean="0">
+              <a:latin typeface="Google Sans"/>
+            </a:endParaRPr>
+          </a:p>
+          <a:p>
+            <a:pPr marL="457200" indent="-457200">
+              <a:lnSpc>
+                <a:spcPct val="150000"/>
+              </a:lnSpc>
+              <a:buFont typeface="+mj-lt"/>
+              <a:buAutoNum type="arabicPeriod"/>
+            </a:pPr>
+            <a:r>
+              <a:rPr lang="en-US" sz="1900" b="1" dirty="0" smtClean="0">
+                <a:latin typeface="Google Sans"/>
+              </a:rPr>
+              <a:t>substring(): </a:t>
+            </a:r>
+            <a:r>
+              <a:rPr lang="en-US" sz="2000" dirty="0"/>
+              <a:t>Extracts a part of a string between two specified indexes</a:t>
+            </a:r>
+            <a:r>
+              <a:rPr lang="en-US" sz="2000" dirty="0" smtClean="0"/>
+              <a:t>.</a:t>
+            </a:r>
+          </a:p>
+          <a:p>
+            <a:pPr lvl="1">
+              <a:lnSpc>
+                <a:spcPct val="150000"/>
+              </a:lnSpc>
+            </a:pPr>
+            <a:r>
+              <a:rPr lang="en-US" sz="1900" u="sng" dirty="0">
+                <a:solidFill>
+                  <a:srgbClr val="FF0000"/>
+                </a:solidFill>
+                <a:latin typeface="Google Sans"/>
+              </a:rPr>
+              <a:t>Syntax</a:t>
+            </a:r>
+            <a:r>
+              <a:rPr lang="en-US" sz="1900" dirty="0">
+                <a:solidFill>
+                  <a:srgbClr val="FF0000"/>
+                </a:solidFill>
+                <a:latin typeface="Google Sans"/>
+              </a:rPr>
+              <a:t> -  </a:t>
+            </a:r>
+            <a:r>
+              <a:rPr lang="en-US" sz="1900" dirty="0" err="1" smtClean="0">
+                <a:latin typeface="Google Sans"/>
+              </a:rPr>
+              <a:t>string.</a:t>
+            </a:r>
+            <a:r>
+              <a:rPr lang="en-US" sz="1900" dirty="0" err="1" smtClean="0">
+                <a:solidFill>
+                  <a:srgbClr val="0070C0"/>
+                </a:solidFill>
+                <a:latin typeface="Google Sans"/>
+              </a:rPr>
+              <a:t>substring</a:t>
+            </a:r>
+            <a:r>
+              <a:rPr lang="en-US" sz="1900" dirty="0" smtClean="0">
+                <a:solidFill>
+                  <a:srgbClr val="0070C0"/>
+                </a:solidFill>
+                <a:latin typeface="Google Sans"/>
+              </a:rPr>
+              <a:t>(</a:t>
+            </a:r>
+            <a:r>
+              <a:rPr lang="en-US" sz="1900" dirty="0" err="1" smtClean="0">
+                <a:solidFill>
+                  <a:srgbClr val="00B050"/>
+                </a:solidFill>
+                <a:latin typeface="Google Sans"/>
+              </a:rPr>
+              <a:t>startIndex</a:t>
+            </a:r>
+            <a:r>
+              <a:rPr lang="en-US" sz="1900" dirty="0" smtClean="0">
+                <a:solidFill>
+                  <a:srgbClr val="0070C0"/>
+                </a:solidFill>
+                <a:latin typeface="Google Sans"/>
+              </a:rPr>
+              <a:t>, </a:t>
+            </a:r>
+            <a:r>
+              <a:rPr lang="en-US" sz="1900" dirty="0" err="1" smtClean="0">
+                <a:solidFill>
+                  <a:srgbClr val="00B050"/>
+                </a:solidFill>
+                <a:latin typeface="Google Sans"/>
+              </a:rPr>
+              <a:t>endIndex</a:t>
+            </a:r>
+            <a:r>
+              <a:rPr lang="en-US" sz="1900" dirty="0" smtClean="0">
+                <a:solidFill>
+                  <a:srgbClr val="0070C0"/>
+                </a:solidFill>
+                <a:latin typeface="Google Sans"/>
+              </a:rPr>
+              <a:t>)</a:t>
+            </a:r>
+            <a:r>
+              <a:rPr lang="en-US" sz="1900" dirty="0" smtClean="0">
+                <a:latin typeface="Google Sans"/>
+              </a:rPr>
+              <a:t>;</a:t>
+            </a:r>
+            <a:endParaRPr lang="en-US" sz="1900" b="1" dirty="0" smtClean="0">
+              <a:latin typeface="Google Sans"/>
+            </a:endParaRPr>
+          </a:p>
+          <a:p>
+            <a:pPr marL="457200" indent="-457200">
+              <a:lnSpc>
+                <a:spcPct val="150000"/>
+              </a:lnSpc>
+              <a:buFont typeface="+mj-lt"/>
+              <a:buAutoNum type="arabicPeriod"/>
+            </a:pPr>
+            <a:r>
+              <a:rPr lang="en-US" sz="1900" b="1" dirty="0" err="1" smtClean="0">
+                <a:latin typeface="Google Sans"/>
+              </a:rPr>
+              <a:t>concat</a:t>
+            </a:r>
+            <a:r>
+              <a:rPr lang="en-US" sz="1900" b="1" dirty="0" smtClean="0">
+                <a:latin typeface="Google Sans"/>
+              </a:rPr>
+              <a:t>(): </a:t>
+            </a:r>
+            <a:r>
+              <a:rPr lang="en-US" sz="2000" dirty="0"/>
+              <a:t>Concatenates one or more strings and returns a new </a:t>
+            </a:r>
+            <a:r>
+              <a:rPr lang="en-US" sz="2000" dirty="0" smtClean="0"/>
+              <a:t>string</a:t>
+            </a:r>
+          </a:p>
+          <a:p>
+            <a:pPr lvl="1">
+              <a:lnSpc>
+                <a:spcPct val="150000"/>
+              </a:lnSpc>
+            </a:pPr>
+            <a:r>
+              <a:rPr lang="en-US" sz="1900" u="sng" dirty="0">
+                <a:solidFill>
+                  <a:srgbClr val="FF0000"/>
+                </a:solidFill>
+                <a:latin typeface="Google Sans"/>
+              </a:rPr>
+              <a:t>Syntax</a:t>
+            </a:r>
+            <a:r>
+              <a:rPr lang="en-US" sz="1900" dirty="0">
+                <a:solidFill>
+                  <a:srgbClr val="FF0000"/>
+                </a:solidFill>
+                <a:latin typeface="Google Sans"/>
+              </a:rPr>
+              <a:t> -  </a:t>
+            </a:r>
+            <a:r>
+              <a:rPr lang="en-US" sz="1900" dirty="0" err="1" smtClean="0">
+                <a:latin typeface="Google Sans"/>
+              </a:rPr>
+              <a:t>string.</a:t>
+            </a:r>
+            <a:r>
+              <a:rPr lang="en-US" sz="1900" dirty="0" err="1" smtClean="0">
+                <a:solidFill>
+                  <a:srgbClr val="0070C0"/>
+                </a:solidFill>
+                <a:latin typeface="Google Sans"/>
+              </a:rPr>
+              <a:t>concat</a:t>
+            </a:r>
+            <a:r>
+              <a:rPr lang="en-US" sz="1900" dirty="0" smtClean="0">
+                <a:solidFill>
+                  <a:srgbClr val="0070C0"/>
+                </a:solidFill>
+                <a:latin typeface="Google Sans"/>
+              </a:rPr>
+              <a:t>(</a:t>
+            </a:r>
+            <a:r>
+              <a:rPr lang="en-US" sz="1900" dirty="0" smtClean="0">
+                <a:solidFill>
+                  <a:srgbClr val="00B050"/>
+                </a:solidFill>
+                <a:latin typeface="Google Sans"/>
+              </a:rPr>
+              <a:t>str1, str2, …</a:t>
+            </a:r>
+            <a:r>
+              <a:rPr lang="en-US" sz="1900" dirty="0" smtClean="0">
+                <a:solidFill>
+                  <a:srgbClr val="0070C0"/>
+                </a:solidFill>
+                <a:latin typeface="Google Sans"/>
+              </a:rPr>
+              <a:t>)</a:t>
+            </a:r>
+            <a:r>
+              <a:rPr lang="en-US" sz="1900" dirty="0" smtClean="0">
+                <a:latin typeface="Google Sans"/>
+              </a:rPr>
+              <a:t>;</a:t>
+            </a:r>
+            <a:endParaRPr lang="en-US" sz="1900" b="1" dirty="0" smtClean="0">
+              <a:latin typeface="Google Sans"/>
+            </a:endParaRPr>
+          </a:p>
+          <a:p>
+            <a:pPr marL="457200" indent="-457200">
+              <a:lnSpc>
+                <a:spcPct val="150000"/>
+              </a:lnSpc>
+              <a:buFont typeface="+mj-lt"/>
+              <a:buAutoNum type="arabicPeriod"/>
+            </a:pPr>
+            <a:r>
+              <a:rPr lang="en-US" sz="1900" b="1" dirty="0" smtClean="0">
+                <a:latin typeface="Google Sans"/>
+              </a:rPr>
+              <a:t>trim(): </a:t>
+            </a:r>
+            <a:r>
+              <a:rPr lang="en-US" sz="2000" dirty="0"/>
+              <a:t>Removes whitespace from both ends of a </a:t>
+            </a:r>
+            <a:r>
+              <a:rPr lang="en-US" sz="2000" dirty="0" smtClean="0"/>
+              <a:t>string</a:t>
+            </a:r>
+          </a:p>
+          <a:p>
+            <a:pPr>
+              <a:lnSpc>
+                <a:spcPct val="150000"/>
+              </a:lnSpc>
+            </a:pPr>
+            <a:r>
+              <a:rPr lang="en-US" sz="2000" b="1" dirty="0">
+                <a:latin typeface="Google Sans"/>
+              </a:rPr>
+              <a:t>	</a:t>
+            </a:r>
+            <a:r>
+              <a:rPr lang="en-US" sz="1900" u="sng" dirty="0">
+                <a:solidFill>
+                  <a:srgbClr val="FF0000"/>
+                </a:solidFill>
+                <a:latin typeface="Google Sans"/>
+              </a:rPr>
+              <a:t>Syntax</a:t>
+            </a:r>
+            <a:r>
+              <a:rPr lang="en-US" sz="1900" dirty="0">
+                <a:solidFill>
+                  <a:srgbClr val="FF0000"/>
+                </a:solidFill>
+                <a:latin typeface="Google Sans"/>
+              </a:rPr>
+              <a:t> -  </a:t>
+            </a:r>
+            <a:r>
+              <a:rPr lang="en-US" sz="1900" dirty="0" err="1" smtClean="0">
+                <a:latin typeface="Google Sans"/>
+              </a:rPr>
+              <a:t>string.</a:t>
+            </a:r>
+            <a:r>
+              <a:rPr lang="en-US" sz="1900" dirty="0" err="1" smtClean="0">
+                <a:solidFill>
+                  <a:srgbClr val="0070C0"/>
+                </a:solidFill>
+                <a:latin typeface="Google Sans"/>
+              </a:rPr>
+              <a:t>trim</a:t>
+            </a:r>
+            <a:r>
+              <a:rPr lang="en-US" sz="1900" dirty="0" smtClean="0">
+                <a:solidFill>
+                  <a:srgbClr val="0070C0"/>
+                </a:solidFill>
+                <a:latin typeface="Google Sans"/>
+              </a:rPr>
+              <a:t>()</a:t>
+            </a:r>
+            <a:r>
+              <a:rPr lang="en-US" sz="1900" dirty="0" smtClean="0">
+                <a:latin typeface="Google Sans"/>
+              </a:rPr>
+              <a:t>;</a:t>
+            </a:r>
+            <a:endParaRPr lang="en-US" sz="1900" b="1" dirty="0">
+              <a:latin typeface="Google Sans"/>
+            </a:endParaRPr>
+          </a:p>
+        </p:txBody>
+      </p:sp>
+    </p:spTree>
+    <p:extLst>
+      <p:ext uri="{BB962C8B-B14F-4D97-AF65-F5344CB8AC3E}">
+        <p14:creationId xmlns:p14="http://schemas.microsoft.com/office/powerpoint/2010/main" val="1540966173"/>
+      </p:ext>
+    </p:extLst>
+  </p:cSld>
+  <p:clrMapOvr>
+    <a:masterClrMapping/>
+  </p:clrMapOvr>
+  <p:timing>
+    <p:tnLst>
+      <p:par>
+        <p:cTn id="1" dur="indefinite" restart="never" nodeType="tmRoot"/>
+      </p:par>
+    </p:tnLst>
+  </p:timing>
+</p:sld>
+</file>
+
+<file path=ppt/slides/slide45.xml><?xml version="1.0" encoding="utf-8"?>
+<p:sld xmlns:a="http://schemas.openxmlformats.org/drawingml/2006/main" xmlns:r="http://schemas.openxmlformats.org/officeDocument/2006/relationships" xmlns:p="http://schemas.openxmlformats.org/presentationml/2006/main">
+  <p:cSld>
+    <p:spTree>
+      <p:nvGrpSpPr>
+        <p:cNvPr id="1" name=""/>
+        <p:cNvGrpSpPr/>
+        <p:nvPr/>
+      </p:nvGrpSpPr>
+      <p:grpSpPr>
+        <a:xfrm>
+          <a:off x="0" y="0"/>
+          <a:ext cx="0" cy="0"/>
+          <a:chOff x="0" y="0"/>
+          <a:chExt cx="0" cy="0"/>
+        </a:xfrm>
+      </p:grpSpPr>
+      <p:sp>
+        <p:nvSpPr>
+          <p:cNvPr id="2" name="Title 1"/>
+          <p:cNvSpPr>
+            <a:spLocks noGrp="1"/>
+          </p:cNvSpPr>
+          <p:nvPr>
+            <p:ph type="title"/>
+          </p:nvPr>
+        </p:nvSpPr>
+        <p:spPr/>
+        <p:txBody>
+          <a:bodyPr anchor="ctr"/>
+          <a:lstStyle/>
+          <a:p>
+            <a:pPr algn="ctr"/>
+            <a:r>
+              <a:rPr lang="en-US" b="1" dirty="0">
+                <a:latin typeface="Google Sans"/>
+              </a:rPr>
+              <a:t>String Methods in javascript</a:t>
+            </a:r>
+          </a:p>
+        </p:txBody>
+      </p:sp>
+      <p:sp>
+        <p:nvSpPr>
+          <p:cNvPr id="4" name="TextBox 3"/>
+          <p:cNvSpPr txBox="1"/>
+          <p:nvPr/>
+        </p:nvSpPr>
+        <p:spPr>
+          <a:xfrm>
+            <a:off x="460130" y="1837593"/>
+            <a:ext cx="11271739" cy="4916731"/>
+          </a:xfrm>
+          <a:prstGeom prst="rect">
+            <a:avLst/>
+          </a:prstGeom>
+          <a:noFill/>
+        </p:spPr>
+        <p:txBody>
+          <a:bodyPr wrap="square" rtlCol="0">
+            <a:spAutoFit/>
+          </a:bodyPr>
+          <a:lstStyle/>
+          <a:p>
+            <a:pPr>
+              <a:lnSpc>
+                <a:spcPct val="150000"/>
+              </a:lnSpc>
+            </a:pPr>
+            <a:r>
+              <a:rPr lang="en-US" sz="1900" b="1" dirty="0" smtClean="0">
+                <a:latin typeface="Google Sans"/>
+              </a:rPr>
+              <a:t>6. split</a:t>
+            </a:r>
+            <a:r>
+              <a:rPr lang="en-US" sz="1900" b="1" dirty="0">
+                <a:latin typeface="Google Sans"/>
+              </a:rPr>
+              <a:t>(): </a:t>
+            </a:r>
+            <a:r>
+              <a:rPr lang="en-US" sz="1900" dirty="0"/>
+              <a:t>Splits a string into an array based on a specified separator</a:t>
+            </a:r>
+            <a:r>
+              <a:rPr lang="en-US" sz="1900" dirty="0" smtClean="0"/>
+              <a:t>.</a:t>
+            </a:r>
+          </a:p>
+          <a:p>
+            <a:pPr>
+              <a:lnSpc>
+                <a:spcPct val="150000"/>
+              </a:lnSpc>
+            </a:pPr>
+            <a:r>
+              <a:rPr lang="en-US" sz="1900" b="1" dirty="0">
+                <a:latin typeface="Google Sans"/>
+              </a:rPr>
+              <a:t>	</a:t>
+            </a:r>
+            <a:r>
+              <a:rPr lang="en-US" sz="1900" u="sng" dirty="0">
+                <a:solidFill>
+                  <a:srgbClr val="FF0000"/>
+                </a:solidFill>
+                <a:latin typeface="Google Sans"/>
+              </a:rPr>
+              <a:t>Syntax</a:t>
+            </a:r>
+            <a:r>
+              <a:rPr lang="en-US" sz="1900" dirty="0">
+                <a:solidFill>
+                  <a:srgbClr val="FF0000"/>
+                </a:solidFill>
+                <a:latin typeface="Google Sans"/>
+              </a:rPr>
+              <a:t> -  </a:t>
+            </a:r>
+            <a:r>
+              <a:rPr lang="en-US" sz="1900" dirty="0" err="1" smtClean="0">
+                <a:latin typeface="Google Sans"/>
+              </a:rPr>
+              <a:t>string.</a:t>
+            </a:r>
+            <a:r>
+              <a:rPr lang="en-US" sz="1900" dirty="0" err="1" smtClean="0">
+                <a:solidFill>
+                  <a:srgbClr val="0070C0"/>
+                </a:solidFill>
+                <a:latin typeface="Google Sans"/>
+              </a:rPr>
+              <a:t>split</a:t>
+            </a:r>
+            <a:r>
+              <a:rPr lang="en-US" sz="1900" dirty="0" smtClean="0">
+                <a:solidFill>
+                  <a:srgbClr val="00B050"/>
+                </a:solidFill>
+                <a:latin typeface="Google Sans"/>
+              </a:rPr>
+              <a:t>(separator);  </a:t>
+            </a:r>
+            <a:r>
+              <a:rPr lang="en-US" sz="1900" dirty="0" smtClean="0">
+                <a:solidFill>
+                  <a:srgbClr val="7030A0"/>
+                </a:solidFill>
+                <a:latin typeface="Google Sans"/>
+              </a:rPr>
+              <a:t>[separator – “”, “ “, “  “]</a:t>
+            </a:r>
+            <a:endParaRPr lang="en-US" sz="1900" b="1" dirty="0">
+              <a:solidFill>
+                <a:srgbClr val="7030A0"/>
+              </a:solidFill>
+              <a:latin typeface="Google Sans"/>
+            </a:endParaRPr>
+          </a:p>
+          <a:p>
+            <a:pPr>
+              <a:lnSpc>
+                <a:spcPct val="150000"/>
+              </a:lnSpc>
+            </a:pPr>
+            <a:r>
+              <a:rPr lang="en-US" sz="1900" b="1" dirty="0" smtClean="0">
+                <a:latin typeface="Google Sans"/>
+              </a:rPr>
+              <a:t>7. charAt</a:t>
+            </a:r>
+            <a:r>
+              <a:rPr lang="en-US" sz="1900" b="1" dirty="0">
+                <a:latin typeface="Google Sans"/>
+              </a:rPr>
+              <a:t>(): </a:t>
+            </a:r>
+            <a:r>
+              <a:rPr lang="en-US" sz="1900" dirty="0"/>
+              <a:t>Returns the character at a specified index (only positive index allowed</a:t>
+            </a:r>
+            <a:r>
+              <a:rPr lang="en-US" sz="1900" dirty="0" smtClean="0"/>
+              <a:t>).</a:t>
+            </a:r>
+          </a:p>
+          <a:p>
+            <a:pPr>
+              <a:lnSpc>
+                <a:spcPct val="150000"/>
+              </a:lnSpc>
+            </a:pPr>
+            <a:r>
+              <a:rPr lang="en-US" sz="1900" b="1" dirty="0">
+                <a:latin typeface="Google Sans"/>
+              </a:rPr>
+              <a:t>	</a:t>
+            </a:r>
+            <a:r>
+              <a:rPr lang="en-US" sz="1900" u="sng" dirty="0">
+                <a:solidFill>
+                  <a:srgbClr val="FF0000"/>
+                </a:solidFill>
+                <a:latin typeface="Google Sans"/>
+              </a:rPr>
+              <a:t>Syntax</a:t>
+            </a:r>
+            <a:r>
+              <a:rPr lang="en-US" sz="1900" dirty="0">
+                <a:solidFill>
+                  <a:srgbClr val="FF0000"/>
+                </a:solidFill>
+                <a:latin typeface="Google Sans"/>
+              </a:rPr>
+              <a:t> -  </a:t>
+            </a:r>
+            <a:r>
+              <a:rPr lang="en-US" sz="1900" dirty="0" err="1" smtClean="0">
+                <a:latin typeface="Google Sans"/>
+              </a:rPr>
+              <a:t>string.</a:t>
+            </a:r>
+            <a:r>
+              <a:rPr lang="en-US" sz="1900" dirty="0" err="1" smtClean="0">
+                <a:solidFill>
+                  <a:srgbClr val="0070C0"/>
+                </a:solidFill>
+                <a:latin typeface="Google Sans"/>
+              </a:rPr>
+              <a:t>charAt</a:t>
+            </a:r>
+            <a:r>
+              <a:rPr lang="en-US" sz="1900" dirty="0" smtClean="0">
+                <a:solidFill>
+                  <a:srgbClr val="0070C0"/>
+                </a:solidFill>
+                <a:latin typeface="Google Sans"/>
+              </a:rPr>
+              <a:t>(</a:t>
+            </a:r>
+            <a:r>
+              <a:rPr lang="en-US" sz="1900" dirty="0" smtClean="0">
+                <a:solidFill>
+                  <a:srgbClr val="00B050"/>
+                </a:solidFill>
+                <a:latin typeface="Google Sans"/>
+              </a:rPr>
+              <a:t>index</a:t>
+            </a:r>
+            <a:r>
+              <a:rPr lang="en-US" sz="1900" dirty="0" smtClean="0">
+                <a:solidFill>
+                  <a:srgbClr val="0070C0"/>
+                </a:solidFill>
+                <a:latin typeface="Google Sans"/>
+              </a:rPr>
+              <a:t>)</a:t>
+            </a:r>
+            <a:r>
+              <a:rPr lang="en-US" sz="1900" dirty="0" smtClean="0">
+                <a:latin typeface="Google Sans"/>
+              </a:rPr>
+              <a:t>;</a:t>
+            </a:r>
+            <a:endParaRPr lang="en-US" sz="1900" b="1" dirty="0">
+              <a:latin typeface="Google Sans"/>
+            </a:endParaRPr>
+          </a:p>
+          <a:p>
+            <a:pPr>
+              <a:lnSpc>
+                <a:spcPct val="150000"/>
+              </a:lnSpc>
+            </a:pPr>
+            <a:r>
+              <a:rPr lang="en-US" sz="1900" b="1" dirty="0" smtClean="0">
+                <a:latin typeface="Google Sans"/>
+              </a:rPr>
+              <a:t>8. includes</a:t>
+            </a:r>
+            <a:r>
+              <a:rPr lang="en-US" sz="1900" b="1" dirty="0">
+                <a:latin typeface="Google Sans"/>
+              </a:rPr>
+              <a:t>(): </a:t>
+            </a:r>
+            <a:r>
+              <a:rPr lang="en-US" sz="1900" dirty="0"/>
+              <a:t>Checks if a string contains a specified </a:t>
+            </a:r>
+            <a:r>
+              <a:rPr lang="en-US" sz="1900" dirty="0" smtClean="0"/>
+              <a:t>substring</a:t>
+            </a:r>
+          </a:p>
+          <a:p>
+            <a:pPr>
+              <a:lnSpc>
+                <a:spcPct val="150000"/>
+              </a:lnSpc>
+            </a:pPr>
+            <a:r>
+              <a:rPr lang="en-US" sz="1900" b="1" dirty="0">
+                <a:latin typeface="Google Sans"/>
+              </a:rPr>
+              <a:t>	</a:t>
+            </a:r>
+            <a:r>
+              <a:rPr lang="en-US" sz="1900" u="sng" dirty="0">
+                <a:solidFill>
+                  <a:srgbClr val="FF0000"/>
+                </a:solidFill>
+                <a:latin typeface="Google Sans"/>
+              </a:rPr>
+              <a:t>Syntax</a:t>
+            </a:r>
+            <a:r>
+              <a:rPr lang="en-US" sz="1900" dirty="0">
+                <a:solidFill>
+                  <a:srgbClr val="FF0000"/>
+                </a:solidFill>
+                <a:latin typeface="Google Sans"/>
+              </a:rPr>
+              <a:t> -  </a:t>
+            </a:r>
+            <a:r>
+              <a:rPr lang="en-US" sz="1900" dirty="0" err="1" smtClean="0">
+                <a:latin typeface="Google Sans"/>
+              </a:rPr>
+              <a:t>string.</a:t>
+            </a:r>
+            <a:r>
+              <a:rPr lang="en-US" sz="1900" dirty="0" err="1" smtClean="0">
+                <a:solidFill>
+                  <a:srgbClr val="0070C0"/>
+                </a:solidFill>
+                <a:latin typeface="Google Sans"/>
+              </a:rPr>
+              <a:t>includes</a:t>
+            </a:r>
+            <a:r>
+              <a:rPr lang="en-US" sz="1900" dirty="0" smtClean="0">
+                <a:solidFill>
+                  <a:srgbClr val="0070C0"/>
+                </a:solidFill>
+                <a:latin typeface="Google Sans"/>
+              </a:rPr>
+              <a:t>(</a:t>
+            </a:r>
+            <a:r>
+              <a:rPr lang="en-US" sz="1900" dirty="0" smtClean="0">
+                <a:solidFill>
+                  <a:srgbClr val="00B050"/>
+                </a:solidFill>
+                <a:latin typeface="Google Sans"/>
+              </a:rPr>
+              <a:t>substring</a:t>
+            </a:r>
+            <a:r>
+              <a:rPr lang="en-US" sz="1900" dirty="0" smtClean="0">
+                <a:solidFill>
+                  <a:srgbClr val="0070C0"/>
+                </a:solidFill>
+                <a:latin typeface="Google Sans"/>
+              </a:rPr>
+              <a:t>)</a:t>
+            </a:r>
+            <a:r>
+              <a:rPr lang="en-US" sz="1900" dirty="0" smtClean="0">
+                <a:latin typeface="Google Sans"/>
+              </a:rPr>
+              <a:t>;</a:t>
+            </a:r>
+            <a:endParaRPr lang="en-US" sz="1900" b="1" dirty="0">
+              <a:latin typeface="Google Sans"/>
+            </a:endParaRPr>
+          </a:p>
+          <a:p>
+            <a:pPr>
+              <a:lnSpc>
+                <a:spcPct val="150000"/>
+              </a:lnSpc>
+            </a:pPr>
+            <a:r>
+              <a:rPr lang="en-US" sz="1900" b="1" dirty="0" smtClean="0">
+                <a:latin typeface="Google Sans"/>
+              </a:rPr>
+              <a:t>9. slice</a:t>
+            </a:r>
+            <a:r>
+              <a:rPr lang="en-US" sz="1900" b="1" dirty="0">
+                <a:latin typeface="Google Sans"/>
+              </a:rPr>
+              <a:t>(): </a:t>
+            </a:r>
+            <a:r>
+              <a:rPr lang="en-US" sz="1900" dirty="0"/>
+              <a:t>Extracts a section of a string and returns it as a new string</a:t>
+            </a:r>
+            <a:r>
+              <a:rPr lang="en-US" sz="1900" dirty="0" smtClean="0"/>
+              <a:t>.</a:t>
+            </a:r>
+          </a:p>
+          <a:p>
+            <a:pPr>
+              <a:lnSpc>
+                <a:spcPct val="150000"/>
+              </a:lnSpc>
+            </a:pPr>
+            <a:r>
+              <a:rPr lang="en-US" sz="1900" b="1" dirty="0">
+                <a:latin typeface="Google Sans"/>
+              </a:rPr>
+              <a:t>	</a:t>
+            </a:r>
+            <a:r>
+              <a:rPr lang="en-US" sz="1900" u="sng" dirty="0">
+                <a:solidFill>
+                  <a:srgbClr val="FF0000"/>
+                </a:solidFill>
+                <a:latin typeface="Google Sans"/>
+              </a:rPr>
+              <a:t>Syntax</a:t>
+            </a:r>
+            <a:r>
+              <a:rPr lang="en-US" sz="1900" dirty="0">
+                <a:solidFill>
+                  <a:srgbClr val="FF0000"/>
+                </a:solidFill>
+                <a:latin typeface="Google Sans"/>
+              </a:rPr>
+              <a:t> -  </a:t>
+            </a:r>
+            <a:r>
+              <a:rPr lang="en-US" sz="1900" dirty="0" err="1" smtClean="0">
+                <a:latin typeface="Google Sans"/>
+              </a:rPr>
+              <a:t>string.</a:t>
+            </a:r>
+            <a:r>
+              <a:rPr lang="en-US" sz="1900" dirty="0" err="1" smtClean="0">
+                <a:solidFill>
+                  <a:srgbClr val="0070C0"/>
+                </a:solidFill>
+                <a:latin typeface="Google Sans"/>
+              </a:rPr>
+              <a:t>slice</a:t>
+            </a:r>
+            <a:r>
+              <a:rPr lang="en-US" sz="1900" dirty="0" smtClean="0">
+                <a:solidFill>
+                  <a:srgbClr val="0070C0"/>
+                </a:solidFill>
+                <a:latin typeface="Google Sans"/>
+              </a:rPr>
+              <a:t>(</a:t>
+            </a:r>
+            <a:r>
+              <a:rPr lang="en-US" sz="1900" dirty="0" err="1" smtClean="0">
+                <a:solidFill>
+                  <a:srgbClr val="00B050"/>
+                </a:solidFill>
+                <a:latin typeface="Google Sans"/>
+              </a:rPr>
+              <a:t>startIndex</a:t>
+            </a:r>
+            <a:r>
+              <a:rPr lang="en-US" sz="1900" dirty="0">
+                <a:solidFill>
+                  <a:srgbClr val="0070C0"/>
+                </a:solidFill>
+                <a:latin typeface="Google Sans"/>
+              </a:rPr>
+              <a:t>, </a:t>
+            </a:r>
+            <a:r>
+              <a:rPr lang="en-US" sz="1900" dirty="0" err="1">
+                <a:solidFill>
+                  <a:srgbClr val="00B050"/>
+                </a:solidFill>
+                <a:latin typeface="Google Sans"/>
+              </a:rPr>
+              <a:t>endIndex</a:t>
+            </a:r>
+            <a:r>
+              <a:rPr lang="en-US" sz="1900" dirty="0" smtClean="0">
+                <a:solidFill>
+                  <a:srgbClr val="0070C0"/>
+                </a:solidFill>
+                <a:latin typeface="Google Sans"/>
+              </a:rPr>
+              <a:t>)</a:t>
+            </a:r>
+            <a:r>
+              <a:rPr lang="en-US" sz="1900" dirty="0" smtClean="0">
+                <a:latin typeface="Google Sans"/>
+              </a:rPr>
+              <a:t>;</a:t>
+            </a:r>
+            <a:endParaRPr lang="en-US" sz="1900" b="1" dirty="0">
+              <a:latin typeface="Google Sans"/>
+            </a:endParaRPr>
+          </a:p>
+          <a:p>
+            <a:pPr>
+              <a:lnSpc>
+                <a:spcPct val="150000"/>
+              </a:lnSpc>
+            </a:pPr>
+            <a:r>
+              <a:rPr lang="en-US" sz="1900" b="1" dirty="0" smtClean="0">
+                <a:latin typeface="Google Sans"/>
+              </a:rPr>
+              <a:t>10. replace</a:t>
+            </a:r>
+            <a:r>
+              <a:rPr lang="en-US" sz="1900" b="1" dirty="0">
+                <a:latin typeface="Google Sans"/>
+              </a:rPr>
+              <a:t>(): </a:t>
+            </a:r>
+            <a:r>
+              <a:rPr lang="en-US" sz="1900" dirty="0"/>
+              <a:t>Replaces the first occurrence of a specified substring with another</a:t>
+            </a:r>
+            <a:r>
+              <a:rPr lang="en-US" sz="1900" dirty="0" smtClean="0"/>
+              <a:t>.</a:t>
+            </a:r>
+          </a:p>
+          <a:p>
+            <a:pPr>
+              <a:lnSpc>
+                <a:spcPct val="150000"/>
+              </a:lnSpc>
+            </a:pPr>
+            <a:r>
+              <a:rPr lang="en-US" sz="1900" b="1" dirty="0">
+                <a:latin typeface="Google Sans"/>
+              </a:rPr>
+              <a:t>	</a:t>
+            </a:r>
+            <a:r>
+              <a:rPr lang="en-US" sz="1900" u="sng" dirty="0">
+                <a:solidFill>
+                  <a:srgbClr val="FF0000"/>
+                </a:solidFill>
+                <a:latin typeface="Google Sans"/>
+              </a:rPr>
+              <a:t>Syntax</a:t>
+            </a:r>
+            <a:r>
+              <a:rPr lang="en-US" sz="1900" dirty="0">
+                <a:solidFill>
+                  <a:srgbClr val="FF0000"/>
+                </a:solidFill>
+                <a:latin typeface="Google Sans"/>
+              </a:rPr>
+              <a:t> -  </a:t>
+            </a:r>
+            <a:r>
+              <a:rPr lang="en-US" sz="1900" dirty="0" err="1" smtClean="0">
+                <a:latin typeface="Google Sans"/>
+              </a:rPr>
+              <a:t>string.</a:t>
+            </a:r>
+            <a:r>
+              <a:rPr lang="en-US" sz="1900" dirty="0" err="1" smtClean="0">
+                <a:solidFill>
+                  <a:srgbClr val="0070C0"/>
+                </a:solidFill>
+                <a:latin typeface="Google Sans"/>
+              </a:rPr>
+              <a:t>replace</a:t>
+            </a:r>
+            <a:r>
+              <a:rPr lang="en-US" sz="1900" dirty="0" smtClean="0">
+                <a:solidFill>
+                  <a:srgbClr val="0070C0"/>
+                </a:solidFill>
+                <a:latin typeface="Google Sans"/>
+              </a:rPr>
+              <a:t>(</a:t>
+            </a:r>
+            <a:r>
+              <a:rPr lang="en-US" sz="1900" dirty="0" err="1" smtClean="0">
+                <a:solidFill>
+                  <a:srgbClr val="00B050"/>
+                </a:solidFill>
+                <a:latin typeface="Google Sans"/>
+              </a:rPr>
+              <a:t>searchValue</a:t>
+            </a:r>
+            <a:r>
+              <a:rPr lang="en-US" sz="1900" dirty="0" smtClean="0">
+                <a:solidFill>
+                  <a:srgbClr val="0070C0"/>
+                </a:solidFill>
+                <a:latin typeface="Google Sans"/>
+              </a:rPr>
+              <a:t>, </a:t>
+            </a:r>
+            <a:r>
+              <a:rPr lang="en-US" sz="1900" dirty="0" err="1" smtClean="0">
+                <a:solidFill>
+                  <a:srgbClr val="00B050"/>
+                </a:solidFill>
+                <a:latin typeface="Google Sans"/>
+              </a:rPr>
+              <a:t>newValue</a:t>
+            </a:r>
+            <a:r>
+              <a:rPr lang="en-US" sz="1900" dirty="0" smtClean="0">
+                <a:solidFill>
+                  <a:srgbClr val="0070C0"/>
+                </a:solidFill>
+                <a:latin typeface="Google Sans"/>
+              </a:rPr>
+              <a:t>)</a:t>
+            </a:r>
+            <a:r>
+              <a:rPr lang="en-US" sz="1900" dirty="0" smtClean="0">
+                <a:latin typeface="Google Sans"/>
+              </a:rPr>
+              <a:t>;</a:t>
+            </a:r>
+            <a:endParaRPr lang="en-US" sz="1900" b="1" dirty="0">
+              <a:latin typeface="Google Sans"/>
+            </a:endParaRPr>
+          </a:p>
+          <a:p>
+            <a:pPr>
+              <a:lnSpc>
+                <a:spcPct val="150000"/>
+              </a:lnSpc>
+            </a:pPr>
+            <a:r>
+              <a:rPr lang="en-US" sz="1900" b="1" dirty="0" smtClean="0">
+                <a:latin typeface="Google Sans"/>
+              </a:rPr>
+              <a:t>11. </a:t>
+            </a:r>
+            <a:r>
+              <a:rPr lang="en-US" sz="1900" b="1" dirty="0" err="1" smtClean="0">
+                <a:latin typeface="Google Sans"/>
+              </a:rPr>
+              <a:t>replaceAll</a:t>
+            </a:r>
+            <a:r>
+              <a:rPr lang="en-US" sz="1900" b="1" dirty="0">
+                <a:latin typeface="Google Sans"/>
+              </a:rPr>
+              <a:t>(): </a:t>
+            </a:r>
+            <a:r>
+              <a:rPr lang="en-US" sz="1900" dirty="0"/>
+              <a:t>Replaces all occurrences of a specified substring with another</a:t>
+            </a:r>
+            <a:endParaRPr lang="en-US" sz="1900" b="1" dirty="0">
+              <a:latin typeface="Google Sans"/>
+            </a:endParaRPr>
+          </a:p>
+        </p:txBody>
+      </p:sp>
+    </p:spTree>
+    <p:extLst>
+      <p:ext uri="{BB962C8B-B14F-4D97-AF65-F5344CB8AC3E}">
+        <p14:creationId xmlns:p14="http://schemas.microsoft.com/office/powerpoint/2010/main" val="3626210117"/>
+      </p:ext>
+    </p:extLst>
+  </p:cSld>
+  <p:clrMapOvr>
+    <a:masterClrMapping/>
+  </p:clrMapOvr>
+  <p:timing>
+    <p:tnLst>
+      <p:par>
+        <p:cTn id="1" dur="indefinite" restart="never" nodeType="tmRoot"/>
+      </p:par>
+    </p:tnLst>
+  </p:timing>
+</p:sld>
+</file>
+
+<file path=ppt/slides/slide46.xml><?xml version="1.0" encoding="utf-8"?>
+<p:sld xmlns:a="http://schemas.openxmlformats.org/drawingml/2006/main" xmlns:r="http://schemas.openxmlformats.org/officeDocument/2006/relationships" xmlns:p="http://schemas.openxmlformats.org/presentationml/2006/main">
+  <p:cSld>
+    <p:spTree>
+      <p:nvGrpSpPr>
+        <p:cNvPr id="1" name=""/>
+        <p:cNvGrpSpPr/>
+        <p:nvPr/>
+      </p:nvGrpSpPr>
+      <p:grpSpPr>
+        <a:xfrm>
+          <a:off x="0" y="0"/>
+          <a:ext cx="0" cy="0"/>
+          <a:chOff x="0" y="0"/>
+          <a:chExt cx="0" cy="0"/>
+        </a:xfrm>
+      </p:grpSpPr>
+      <p:sp>
+        <p:nvSpPr>
+          <p:cNvPr id="2" name="Title 1"/>
+          <p:cNvSpPr>
+            <a:spLocks noGrp="1"/>
+          </p:cNvSpPr>
+          <p:nvPr>
+            <p:ph type="title"/>
+          </p:nvPr>
+        </p:nvSpPr>
+        <p:spPr/>
+        <p:txBody>
+          <a:bodyPr anchor="ctr"/>
+          <a:lstStyle/>
+          <a:p>
+            <a:pPr algn="ctr"/>
+            <a:r>
+              <a:rPr lang="en-US" b="1" dirty="0" smtClean="0">
+                <a:latin typeface="Google Sans"/>
+              </a:rPr>
+              <a:t>arrays in javascript</a:t>
+            </a:r>
+            <a:endParaRPr lang="en-US" b="1" dirty="0">
+              <a:latin typeface="Google Sans"/>
+            </a:endParaRPr>
+          </a:p>
+        </p:txBody>
+      </p:sp>
+      <p:sp>
+        <p:nvSpPr>
+          <p:cNvPr id="5" name="TextBox 4"/>
+          <p:cNvSpPr txBox="1"/>
+          <p:nvPr/>
+        </p:nvSpPr>
+        <p:spPr>
+          <a:xfrm>
+            <a:off x="439615" y="2048608"/>
+            <a:ext cx="11271739" cy="4708981"/>
+          </a:xfrm>
+          <a:prstGeom prst="rect">
+            <a:avLst/>
+          </a:prstGeom>
+          <a:noFill/>
+        </p:spPr>
+        <p:txBody>
+          <a:bodyPr wrap="square" rtlCol="0">
+            <a:spAutoFit/>
+          </a:bodyPr>
+          <a:lstStyle/>
+          <a:p>
+            <a:pPr marL="342900" indent="-342900">
+              <a:lnSpc>
+                <a:spcPct val="150000"/>
+              </a:lnSpc>
+              <a:buFont typeface="Wingdings" panose="05000000000000000000" pitchFamily="2" charset="2"/>
+              <a:buChar char="Ø"/>
+            </a:pPr>
+            <a:r>
+              <a:rPr lang="en-US" sz="2000" b="1" u="sng" dirty="0" smtClean="0">
+                <a:latin typeface="Google Sans"/>
+              </a:rPr>
+              <a:t>Array</a:t>
+            </a:r>
+            <a:r>
+              <a:rPr lang="en-US" sz="2000" dirty="0" smtClean="0">
+                <a:latin typeface="Google Sans"/>
+              </a:rPr>
+              <a:t>: An array is a collection of multiple values stored in a single variable.</a:t>
+            </a:r>
+          </a:p>
+          <a:p>
+            <a:pPr marL="342900" indent="-342900">
+              <a:lnSpc>
+                <a:spcPct val="150000"/>
+              </a:lnSpc>
+              <a:buFont typeface="Wingdings" panose="05000000000000000000" pitchFamily="2" charset="2"/>
+              <a:buChar char="Ø"/>
+            </a:pPr>
+            <a:r>
+              <a:rPr lang="en-US" sz="2000" dirty="0" smtClean="0">
+                <a:latin typeface="Google Sans"/>
+              </a:rPr>
+              <a:t>In simple words we can say that array is collection of data which may be homogenous and heterogenous.</a:t>
+            </a:r>
+          </a:p>
+          <a:p>
+            <a:pPr marL="342900" indent="-342900">
+              <a:lnSpc>
+                <a:spcPct val="150000"/>
+              </a:lnSpc>
+              <a:buFont typeface="Wingdings" panose="05000000000000000000" pitchFamily="2" charset="2"/>
+              <a:buChar char="Ø"/>
+            </a:pPr>
+            <a:r>
+              <a:rPr lang="en-US" sz="2000" b="1" u="sng" dirty="0" smtClean="0">
+                <a:latin typeface="Google Sans"/>
+              </a:rPr>
+              <a:t>Types of Arrays</a:t>
+            </a:r>
+            <a:r>
+              <a:rPr lang="en-US" sz="2000" b="1" dirty="0" smtClean="0">
+                <a:latin typeface="Google Sans"/>
+              </a:rPr>
+              <a:t>:</a:t>
+            </a:r>
+          </a:p>
+          <a:p>
+            <a:pPr>
+              <a:lnSpc>
+                <a:spcPct val="150000"/>
+              </a:lnSpc>
+            </a:pPr>
+            <a:r>
+              <a:rPr lang="en-US" sz="2000" b="1" dirty="0" smtClean="0">
+                <a:latin typeface="Google Sans"/>
+              </a:rPr>
+              <a:t>	1. Homogenous Array: </a:t>
+            </a:r>
+            <a:r>
+              <a:rPr lang="en-US" sz="2000" dirty="0" smtClean="0">
+                <a:latin typeface="Google Sans"/>
+              </a:rPr>
+              <a:t>The array which contains same type of elements.</a:t>
+            </a:r>
+          </a:p>
+          <a:p>
+            <a:pPr>
+              <a:lnSpc>
+                <a:spcPct val="150000"/>
+              </a:lnSpc>
+            </a:pPr>
+            <a:r>
+              <a:rPr lang="en-US" sz="2000" b="1" dirty="0">
+                <a:latin typeface="Google Sans"/>
+              </a:rPr>
+              <a:t>	</a:t>
+            </a:r>
+            <a:r>
+              <a:rPr lang="en-US" sz="2000" b="1" dirty="0" smtClean="0">
+                <a:latin typeface="Google Sans"/>
+              </a:rPr>
+              <a:t>	</a:t>
+            </a:r>
+            <a:r>
+              <a:rPr lang="en-US" sz="2000" dirty="0" smtClean="0">
+                <a:solidFill>
+                  <a:srgbClr val="FF0000"/>
+                </a:solidFill>
+                <a:latin typeface="Google Sans"/>
+              </a:rPr>
+              <a:t>Example</a:t>
+            </a:r>
+            <a:r>
+              <a:rPr lang="en-US" sz="2000" dirty="0" smtClean="0">
+                <a:latin typeface="Google Sans"/>
+              </a:rPr>
+              <a:t>: All Numbers, All Strings, etc.</a:t>
+            </a:r>
+          </a:p>
+          <a:p>
+            <a:pPr>
+              <a:lnSpc>
+                <a:spcPct val="150000"/>
+              </a:lnSpc>
+            </a:pPr>
+            <a:endParaRPr lang="en-US" sz="2000" dirty="0">
+              <a:latin typeface="Google Sans"/>
+            </a:endParaRPr>
+          </a:p>
+          <a:p>
+            <a:pPr>
+              <a:lnSpc>
+                <a:spcPct val="150000"/>
+              </a:lnSpc>
+            </a:pPr>
+            <a:r>
+              <a:rPr lang="en-US" sz="2000" dirty="0" smtClean="0">
+                <a:latin typeface="Google Sans"/>
+              </a:rPr>
+              <a:t>	</a:t>
+            </a:r>
+            <a:r>
+              <a:rPr lang="en-US" sz="2000" b="1" dirty="0" smtClean="0">
+                <a:latin typeface="Google Sans"/>
+              </a:rPr>
+              <a:t>2. Heterogenous </a:t>
+            </a:r>
+            <a:r>
+              <a:rPr lang="en-US" sz="2000" b="1" dirty="0">
+                <a:latin typeface="Google Sans"/>
+              </a:rPr>
+              <a:t>Array: </a:t>
+            </a:r>
+            <a:r>
+              <a:rPr lang="en-US" sz="2000" dirty="0">
+                <a:latin typeface="Google Sans"/>
+              </a:rPr>
+              <a:t>The array which contains </a:t>
+            </a:r>
+            <a:r>
+              <a:rPr lang="en-US" sz="2000" dirty="0" smtClean="0">
+                <a:latin typeface="Google Sans"/>
+              </a:rPr>
+              <a:t>different </a:t>
+            </a:r>
+            <a:r>
+              <a:rPr lang="en-US" sz="2000" dirty="0">
+                <a:latin typeface="Google Sans"/>
+              </a:rPr>
+              <a:t>type of elements.</a:t>
+            </a:r>
+          </a:p>
+          <a:p>
+            <a:pPr>
+              <a:lnSpc>
+                <a:spcPct val="150000"/>
+              </a:lnSpc>
+            </a:pPr>
+            <a:r>
+              <a:rPr lang="en-US" sz="2000" b="1" dirty="0">
+                <a:latin typeface="Google Sans"/>
+              </a:rPr>
+              <a:t>		</a:t>
+            </a:r>
+            <a:r>
+              <a:rPr lang="en-US" sz="2000" dirty="0">
+                <a:solidFill>
+                  <a:srgbClr val="FF0000"/>
+                </a:solidFill>
+                <a:latin typeface="Google Sans"/>
+              </a:rPr>
+              <a:t>Example</a:t>
+            </a:r>
+            <a:r>
+              <a:rPr lang="en-US" sz="2000" dirty="0">
+                <a:latin typeface="Google Sans"/>
+              </a:rPr>
+              <a:t>: </a:t>
+            </a:r>
+            <a:r>
+              <a:rPr lang="en-US" sz="2000" dirty="0" smtClean="0">
+                <a:latin typeface="Google Sans"/>
+              </a:rPr>
+              <a:t>Combination of numbers, strings, etc.</a:t>
+            </a:r>
+          </a:p>
+          <a:p>
+            <a:pPr>
+              <a:lnSpc>
+                <a:spcPct val="150000"/>
+              </a:lnSpc>
+            </a:pPr>
+            <a:r>
+              <a:rPr lang="en-US" sz="2000" b="1" dirty="0">
+                <a:latin typeface="Google Sans"/>
+              </a:rPr>
+              <a:t>	</a:t>
+            </a:r>
+            <a:r>
+              <a:rPr lang="en-US" sz="2000" b="1" dirty="0" smtClean="0">
+                <a:latin typeface="Google Sans"/>
+              </a:rPr>
+              <a:t>	</a:t>
+            </a:r>
+          </a:p>
+        </p:txBody>
+      </p:sp>
+    </p:spTree>
+    <p:extLst>
+      <p:ext uri="{BB962C8B-B14F-4D97-AF65-F5344CB8AC3E}">
+        <p14:creationId xmlns:p14="http://schemas.microsoft.com/office/powerpoint/2010/main" val="3980992653"/>
+      </p:ext>
+    </p:extLst>
+  </p:cSld>
+  <p:clrMapOvr>
+    <a:masterClrMapping/>
+  </p:clrMapOvr>
+  <p:timing>
+    <p:tnLst>
+      <p:par>
+        <p:cTn id="1" dur="indefinite" restart="never" nodeType="tmRoot">
+          <p:childTnLst>
+            <p:seq concurrent="1" nextAc="seek">
+              <p:cTn id="2" dur="indefinite" nodeType="mainSeq">
+                <p:childTnLst>
+                  <p:par>
+                    <p:cTn id="3" fill="hold">
+                      <p:stCondLst>
+                        <p:cond delay="indefinite"/>
+                      </p:stCondLst>
+                      <p:childTnLst>
+                        <p:par>
+                          <p:cTn id="4" fill="hold">
+                            <p:stCondLst>
+                              <p:cond delay="0"/>
+                            </p:stCondLst>
+                            <p:childTnLst>
+                              <p:par>
+                                <p:cTn id="5" presetID="42" presetClass="entr" presetSubtype="0" fill="hold" nodeType="clickEffect">
+                                  <p:stCondLst>
+                                    <p:cond delay="0"/>
+                                  </p:stCondLst>
+                                  <p:childTnLst>
+                                    <p:set>
+                                      <p:cBhvr>
+                                        <p:cTn id="6" dur="1" fill="hold">
+                                          <p:stCondLst>
+                                            <p:cond delay="0"/>
+                                          </p:stCondLst>
+                                        </p:cTn>
+                                        <p:tgtEl>
+                                          <p:spTgt spid="5">
+                                            <p:txEl>
+                                              <p:pRg st="0" end="0"/>
+                                            </p:txEl>
+                                          </p:spTgt>
+                                        </p:tgtEl>
+                                        <p:attrNameLst>
+                                          <p:attrName>style.visibility</p:attrName>
+                                        </p:attrNameLst>
+                                      </p:cBhvr>
+                                      <p:to>
+                                        <p:strVal val="visible"/>
+                                      </p:to>
+                                    </p:set>
+                                    <p:animEffect transition="in" filter="fade">
+                                      <p:cBhvr>
+                                        <p:cTn id="7" dur="1000"/>
+                                        <p:tgtEl>
+                                          <p:spTgt spid="5">
+                                            <p:txEl>
+                                              <p:pRg st="0" end="0"/>
+                                            </p:txEl>
+                                          </p:spTgt>
+                                        </p:tgtEl>
+                                      </p:cBhvr>
+                                    </p:animEffect>
+                                    <p:anim calcmode="lin" valueType="num">
+                                      <p:cBhvr>
+                                        <p:cTn id="8" dur="1000" fill="hold"/>
+                                        <p:tgtEl>
+                                          <p:spTgt spid="5">
+                                            <p:txEl>
+                                              <p:pRg st="0" end="0"/>
+                                            </p:txEl>
+                                          </p:spTgt>
+                                        </p:tgtEl>
+                                        <p:attrNameLst>
+                                          <p:attrName>ppt_x</p:attrName>
+                                        </p:attrNameLst>
+                                      </p:cBhvr>
+                                      <p:tavLst>
+                                        <p:tav tm="0">
+                                          <p:val>
+                                            <p:strVal val="#ppt_x"/>
+                                          </p:val>
+                                        </p:tav>
+                                        <p:tav tm="100000">
+                                          <p:val>
+                                            <p:strVal val="#ppt_x"/>
+                                          </p:val>
+                                        </p:tav>
+                                      </p:tavLst>
+                                    </p:anim>
+                                    <p:anim calcmode="lin" valueType="num">
+                                      <p:cBhvr>
+                                        <p:cTn id="9" dur="1000" fill="hold"/>
+                                        <p:tgtEl>
+                                          <p:spTgt spid="5">
+                                            <p:txEl>
+                                              <p:pRg st="0" end="0"/>
+                                            </p:txEl>
+                                          </p:spTgt>
+                                        </p:tgtEl>
+                                        <p:attrNameLst>
+                                          <p:attrName>ppt_y</p:attrName>
+                                        </p:attrNameLst>
+                                      </p:cBhvr>
+                                      <p:tavLst>
+                                        <p:tav tm="0">
+                                          <p:val>
+                                            <p:strVal val="#ppt_y+.1"/>
+                                          </p:val>
+                                        </p:tav>
+                                        <p:tav tm="100000">
+                                          <p:val>
+                                            <p:strVal val="#ppt_y"/>
+                                          </p:val>
+                                        </p:tav>
+                                      </p:tavLst>
+                                    </p:anim>
+                                  </p:childTnLst>
+                                </p:cTn>
+                              </p:par>
+                            </p:childTnLst>
+                          </p:cTn>
+                        </p:par>
+                      </p:childTnLst>
+                    </p:cTn>
+                  </p:par>
+                  <p:par>
+                    <p:cTn id="10" fill="hold">
+                      <p:stCondLst>
+                        <p:cond delay="indefinite"/>
+                      </p:stCondLst>
+                      <p:childTnLst>
+                        <p:par>
+                          <p:cTn id="11" fill="hold">
+                            <p:stCondLst>
+                              <p:cond delay="0"/>
+                            </p:stCondLst>
+                            <p:childTnLst>
+                              <p:par>
+                                <p:cTn id="12" presetID="42" presetClass="entr" presetSubtype="0" fill="hold" nodeType="clickEffect">
+                                  <p:stCondLst>
+                                    <p:cond delay="0"/>
+                                  </p:stCondLst>
+                                  <p:childTnLst>
+                                    <p:set>
+                                      <p:cBhvr>
+                                        <p:cTn id="13" dur="1" fill="hold">
+                                          <p:stCondLst>
+                                            <p:cond delay="0"/>
+                                          </p:stCondLst>
+                                        </p:cTn>
+                                        <p:tgtEl>
+                                          <p:spTgt spid="5">
+                                            <p:txEl>
+                                              <p:pRg st="1" end="1"/>
+                                            </p:txEl>
+                                          </p:spTgt>
+                                        </p:tgtEl>
+                                        <p:attrNameLst>
+                                          <p:attrName>style.visibility</p:attrName>
+                                        </p:attrNameLst>
+                                      </p:cBhvr>
+                                      <p:to>
+                                        <p:strVal val="visible"/>
+                                      </p:to>
+                                    </p:set>
+                                    <p:animEffect transition="in" filter="fade">
+                                      <p:cBhvr>
+                                        <p:cTn id="14" dur="1000"/>
+                                        <p:tgtEl>
+                                          <p:spTgt spid="5">
+                                            <p:txEl>
+                                              <p:pRg st="1" end="1"/>
+                                            </p:txEl>
+                                          </p:spTgt>
+                                        </p:tgtEl>
+                                      </p:cBhvr>
+                                    </p:animEffect>
+                                    <p:anim calcmode="lin" valueType="num">
+                                      <p:cBhvr>
+                                        <p:cTn id="15" dur="1000" fill="hold"/>
+                                        <p:tgtEl>
+                                          <p:spTgt spid="5">
+                                            <p:txEl>
+                                              <p:pRg st="1" end="1"/>
+                                            </p:txEl>
+                                          </p:spTgt>
+                                        </p:tgtEl>
+                                        <p:attrNameLst>
+                                          <p:attrName>ppt_x</p:attrName>
+                                        </p:attrNameLst>
+                                      </p:cBhvr>
+                                      <p:tavLst>
+                                        <p:tav tm="0">
+                                          <p:val>
+                                            <p:strVal val="#ppt_x"/>
+                                          </p:val>
+                                        </p:tav>
+                                        <p:tav tm="100000">
+                                          <p:val>
+                                            <p:strVal val="#ppt_x"/>
+                                          </p:val>
+                                        </p:tav>
+                                      </p:tavLst>
+                                    </p:anim>
+                                    <p:anim calcmode="lin" valueType="num">
+                                      <p:cBhvr>
+                                        <p:cTn id="16" dur="1000" fill="hold"/>
+                                        <p:tgtEl>
+                                          <p:spTgt spid="5">
+                                            <p:txEl>
+                                              <p:pRg st="1" end="1"/>
+                                            </p:txEl>
+                                          </p:spTgt>
+                                        </p:tgtEl>
+                                        <p:attrNameLst>
+                                          <p:attrName>ppt_y</p:attrName>
+                                        </p:attrNameLst>
+                                      </p:cBhvr>
+                                      <p:tavLst>
+                                        <p:tav tm="0">
+                                          <p:val>
+                                            <p:strVal val="#ppt_y+.1"/>
+                                          </p:val>
+                                        </p:tav>
+                                        <p:tav tm="100000">
+                                          <p:val>
+                                            <p:strVal val="#ppt_y"/>
+                                          </p:val>
+                                        </p:tav>
+                                      </p:tavLst>
+                                    </p:anim>
+                                  </p:childTnLst>
+                                </p:cTn>
+                              </p:par>
+                            </p:childTnLst>
+                          </p:cTn>
+                        </p:par>
+                      </p:childTnLst>
+                    </p:cTn>
+                  </p:par>
+                  <p:par>
+                    <p:cTn id="17" fill="hold">
+                      <p:stCondLst>
+                        <p:cond delay="indefinite"/>
+                      </p:stCondLst>
+                      <p:childTnLst>
+                        <p:par>
+                          <p:cTn id="18" fill="hold">
+                            <p:stCondLst>
+                              <p:cond delay="0"/>
+                            </p:stCondLst>
+                            <p:childTnLst>
+                              <p:par>
+                                <p:cTn id="19" presetID="42" presetClass="entr" presetSubtype="0" fill="hold" nodeType="clickEffect">
+                                  <p:stCondLst>
+                                    <p:cond delay="0"/>
+                                  </p:stCondLst>
+                                  <p:childTnLst>
+                                    <p:set>
+                                      <p:cBhvr>
+                                        <p:cTn id="20" dur="1" fill="hold">
+                                          <p:stCondLst>
+                                            <p:cond delay="0"/>
+                                          </p:stCondLst>
+                                        </p:cTn>
+                                        <p:tgtEl>
+                                          <p:spTgt spid="5">
+                                            <p:txEl>
+                                              <p:pRg st="2" end="2"/>
+                                            </p:txEl>
+                                          </p:spTgt>
+                                        </p:tgtEl>
+                                        <p:attrNameLst>
+                                          <p:attrName>style.visibility</p:attrName>
+                                        </p:attrNameLst>
+                                      </p:cBhvr>
+                                      <p:to>
+                                        <p:strVal val="visible"/>
+                                      </p:to>
+                                    </p:set>
+                                    <p:animEffect transition="in" filter="fade">
+                                      <p:cBhvr>
+                                        <p:cTn id="21" dur="1000"/>
+                                        <p:tgtEl>
+                                          <p:spTgt spid="5">
+                                            <p:txEl>
+                                              <p:pRg st="2" end="2"/>
+                                            </p:txEl>
+                                          </p:spTgt>
+                                        </p:tgtEl>
+                                      </p:cBhvr>
+                                    </p:animEffect>
+                                    <p:anim calcmode="lin" valueType="num">
+                                      <p:cBhvr>
+                                        <p:cTn id="22" dur="1000" fill="hold"/>
+                                        <p:tgtEl>
+                                          <p:spTgt spid="5">
+                                            <p:txEl>
+                                              <p:pRg st="2" end="2"/>
+                                            </p:txEl>
+                                          </p:spTgt>
+                                        </p:tgtEl>
+                                        <p:attrNameLst>
+                                          <p:attrName>ppt_x</p:attrName>
+                                        </p:attrNameLst>
+                                      </p:cBhvr>
+                                      <p:tavLst>
+                                        <p:tav tm="0">
+                                          <p:val>
+                                            <p:strVal val="#ppt_x"/>
+                                          </p:val>
+                                        </p:tav>
+                                        <p:tav tm="100000">
+                                          <p:val>
+                                            <p:strVal val="#ppt_x"/>
+                                          </p:val>
+                                        </p:tav>
+                                      </p:tavLst>
+                                    </p:anim>
+                                    <p:anim calcmode="lin" valueType="num">
+                                      <p:cBhvr>
+                                        <p:cTn id="23" dur="1000" fill="hold"/>
+                                        <p:tgtEl>
+                                          <p:spTgt spid="5">
+                                            <p:txEl>
+                                              <p:pRg st="2" end="2"/>
+                                            </p:txEl>
+                                          </p:spTgt>
+                                        </p:tgtEl>
+                                        <p:attrNameLst>
+                                          <p:attrName>ppt_y</p:attrName>
+                                        </p:attrNameLst>
+                                      </p:cBhvr>
+                                      <p:tavLst>
+                                        <p:tav tm="0">
+                                          <p:val>
+                                            <p:strVal val="#ppt_y+.1"/>
+                                          </p:val>
+                                        </p:tav>
+                                        <p:tav tm="100000">
+                                          <p:val>
+                                            <p:strVal val="#ppt_y"/>
+                                          </p:val>
+                                        </p:tav>
+                                      </p:tavLst>
+                                    </p:anim>
+                                  </p:childTnLst>
+                                </p:cTn>
+                              </p:par>
+                            </p:childTnLst>
+                          </p:cTn>
+                        </p:par>
+                      </p:childTnLst>
+                    </p:cTn>
+                  </p:par>
+                  <p:par>
+                    <p:cTn id="24" fill="hold">
+                      <p:stCondLst>
+                        <p:cond delay="indefinite"/>
+                      </p:stCondLst>
+                      <p:childTnLst>
+                        <p:par>
+                          <p:cTn id="25" fill="hold">
+                            <p:stCondLst>
+                              <p:cond delay="0"/>
+                            </p:stCondLst>
+                            <p:childTnLst>
+                              <p:par>
+                                <p:cTn id="26" presetID="42" presetClass="entr" presetSubtype="0" fill="hold" nodeType="clickEffect">
+                                  <p:stCondLst>
+                                    <p:cond delay="0"/>
+                                  </p:stCondLst>
+                                  <p:childTnLst>
+                                    <p:set>
+                                      <p:cBhvr>
+                                        <p:cTn id="27" dur="1" fill="hold">
+                                          <p:stCondLst>
+                                            <p:cond delay="0"/>
+                                          </p:stCondLst>
+                                        </p:cTn>
+                                        <p:tgtEl>
+                                          <p:spTgt spid="5">
+                                            <p:txEl>
+                                              <p:pRg st="3" end="3"/>
+                                            </p:txEl>
+                                          </p:spTgt>
+                                        </p:tgtEl>
+                                        <p:attrNameLst>
+                                          <p:attrName>style.visibility</p:attrName>
+                                        </p:attrNameLst>
+                                      </p:cBhvr>
+                                      <p:to>
+                                        <p:strVal val="visible"/>
+                                      </p:to>
+                                    </p:set>
+                                    <p:animEffect transition="in" filter="fade">
+                                      <p:cBhvr>
+                                        <p:cTn id="28" dur="1000"/>
+                                        <p:tgtEl>
+                                          <p:spTgt spid="5">
+                                            <p:txEl>
+                                              <p:pRg st="3" end="3"/>
+                                            </p:txEl>
+                                          </p:spTgt>
+                                        </p:tgtEl>
+                                      </p:cBhvr>
+                                    </p:animEffect>
+                                    <p:anim calcmode="lin" valueType="num">
+                                      <p:cBhvr>
+                                        <p:cTn id="29" dur="1000" fill="hold"/>
+                                        <p:tgtEl>
+                                          <p:spTgt spid="5">
+                                            <p:txEl>
+                                              <p:pRg st="3" end="3"/>
+                                            </p:txEl>
+                                          </p:spTgt>
+                                        </p:tgtEl>
+                                        <p:attrNameLst>
+                                          <p:attrName>ppt_x</p:attrName>
+                                        </p:attrNameLst>
+                                      </p:cBhvr>
+                                      <p:tavLst>
+                                        <p:tav tm="0">
+                                          <p:val>
+                                            <p:strVal val="#ppt_x"/>
+                                          </p:val>
+                                        </p:tav>
+                                        <p:tav tm="100000">
+                                          <p:val>
+                                            <p:strVal val="#ppt_x"/>
+                                          </p:val>
+                                        </p:tav>
+                                      </p:tavLst>
+                                    </p:anim>
+                                    <p:anim calcmode="lin" valueType="num">
+                                      <p:cBhvr>
+                                        <p:cTn id="30" dur="1000" fill="hold"/>
+                                        <p:tgtEl>
+                                          <p:spTgt spid="5">
+                                            <p:txEl>
+                                              <p:pRg st="3" end="3"/>
+                                            </p:txEl>
+                                          </p:spTgt>
+                                        </p:tgtEl>
+                                        <p:attrNameLst>
+                                          <p:attrName>ppt_y</p:attrName>
+                                        </p:attrNameLst>
+                                      </p:cBhvr>
+                                      <p:tavLst>
+                                        <p:tav tm="0">
+                                          <p:val>
+                                            <p:strVal val="#ppt_y+.1"/>
+                                          </p:val>
+                                        </p:tav>
+                                        <p:tav tm="100000">
+                                          <p:val>
+                                            <p:strVal val="#ppt_y"/>
+                                          </p:val>
+                                        </p:tav>
+                                      </p:tavLst>
+                                    </p:anim>
+                                  </p:childTnLst>
+                                </p:cTn>
+                              </p:par>
+                              <p:par>
+                                <p:cTn id="31" presetID="42" presetClass="entr" presetSubtype="0" fill="hold" nodeType="withEffect">
+                                  <p:stCondLst>
+                                    <p:cond delay="0"/>
+                                  </p:stCondLst>
+                                  <p:childTnLst>
+                                    <p:set>
+                                      <p:cBhvr>
+                                        <p:cTn id="32" dur="1" fill="hold">
+                                          <p:stCondLst>
+                                            <p:cond delay="0"/>
+                                          </p:stCondLst>
+                                        </p:cTn>
+                                        <p:tgtEl>
+                                          <p:spTgt spid="5">
+                                            <p:txEl>
+                                              <p:pRg st="4" end="4"/>
+                                            </p:txEl>
+                                          </p:spTgt>
+                                        </p:tgtEl>
+                                        <p:attrNameLst>
+                                          <p:attrName>style.visibility</p:attrName>
+                                        </p:attrNameLst>
+                                      </p:cBhvr>
+                                      <p:to>
+                                        <p:strVal val="visible"/>
+                                      </p:to>
+                                    </p:set>
+                                    <p:animEffect transition="in" filter="fade">
+                                      <p:cBhvr>
+                                        <p:cTn id="33" dur="1000"/>
+                                        <p:tgtEl>
+                                          <p:spTgt spid="5">
+                                            <p:txEl>
+                                              <p:pRg st="4" end="4"/>
+                                            </p:txEl>
+                                          </p:spTgt>
+                                        </p:tgtEl>
+                                      </p:cBhvr>
+                                    </p:animEffect>
+                                    <p:anim calcmode="lin" valueType="num">
+                                      <p:cBhvr>
+                                        <p:cTn id="34" dur="1000" fill="hold"/>
+                                        <p:tgtEl>
+                                          <p:spTgt spid="5">
+                                            <p:txEl>
+                                              <p:pRg st="4" end="4"/>
+                                            </p:txEl>
+                                          </p:spTgt>
+                                        </p:tgtEl>
+                                        <p:attrNameLst>
+                                          <p:attrName>ppt_x</p:attrName>
+                                        </p:attrNameLst>
+                                      </p:cBhvr>
+                                      <p:tavLst>
+                                        <p:tav tm="0">
+                                          <p:val>
+                                            <p:strVal val="#ppt_x"/>
+                                          </p:val>
+                                        </p:tav>
+                                        <p:tav tm="100000">
+                                          <p:val>
+                                            <p:strVal val="#ppt_x"/>
+                                          </p:val>
+                                        </p:tav>
+                                      </p:tavLst>
+                                    </p:anim>
+                                    <p:anim calcmode="lin" valueType="num">
+                                      <p:cBhvr>
+                                        <p:cTn id="35" dur="1000" fill="hold"/>
+                                        <p:tgtEl>
+                                          <p:spTgt spid="5">
+                                            <p:txEl>
+                                              <p:pRg st="4" end="4"/>
+                                            </p:txEl>
+                                          </p:spTgt>
+                                        </p:tgtEl>
+                                        <p:attrNameLst>
+                                          <p:attrName>ppt_y</p:attrName>
+                                        </p:attrNameLst>
+                                      </p:cBhvr>
+                                      <p:tavLst>
+                                        <p:tav tm="0">
+                                          <p:val>
+                                            <p:strVal val="#ppt_y+.1"/>
+                                          </p:val>
+                                        </p:tav>
+                                        <p:tav tm="100000">
+                                          <p:val>
+                                            <p:strVal val="#ppt_y"/>
+                                          </p:val>
+                                        </p:tav>
+                                      </p:tavLst>
+                                    </p:anim>
+                                  </p:childTnLst>
+                                </p:cTn>
+                              </p:par>
+                            </p:childTnLst>
+                          </p:cTn>
+                        </p:par>
+                      </p:childTnLst>
+                    </p:cTn>
+                  </p:par>
+                  <p:par>
+                    <p:cTn id="36" fill="hold">
+                      <p:stCondLst>
+                        <p:cond delay="indefinite"/>
+                      </p:stCondLst>
+                      <p:childTnLst>
+                        <p:par>
+                          <p:cTn id="37" fill="hold">
+                            <p:stCondLst>
+                              <p:cond delay="0"/>
+                            </p:stCondLst>
+                            <p:childTnLst>
+                              <p:par>
+                                <p:cTn id="38" presetID="42" presetClass="entr" presetSubtype="0" fill="hold" nodeType="clickEffect">
+                                  <p:stCondLst>
+                                    <p:cond delay="0"/>
+                                  </p:stCondLst>
+                                  <p:childTnLst>
+                                    <p:set>
+                                      <p:cBhvr>
+                                        <p:cTn id="39" dur="1" fill="hold">
+                                          <p:stCondLst>
+                                            <p:cond delay="0"/>
+                                          </p:stCondLst>
+                                        </p:cTn>
+                                        <p:tgtEl>
+                                          <p:spTgt spid="5">
+                                            <p:txEl>
+                                              <p:pRg st="6" end="6"/>
+                                            </p:txEl>
+                                          </p:spTgt>
+                                        </p:tgtEl>
+                                        <p:attrNameLst>
+                                          <p:attrName>style.visibility</p:attrName>
+                                        </p:attrNameLst>
+                                      </p:cBhvr>
+                                      <p:to>
+                                        <p:strVal val="visible"/>
+                                      </p:to>
+                                    </p:set>
+                                    <p:animEffect transition="in" filter="fade">
+                                      <p:cBhvr>
+                                        <p:cTn id="40" dur="1000"/>
+                                        <p:tgtEl>
+                                          <p:spTgt spid="5">
+                                            <p:txEl>
+                                              <p:pRg st="6" end="6"/>
+                                            </p:txEl>
+                                          </p:spTgt>
+                                        </p:tgtEl>
+                                      </p:cBhvr>
+                                    </p:animEffect>
+                                    <p:anim calcmode="lin" valueType="num">
+                                      <p:cBhvr>
+                                        <p:cTn id="41" dur="1000" fill="hold"/>
+                                        <p:tgtEl>
+                                          <p:spTgt spid="5">
+                                            <p:txEl>
+                                              <p:pRg st="6" end="6"/>
+                                            </p:txEl>
+                                          </p:spTgt>
+                                        </p:tgtEl>
+                                        <p:attrNameLst>
+                                          <p:attrName>ppt_x</p:attrName>
+                                        </p:attrNameLst>
+                                      </p:cBhvr>
+                                      <p:tavLst>
+                                        <p:tav tm="0">
+                                          <p:val>
+                                            <p:strVal val="#ppt_x"/>
+                                          </p:val>
+                                        </p:tav>
+                                        <p:tav tm="100000">
+                                          <p:val>
+                                            <p:strVal val="#ppt_x"/>
+                                          </p:val>
+                                        </p:tav>
+                                      </p:tavLst>
+                                    </p:anim>
+                                    <p:anim calcmode="lin" valueType="num">
+                                      <p:cBhvr>
+                                        <p:cTn id="42" dur="1000" fill="hold"/>
+                                        <p:tgtEl>
+                                          <p:spTgt spid="5">
+                                            <p:txEl>
+                                              <p:pRg st="6" end="6"/>
+                                            </p:txEl>
+                                          </p:spTgt>
+                                        </p:tgtEl>
+                                        <p:attrNameLst>
+                                          <p:attrName>ppt_y</p:attrName>
+                                        </p:attrNameLst>
+                                      </p:cBhvr>
+                                      <p:tavLst>
+                                        <p:tav tm="0">
+                                          <p:val>
+                                            <p:strVal val="#ppt_y+.1"/>
+                                          </p:val>
+                                        </p:tav>
+                                        <p:tav tm="100000">
+                                          <p:val>
+                                            <p:strVal val="#ppt_y"/>
+                                          </p:val>
+                                        </p:tav>
+                                      </p:tavLst>
+                                    </p:anim>
+                                  </p:childTnLst>
+                                </p:cTn>
+                              </p:par>
+                              <p:par>
+                                <p:cTn id="43" presetID="42" presetClass="entr" presetSubtype="0" fill="hold" nodeType="withEffect">
+                                  <p:stCondLst>
+                                    <p:cond delay="0"/>
+                                  </p:stCondLst>
+                                  <p:childTnLst>
+                                    <p:set>
+                                      <p:cBhvr>
+                                        <p:cTn id="44" dur="1" fill="hold">
+                                          <p:stCondLst>
+                                            <p:cond delay="0"/>
+                                          </p:stCondLst>
+                                        </p:cTn>
+                                        <p:tgtEl>
+                                          <p:spTgt spid="5">
+                                            <p:txEl>
+                                              <p:pRg st="7" end="7"/>
+                                            </p:txEl>
+                                          </p:spTgt>
+                                        </p:tgtEl>
+                                        <p:attrNameLst>
+                                          <p:attrName>style.visibility</p:attrName>
+                                        </p:attrNameLst>
+                                      </p:cBhvr>
+                                      <p:to>
+                                        <p:strVal val="visible"/>
+                                      </p:to>
+                                    </p:set>
+                                    <p:animEffect transition="in" filter="fade">
+                                      <p:cBhvr>
+                                        <p:cTn id="45" dur="1000"/>
+                                        <p:tgtEl>
+                                          <p:spTgt spid="5">
+                                            <p:txEl>
+                                              <p:pRg st="7" end="7"/>
+                                            </p:txEl>
+                                          </p:spTgt>
+                                        </p:tgtEl>
+                                      </p:cBhvr>
+                                    </p:animEffect>
+                                    <p:anim calcmode="lin" valueType="num">
+                                      <p:cBhvr>
+                                        <p:cTn id="46" dur="1000" fill="hold"/>
+                                        <p:tgtEl>
+                                          <p:spTgt spid="5">
+                                            <p:txEl>
+                                              <p:pRg st="7" end="7"/>
+                                            </p:txEl>
+                                          </p:spTgt>
+                                        </p:tgtEl>
+                                        <p:attrNameLst>
+                                          <p:attrName>ppt_x</p:attrName>
+                                        </p:attrNameLst>
+                                      </p:cBhvr>
+                                      <p:tavLst>
+                                        <p:tav tm="0">
+                                          <p:val>
+                                            <p:strVal val="#ppt_x"/>
+                                          </p:val>
+                                        </p:tav>
+                                        <p:tav tm="100000">
+                                          <p:val>
+                                            <p:strVal val="#ppt_x"/>
+                                          </p:val>
+                                        </p:tav>
+                                      </p:tavLst>
+                                    </p:anim>
+                                    <p:anim calcmode="lin" valueType="num">
+                                      <p:cBhvr>
+                                        <p:cTn id="47" dur="1000" fill="hold"/>
+                                        <p:tgtEl>
+                                          <p:spTgt spid="5">
+                                            <p:txEl>
+                                              <p:pRg st="7" end="7"/>
+                                            </p:txEl>
+                                          </p:spTgt>
+                                        </p:tgtEl>
+                                        <p:attrNameLst>
+                                          <p:attrName>ppt_y</p:attrName>
+                                        </p:attrNameLst>
+                                      </p:cBhvr>
+                                      <p:tavLst>
+                                        <p:tav tm="0">
+                                          <p:val>
+                                            <p:strVal val="#ppt_y+.1"/>
+                                          </p:val>
+                                        </p:tav>
+                                        <p:tav tm="100000">
+                                          <p:val>
+                                            <p:strVal val="#ppt_y"/>
+                                          </p:val>
+                                        </p:tav>
+                                      </p:tavLst>
+                                    </p:anim>
+                                  </p:childTnLst>
+                                </p:cTn>
+                              </p:par>
+                            </p:childTnLst>
+                          </p:cTn>
+                        </p:par>
+                      </p:childTnLst>
+                    </p:cTn>
+                  </p:par>
+                </p:childTnLst>
+              </p:cTn>
+              <p:prevCondLst>
+                <p:cond evt="onPrev" delay="0">
+                  <p:tgtEl>
+                    <p:sldTgt/>
+                  </p:tgtEl>
+                </p:cond>
+              </p:prevCondLst>
+              <p:nextCondLst>
+                <p:cond evt="onNext" delay="0">
+                  <p:tgtEl>
+                    <p:sldTgt/>
+                  </p:tgtEl>
+                </p:cond>
+              </p:nextCondLst>
+            </p:seq>
+          </p:childTnLst>
+        </p:cTn>
+      </p:par>
+    </p:tnLst>
+  </p:timing>
+</p:sld>
+</file>
+
+<file path=ppt/slides/slide47.xml><?xml version="1.0" encoding="utf-8"?>
+<p:sld xmlns:a="http://schemas.openxmlformats.org/drawingml/2006/main" xmlns:r="http://schemas.openxmlformats.org/officeDocument/2006/relationships" xmlns:p="http://schemas.openxmlformats.org/presentationml/2006/main">
+  <p:cSld>
+    <p:spTree>
+      <p:nvGrpSpPr>
+        <p:cNvPr id="1" name=""/>
+        <p:cNvGrpSpPr/>
+        <p:nvPr/>
+      </p:nvGrpSpPr>
+      <p:grpSpPr>
+        <a:xfrm>
+          <a:off x="0" y="0"/>
+          <a:ext cx="0" cy="0"/>
+          <a:chOff x="0" y="0"/>
+          <a:chExt cx="0" cy="0"/>
+        </a:xfrm>
+      </p:grpSpPr>
+      <p:sp>
+        <p:nvSpPr>
+          <p:cNvPr id="2" name="Title 1"/>
+          <p:cNvSpPr>
+            <a:spLocks noGrp="1"/>
+          </p:cNvSpPr>
+          <p:nvPr>
+            <p:ph type="title"/>
+          </p:nvPr>
+        </p:nvSpPr>
+        <p:spPr/>
+        <p:txBody>
+          <a:bodyPr anchor="ctr"/>
+          <a:lstStyle/>
+          <a:p>
+            <a:pPr algn="ctr"/>
+            <a:r>
+              <a:rPr lang="en-US" b="1" dirty="0" smtClean="0">
+                <a:latin typeface="Google Sans"/>
+              </a:rPr>
+              <a:t>How to create array in javascript</a:t>
+            </a:r>
+            <a:endParaRPr lang="en-US" b="1" dirty="0">
+              <a:latin typeface="Google Sans"/>
+            </a:endParaRPr>
+          </a:p>
+        </p:txBody>
+      </p:sp>
+      <p:sp>
+        <p:nvSpPr>
+          <p:cNvPr id="5" name="TextBox 4"/>
+          <p:cNvSpPr txBox="1"/>
+          <p:nvPr/>
+        </p:nvSpPr>
+        <p:spPr>
+          <a:xfrm>
+            <a:off x="439615" y="2048608"/>
+            <a:ext cx="11271739" cy="1015663"/>
+          </a:xfrm>
+          <a:prstGeom prst="rect">
+            <a:avLst/>
+          </a:prstGeom>
+          <a:noFill/>
+        </p:spPr>
+        <p:txBody>
+          <a:bodyPr wrap="square" rtlCol="0">
+            <a:spAutoFit/>
+          </a:bodyPr>
+          <a:lstStyle/>
+          <a:p>
+            <a:pPr marL="342900" indent="-342900">
+              <a:lnSpc>
+                <a:spcPct val="150000"/>
+              </a:lnSpc>
+              <a:buFont typeface="Wingdings" panose="05000000000000000000" pitchFamily="2" charset="2"/>
+              <a:buChar char="Ø"/>
+            </a:pPr>
+            <a:r>
+              <a:rPr lang="en-US" sz="2000" dirty="0" smtClean="0">
+                <a:latin typeface="+mj-lt"/>
+              </a:rPr>
+              <a:t>We can create array by using </a:t>
+            </a:r>
+            <a:r>
+              <a:rPr lang="en-US" sz="2000" b="1" dirty="0" smtClean="0">
+                <a:latin typeface="+mj-lt"/>
+              </a:rPr>
+              <a:t>Array Literal </a:t>
+            </a:r>
+            <a:r>
+              <a:rPr lang="en-US" sz="2000" dirty="0" smtClean="0">
+                <a:latin typeface="+mj-lt"/>
+              </a:rPr>
+              <a:t>(</a:t>
+            </a:r>
+            <a:r>
+              <a:rPr lang="en-US" sz="2000" b="1" dirty="0" smtClean="0">
+                <a:latin typeface="+mj-lt"/>
+              </a:rPr>
+              <a:t>[ ]</a:t>
+            </a:r>
+            <a:r>
+              <a:rPr lang="en-US" sz="2000" dirty="0" smtClean="0">
+                <a:latin typeface="+mj-lt"/>
+              </a:rPr>
+              <a:t>).</a:t>
+            </a:r>
+            <a:r>
+              <a:rPr lang="en-US" sz="2000" b="1" dirty="0">
+                <a:latin typeface="+mj-lt"/>
+              </a:rPr>
+              <a:t>	</a:t>
+            </a:r>
+            <a:endParaRPr lang="en-US" sz="2000" b="1" dirty="0" smtClean="0">
+              <a:latin typeface="+mj-lt"/>
+            </a:endParaRPr>
+          </a:p>
+          <a:p>
+            <a:pPr marL="342900" indent="-342900">
+              <a:lnSpc>
+                <a:spcPct val="150000"/>
+              </a:lnSpc>
+              <a:buFont typeface="Wingdings" panose="05000000000000000000" pitchFamily="2" charset="2"/>
+              <a:buChar char="Ø"/>
+            </a:pPr>
+            <a:r>
+              <a:rPr lang="en-US" sz="2000" dirty="0"/>
+              <a:t>The most common and straightforward way to create arrays is by using array literals.</a:t>
+            </a:r>
+            <a:r>
+              <a:rPr lang="en-US" sz="2000" b="1" dirty="0" smtClean="0">
+                <a:latin typeface="Google Sans"/>
+              </a:rPr>
+              <a:t>	</a:t>
+            </a:r>
+          </a:p>
+        </p:txBody>
+      </p:sp>
+      <p:pic>
+        <p:nvPicPr>
+          <p:cNvPr id="3" name="Picture 2"/>
+          <p:cNvPicPr>
+            <a:picLocks noChangeAspect="1"/>
+          </p:cNvPicPr>
+          <p:nvPr/>
+        </p:nvPicPr>
+        <p:blipFill>
+          <a:blip r:embed="rId2"/>
+          <a:stretch>
+            <a:fillRect/>
+          </a:stretch>
+        </p:blipFill>
+        <p:spPr>
+          <a:xfrm>
+            <a:off x="2309284" y="3548605"/>
+            <a:ext cx="7573432" cy="2715004"/>
+          </a:xfrm>
+          <a:prstGeom prst="rect">
+            <a:avLst/>
+          </a:prstGeom>
+        </p:spPr>
+      </p:pic>
+    </p:spTree>
+    <p:extLst>
+      <p:ext uri="{BB962C8B-B14F-4D97-AF65-F5344CB8AC3E}">
+        <p14:creationId xmlns:p14="http://schemas.microsoft.com/office/powerpoint/2010/main" val="4169942392"/>
+      </p:ext>
+    </p:extLst>
+  </p:cSld>
+  <p:clrMapOvr>
+    <a:masterClrMapping/>
+  </p:clrMapOvr>
+  <p:timing>
+    <p:tnLst>
+      <p:par>
+        <p:cTn id="1" dur="indefinite" restart="never" nodeType="tmRoot">
+          <p:childTnLst>
+            <p:seq concurrent="1" nextAc="seek">
+              <p:cTn id="2" dur="indefinite" nodeType="mainSeq">
+                <p:childTnLst>
+                  <p:par>
+                    <p:cTn id="3" fill="hold">
+                      <p:stCondLst>
+                        <p:cond delay="indefinite"/>
+                      </p:stCondLst>
+                      <p:childTnLst>
+                        <p:par>
+                          <p:cTn id="4" fill="hold">
+                            <p:stCondLst>
+                              <p:cond delay="0"/>
+                            </p:stCondLst>
+                            <p:childTnLst>
+                              <p:par>
+                                <p:cTn id="5" presetID="42" presetClass="entr" presetSubtype="0" fill="hold" nodeType="clickEffect">
+                                  <p:stCondLst>
+                                    <p:cond delay="0"/>
+                                  </p:stCondLst>
+                                  <p:childTnLst>
+                                    <p:set>
+                                      <p:cBhvr>
+                                        <p:cTn id="6" dur="1" fill="hold">
+                                          <p:stCondLst>
+                                            <p:cond delay="0"/>
+                                          </p:stCondLst>
+                                        </p:cTn>
+                                        <p:tgtEl>
+                                          <p:spTgt spid="5">
+                                            <p:txEl>
+                                              <p:pRg st="0" end="0"/>
+                                            </p:txEl>
+                                          </p:spTgt>
+                                        </p:tgtEl>
+                                        <p:attrNameLst>
+                                          <p:attrName>style.visibility</p:attrName>
+                                        </p:attrNameLst>
+                                      </p:cBhvr>
+                                      <p:to>
+                                        <p:strVal val="visible"/>
+                                      </p:to>
+                                    </p:set>
+                                    <p:animEffect transition="in" filter="fade">
+                                      <p:cBhvr>
+                                        <p:cTn id="7" dur="1000"/>
+                                        <p:tgtEl>
+                                          <p:spTgt spid="5">
+                                            <p:txEl>
+                                              <p:pRg st="0" end="0"/>
+                                            </p:txEl>
+                                          </p:spTgt>
+                                        </p:tgtEl>
+                                      </p:cBhvr>
+                                    </p:animEffect>
+                                    <p:anim calcmode="lin" valueType="num">
+                                      <p:cBhvr>
+                                        <p:cTn id="8" dur="1000" fill="hold"/>
+                                        <p:tgtEl>
+                                          <p:spTgt spid="5">
+                                            <p:txEl>
+                                              <p:pRg st="0" end="0"/>
+                                            </p:txEl>
+                                          </p:spTgt>
+                                        </p:tgtEl>
+                                        <p:attrNameLst>
+                                          <p:attrName>ppt_x</p:attrName>
+                                        </p:attrNameLst>
+                                      </p:cBhvr>
+                                      <p:tavLst>
+                                        <p:tav tm="0">
+                                          <p:val>
+                                            <p:strVal val="#ppt_x"/>
+                                          </p:val>
+                                        </p:tav>
+                                        <p:tav tm="100000">
+                                          <p:val>
+                                            <p:strVal val="#ppt_x"/>
+                                          </p:val>
+                                        </p:tav>
+                                      </p:tavLst>
+                                    </p:anim>
+                                    <p:anim calcmode="lin" valueType="num">
+                                      <p:cBhvr>
+                                        <p:cTn id="9" dur="1000" fill="hold"/>
+                                        <p:tgtEl>
+                                          <p:spTgt spid="5">
+                                            <p:txEl>
+                                              <p:pRg st="0" end="0"/>
+                                            </p:txEl>
+                                          </p:spTgt>
+                                        </p:tgtEl>
+                                        <p:attrNameLst>
+                                          <p:attrName>ppt_y</p:attrName>
+                                        </p:attrNameLst>
+                                      </p:cBhvr>
+                                      <p:tavLst>
+                                        <p:tav tm="0">
+                                          <p:val>
+                                            <p:strVal val="#ppt_y+.1"/>
+                                          </p:val>
+                                        </p:tav>
+                                        <p:tav tm="100000">
+                                          <p:val>
+                                            <p:strVal val="#ppt_y"/>
+                                          </p:val>
+                                        </p:tav>
+                                      </p:tavLst>
+                                    </p:anim>
+                                  </p:childTnLst>
+                                </p:cTn>
+                              </p:par>
+                            </p:childTnLst>
+                          </p:cTn>
+                        </p:par>
+                      </p:childTnLst>
+                    </p:cTn>
+                  </p:par>
+                  <p:par>
+                    <p:cTn id="10" fill="hold">
+                      <p:stCondLst>
+                        <p:cond delay="indefinite"/>
+                      </p:stCondLst>
+                      <p:childTnLst>
+                        <p:par>
+                          <p:cTn id="11" fill="hold">
+                            <p:stCondLst>
+                              <p:cond delay="0"/>
+                            </p:stCondLst>
+                            <p:childTnLst>
+                              <p:par>
+                                <p:cTn id="12" presetID="42" presetClass="entr" presetSubtype="0" fill="hold" nodeType="clickEffect">
+                                  <p:stCondLst>
+                                    <p:cond delay="0"/>
+                                  </p:stCondLst>
+                                  <p:childTnLst>
+                                    <p:set>
+                                      <p:cBhvr>
+                                        <p:cTn id="13" dur="1" fill="hold">
+                                          <p:stCondLst>
+                                            <p:cond delay="0"/>
+                                          </p:stCondLst>
+                                        </p:cTn>
+                                        <p:tgtEl>
+                                          <p:spTgt spid="5">
+                                            <p:txEl>
+                                              <p:pRg st="1" end="1"/>
+                                            </p:txEl>
+                                          </p:spTgt>
+                                        </p:tgtEl>
+                                        <p:attrNameLst>
+                                          <p:attrName>style.visibility</p:attrName>
+                                        </p:attrNameLst>
+                                      </p:cBhvr>
+                                      <p:to>
+                                        <p:strVal val="visible"/>
+                                      </p:to>
+                                    </p:set>
+                                    <p:animEffect transition="in" filter="fade">
+                                      <p:cBhvr>
+                                        <p:cTn id="14" dur="1000"/>
+                                        <p:tgtEl>
+                                          <p:spTgt spid="5">
+                                            <p:txEl>
+                                              <p:pRg st="1" end="1"/>
+                                            </p:txEl>
+                                          </p:spTgt>
+                                        </p:tgtEl>
+                                      </p:cBhvr>
+                                    </p:animEffect>
+                                    <p:anim calcmode="lin" valueType="num">
+                                      <p:cBhvr>
+                                        <p:cTn id="15" dur="1000" fill="hold"/>
+                                        <p:tgtEl>
+                                          <p:spTgt spid="5">
+                                            <p:txEl>
+                                              <p:pRg st="1" end="1"/>
+                                            </p:txEl>
+                                          </p:spTgt>
+                                        </p:tgtEl>
+                                        <p:attrNameLst>
+                                          <p:attrName>ppt_x</p:attrName>
+                                        </p:attrNameLst>
+                                      </p:cBhvr>
+                                      <p:tavLst>
+                                        <p:tav tm="0">
+                                          <p:val>
+                                            <p:strVal val="#ppt_x"/>
+                                          </p:val>
+                                        </p:tav>
+                                        <p:tav tm="100000">
+                                          <p:val>
+                                            <p:strVal val="#ppt_x"/>
+                                          </p:val>
+                                        </p:tav>
+                                      </p:tavLst>
+                                    </p:anim>
+                                    <p:anim calcmode="lin" valueType="num">
+                                      <p:cBhvr>
+                                        <p:cTn id="16" dur="1000" fill="hold"/>
+                                        <p:tgtEl>
+                                          <p:spTgt spid="5">
+                                            <p:txEl>
+                                              <p:pRg st="1" end="1"/>
+                                            </p:txEl>
+                                          </p:spTgt>
+                                        </p:tgtEl>
+                                        <p:attrNameLst>
+                                          <p:attrName>ppt_y</p:attrName>
+                                        </p:attrNameLst>
+                                      </p:cBhvr>
+                                      <p:tavLst>
+                                        <p:tav tm="0">
+                                          <p:val>
+                                            <p:strVal val="#ppt_y+.1"/>
+                                          </p:val>
+                                        </p:tav>
+                                        <p:tav tm="100000">
+                                          <p:val>
+                                            <p:strVal val="#ppt_y"/>
+                                          </p:val>
+                                        </p:tav>
+                                      </p:tavLst>
+                                    </p:anim>
+                                  </p:childTnLst>
+                                </p:cTn>
+                              </p:par>
+                            </p:childTnLst>
+                          </p:cTn>
+                        </p:par>
+                      </p:childTnLst>
+                    </p:cTn>
+                  </p:par>
+                  <p:par>
+                    <p:cTn id="17" fill="hold">
+                      <p:stCondLst>
+                        <p:cond delay="indefinite"/>
+                      </p:stCondLst>
+                      <p:childTnLst>
+                        <p:par>
+                          <p:cTn id="18" fill="hold">
+                            <p:stCondLst>
+                              <p:cond delay="0"/>
+                            </p:stCondLst>
+                            <p:childTnLst>
+                              <p:par>
+                                <p:cTn id="19" presetID="14" presetClass="entr" presetSubtype="10" fill="hold" nodeType="clickEffect">
+                                  <p:stCondLst>
+                                    <p:cond delay="0"/>
+                                  </p:stCondLst>
+                                  <p:childTnLst>
+                                    <p:set>
+                                      <p:cBhvr>
+                                        <p:cTn id="20" dur="1" fill="hold">
+                                          <p:stCondLst>
+                                            <p:cond delay="0"/>
+                                          </p:stCondLst>
+                                        </p:cTn>
+                                        <p:tgtEl>
+                                          <p:spTgt spid="3"/>
+                                        </p:tgtEl>
+                                        <p:attrNameLst>
+                                          <p:attrName>style.visibility</p:attrName>
+                                        </p:attrNameLst>
+                                      </p:cBhvr>
+                                      <p:to>
+                                        <p:strVal val="visible"/>
+                                      </p:to>
+                                    </p:set>
+                                    <p:animEffect transition="in" filter="randombar(horizontal)">
+                                      <p:cBhvr>
+                                        <p:cTn id="21" dur="500"/>
+                                        <p:tgtEl>
+                                          <p:spTgt spid="3"/>
+                                        </p:tgtEl>
+                                      </p:cBhvr>
+                                    </p:animEffect>
+                                  </p:childTnLst>
+                                </p:cTn>
+                              </p:par>
+                            </p:childTnLst>
+                          </p:cTn>
+                        </p:par>
+                      </p:childTnLst>
+                    </p:cTn>
+                  </p:par>
+                </p:childTnLst>
+              </p:cTn>
+              <p:prevCondLst>
+                <p:cond evt="onPrev" delay="0">
+                  <p:tgtEl>
+                    <p:sldTgt/>
+                  </p:tgtEl>
+                </p:cond>
+              </p:prevCondLst>
+              <p:nextCondLst>
+                <p:cond evt="onNext" delay="0">
+                  <p:tgtEl>
+                    <p:sldTgt/>
+                  </p:tgtEl>
+                </p:cond>
+              </p:nextCondLst>
+            </p:seq>
+          </p:childTnLst>
+        </p:cTn>
+      </p:par>
+    </p:tnLst>
+  </p:timing>
+</p:sld>
+</file>
+
+<file path=ppt/slides/slide48.xml><?xml version="1.0" encoding="utf-8"?>
+<p:sld xmlns:a="http://schemas.openxmlformats.org/drawingml/2006/main" xmlns:r="http://schemas.openxmlformats.org/officeDocument/2006/relationships" xmlns:p="http://schemas.openxmlformats.org/presentationml/2006/main">
+  <p:cSld>
+    <p:spTree>
+      <p:nvGrpSpPr>
+        <p:cNvPr id="1" name=""/>
+        <p:cNvGrpSpPr/>
+        <p:nvPr/>
+      </p:nvGrpSpPr>
+      <p:grpSpPr>
+        <a:xfrm>
+          <a:off x="0" y="0"/>
+          <a:ext cx="0" cy="0"/>
+          <a:chOff x="0" y="0"/>
+          <a:chExt cx="0" cy="0"/>
+        </a:xfrm>
+      </p:grpSpPr>
+      <p:sp>
+        <p:nvSpPr>
+          <p:cNvPr id="2" name="Title 1"/>
+          <p:cNvSpPr>
+            <a:spLocks noGrp="1"/>
+          </p:cNvSpPr>
+          <p:nvPr>
+            <p:ph type="title"/>
+          </p:nvPr>
+        </p:nvSpPr>
+        <p:spPr/>
+        <p:txBody>
+          <a:bodyPr anchor="ctr"/>
+          <a:lstStyle/>
+          <a:p>
+            <a:pPr algn="ctr"/>
+            <a:r>
+              <a:rPr lang="en-US" dirty="0"/>
+              <a:t>Accessing Elements of an Array</a:t>
+            </a:r>
+            <a:endParaRPr lang="en-US" b="1" dirty="0">
+              <a:latin typeface="Google Sans"/>
+            </a:endParaRPr>
+          </a:p>
+        </p:txBody>
+      </p:sp>
+      <p:sp>
+        <p:nvSpPr>
+          <p:cNvPr id="5" name="TextBox 4"/>
+          <p:cNvSpPr txBox="1"/>
+          <p:nvPr/>
+        </p:nvSpPr>
+        <p:spPr>
+          <a:xfrm>
+            <a:off x="439615" y="2048608"/>
+            <a:ext cx="11271739" cy="499239"/>
+          </a:xfrm>
+          <a:prstGeom prst="rect">
+            <a:avLst/>
+          </a:prstGeom>
+          <a:noFill/>
+        </p:spPr>
+        <p:txBody>
+          <a:bodyPr wrap="square" rtlCol="0">
+            <a:spAutoFit/>
+          </a:bodyPr>
+          <a:lstStyle/>
+          <a:p>
+            <a:pPr marL="342900" indent="-342900">
+              <a:lnSpc>
+                <a:spcPct val="150000"/>
+              </a:lnSpc>
+              <a:buFont typeface="Wingdings" panose="05000000000000000000" pitchFamily="2" charset="2"/>
+              <a:buChar char="Ø"/>
+            </a:pPr>
+            <a:r>
+              <a:rPr lang="en-US" sz="2000" dirty="0" smtClean="0">
+                <a:latin typeface="+mj-lt"/>
+              </a:rPr>
+              <a:t>We can access array elements by using their index value.</a:t>
+            </a:r>
+            <a:endParaRPr lang="en-US" sz="2000" b="1" dirty="0" smtClean="0">
+              <a:latin typeface="Google Sans"/>
+            </a:endParaRPr>
+          </a:p>
+        </p:txBody>
+      </p:sp>
+      <p:pic>
+        <p:nvPicPr>
+          <p:cNvPr id="6" name="Picture 5"/>
+          <p:cNvPicPr>
+            <a:picLocks noChangeAspect="1"/>
+          </p:cNvPicPr>
+          <p:nvPr/>
+        </p:nvPicPr>
+        <p:blipFill>
+          <a:blip r:embed="rId2"/>
+          <a:stretch>
+            <a:fillRect/>
+          </a:stretch>
+        </p:blipFill>
+        <p:spPr>
+          <a:xfrm>
+            <a:off x="2303057" y="3033498"/>
+            <a:ext cx="7544853" cy="3077004"/>
+          </a:xfrm>
+          <a:prstGeom prst="rect">
+            <a:avLst/>
+          </a:prstGeom>
+        </p:spPr>
+      </p:pic>
+    </p:spTree>
+    <p:extLst>
+      <p:ext uri="{BB962C8B-B14F-4D97-AF65-F5344CB8AC3E}">
+        <p14:creationId xmlns:p14="http://schemas.microsoft.com/office/powerpoint/2010/main" val="562203903"/>
+      </p:ext>
+    </p:extLst>
+  </p:cSld>
+  <p:clrMapOvr>
+    <a:masterClrMapping/>
+  </p:clrMapOvr>
+  <p:timing>
+    <p:tnLst>
+      <p:par>
+        <p:cTn id="1" dur="indefinite" restart="never" nodeType="tmRoot">
+          <p:childTnLst>
+            <p:seq concurrent="1" nextAc="seek">
+              <p:cTn id="2" dur="indefinite" nodeType="mainSeq">
+                <p:childTnLst>
+                  <p:par>
+                    <p:cTn id="3" fill="hold">
+                      <p:stCondLst>
+                        <p:cond delay="indefinite"/>
+                      </p:stCondLst>
+                      <p:childTnLst>
+                        <p:par>
+                          <p:cTn id="4" fill="hold">
+                            <p:stCondLst>
+                              <p:cond delay="0"/>
+                            </p:stCondLst>
+                            <p:childTnLst>
+                              <p:par>
+                                <p:cTn id="5" presetID="42" presetClass="entr" presetSubtype="0" fill="hold" nodeType="clickEffect">
+                                  <p:stCondLst>
+                                    <p:cond delay="0"/>
+                                  </p:stCondLst>
+                                  <p:childTnLst>
+                                    <p:set>
+                                      <p:cBhvr>
+                                        <p:cTn id="6" dur="1" fill="hold">
+                                          <p:stCondLst>
+                                            <p:cond delay="0"/>
+                                          </p:stCondLst>
+                                        </p:cTn>
+                                        <p:tgtEl>
+                                          <p:spTgt spid="5">
+                                            <p:txEl>
+                                              <p:pRg st="0" end="0"/>
+                                            </p:txEl>
+                                          </p:spTgt>
+                                        </p:tgtEl>
+                                        <p:attrNameLst>
+                                          <p:attrName>style.visibility</p:attrName>
+                                        </p:attrNameLst>
+                                      </p:cBhvr>
+                                      <p:to>
+                                        <p:strVal val="visible"/>
+                                      </p:to>
+                                    </p:set>
+                                    <p:animEffect transition="in" filter="fade">
+                                      <p:cBhvr>
+                                        <p:cTn id="7" dur="1000"/>
+                                        <p:tgtEl>
+                                          <p:spTgt spid="5">
+                                            <p:txEl>
+                                              <p:pRg st="0" end="0"/>
+                                            </p:txEl>
+                                          </p:spTgt>
+                                        </p:tgtEl>
+                                      </p:cBhvr>
+                                    </p:animEffect>
+                                    <p:anim calcmode="lin" valueType="num">
+                                      <p:cBhvr>
+                                        <p:cTn id="8" dur="1000" fill="hold"/>
+                                        <p:tgtEl>
+                                          <p:spTgt spid="5">
+                                            <p:txEl>
+                                              <p:pRg st="0" end="0"/>
+                                            </p:txEl>
+                                          </p:spTgt>
+                                        </p:tgtEl>
+                                        <p:attrNameLst>
+                                          <p:attrName>ppt_x</p:attrName>
+                                        </p:attrNameLst>
+                                      </p:cBhvr>
+                                      <p:tavLst>
+                                        <p:tav tm="0">
+                                          <p:val>
+                                            <p:strVal val="#ppt_x"/>
+                                          </p:val>
+                                        </p:tav>
+                                        <p:tav tm="100000">
+                                          <p:val>
+                                            <p:strVal val="#ppt_x"/>
+                                          </p:val>
+                                        </p:tav>
+                                      </p:tavLst>
+                                    </p:anim>
+                                    <p:anim calcmode="lin" valueType="num">
+                                      <p:cBhvr>
+                                        <p:cTn id="9" dur="1000" fill="hold"/>
+                                        <p:tgtEl>
+                                          <p:spTgt spid="5">
+                                            <p:txEl>
+                                              <p:pRg st="0" end="0"/>
+                                            </p:txEl>
+                                          </p:spTgt>
+                                        </p:tgtEl>
+                                        <p:attrNameLst>
+                                          <p:attrName>ppt_y</p:attrName>
+                                        </p:attrNameLst>
+                                      </p:cBhvr>
+                                      <p:tavLst>
+                                        <p:tav tm="0">
+                                          <p:val>
+                                            <p:strVal val="#ppt_y+.1"/>
+                                          </p:val>
+                                        </p:tav>
+                                        <p:tav tm="100000">
+                                          <p:val>
+                                            <p:strVal val="#ppt_y"/>
+                                          </p:val>
+                                        </p:tav>
+                                      </p:tavLst>
+                                    </p:anim>
+                                  </p:childTnLst>
+                                </p:cTn>
+                              </p:par>
+                            </p:childTnLst>
+                          </p:cTn>
+                        </p:par>
+                      </p:childTnLst>
+                    </p:cTn>
+                  </p:par>
+                  <p:par>
+                    <p:cTn id="10" fill="hold">
+                      <p:stCondLst>
+                        <p:cond delay="indefinite"/>
+                      </p:stCondLst>
+                      <p:childTnLst>
+                        <p:par>
+                          <p:cTn id="11" fill="hold">
+                            <p:stCondLst>
+                              <p:cond delay="0"/>
+                            </p:stCondLst>
+                            <p:childTnLst>
+                              <p:par>
+                                <p:cTn id="12" presetID="14" presetClass="entr" presetSubtype="10" fill="hold" nodeType="clickEffect">
+                                  <p:stCondLst>
+                                    <p:cond delay="0"/>
+                                  </p:stCondLst>
+                                  <p:childTnLst>
+                                    <p:set>
+                                      <p:cBhvr>
+                                        <p:cTn id="13" dur="1" fill="hold">
+                                          <p:stCondLst>
+                                            <p:cond delay="0"/>
+                                          </p:stCondLst>
+                                        </p:cTn>
+                                        <p:tgtEl>
+                                          <p:spTgt spid="6"/>
+                                        </p:tgtEl>
+                                        <p:attrNameLst>
+                                          <p:attrName>style.visibility</p:attrName>
+                                        </p:attrNameLst>
+                                      </p:cBhvr>
+                                      <p:to>
+                                        <p:strVal val="visible"/>
+                                      </p:to>
+                                    </p:set>
+                                    <p:animEffect transition="in" filter="randombar(horizontal)">
+                                      <p:cBhvr>
+                                        <p:cTn id="14" dur="500"/>
+                                        <p:tgtEl>
+                                          <p:spTgt spid="6"/>
+                                        </p:tgtEl>
+                                      </p:cBhvr>
+                                    </p:animEffect>
+                                  </p:childTnLst>
+                                </p:cTn>
+                              </p:par>
+                            </p:childTnLst>
+                          </p:cTn>
+                        </p:par>
+                      </p:childTnLst>
+                    </p:cTn>
+                  </p:par>
+                </p:childTnLst>
+              </p:cTn>
+              <p:prevCondLst>
+                <p:cond evt="onPrev" delay="0">
+                  <p:tgtEl>
+                    <p:sldTgt/>
+                  </p:tgtEl>
+                </p:cond>
+              </p:prevCondLst>
+              <p:nextCondLst>
+                <p:cond evt="onNext" delay="0">
+                  <p:tgtEl>
+                    <p:sldTgt/>
+                  </p:tgtEl>
+                </p:cond>
+              </p:nextCondLst>
+            </p:seq>
+          </p:childTnLst>
+        </p:cTn>
+      </p:par>
+    </p:tnLst>
+  </p:timing>
+</p:sld>
+</file>
+
+<file path=ppt/slides/slide49.xml><?xml version="1.0" encoding="utf-8"?>
+<p:sld xmlns:a="http://schemas.openxmlformats.org/drawingml/2006/main" xmlns:r="http://schemas.openxmlformats.org/officeDocument/2006/relationships" xmlns:p="http://schemas.openxmlformats.org/presentationml/2006/main">
+  <p:cSld>
+    <p:spTree>
+      <p:nvGrpSpPr>
+        <p:cNvPr id="1" name=""/>
+        <p:cNvGrpSpPr/>
+        <p:nvPr/>
+      </p:nvGrpSpPr>
+      <p:grpSpPr>
+        <a:xfrm>
+          <a:off x="0" y="0"/>
+          <a:ext cx="0" cy="0"/>
+          <a:chOff x="0" y="0"/>
+          <a:chExt cx="0" cy="0"/>
+        </a:xfrm>
+      </p:grpSpPr>
+      <p:sp>
+        <p:nvSpPr>
+          <p:cNvPr id="2" name="Title 1"/>
+          <p:cNvSpPr>
+            <a:spLocks noGrp="1"/>
+          </p:cNvSpPr>
+          <p:nvPr>
+            <p:ph type="title"/>
+          </p:nvPr>
+        </p:nvSpPr>
+        <p:spPr/>
+        <p:txBody>
+          <a:bodyPr anchor="ctr"/>
+          <a:lstStyle/>
+          <a:p>
+            <a:pPr algn="ctr"/>
+            <a:r>
+              <a:rPr lang="en-US" b="1" dirty="0" smtClean="0">
+                <a:latin typeface="Google Sans"/>
+              </a:rPr>
+              <a:t>Array – length property</a:t>
+            </a:r>
+            <a:endParaRPr lang="en-US" b="1" dirty="0">
+              <a:latin typeface="Google Sans"/>
+            </a:endParaRPr>
+          </a:p>
+        </p:txBody>
+      </p:sp>
+      <p:sp>
+        <p:nvSpPr>
+          <p:cNvPr id="5" name="TextBox 4"/>
+          <p:cNvSpPr txBox="1"/>
+          <p:nvPr/>
+        </p:nvSpPr>
+        <p:spPr>
+          <a:xfrm>
+            <a:off x="439615" y="2048608"/>
+            <a:ext cx="11271739" cy="958660"/>
+          </a:xfrm>
+          <a:prstGeom prst="rect">
+            <a:avLst/>
+          </a:prstGeom>
+          <a:noFill/>
+        </p:spPr>
+        <p:txBody>
+          <a:bodyPr wrap="square" rtlCol="0">
+            <a:spAutoFit/>
+          </a:bodyPr>
+          <a:lstStyle/>
+          <a:p>
+            <a:pPr marL="342900" indent="-342900">
+              <a:lnSpc>
+                <a:spcPct val="150000"/>
+              </a:lnSpc>
+              <a:buFont typeface="Wingdings" panose="05000000000000000000" pitchFamily="2" charset="2"/>
+              <a:buChar char="Ø"/>
+            </a:pPr>
+            <a:r>
+              <a:rPr lang="en-US" sz="2000" b="1" u="sng" dirty="0" smtClean="0">
+                <a:latin typeface="Google Sans"/>
+              </a:rPr>
+              <a:t>length</a:t>
+            </a:r>
+            <a:r>
+              <a:rPr lang="en-US" sz="2000" dirty="0" smtClean="0">
+                <a:latin typeface="Google Sans"/>
+              </a:rPr>
+              <a:t>: The </a:t>
+            </a:r>
+            <a:r>
+              <a:rPr lang="en-US" sz="2000" i="1" dirty="0" smtClean="0">
+                <a:solidFill>
+                  <a:srgbClr val="FF0000"/>
+                </a:solidFill>
+                <a:latin typeface="Google Sans"/>
+              </a:rPr>
+              <a:t>length </a:t>
+            </a:r>
+            <a:r>
+              <a:rPr lang="en-US" sz="2000" dirty="0" smtClean="0">
+                <a:latin typeface="Google Sans"/>
+              </a:rPr>
+              <a:t>property of an array in javascript returns the numbers of elements in the array. (count)</a:t>
+            </a:r>
+          </a:p>
+        </p:txBody>
+      </p:sp>
+      <p:pic>
+        <p:nvPicPr>
+          <p:cNvPr id="4" name="Picture 3"/>
+          <p:cNvPicPr>
+            <a:picLocks noChangeAspect="1"/>
+          </p:cNvPicPr>
+          <p:nvPr/>
+        </p:nvPicPr>
+        <p:blipFill>
+          <a:blip r:embed="rId2"/>
+          <a:stretch>
+            <a:fillRect/>
+          </a:stretch>
+        </p:blipFill>
+        <p:spPr>
+          <a:xfrm>
+            <a:off x="3508138" y="3554134"/>
+            <a:ext cx="5134692" cy="2229161"/>
+          </a:xfrm>
+          <a:prstGeom prst="rect">
+            <a:avLst/>
+          </a:prstGeom>
+        </p:spPr>
+      </p:pic>
+    </p:spTree>
+    <p:extLst>
+      <p:ext uri="{BB962C8B-B14F-4D97-AF65-F5344CB8AC3E}">
+        <p14:creationId xmlns:p14="http://schemas.microsoft.com/office/powerpoint/2010/main" val="2906068982"/>
+      </p:ext>
+    </p:extLst>
+  </p:cSld>
+  <p:clrMapOvr>
+    <a:masterClrMapping/>
+  </p:clrMapOvr>
+  <p:timing>
+    <p:tnLst>
+      <p:par>
+        <p:cTn id="1" dur="indefinite" restart="never" nodeType="tmRoot">
+          <p:childTnLst>
+            <p:seq concurrent="1" nextAc="seek">
+              <p:cTn id="2" dur="indefinite" nodeType="mainSeq">
+                <p:childTnLst>
+                  <p:par>
+                    <p:cTn id="3" fill="hold">
+                      <p:stCondLst>
+                        <p:cond delay="indefinite"/>
+                      </p:stCondLst>
+                      <p:childTnLst>
+                        <p:par>
+                          <p:cTn id="4" fill="hold">
+                            <p:stCondLst>
+                              <p:cond delay="0"/>
+                            </p:stCondLst>
+                            <p:childTnLst>
+                              <p:par>
+                                <p:cTn id="5" presetID="42" presetClass="entr" presetSubtype="0" fill="hold" nodeType="clickEffect">
+                                  <p:stCondLst>
+                                    <p:cond delay="0"/>
+                                  </p:stCondLst>
+                                  <p:childTnLst>
+                                    <p:set>
+                                      <p:cBhvr>
+                                        <p:cTn id="6" dur="1" fill="hold">
+                                          <p:stCondLst>
+                                            <p:cond delay="0"/>
+                                          </p:stCondLst>
+                                        </p:cTn>
+                                        <p:tgtEl>
+                                          <p:spTgt spid="5">
+                                            <p:txEl>
+                                              <p:pRg st="0" end="0"/>
+                                            </p:txEl>
+                                          </p:spTgt>
+                                        </p:tgtEl>
+                                        <p:attrNameLst>
+                                          <p:attrName>style.visibility</p:attrName>
+                                        </p:attrNameLst>
+                                      </p:cBhvr>
+                                      <p:to>
+                                        <p:strVal val="visible"/>
+                                      </p:to>
+                                    </p:set>
+                                    <p:animEffect transition="in" filter="fade">
+                                      <p:cBhvr>
+                                        <p:cTn id="7" dur="1000"/>
+                                        <p:tgtEl>
+                                          <p:spTgt spid="5">
+                                            <p:txEl>
+                                              <p:pRg st="0" end="0"/>
+                                            </p:txEl>
+                                          </p:spTgt>
+                                        </p:tgtEl>
+                                      </p:cBhvr>
+                                    </p:animEffect>
+                                    <p:anim calcmode="lin" valueType="num">
+                                      <p:cBhvr>
+                                        <p:cTn id="8" dur="1000" fill="hold"/>
+                                        <p:tgtEl>
+                                          <p:spTgt spid="5">
+                                            <p:txEl>
+                                              <p:pRg st="0" end="0"/>
+                                            </p:txEl>
+                                          </p:spTgt>
+                                        </p:tgtEl>
+                                        <p:attrNameLst>
+                                          <p:attrName>ppt_x</p:attrName>
+                                        </p:attrNameLst>
+                                      </p:cBhvr>
+                                      <p:tavLst>
+                                        <p:tav tm="0">
+                                          <p:val>
+                                            <p:strVal val="#ppt_x"/>
+                                          </p:val>
+                                        </p:tav>
+                                        <p:tav tm="100000">
+                                          <p:val>
+                                            <p:strVal val="#ppt_x"/>
+                                          </p:val>
+                                        </p:tav>
+                                      </p:tavLst>
+                                    </p:anim>
+                                    <p:anim calcmode="lin" valueType="num">
+                                      <p:cBhvr>
+                                        <p:cTn id="9" dur="1000" fill="hold"/>
+                                        <p:tgtEl>
+                                          <p:spTgt spid="5">
+                                            <p:txEl>
+                                              <p:pRg st="0" end="0"/>
+                                            </p:txEl>
+                                          </p:spTgt>
+                                        </p:tgtEl>
+                                        <p:attrNameLst>
+                                          <p:attrName>ppt_y</p:attrName>
+                                        </p:attrNameLst>
+                                      </p:cBhvr>
+                                      <p:tavLst>
+                                        <p:tav tm="0">
+                                          <p:val>
+                                            <p:strVal val="#ppt_y+.1"/>
+                                          </p:val>
+                                        </p:tav>
+                                        <p:tav tm="100000">
+                                          <p:val>
+                                            <p:strVal val="#ppt_y"/>
+                                          </p:val>
+                                        </p:tav>
+                                      </p:tavLst>
+                                    </p:anim>
+                                  </p:childTnLst>
+                                </p:cTn>
+                              </p:par>
+                            </p:childTnLst>
+                          </p:cTn>
+                        </p:par>
+                      </p:childTnLst>
+                    </p:cTn>
+                  </p:par>
+                  <p:par>
+                    <p:cTn id="10" fill="hold">
+                      <p:stCondLst>
+                        <p:cond delay="indefinite"/>
+                      </p:stCondLst>
+                      <p:childTnLst>
+                        <p:par>
+                          <p:cTn id="11" fill="hold">
+                            <p:stCondLst>
+                              <p:cond delay="0"/>
+                            </p:stCondLst>
+                            <p:childTnLst>
+                              <p:par>
+                                <p:cTn id="12" presetID="14" presetClass="entr" presetSubtype="10" fill="hold" nodeType="clickEffect">
+                                  <p:stCondLst>
+                                    <p:cond delay="0"/>
+                                  </p:stCondLst>
+                                  <p:childTnLst>
+                                    <p:set>
+                                      <p:cBhvr>
+                                        <p:cTn id="13" dur="1" fill="hold">
+                                          <p:stCondLst>
+                                            <p:cond delay="0"/>
+                                          </p:stCondLst>
+                                        </p:cTn>
+                                        <p:tgtEl>
+                                          <p:spTgt spid="4"/>
+                                        </p:tgtEl>
+                                        <p:attrNameLst>
+                                          <p:attrName>style.visibility</p:attrName>
+                                        </p:attrNameLst>
+                                      </p:cBhvr>
+                                      <p:to>
+                                        <p:strVal val="visible"/>
+                                      </p:to>
+                                    </p:set>
+                                    <p:animEffect transition="in" filter="randombar(horizontal)">
+                                      <p:cBhvr>
+                                        <p:cTn id="14" dur="500"/>
+                                        <p:tgtEl>
+                                          <p:spTgt spid="4"/>
+                                        </p:tgtEl>
+                                      </p:cBhvr>
+                                    </p:animEffect>
+                                  </p:childTnLst>
+                                </p:cTn>
+                              </p:par>
+                            </p:childTnLst>
+                          </p:cTn>
+                        </p:par>
+                      </p:childTnLst>
+                    </p:cTn>
+                  </p:par>
+                </p:childTnLst>
+              </p:cTn>
+              <p:prevCondLst>
+                <p:cond evt="onPrev" delay="0">
+                  <p:tgtEl>
+                    <p:sldTgt/>
+                  </p:tgtEl>
+                </p:cond>
+              </p:prevCondLst>
+              <p:nextCondLst>
+                <p:cond evt="onNext" delay="0">
+                  <p:tgtEl>
+                    <p:sldTgt/>
+                  </p:tgtEl>
+                </p:cond>
+              </p:nextCondLst>
+            </p:seq>
+          </p:childTnLst>
+        </p:cTn>
+      </p:par>
+    </p:tnLst>
+  </p:timing>
+</p:sld>
+</file>
+
 <file path=ppt/slides/slide5.xml><?xml version="1.0" encoding="utf-8"?>
 <p:sld xmlns:a="http://schemas.openxmlformats.org/drawingml/2006/main" xmlns:r="http://schemas.openxmlformats.org/officeDocument/2006/relationships" xmlns:p="http://schemas.openxmlformats.org/presentationml/2006/main">
   <p:cSld>
@@ -12891,6 +17910,1867 @@
     <p:extLst>
       <p:ext uri="{BB962C8B-B14F-4D97-AF65-F5344CB8AC3E}">
         <p14:creationId xmlns:p14="http://schemas.microsoft.com/office/powerpoint/2010/main" val="2831155296"/>
+      </p:ext>
+    </p:extLst>
+  </p:cSld>
+  <p:clrMapOvr>
+    <a:masterClrMapping/>
+  </p:clrMapOvr>
+  <p:timing>
+    <p:tnLst>
+      <p:par>
+        <p:cTn id="1" dur="indefinite" restart="never" nodeType="tmRoot"/>
+      </p:par>
+    </p:tnLst>
+  </p:timing>
+</p:sld>
+</file>
+
+<file path=ppt/slides/slide50.xml><?xml version="1.0" encoding="utf-8"?>
+<p:sld xmlns:a="http://schemas.openxmlformats.org/drawingml/2006/main" xmlns:r="http://schemas.openxmlformats.org/officeDocument/2006/relationships" xmlns:p="http://schemas.openxmlformats.org/presentationml/2006/main">
+  <p:cSld>
+    <p:spTree>
+      <p:nvGrpSpPr>
+        <p:cNvPr id="1" name=""/>
+        <p:cNvGrpSpPr/>
+        <p:nvPr/>
+      </p:nvGrpSpPr>
+      <p:grpSpPr>
+        <a:xfrm>
+          <a:off x="0" y="0"/>
+          <a:ext cx="0" cy="0"/>
+          <a:chOff x="0" y="0"/>
+          <a:chExt cx="0" cy="0"/>
+        </a:xfrm>
+      </p:grpSpPr>
+      <p:sp>
+        <p:nvSpPr>
+          <p:cNvPr id="2" name="Title 1"/>
+          <p:cNvSpPr>
+            <a:spLocks noGrp="1"/>
+          </p:cNvSpPr>
+          <p:nvPr>
+            <p:ph type="title"/>
+          </p:nvPr>
+        </p:nvSpPr>
+        <p:spPr/>
+        <p:txBody>
+          <a:bodyPr anchor="ctr"/>
+          <a:lstStyle/>
+          <a:p>
+            <a:pPr algn="ctr"/>
+            <a:r>
+              <a:rPr lang="en-US" b="1" dirty="0">
+                <a:latin typeface="Google Sans"/>
+              </a:rPr>
+              <a:t>Array Methods in javascript</a:t>
+            </a:r>
+          </a:p>
+        </p:txBody>
+      </p:sp>
+      <p:pic>
+        <p:nvPicPr>
+          <p:cNvPr id="3" name="Picture 2"/>
+          <p:cNvPicPr>
+            <a:picLocks noChangeAspect="1"/>
+          </p:cNvPicPr>
+          <p:nvPr/>
+        </p:nvPicPr>
+        <p:blipFill>
+          <a:blip r:embed="rId2"/>
+          <a:stretch>
+            <a:fillRect/>
+          </a:stretch>
+        </p:blipFill>
+        <p:spPr>
+          <a:xfrm>
+            <a:off x="2203284" y="1910623"/>
+            <a:ext cx="7785431" cy="4737786"/>
+          </a:xfrm>
+          <a:prstGeom prst="rect">
+            <a:avLst/>
+          </a:prstGeom>
+        </p:spPr>
+      </p:pic>
+    </p:spTree>
+    <p:extLst>
+      <p:ext uri="{BB962C8B-B14F-4D97-AF65-F5344CB8AC3E}">
+        <p14:creationId xmlns:p14="http://schemas.microsoft.com/office/powerpoint/2010/main" val="3399990345"/>
+      </p:ext>
+    </p:extLst>
+  </p:cSld>
+  <p:clrMapOvr>
+    <a:masterClrMapping/>
+  </p:clrMapOvr>
+  <p:timing>
+    <p:tnLst>
+      <p:par>
+        <p:cTn id="1" dur="indefinite" restart="never" nodeType="tmRoot">
+          <p:childTnLst>
+            <p:seq concurrent="1" nextAc="seek">
+              <p:cTn id="2" dur="indefinite" nodeType="mainSeq">
+                <p:childTnLst>
+                  <p:par>
+                    <p:cTn id="3" fill="hold">
+                      <p:stCondLst>
+                        <p:cond delay="indefinite"/>
+                      </p:stCondLst>
+                      <p:childTnLst>
+                        <p:par>
+                          <p:cTn id="4" fill="hold">
+                            <p:stCondLst>
+                              <p:cond delay="0"/>
+                            </p:stCondLst>
+                            <p:childTnLst>
+                              <p:par>
+                                <p:cTn id="5" presetID="14" presetClass="entr" presetSubtype="10" fill="hold" nodeType="clickEffect">
+                                  <p:stCondLst>
+                                    <p:cond delay="0"/>
+                                  </p:stCondLst>
+                                  <p:childTnLst>
+                                    <p:set>
+                                      <p:cBhvr>
+                                        <p:cTn id="6" dur="1" fill="hold">
+                                          <p:stCondLst>
+                                            <p:cond delay="0"/>
+                                          </p:stCondLst>
+                                        </p:cTn>
+                                        <p:tgtEl>
+                                          <p:spTgt spid="3"/>
+                                        </p:tgtEl>
+                                        <p:attrNameLst>
+                                          <p:attrName>style.visibility</p:attrName>
+                                        </p:attrNameLst>
+                                      </p:cBhvr>
+                                      <p:to>
+                                        <p:strVal val="visible"/>
+                                      </p:to>
+                                    </p:set>
+                                    <p:animEffect transition="in" filter="randombar(horizontal)">
+                                      <p:cBhvr>
+                                        <p:cTn id="7" dur="500"/>
+                                        <p:tgtEl>
+                                          <p:spTgt spid="3"/>
+                                        </p:tgtEl>
+                                      </p:cBhvr>
+                                    </p:animEffect>
+                                  </p:childTnLst>
+                                </p:cTn>
+                              </p:par>
+                            </p:childTnLst>
+                          </p:cTn>
+                        </p:par>
+                      </p:childTnLst>
+                    </p:cTn>
+                  </p:par>
+                </p:childTnLst>
+              </p:cTn>
+              <p:prevCondLst>
+                <p:cond evt="onPrev" delay="0">
+                  <p:tgtEl>
+                    <p:sldTgt/>
+                  </p:tgtEl>
+                </p:cond>
+              </p:prevCondLst>
+              <p:nextCondLst>
+                <p:cond evt="onNext" delay="0">
+                  <p:tgtEl>
+                    <p:sldTgt/>
+                  </p:tgtEl>
+                </p:cond>
+              </p:nextCondLst>
+            </p:seq>
+          </p:childTnLst>
+        </p:cTn>
+      </p:par>
+    </p:tnLst>
+  </p:timing>
+</p:sld>
+</file>
+
+<file path=ppt/slides/slide51.xml><?xml version="1.0" encoding="utf-8"?>
+<p:sld xmlns:a="http://schemas.openxmlformats.org/drawingml/2006/main" xmlns:r="http://schemas.openxmlformats.org/officeDocument/2006/relationships" xmlns:p="http://schemas.openxmlformats.org/presentationml/2006/main">
+  <p:cSld>
+    <p:spTree>
+      <p:nvGrpSpPr>
+        <p:cNvPr id="1" name=""/>
+        <p:cNvGrpSpPr/>
+        <p:nvPr/>
+      </p:nvGrpSpPr>
+      <p:grpSpPr>
+        <a:xfrm>
+          <a:off x="0" y="0"/>
+          <a:ext cx="0" cy="0"/>
+          <a:chOff x="0" y="0"/>
+          <a:chExt cx="0" cy="0"/>
+        </a:xfrm>
+      </p:grpSpPr>
+      <p:sp>
+        <p:nvSpPr>
+          <p:cNvPr id="2" name="Title 1"/>
+          <p:cNvSpPr>
+            <a:spLocks noGrp="1"/>
+          </p:cNvSpPr>
+          <p:nvPr>
+            <p:ph type="title"/>
+          </p:nvPr>
+        </p:nvSpPr>
+        <p:spPr/>
+        <p:txBody>
+          <a:bodyPr anchor="ctr"/>
+          <a:lstStyle/>
+          <a:p>
+            <a:pPr algn="ctr"/>
+            <a:r>
+              <a:rPr lang="en-US" b="1" dirty="0" smtClean="0">
+                <a:latin typeface="Google Sans"/>
+              </a:rPr>
+              <a:t>array Methods in javascript</a:t>
+            </a:r>
+            <a:endParaRPr lang="en-US" b="1" dirty="0">
+              <a:latin typeface="Google Sans"/>
+            </a:endParaRPr>
+          </a:p>
+        </p:txBody>
+      </p:sp>
+      <p:sp>
+        <p:nvSpPr>
+          <p:cNvPr id="4" name="TextBox 3"/>
+          <p:cNvSpPr txBox="1"/>
+          <p:nvPr/>
+        </p:nvSpPr>
+        <p:spPr>
+          <a:xfrm>
+            <a:off x="460130" y="1837593"/>
+            <a:ext cx="12121662" cy="4662815"/>
+          </a:xfrm>
+          <a:prstGeom prst="rect">
+            <a:avLst/>
+          </a:prstGeom>
+          <a:noFill/>
+        </p:spPr>
+        <p:txBody>
+          <a:bodyPr wrap="square" rtlCol="0">
+            <a:spAutoFit/>
+          </a:bodyPr>
+          <a:lstStyle/>
+          <a:p>
+            <a:pPr marL="457200" indent="-457200">
+              <a:lnSpc>
+                <a:spcPct val="150000"/>
+              </a:lnSpc>
+              <a:buFont typeface="+mj-lt"/>
+              <a:buAutoNum type="arabicPeriod"/>
+            </a:pPr>
+            <a:r>
+              <a:rPr lang="en-US" sz="1900" b="1" dirty="0" smtClean="0">
+                <a:latin typeface="Google Sans"/>
+              </a:rPr>
+              <a:t>push()</a:t>
+            </a:r>
+            <a:r>
+              <a:rPr lang="en-US" sz="1900" dirty="0" smtClean="0">
+                <a:latin typeface="Google Sans"/>
+              </a:rPr>
+              <a:t>: </a:t>
+            </a:r>
+            <a:r>
+              <a:rPr lang="en-US" sz="2000" dirty="0"/>
+              <a:t>Adds one or more elements to the end of an array and returns the new length of the array</a:t>
+            </a:r>
+            <a:r>
+              <a:rPr lang="en-US" sz="2000" dirty="0" smtClean="0"/>
+              <a:t>.</a:t>
+            </a:r>
+          </a:p>
+          <a:p>
+            <a:pPr>
+              <a:lnSpc>
+                <a:spcPct val="150000"/>
+              </a:lnSpc>
+            </a:pPr>
+            <a:r>
+              <a:rPr lang="en-US" sz="2000" dirty="0">
+                <a:solidFill>
+                  <a:srgbClr val="FF0000"/>
+                </a:solidFill>
+                <a:latin typeface="Google Sans"/>
+              </a:rPr>
+              <a:t>	</a:t>
+            </a:r>
+            <a:r>
+              <a:rPr lang="en-US" sz="1900" u="sng" dirty="0" smtClean="0">
+                <a:solidFill>
+                  <a:srgbClr val="FF0000"/>
+                </a:solidFill>
+                <a:latin typeface="Google Sans"/>
+              </a:rPr>
+              <a:t>Syntax</a:t>
+            </a:r>
+            <a:r>
+              <a:rPr lang="en-US" sz="1900" dirty="0" smtClean="0">
+                <a:solidFill>
+                  <a:srgbClr val="FF0000"/>
+                </a:solidFill>
+                <a:latin typeface="Google Sans"/>
+              </a:rPr>
+              <a:t> -  </a:t>
+            </a:r>
+            <a:r>
+              <a:rPr lang="en-US" sz="1900" dirty="0" err="1" smtClean="0">
+                <a:latin typeface="Google Sans"/>
+              </a:rPr>
+              <a:t>array.</a:t>
+            </a:r>
+            <a:r>
+              <a:rPr lang="en-US" sz="1900" dirty="0" err="1" smtClean="0">
+                <a:solidFill>
+                  <a:srgbClr val="0070C0"/>
+                </a:solidFill>
+                <a:latin typeface="Google Sans"/>
+              </a:rPr>
+              <a:t>push</a:t>
+            </a:r>
+            <a:r>
+              <a:rPr lang="en-US" sz="1900" dirty="0" smtClean="0">
+                <a:solidFill>
+                  <a:srgbClr val="0070C0"/>
+                </a:solidFill>
+                <a:latin typeface="Google Sans"/>
+              </a:rPr>
+              <a:t>(</a:t>
+            </a:r>
+            <a:r>
+              <a:rPr lang="en-US" sz="1900" dirty="0" smtClean="0">
+                <a:solidFill>
+                  <a:srgbClr val="00B050"/>
+                </a:solidFill>
+                <a:latin typeface="Google Sans"/>
+              </a:rPr>
+              <a:t>ele1, ele2, ele3, …., </a:t>
+            </a:r>
+            <a:r>
+              <a:rPr lang="en-US" sz="1900" dirty="0" err="1" smtClean="0">
+                <a:solidFill>
+                  <a:srgbClr val="00B050"/>
+                </a:solidFill>
+                <a:latin typeface="Google Sans"/>
+              </a:rPr>
+              <a:t>eleN</a:t>
+            </a:r>
+            <a:r>
+              <a:rPr lang="en-US" sz="1900" dirty="0" smtClean="0">
+                <a:solidFill>
+                  <a:srgbClr val="0070C0"/>
+                </a:solidFill>
+                <a:latin typeface="Google Sans"/>
+              </a:rPr>
+              <a:t>)</a:t>
+            </a:r>
+            <a:r>
+              <a:rPr lang="en-US" sz="1900" dirty="0" smtClean="0">
+                <a:latin typeface="Google Sans"/>
+              </a:rPr>
+              <a:t>;</a:t>
+            </a:r>
+            <a:endParaRPr lang="en-US" sz="1900" dirty="0" smtClean="0">
+              <a:solidFill>
+                <a:srgbClr val="FF0000"/>
+              </a:solidFill>
+              <a:latin typeface="Google Sans"/>
+            </a:endParaRPr>
+          </a:p>
+          <a:p>
+            <a:pPr>
+              <a:lnSpc>
+                <a:spcPct val="150000"/>
+              </a:lnSpc>
+            </a:pPr>
+            <a:r>
+              <a:rPr lang="en-US" sz="1900" b="1" dirty="0" smtClean="0">
+                <a:latin typeface="Google Sans"/>
+              </a:rPr>
+              <a:t>2.    pop(): </a:t>
+            </a:r>
+            <a:r>
+              <a:rPr lang="en-US" sz="2000" dirty="0"/>
+              <a:t>Removes the last element from an array and returns </a:t>
+            </a:r>
+            <a:r>
+              <a:rPr lang="en-US" sz="2000" dirty="0" smtClean="0"/>
+              <a:t>it.</a:t>
+            </a:r>
+          </a:p>
+          <a:p>
+            <a:pPr lvl="1">
+              <a:lnSpc>
+                <a:spcPct val="150000"/>
+              </a:lnSpc>
+            </a:pPr>
+            <a:r>
+              <a:rPr lang="en-US" sz="1900" u="sng" dirty="0" smtClean="0">
+                <a:solidFill>
+                  <a:srgbClr val="FF0000"/>
+                </a:solidFill>
+                <a:latin typeface="Google Sans"/>
+              </a:rPr>
+              <a:t>Syntax</a:t>
+            </a:r>
+            <a:r>
+              <a:rPr lang="en-US" sz="1900" dirty="0" smtClean="0">
+                <a:solidFill>
+                  <a:srgbClr val="FF0000"/>
+                </a:solidFill>
+                <a:latin typeface="Google Sans"/>
+              </a:rPr>
+              <a:t> -  </a:t>
+            </a:r>
+            <a:r>
+              <a:rPr lang="en-US" sz="1900" dirty="0" err="1" smtClean="0">
+                <a:latin typeface="Google Sans"/>
+              </a:rPr>
+              <a:t>array.</a:t>
+            </a:r>
+            <a:r>
+              <a:rPr lang="en-US" sz="1900" dirty="0" err="1" smtClean="0">
+                <a:solidFill>
+                  <a:srgbClr val="0070C0"/>
+                </a:solidFill>
+                <a:latin typeface="Google Sans"/>
+              </a:rPr>
+              <a:t>pop</a:t>
+            </a:r>
+            <a:r>
+              <a:rPr lang="en-US" sz="1900" dirty="0" smtClean="0">
+                <a:solidFill>
+                  <a:srgbClr val="0070C0"/>
+                </a:solidFill>
+                <a:latin typeface="Google Sans"/>
+              </a:rPr>
+              <a:t>()</a:t>
+            </a:r>
+            <a:r>
+              <a:rPr lang="en-US" sz="1900" dirty="0" smtClean="0">
+                <a:latin typeface="Google Sans"/>
+              </a:rPr>
+              <a:t>;</a:t>
+            </a:r>
+            <a:endParaRPr lang="en-US" sz="1900" b="1" dirty="0" smtClean="0">
+              <a:latin typeface="Google Sans"/>
+            </a:endParaRPr>
+          </a:p>
+          <a:p>
+            <a:pPr marL="457200" indent="-457200">
+              <a:lnSpc>
+                <a:spcPct val="150000"/>
+              </a:lnSpc>
+              <a:buAutoNum type="arabicPeriod" startAt="3"/>
+            </a:pPr>
+            <a:r>
+              <a:rPr lang="en-US" sz="1900" b="1" dirty="0" smtClean="0">
+                <a:latin typeface="Google Sans"/>
+              </a:rPr>
+              <a:t>shift(): </a:t>
+            </a:r>
+            <a:r>
+              <a:rPr lang="en-US" sz="2000" dirty="0"/>
+              <a:t>Removes the first element from an array and returns </a:t>
+            </a:r>
+            <a:r>
+              <a:rPr lang="en-US" sz="2000" dirty="0" smtClean="0"/>
+              <a:t>it</a:t>
+            </a:r>
+          </a:p>
+          <a:p>
+            <a:pPr>
+              <a:lnSpc>
+                <a:spcPct val="150000"/>
+              </a:lnSpc>
+            </a:pPr>
+            <a:r>
+              <a:rPr lang="en-US" sz="2000" dirty="0">
+                <a:solidFill>
+                  <a:srgbClr val="FF0000"/>
+                </a:solidFill>
+                <a:latin typeface="Google Sans"/>
+              </a:rPr>
+              <a:t> </a:t>
+            </a:r>
+            <a:r>
+              <a:rPr lang="en-US" sz="2000" dirty="0" smtClean="0">
+                <a:solidFill>
+                  <a:srgbClr val="FF0000"/>
+                </a:solidFill>
+                <a:latin typeface="Google Sans"/>
+              </a:rPr>
+              <a:t>      </a:t>
+            </a:r>
+            <a:r>
+              <a:rPr lang="en-US" sz="1900" u="sng" dirty="0" smtClean="0">
+                <a:solidFill>
+                  <a:srgbClr val="FF0000"/>
+                </a:solidFill>
+                <a:latin typeface="Google Sans"/>
+              </a:rPr>
+              <a:t>Syntax</a:t>
+            </a:r>
+            <a:r>
+              <a:rPr lang="en-US" sz="1900" dirty="0" smtClean="0">
+                <a:solidFill>
+                  <a:srgbClr val="FF0000"/>
+                </a:solidFill>
+                <a:latin typeface="Google Sans"/>
+              </a:rPr>
+              <a:t> </a:t>
+            </a:r>
+            <a:r>
+              <a:rPr lang="en-US" sz="1900" dirty="0">
+                <a:solidFill>
+                  <a:srgbClr val="FF0000"/>
+                </a:solidFill>
+                <a:latin typeface="Google Sans"/>
+              </a:rPr>
+              <a:t>-  </a:t>
+            </a:r>
+            <a:r>
+              <a:rPr lang="en-US" sz="1900" dirty="0" err="1" smtClean="0">
+                <a:latin typeface="Google Sans"/>
+              </a:rPr>
+              <a:t>array.</a:t>
+            </a:r>
+            <a:r>
+              <a:rPr lang="en-US" sz="1900" dirty="0" err="1" smtClean="0">
+                <a:solidFill>
+                  <a:srgbClr val="0070C0"/>
+                </a:solidFill>
+                <a:latin typeface="Google Sans"/>
+              </a:rPr>
+              <a:t>shift</a:t>
+            </a:r>
+            <a:r>
+              <a:rPr lang="en-US" sz="1900" dirty="0" smtClean="0">
+                <a:solidFill>
+                  <a:srgbClr val="0070C0"/>
+                </a:solidFill>
+                <a:latin typeface="Google Sans"/>
+              </a:rPr>
+              <a:t>()</a:t>
+            </a:r>
+            <a:r>
+              <a:rPr lang="en-US" sz="1900" dirty="0" smtClean="0">
+                <a:latin typeface="Google Sans"/>
+              </a:rPr>
+              <a:t>;</a:t>
+            </a:r>
+            <a:endParaRPr lang="en-US" sz="1900" b="1" dirty="0" smtClean="0">
+              <a:latin typeface="Google Sans"/>
+            </a:endParaRPr>
+          </a:p>
+          <a:p>
+            <a:pPr marL="457200" indent="-457200">
+              <a:lnSpc>
+                <a:spcPct val="150000"/>
+              </a:lnSpc>
+              <a:buAutoNum type="arabicPeriod" startAt="4"/>
+            </a:pPr>
+            <a:r>
+              <a:rPr lang="en-US" sz="1900" b="1" dirty="0" err="1" smtClean="0">
+                <a:latin typeface="Google Sans"/>
+              </a:rPr>
+              <a:t>unshift</a:t>
+            </a:r>
+            <a:r>
+              <a:rPr lang="en-US" sz="1900" b="1" dirty="0" smtClean="0">
+                <a:latin typeface="Google Sans"/>
+              </a:rPr>
+              <a:t>(): </a:t>
+            </a:r>
+            <a:r>
+              <a:rPr lang="en-US" sz="2000" dirty="0"/>
+              <a:t>Adds one or more elements to the beginning of an array and returns the new length of the </a:t>
+            </a:r>
+            <a:r>
+              <a:rPr lang="en-US" sz="2000" dirty="0" smtClean="0"/>
+              <a:t>array.</a:t>
+            </a:r>
+          </a:p>
+          <a:p>
+            <a:pPr>
+              <a:lnSpc>
+                <a:spcPct val="150000"/>
+              </a:lnSpc>
+            </a:pPr>
+            <a:r>
+              <a:rPr lang="en-US" sz="2000" dirty="0" smtClean="0">
+                <a:solidFill>
+                  <a:srgbClr val="FF0000"/>
+                </a:solidFill>
+                <a:latin typeface="Google Sans"/>
+              </a:rPr>
+              <a:t>       </a:t>
+            </a:r>
+            <a:r>
+              <a:rPr lang="en-US" sz="1900" u="sng" dirty="0" smtClean="0">
+                <a:solidFill>
+                  <a:srgbClr val="FF0000"/>
+                </a:solidFill>
+                <a:latin typeface="Google Sans"/>
+              </a:rPr>
+              <a:t>Syntax</a:t>
+            </a:r>
+            <a:r>
+              <a:rPr lang="en-US" sz="1900" dirty="0" smtClean="0">
+                <a:solidFill>
+                  <a:srgbClr val="FF0000"/>
+                </a:solidFill>
+                <a:latin typeface="Google Sans"/>
+              </a:rPr>
+              <a:t> </a:t>
+            </a:r>
+            <a:r>
+              <a:rPr lang="en-US" sz="1900" dirty="0">
+                <a:solidFill>
+                  <a:srgbClr val="FF0000"/>
+                </a:solidFill>
+                <a:latin typeface="Google Sans"/>
+              </a:rPr>
+              <a:t>-  </a:t>
+            </a:r>
+            <a:r>
+              <a:rPr lang="en-US" sz="1900" dirty="0" err="1" smtClean="0">
+                <a:latin typeface="Google Sans"/>
+              </a:rPr>
+              <a:t>array.</a:t>
+            </a:r>
+            <a:r>
+              <a:rPr lang="en-US" sz="1900" dirty="0" err="1" smtClean="0">
+                <a:solidFill>
+                  <a:srgbClr val="0070C0"/>
+                </a:solidFill>
+                <a:latin typeface="Google Sans"/>
+              </a:rPr>
+              <a:t>unshift</a:t>
+            </a:r>
+            <a:r>
+              <a:rPr lang="en-US" sz="1900" dirty="0" smtClean="0">
+                <a:solidFill>
+                  <a:srgbClr val="0070C0"/>
+                </a:solidFill>
+                <a:latin typeface="Google Sans"/>
+              </a:rPr>
+              <a:t>(</a:t>
+            </a:r>
+            <a:r>
+              <a:rPr lang="en-US" sz="1900" dirty="0">
+                <a:solidFill>
+                  <a:srgbClr val="00B050"/>
+                </a:solidFill>
+                <a:latin typeface="Google Sans"/>
+              </a:rPr>
+              <a:t>ele1, ele2, ele3, …., </a:t>
+            </a:r>
+            <a:r>
+              <a:rPr lang="en-US" sz="1900" dirty="0" err="1">
+                <a:solidFill>
+                  <a:srgbClr val="00B050"/>
+                </a:solidFill>
+                <a:latin typeface="Google Sans"/>
+              </a:rPr>
+              <a:t>eleN</a:t>
+            </a:r>
+            <a:r>
+              <a:rPr lang="en-US" sz="1900" dirty="0" smtClean="0">
+                <a:solidFill>
+                  <a:srgbClr val="0070C0"/>
+                </a:solidFill>
+                <a:latin typeface="Google Sans"/>
+              </a:rPr>
+              <a:t>)</a:t>
+            </a:r>
+            <a:r>
+              <a:rPr lang="en-US" sz="1900" dirty="0" smtClean="0">
+                <a:latin typeface="Google Sans"/>
+              </a:rPr>
+              <a:t>;</a:t>
+            </a:r>
+            <a:endParaRPr lang="en-US" sz="1900" b="1" dirty="0" smtClean="0">
+              <a:latin typeface="Google Sans"/>
+            </a:endParaRPr>
+          </a:p>
+          <a:p>
+            <a:pPr marL="457200" indent="-457200">
+              <a:lnSpc>
+                <a:spcPct val="150000"/>
+              </a:lnSpc>
+              <a:buAutoNum type="arabicPeriod" startAt="5"/>
+            </a:pPr>
+            <a:r>
+              <a:rPr lang="en-US" sz="1900" b="1" dirty="0" smtClean="0">
+                <a:latin typeface="Google Sans"/>
+              </a:rPr>
+              <a:t>slice(): </a:t>
+            </a:r>
+            <a:r>
+              <a:rPr lang="en-US" sz="1900" dirty="0" smtClean="0">
+                <a:latin typeface="+mj-lt"/>
+              </a:rPr>
+              <a:t>Removes the array elements according to the starting index and ending index.</a:t>
+            </a:r>
+            <a:r>
+              <a:rPr lang="en-US" sz="2000" b="1" dirty="0">
+                <a:latin typeface="Google Sans"/>
+              </a:rPr>
+              <a:t>	</a:t>
+            </a:r>
+          </a:p>
+          <a:p>
+            <a:pPr>
+              <a:lnSpc>
+                <a:spcPct val="150000"/>
+              </a:lnSpc>
+            </a:pPr>
+            <a:r>
+              <a:rPr lang="en-US" sz="2000" b="1" dirty="0" smtClean="0">
+                <a:solidFill>
+                  <a:srgbClr val="FF0000"/>
+                </a:solidFill>
+                <a:latin typeface="Google Sans"/>
+              </a:rPr>
+              <a:t>       </a:t>
+            </a:r>
+            <a:r>
+              <a:rPr lang="en-US" sz="1900" u="sng" dirty="0" smtClean="0">
+                <a:solidFill>
+                  <a:srgbClr val="FF0000"/>
+                </a:solidFill>
+                <a:latin typeface="Google Sans"/>
+              </a:rPr>
+              <a:t>Syntax</a:t>
+            </a:r>
+            <a:r>
+              <a:rPr lang="en-US" sz="1900" dirty="0" smtClean="0">
+                <a:solidFill>
+                  <a:srgbClr val="FF0000"/>
+                </a:solidFill>
+                <a:latin typeface="Google Sans"/>
+              </a:rPr>
+              <a:t> </a:t>
+            </a:r>
+            <a:r>
+              <a:rPr lang="en-US" sz="1900" dirty="0">
+                <a:solidFill>
+                  <a:srgbClr val="FF0000"/>
+                </a:solidFill>
+                <a:latin typeface="Google Sans"/>
+              </a:rPr>
+              <a:t>-  </a:t>
+            </a:r>
+            <a:r>
+              <a:rPr lang="en-US" sz="1900" dirty="0" err="1" smtClean="0">
+                <a:latin typeface="Google Sans"/>
+              </a:rPr>
+              <a:t>array.</a:t>
+            </a:r>
+            <a:r>
+              <a:rPr lang="en-US" sz="1900" dirty="0" err="1" smtClean="0">
+                <a:solidFill>
+                  <a:srgbClr val="0070C0"/>
+                </a:solidFill>
+                <a:latin typeface="Google Sans"/>
+              </a:rPr>
+              <a:t>slice</a:t>
+            </a:r>
+            <a:r>
+              <a:rPr lang="en-US" sz="1900" dirty="0" smtClean="0">
+                <a:solidFill>
+                  <a:srgbClr val="0070C0"/>
+                </a:solidFill>
+                <a:latin typeface="Google Sans"/>
+              </a:rPr>
+              <a:t>(</a:t>
+            </a:r>
+            <a:r>
+              <a:rPr lang="en-US" sz="1900" dirty="0" err="1" smtClean="0">
+                <a:solidFill>
+                  <a:srgbClr val="00B050"/>
+                </a:solidFill>
+                <a:latin typeface="Google Sans"/>
+              </a:rPr>
+              <a:t>startIndex</a:t>
+            </a:r>
+            <a:r>
+              <a:rPr lang="en-US" sz="1900" dirty="0" smtClean="0">
+                <a:solidFill>
+                  <a:srgbClr val="00B050"/>
+                </a:solidFill>
+                <a:latin typeface="Google Sans"/>
+              </a:rPr>
+              <a:t>, </a:t>
+            </a:r>
+            <a:r>
+              <a:rPr lang="en-US" sz="1900" dirty="0" err="1" smtClean="0">
+                <a:solidFill>
+                  <a:srgbClr val="00B050"/>
+                </a:solidFill>
+                <a:latin typeface="Google Sans"/>
+              </a:rPr>
+              <a:t>endIndex</a:t>
+            </a:r>
+            <a:r>
+              <a:rPr lang="en-US" sz="1900" dirty="0" smtClean="0">
+                <a:solidFill>
+                  <a:srgbClr val="0070C0"/>
+                </a:solidFill>
+                <a:latin typeface="Google Sans"/>
+              </a:rPr>
+              <a:t>)</a:t>
+            </a:r>
+            <a:r>
+              <a:rPr lang="en-US" sz="1900" dirty="0" smtClean="0">
+                <a:latin typeface="Google Sans"/>
+              </a:rPr>
+              <a:t>;</a:t>
+            </a:r>
+            <a:endParaRPr lang="en-US" sz="1900" b="1" dirty="0">
+              <a:latin typeface="Google Sans"/>
+            </a:endParaRPr>
+          </a:p>
+        </p:txBody>
+      </p:sp>
+    </p:spTree>
+    <p:extLst>
+      <p:ext uri="{BB962C8B-B14F-4D97-AF65-F5344CB8AC3E}">
+        <p14:creationId xmlns:p14="http://schemas.microsoft.com/office/powerpoint/2010/main" val="2409881963"/>
+      </p:ext>
+    </p:extLst>
+  </p:cSld>
+  <p:clrMapOvr>
+    <a:masterClrMapping/>
+  </p:clrMapOvr>
+  <p:timing>
+    <p:tnLst>
+      <p:par>
+        <p:cTn id="1" dur="indefinite" restart="never" nodeType="tmRoot"/>
+      </p:par>
+    </p:tnLst>
+  </p:timing>
+</p:sld>
+</file>
+
+<file path=ppt/slides/slide52.xml><?xml version="1.0" encoding="utf-8"?>
+<p:sld xmlns:a="http://schemas.openxmlformats.org/drawingml/2006/main" xmlns:r="http://schemas.openxmlformats.org/officeDocument/2006/relationships" xmlns:p="http://schemas.openxmlformats.org/presentationml/2006/main">
+  <p:cSld>
+    <p:spTree>
+      <p:nvGrpSpPr>
+        <p:cNvPr id="1" name=""/>
+        <p:cNvGrpSpPr/>
+        <p:nvPr/>
+      </p:nvGrpSpPr>
+      <p:grpSpPr>
+        <a:xfrm>
+          <a:off x="0" y="0"/>
+          <a:ext cx="0" cy="0"/>
+          <a:chOff x="0" y="0"/>
+          <a:chExt cx="0" cy="0"/>
+        </a:xfrm>
+      </p:grpSpPr>
+      <p:sp>
+        <p:nvSpPr>
+          <p:cNvPr id="2" name="Title 1"/>
+          <p:cNvSpPr>
+            <a:spLocks noGrp="1"/>
+          </p:cNvSpPr>
+          <p:nvPr>
+            <p:ph type="title"/>
+          </p:nvPr>
+        </p:nvSpPr>
+        <p:spPr/>
+        <p:txBody>
+          <a:bodyPr anchor="ctr"/>
+          <a:lstStyle/>
+          <a:p>
+            <a:pPr algn="ctr"/>
+            <a:r>
+              <a:rPr lang="en-US" b="1" dirty="0" smtClean="0">
+                <a:latin typeface="Google Sans"/>
+              </a:rPr>
+              <a:t>array </a:t>
+            </a:r>
+            <a:r>
+              <a:rPr lang="en-US" b="1" dirty="0">
+                <a:latin typeface="Google Sans"/>
+              </a:rPr>
+              <a:t>Methods in javascript</a:t>
+            </a:r>
+          </a:p>
+        </p:txBody>
+      </p:sp>
+      <p:sp>
+        <p:nvSpPr>
+          <p:cNvPr id="4" name="TextBox 3"/>
+          <p:cNvSpPr txBox="1"/>
+          <p:nvPr/>
+        </p:nvSpPr>
+        <p:spPr>
+          <a:xfrm>
+            <a:off x="460130" y="1872761"/>
+            <a:ext cx="11271739" cy="4593565"/>
+          </a:xfrm>
+          <a:prstGeom prst="rect">
+            <a:avLst/>
+          </a:prstGeom>
+          <a:noFill/>
+        </p:spPr>
+        <p:txBody>
+          <a:bodyPr wrap="square" rtlCol="0">
+            <a:spAutoFit/>
+          </a:bodyPr>
+          <a:lstStyle/>
+          <a:p>
+            <a:pPr>
+              <a:lnSpc>
+                <a:spcPct val="150000"/>
+              </a:lnSpc>
+            </a:pPr>
+            <a:r>
+              <a:rPr lang="en-US" sz="1900" b="1" dirty="0" smtClean="0">
+                <a:latin typeface="Google Sans"/>
+              </a:rPr>
+              <a:t>6. splice(): </a:t>
+            </a:r>
+            <a:r>
+              <a:rPr lang="en-US" sz="2000" dirty="0"/>
+              <a:t>Changes the contents of an array by removing, replacing, or adding elements</a:t>
+            </a:r>
+            <a:r>
+              <a:rPr lang="en-US" sz="2000" dirty="0" smtClean="0"/>
+              <a:t>.</a:t>
+            </a:r>
+          </a:p>
+          <a:p>
+            <a:pPr>
+              <a:lnSpc>
+                <a:spcPct val="150000"/>
+              </a:lnSpc>
+            </a:pPr>
+            <a:r>
+              <a:rPr lang="en-US" sz="1900" b="1" dirty="0">
+                <a:latin typeface="Google Sans"/>
+              </a:rPr>
+              <a:t>	</a:t>
+            </a:r>
+            <a:r>
+              <a:rPr lang="en-US" sz="1900" u="sng" dirty="0">
+                <a:solidFill>
+                  <a:srgbClr val="FF0000"/>
+                </a:solidFill>
+                <a:latin typeface="Google Sans"/>
+              </a:rPr>
+              <a:t>Syntax</a:t>
+            </a:r>
+            <a:r>
+              <a:rPr lang="en-US" sz="1900" dirty="0">
+                <a:solidFill>
+                  <a:srgbClr val="FF0000"/>
+                </a:solidFill>
+                <a:latin typeface="Google Sans"/>
+              </a:rPr>
+              <a:t> -  </a:t>
+            </a:r>
+            <a:r>
+              <a:rPr lang="en-US" sz="1900" dirty="0" err="1" smtClean="0">
+                <a:latin typeface="Google Sans"/>
+              </a:rPr>
+              <a:t>array.</a:t>
+            </a:r>
+            <a:r>
+              <a:rPr lang="en-US" sz="1900" dirty="0" err="1" smtClean="0">
+                <a:solidFill>
+                  <a:srgbClr val="0070C0"/>
+                </a:solidFill>
+                <a:latin typeface="Google Sans"/>
+              </a:rPr>
+              <a:t>splice</a:t>
+            </a:r>
+            <a:r>
+              <a:rPr lang="en-US" sz="1900" dirty="0" smtClean="0">
+                <a:solidFill>
+                  <a:srgbClr val="00B050"/>
+                </a:solidFill>
+                <a:latin typeface="Google Sans"/>
+              </a:rPr>
+              <a:t>(</a:t>
+            </a:r>
+            <a:r>
+              <a:rPr lang="en-US" sz="1900" dirty="0" err="1" smtClean="0">
+                <a:solidFill>
+                  <a:srgbClr val="00B050"/>
+                </a:solidFill>
+                <a:latin typeface="Google Sans"/>
+              </a:rPr>
+              <a:t>startIndex</a:t>
+            </a:r>
+            <a:r>
+              <a:rPr lang="en-US" sz="1900" dirty="0" smtClean="0">
+                <a:solidFill>
+                  <a:srgbClr val="00B050"/>
+                </a:solidFill>
+                <a:latin typeface="Google Sans"/>
+              </a:rPr>
+              <a:t>, </a:t>
+            </a:r>
+            <a:r>
+              <a:rPr lang="en-US" sz="1900" dirty="0" err="1" smtClean="0">
+                <a:solidFill>
+                  <a:srgbClr val="00B050"/>
+                </a:solidFill>
+                <a:latin typeface="Google Sans"/>
+              </a:rPr>
+              <a:t>deleteCount</a:t>
+            </a:r>
+            <a:r>
+              <a:rPr lang="en-US" sz="1900" dirty="0" smtClean="0">
+                <a:solidFill>
+                  <a:srgbClr val="00B050"/>
+                </a:solidFill>
+                <a:latin typeface="Google Sans"/>
+              </a:rPr>
+              <a:t>, ele1, ele2, …</a:t>
+            </a:r>
+            <a:r>
+              <a:rPr lang="en-US" sz="1900" dirty="0" err="1" smtClean="0">
+                <a:solidFill>
+                  <a:srgbClr val="00B050"/>
+                </a:solidFill>
+                <a:latin typeface="Google Sans"/>
+              </a:rPr>
+              <a:t>eleN</a:t>
+            </a:r>
+            <a:r>
+              <a:rPr lang="en-US" sz="1900" dirty="0" smtClean="0">
+                <a:solidFill>
+                  <a:srgbClr val="00B050"/>
+                </a:solidFill>
+                <a:latin typeface="Google Sans"/>
+              </a:rPr>
+              <a:t>);  </a:t>
+            </a:r>
+            <a:r>
+              <a:rPr lang="en-US" sz="1900" dirty="0" smtClean="0">
+                <a:solidFill>
+                  <a:srgbClr val="7030A0"/>
+                </a:solidFill>
+                <a:latin typeface="Google Sans"/>
+              </a:rPr>
+              <a:t>[separator – “”, “ “, “  “]</a:t>
+            </a:r>
+            <a:endParaRPr lang="en-US" sz="1900" b="1" dirty="0">
+              <a:solidFill>
+                <a:srgbClr val="7030A0"/>
+              </a:solidFill>
+              <a:latin typeface="Google Sans"/>
+            </a:endParaRPr>
+          </a:p>
+          <a:p>
+            <a:pPr>
+              <a:lnSpc>
+                <a:spcPct val="150000"/>
+              </a:lnSpc>
+            </a:pPr>
+            <a:r>
+              <a:rPr lang="en-US" sz="1900" b="1" dirty="0" smtClean="0">
+                <a:latin typeface="Google Sans"/>
+              </a:rPr>
+              <a:t>7. </a:t>
+            </a:r>
+            <a:r>
+              <a:rPr lang="en-US" sz="1900" b="1" dirty="0" err="1" smtClean="0">
+                <a:latin typeface="Google Sans"/>
+              </a:rPr>
+              <a:t>concat</a:t>
+            </a:r>
+            <a:r>
+              <a:rPr lang="en-US" sz="1900" b="1" dirty="0" smtClean="0">
+                <a:latin typeface="Google Sans"/>
+              </a:rPr>
+              <a:t>(): </a:t>
+            </a:r>
+            <a:r>
+              <a:rPr lang="en-US" sz="2000" dirty="0"/>
+              <a:t>Merges two or more arrays into a new </a:t>
+            </a:r>
+            <a:r>
+              <a:rPr lang="en-US" sz="2000" dirty="0" smtClean="0"/>
+              <a:t>array</a:t>
+            </a:r>
+          </a:p>
+          <a:p>
+            <a:pPr>
+              <a:lnSpc>
+                <a:spcPct val="150000"/>
+              </a:lnSpc>
+            </a:pPr>
+            <a:r>
+              <a:rPr lang="en-US" sz="1900" b="1" dirty="0">
+                <a:latin typeface="Google Sans"/>
+              </a:rPr>
+              <a:t>	</a:t>
+            </a:r>
+            <a:r>
+              <a:rPr lang="en-US" sz="1900" u="sng" dirty="0">
+                <a:solidFill>
+                  <a:srgbClr val="FF0000"/>
+                </a:solidFill>
+                <a:latin typeface="Google Sans"/>
+              </a:rPr>
+              <a:t>Syntax</a:t>
+            </a:r>
+            <a:r>
+              <a:rPr lang="en-US" sz="1900" dirty="0">
+                <a:solidFill>
+                  <a:srgbClr val="FF0000"/>
+                </a:solidFill>
+                <a:latin typeface="Google Sans"/>
+              </a:rPr>
+              <a:t> -  </a:t>
+            </a:r>
+            <a:r>
+              <a:rPr lang="en-US" sz="1900" dirty="0" err="1" smtClean="0">
+                <a:latin typeface="Google Sans"/>
+              </a:rPr>
+              <a:t>array.</a:t>
+            </a:r>
+            <a:r>
+              <a:rPr lang="en-US" sz="1900" dirty="0" err="1" smtClean="0">
+                <a:solidFill>
+                  <a:srgbClr val="0070C0"/>
+                </a:solidFill>
+                <a:latin typeface="Google Sans"/>
+              </a:rPr>
+              <a:t>concat</a:t>
+            </a:r>
+            <a:r>
+              <a:rPr lang="en-US" sz="1900" dirty="0" smtClean="0">
+                <a:solidFill>
+                  <a:srgbClr val="0070C0"/>
+                </a:solidFill>
+                <a:latin typeface="Google Sans"/>
+              </a:rPr>
+              <a:t>(</a:t>
+            </a:r>
+            <a:r>
+              <a:rPr lang="en-US" sz="1900" dirty="0" smtClean="0">
+                <a:solidFill>
+                  <a:srgbClr val="00B050"/>
+                </a:solidFill>
+                <a:latin typeface="Google Sans"/>
+              </a:rPr>
+              <a:t>array1, array2, array3,….</a:t>
+            </a:r>
+            <a:r>
+              <a:rPr lang="en-US" sz="1900" dirty="0" err="1" smtClean="0">
+                <a:solidFill>
+                  <a:srgbClr val="00B050"/>
+                </a:solidFill>
+                <a:latin typeface="Google Sans"/>
+              </a:rPr>
+              <a:t>arrayN</a:t>
+            </a:r>
+            <a:r>
+              <a:rPr lang="en-US" sz="1900" dirty="0" smtClean="0">
+                <a:solidFill>
+                  <a:srgbClr val="0070C0"/>
+                </a:solidFill>
+                <a:latin typeface="Google Sans"/>
+              </a:rPr>
+              <a:t>)</a:t>
+            </a:r>
+            <a:r>
+              <a:rPr lang="en-US" sz="1900" dirty="0" smtClean="0">
+                <a:latin typeface="Google Sans"/>
+              </a:rPr>
+              <a:t>;</a:t>
+            </a:r>
+            <a:endParaRPr lang="en-US" sz="1900" b="1" dirty="0">
+              <a:latin typeface="Google Sans"/>
+            </a:endParaRPr>
+          </a:p>
+          <a:p>
+            <a:pPr>
+              <a:lnSpc>
+                <a:spcPct val="150000"/>
+              </a:lnSpc>
+            </a:pPr>
+            <a:r>
+              <a:rPr lang="en-US" sz="1900" b="1" dirty="0" smtClean="0">
+                <a:latin typeface="Google Sans"/>
+              </a:rPr>
+              <a:t>8. reverse(): </a:t>
+            </a:r>
+            <a:r>
+              <a:rPr lang="en-US" sz="2000" dirty="0"/>
+              <a:t>Reverses the order of elements in an array</a:t>
+            </a:r>
+            <a:r>
+              <a:rPr lang="en-US" sz="2000" dirty="0" smtClean="0"/>
+              <a:t>.</a:t>
+            </a:r>
+          </a:p>
+          <a:p>
+            <a:pPr>
+              <a:lnSpc>
+                <a:spcPct val="150000"/>
+              </a:lnSpc>
+            </a:pPr>
+            <a:r>
+              <a:rPr lang="en-US" sz="1900" b="1" dirty="0">
+                <a:latin typeface="Google Sans"/>
+              </a:rPr>
+              <a:t>	</a:t>
+            </a:r>
+            <a:r>
+              <a:rPr lang="en-US" sz="1900" u="sng" dirty="0">
+                <a:solidFill>
+                  <a:srgbClr val="FF0000"/>
+                </a:solidFill>
+                <a:latin typeface="Google Sans"/>
+              </a:rPr>
+              <a:t>Syntax</a:t>
+            </a:r>
+            <a:r>
+              <a:rPr lang="en-US" sz="1900" dirty="0">
+                <a:solidFill>
+                  <a:srgbClr val="FF0000"/>
+                </a:solidFill>
+                <a:latin typeface="Google Sans"/>
+              </a:rPr>
+              <a:t> -  </a:t>
+            </a:r>
+            <a:r>
+              <a:rPr lang="en-US" sz="1900" dirty="0" err="1" smtClean="0">
+                <a:latin typeface="Google Sans"/>
+              </a:rPr>
+              <a:t>array.</a:t>
+            </a:r>
+            <a:r>
+              <a:rPr lang="en-US" sz="1900" dirty="0" err="1" smtClean="0">
+                <a:solidFill>
+                  <a:srgbClr val="0070C0"/>
+                </a:solidFill>
+                <a:latin typeface="Google Sans"/>
+              </a:rPr>
+              <a:t>reverse</a:t>
+            </a:r>
+            <a:r>
+              <a:rPr lang="en-US" sz="1900" dirty="0" smtClean="0">
+                <a:solidFill>
+                  <a:srgbClr val="0070C0"/>
+                </a:solidFill>
+                <a:latin typeface="Google Sans"/>
+              </a:rPr>
+              <a:t>()</a:t>
+            </a:r>
+            <a:r>
+              <a:rPr lang="en-US" sz="1900" dirty="0" smtClean="0">
+                <a:latin typeface="Google Sans"/>
+              </a:rPr>
+              <a:t>;</a:t>
+            </a:r>
+            <a:endParaRPr lang="en-US" sz="1900" b="1" dirty="0">
+              <a:latin typeface="Google Sans"/>
+            </a:endParaRPr>
+          </a:p>
+          <a:p>
+            <a:pPr>
+              <a:lnSpc>
+                <a:spcPct val="150000"/>
+              </a:lnSpc>
+            </a:pPr>
+            <a:r>
+              <a:rPr lang="en-US" sz="1900" b="1" dirty="0" smtClean="0">
+                <a:latin typeface="Google Sans"/>
+              </a:rPr>
+              <a:t>9. join(): </a:t>
+            </a:r>
+            <a:r>
+              <a:rPr lang="en-US" sz="2000" dirty="0"/>
+              <a:t>Joins all elements of an array into a string, separated by a specified separator</a:t>
+            </a:r>
+            <a:r>
+              <a:rPr lang="en-US" sz="2000" dirty="0" smtClean="0"/>
+              <a:t>.</a:t>
+            </a:r>
+          </a:p>
+          <a:p>
+            <a:pPr>
+              <a:lnSpc>
+                <a:spcPct val="150000"/>
+              </a:lnSpc>
+            </a:pPr>
+            <a:r>
+              <a:rPr lang="en-US" sz="1900" b="1" dirty="0">
+                <a:latin typeface="Google Sans"/>
+              </a:rPr>
+              <a:t>	</a:t>
+            </a:r>
+            <a:r>
+              <a:rPr lang="en-US" sz="1900" u="sng" dirty="0">
+                <a:solidFill>
+                  <a:srgbClr val="FF0000"/>
+                </a:solidFill>
+                <a:latin typeface="Google Sans"/>
+              </a:rPr>
+              <a:t>Syntax</a:t>
+            </a:r>
+            <a:r>
+              <a:rPr lang="en-US" sz="1900" dirty="0">
+                <a:solidFill>
+                  <a:srgbClr val="FF0000"/>
+                </a:solidFill>
+                <a:latin typeface="Google Sans"/>
+              </a:rPr>
+              <a:t> -  </a:t>
+            </a:r>
+            <a:r>
+              <a:rPr lang="en-US" sz="1900" dirty="0" err="1" smtClean="0">
+                <a:latin typeface="Google Sans"/>
+              </a:rPr>
+              <a:t>array.</a:t>
+            </a:r>
+            <a:r>
+              <a:rPr lang="en-US" sz="1900" dirty="0" err="1" smtClean="0">
+                <a:solidFill>
+                  <a:srgbClr val="0070C0"/>
+                </a:solidFill>
+                <a:latin typeface="Google Sans"/>
+              </a:rPr>
+              <a:t>join</a:t>
+            </a:r>
+            <a:r>
+              <a:rPr lang="en-US" sz="1900" dirty="0" smtClean="0">
+                <a:solidFill>
+                  <a:srgbClr val="0070C0"/>
+                </a:solidFill>
+                <a:latin typeface="Google Sans"/>
+              </a:rPr>
+              <a:t>(</a:t>
+            </a:r>
+            <a:r>
+              <a:rPr lang="en-US" sz="1900" dirty="0" smtClean="0">
+                <a:solidFill>
+                  <a:srgbClr val="00B050"/>
+                </a:solidFill>
+                <a:latin typeface="Google Sans"/>
+              </a:rPr>
+              <a:t>separator</a:t>
+            </a:r>
+            <a:r>
+              <a:rPr lang="en-US" sz="1900" dirty="0" smtClean="0">
+                <a:solidFill>
+                  <a:srgbClr val="0070C0"/>
+                </a:solidFill>
+                <a:latin typeface="Google Sans"/>
+              </a:rPr>
+              <a:t>)</a:t>
+            </a:r>
+            <a:r>
+              <a:rPr lang="en-US" sz="1900" dirty="0" smtClean="0">
+                <a:latin typeface="Google Sans"/>
+              </a:rPr>
+              <a:t>;</a:t>
+            </a:r>
+            <a:endParaRPr lang="en-US" sz="1900" b="1" dirty="0">
+              <a:latin typeface="Google Sans"/>
+            </a:endParaRPr>
+          </a:p>
+          <a:p>
+            <a:pPr>
+              <a:lnSpc>
+                <a:spcPct val="150000"/>
+              </a:lnSpc>
+            </a:pPr>
+            <a:r>
+              <a:rPr lang="en-US" sz="1900" b="1" dirty="0" smtClean="0">
+                <a:latin typeface="Google Sans"/>
+              </a:rPr>
+              <a:t>10. includes(): </a:t>
+            </a:r>
+            <a:r>
+              <a:rPr lang="en-US" sz="2000" dirty="0"/>
+              <a:t>Determines whether an array includes a certain element</a:t>
+            </a:r>
+            <a:r>
+              <a:rPr lang="en-US" sz="2000" dirty="0" smtClean="0"/>
+              <a:t>.</a:t>
+            </a:r>
+          </a:p>
+          <a:p>
+            <a:pPr>
+              <a:lnSpc>
+                <a:spcPct val="150000"/>
+              </a:lnSpc>
+            </a:pPr>
+            <a:r>
+              <a:rPr lang="en-US" sz="1900" b="1" dirty="0">
+                <a:latin typeface="Google Sans"/>
+              </a:rPr>
+              <a:t>	</a:t>
+            </a:r>
+            <a:r>
+              <a:rPr lang="en-US" sz="1900" u="sng" dirty="0">
+                <a:solidFill>
+                  <a:srgbClr val="FF0000"/>
+                </a:solidFill>
+                <a:latin typeface="Google Sans"/>
+              </a:rPr>
+              <a:t>Syntax</a:t>
+            </a:r>
+            <a:r>
+              <a:rPr lang="en-US" sz="1900" dirty="0">
+                <a:solidFill>
+                  <a:srgbClr val="FF0000"/>
+                </a:solidFill>
+                <a:latin typeface="Google Sans"/>
+              </a:rPr>
+              <a:t> -  </a:t>
+            </a:r>
+            <a:r>
+              <a:rPr lang="en-US" sz="1900" dirty="0" err="1" smtClean="0">
+                <a:latin typeface="Google Sans"/>
+              </a:rPr>
+              <a:t>array.</a:t>
+            </a:r>
+            <a:r>
+              <a:rPr lang="en-US" sz="1900" dirty="0" err="1" smtClean="0">
+                <a:solidFill>
+                  <a:srgbClr val="0070C0"/>
+                </a:solidFill>
+                <a:latin typeface="Google Sans"/>
+              </a:rPr>
+              <a:t>includes</a:t>
+            </a:r>
+            <a:r>
+              <a:rPr lang="en-US" sz="1900" dirty="0" smtClean="0">
+                <a:solidFill>
+                  <a:srgbClr val="0070C0"/>
+                </a:solidFill>
+                <a:latin typeface="Google Sans"/>
+              </a:rPr>
+              <a:t>(</a:t>
+            </a:r>
+            <a:r>
+              <a:rPr lang="en-US" sz="1900" dirty="0" err="1" smtClean="0">
+                <a:solidFill>
+                  <a:srgbClr val="00B050"/>
+                </a:solidFill>
+                <a:latin typeface="Google Sans"/>
+              </a:rPr>
+              <a:t>searchElement</a:t>
+            </a:r>
+            <a:r>
+              <a:rPr lang="en-US" sz="1900" dirty="0" smtClean="0">
+                <a:solidFill>
+                  <a:srgbClr val="0070C0"/>
+                </a:solidFill>
+                <a:latin typeface="Google Sans"/>
+              </a:rPr>
+              <a:t>, </a:t>
+            </a:r>
+            <a:r>
+              <a:rPr lang="en-US" sz="1900" dirty="0" err="1" smtClean="0">
+                <a:solidFill>
+                  <a:srgbClr val="00B050"/>
+                </a:solidFill>
+                <a:latin typeface="Google Sans"/>
+              </a:rPr>
+              <a:t>fromIndex</a:t>
+            </a:r>
+            <a:r>
+              <a:rPr lang="en-US" sz="1900" dirty="0" smtClean="0">
+                <a:solidFill>
+                  <a:srgbClr val="0070C0"/>
+                </a:solidFill>
+                <a:latin typeface="Google Sans"/>
+              </a:rPr>
+              <a:t>)</a:t>
+            </a:r>
+            <a:r>
+              <a:rPr lang="en-US" sz="1900" dirty="0" smtClean="0">
+                <a:latin typeface="Google Sans"/>
+              </a:rPr>
+              <a:t>;</a:t>
+            </a:r>
+            <a:endParaRPr lang="en-US" sz="1900" b="1" dirty="0">
+              <a:latin typeface="Google Sans"/>
+            </a:endParaRPr>
+          </a:p>
+        </p:txBody>
+      </p:sp>
+    </p:spTree>
+    <p:extLst>
+      <p:ext uri="{BB962C8B-B14F-4D97-AF65-F5344CB8AC3E}">
+        <p14:creationId xmlns:p14="http://schemas.microsoft.com/office/powerpoint/2010/main" val="2929265048"/>
+      </p:ext>
+    </p:extLst>
+  </p:cSld>
+  <p:clrMapOvr>
+    <a:masterClrMapping/>
+  </p:clrMapOvr>
+  <p:timing>
+    <p:tnLst>
+      <p:par>
+        <p:cTn id="1" dur="indefinite" restart="never" nodeType="tmRoot"/>
+      </p:par>
+    </p:tnLst>
+  </p:timing>
+</p:sld>
+</file>
+
+<file path=ppt/slides/slide53.xml><?xml version="1.0" encoding="utf-8"?>
+<p:sld xmlns:a="http://schemas.openxmlformats.org/drawingml/2006/main" xmlns:r="http://schemas.openxmlformats.org/officeDocument/2006/relationships" xmlns:p="http://schemas.openxmlformats.org/presentationml/2006/main">
+  <p:cSld>
+    <p:spTree>
+      <p:nvGrpSpPr>
+        <p:cNvPr id="1" name=""/>
+        <p:cNvGrpSpPr/>
+        <p:nvPr/>
+      </p:nvGrpSpPr>
+      <p:grpSpPr>
+        <a:xfrm>
+          <a:off x="0" y="0"/>
+          <a:ext cx="0" cy="0"/>
+          <a:chOff x="0" y="0"/>
+          <a:chExt cx="0" cy="0"/>
+        </a:xfrm>
+      </p:grpSpPr>
+      <p:sp>
+        <p:nvSpPr>
+          <p:cNvPr id="2" name="Title 1"/>
+          <p:cNvSpPr>
+            <a:spLocks noGrp="1"/>
+          </p:cNvSpPr>
+          <p:nvPr>
+            <p:ph type="title"/>
+          </p:nvPr>
+        </p:nvSpPr>
+        <p:spPr/>
+        <p:txBody>
+          <a:bodyPr anchor="ctr"/>
+          <a:lstStyle/>
+          <a:p>
+            <a:pPr algn="ctr"/>
+            <a:r>
+              <a:rPr lang="en-US" b="1" dirty="0" smtClean="0">
+                <a:latin typeface="Google Sans"/>
+              </a:rPr>
+              <a:t>array </a:t>
+            </a:r>
+            <a:r>
+              <a:rPr lang="en-US" b="1" dirty="0">
+                <a:latin typeface="Google Sans"/>
+              </a:rPr>
+              <a:t>Methods in javascript</a:t>
+            </a:r>
+          </a:p>
+        </p:txBody>
+      </p:sp>
+      <p:sp>
+        <p:nvSpPr>
+          <p:cNvPr id="4" name="TextBox 3"/>
+          <p:cNvSpPr txBox="1"/>
+          <p:nvPr/>
+        </p:nvSpPr>
+        <p:spPr>
+          <a:xfrm>
+            <a:off x="460130" y="1872761"/>
+            <a:ext cx="11271739" cy="1846659"/>
+          </a:xfrm>
+          <a:prstGeom prst="rect">
+            <a:avLst/>
+          </a:prstGeom>
+          <a:noFill/>
+        </p:spPr>
+        <p:txBody>
+          <a:bodyPr wrap="square" rtlCol="0">
+            <a:spAutoFit/>
+          </a:bodyPr>
+          <a:lstStyle/>
+          <a:p>
+            <a:pPr>
+              <a:lnSpc>
+                <a:spcPct val="150000"/>
+              </a:lnSpc>
+            </a:pPr>
+            <a:r>
+              <a:rPr lang="en-US" sz="1900" b="1" dirty="0" smtClean="0">
+                <a:latin typeface="Google Sans"/>
+              </a:rPr>
+              <a:t>11. </a:t>
+            </a:r>
+            <a:r>
+              <a:rPr lang="en-US" sz="1900" b="1" dirty="0" err="1" smtClean="0">
+                <a:latin typeface="Google Sans"/>
+              </a:rPr>
+              <a:t>indexOf</a:t>
+            </a:r>
+            <a:r>
+              <a:rPr lang="en-US" sz="1900" b="1" dirty="0" smtClean="0">
+                <a:latin typeface="Google Sans"/>
+              </a:rPr>
+              <a:t>(): </a:t>
+            </a:r>
+            <a:r>
+              <a:rPr lang="en-US" sz="1900" dirty="0" smtClean="0">
+                <a:latin typeface="+mj-lt"/>
+              </a:rPr>
+              <a:t>Returns the first index of a specified element in the array, or </a:t>
+            </a:r>
+            <a:r>
+              <a:rPr lang="en-US" sz="1900" dirty="0" smtClean="0">
+                <a:solidFill>
+                  <a:srgbClr val="FF0000"/>
+                </a:solidFill>
+                <a:latin typeface="+mj-lt"/>
+              </a:rPr>
+              <a:t>-1 </a:t>
+            </a:r>
+            <a:r>
+              <a:rPr lang="en-US" sz="1900" dirty="0" smtClean="0">
+                <a:latin typeface="+mj-lt"/>
+              </a:rPr>
+              <a:t>if not found.</a:t>
+            </a:r>
+          </a:p>
+          <a:p>
+            <a:pPr>
+              <a:lnSpc>
+                <a:spcPct val="150000"/>
+              </a:lnSpc>
+            </a:pPr>
+            <a:r>
+              <a:rPr lang="en-US" sz="1900" b="1" dirty="0" smtClean="0">
+                <a:latin typeface="Google Sans"/>
+              </a:rPr>
+              <a:t>	</a:t>
+            </a:r>
+            <a:r>
+              <a:rPr lang="en-US" sz="1900" u="sng" dirty="0" smtClean="0">
+                <a:solidFill>
+                  <a:srgbClr val="FF0000"/>
+                </a:solidFill>
+                <a:latin typeface="Google Sans"/>
+              </a:rPr>
+              <a:t>Syntax</a:t>
+            </a:r>
+            <a:r>
+              <a:rPr lang="en-US" sz="1900" dirty="0" smtClean="0">
+                <a:solidFill>
+                  <a:srgbClr val="FF0000"/>
+                </a:solidFill>
+                <a:latin typeface="Google Sans"/>
+              </a:rPr>
+              <a:t> -  </a:t>
+            </a:r>
+            <a:r>
+              <a:rPr lang="en-US" sz="1900" dirty="0" err="1" smtClean="0">
+                <a:latin typeface="Google Sans"/>
+              </a:rPr>
+              <a:t>array.</a:t>
+            </a:r>
+            <a:r>
+              <a:rPr lang="en-US" sz="1900" dirty="0" err="1" smtClean="0">
+                <a:solidFill>
+                  <a:srgbClr val="0070C0"/>
+                </a:solidFill>
+                <a:latin typeface="Google Sans"/>
+              </a:rPr>
+              <a:t>indexOf</a:t>
+            </a:r>
+            <a:r>
+              <a:rPr lang="en-US" sz="1900" dirty="0" smtClean="0">
+                <a:solidFill>
+                  <a:srgbClr val="00B050"/>
+                </a:solidFill>
+                <a:latin typeface="Google Sans"/>
+              </a:rPr>
+              <a:t>(</a:t>
+            </a:r>
+            <a:r>
+              <a:rPr lang="en-US" sz="1900" dirty="0" err="1" smtClean="0">
+                <a:solidFill>
+                  <a:srgbClr val="00B050"/>
+                </a:solidFill>
+                <a:latin typeface="Google Sans"/>
+              </a:rPr>
+              <a:t>searchElement</a:t>
+            </a:r>
+            <a:r>
+              <a:rPr lang="en-US" sz="1900" dirty="0" smtClean="0">
+                <a:solidFill>
+                  <a:srgbClr val="0070C0"/>
+                </a:solidFill>
+                <a:latin typeface="Google Sans"/>
+              </a:rPr>
+              <a:t>)</a:t>
+            </a:r>
+            <a:r>
+              <a:rPr lang="en-US" sz="1900" dirty="0" smtClean="0">
+                <a:solidFill>
+                  <a:srgbClr val="00B050"/>
+                </a:solidFill>
+                <a:latin typeface="Google Sans"/>
+              </a:rPr>
+              <a:t>; </a:t>
+            </a:r>
+            <a:endParaRPr lang="en-US" sz="1900" b="1" dirty="0" smtClean="0">
+              <a:solidFill>
+                <a:srgbClr val="7030A0"/>
+              </a:solidFill>
+              <a:latin typeface="Google Sans"/>
+            </a:endParaRPr>
+          </a:p>
+          <a:p>
+            <a:pPr>
+              <a:lnSpc>
+                <a:spcPct val="150000"/>
+              </a:lnSpc>
+            </a:pPr>
+            <a:r>
+              <a:rPr lang="en-US" sz="1900" b="1" dirty="0" smtClean="0">
+                <a:latin typeface="Google Sans"/>
+              </a:rPr>
+              <a:t>12. </a:t>
+            </a:r>
+            <a:r>
+              <a:rPr lang="en-US" sz="1900" b="1" dirty="0" err="1" smtClean="0">
+                <a:latin typeface="Google Sans"/>
+              </a:rPr>
+              <a:t>isArray</a:t>
+            </a:r>
+            <a:r>
+              <a:rPr lang="en-US" sz="1900" b="1" dirty="0" smtClean="0">
+                <a:latin typeface="Google Sans"/>
+              </a:rPr>
+              <a:t>(): </a:t>
+            </a:r>
+            <a:r>
+              <a:rPr lang="en-US" sz="1900" dirty="0"/>
+              <a:t>T</a:t>
+            </a:r>
+            <a:r>
+              <a:rPr lang="en-US" sz="1900" dirty="0" smtClean="0"/>
+              <a:t>he </a:t>
+            </a:r>
+            <a:r>
+              <a:rPr lang="en-US" sz="1900" b="1" i="1" dirty="0" err="1" smtClean="0"/>
+              <a:t>Array.isArray</a:t>
+            </a:r>
+            <a:r>
+              <a:rPr lang="en-US" sz="1900" b="1" i="1" dirty="0" smtClean="0"/>
+              <a:t>() </a:t>
+            </a:r>
+            <a:r>
+              <a:rPr lang="en-US" sz="1900" dirty="0" smtClean="0"/>
+              <a:t>method checks if a given value is an array or not.</a:t>
+            </a:r>
+          </a:p>
+          <a:p>
+            <a:pPr>
+              <a:lnSpc>
+                <a:spcPct val="150000"/>
+              </a:lnSpc>
+            </a:pPr>
+            <a:r>
+              <a:rPr lang="en-US" sz="1900" b="1" dirty="0">
+                <a:latin typeface="Google Sans"/>
+              </a:rPr>
+              <a:t>	</a:t>
+            </a:r>
+            <a:r>
+              <a:rPr lang="en-US" sz="1900" u="sng" dirty="0">
+                <a:solidFill>
+                  <a:srgbClr val="FF0000"/>
+                </a:solidFill>
+                <a:latin typeface="Google Sans"/>
+              </a:rPr>
+              <a:t>Syntax</a:t>
+            </a:r>
+            <a:r>
+              <a:rPr lang="en-US" sz="1900" dirty="0">
+                <a:solidFill>
+                  <a:srgbClr val="FF0000"/>
+                </a:solidFill>
+                <a:latin typeface="Google Sans"/>
+              </a:rPr>
+              <a:t> -  </a:t>
+            </a:r>
+            <a:r>
+              <a:rPr lang="en-US" sz="1900" b="1" dirty="0" err="1" smtClean="0">
+                <a:solidFill>
+                  <a:srgbClr val="7030A0"/>
+                </a:solidFill>
+                <a:latin typeface="Google Sans"/>
+              </a:rPr>
+              <a:t>Array</a:t>
+            </a:r>
+            <a:r>
+              <a:rPr lang="en-US" sz="1900" dirty="0" err="1" smtClean="0">
+                <a:latin typeface="Google Sans"/>
+              </a:rPr>
+              <a:t>.</a:t>
+            </a:r>
+            <a:r>
+              <a:rPr lang="en-US" sz="1900" dirty="0" err="1" smtClean="0">
+                <a:solidFill>
+                  <a:srgbClr val="0070C0"/>
+                </a:solidFill>
+                <a:latin typeface="Google Sans"/>
+              </a:rPr>
+              <a:t>isArray</a:t>
+            </a:r>
+            <a:r>
+              <a:rPr lang="en-US" sz="1900" dirty="0" smtClean="0">
+                <a:solidFill>
+                  <a:srgbClr val="0070C0"/>
+                </a:solidFill>
+                <a:latin typeface="Google Sans"/>
+              </a:rPr>
+              <a:t>(</a:t>
+            </a:r>
+            <a:r>
+              <a:rPr lang="en-US" sz="1900" dirty="0" smtClean="0">
+                <a:solidFill>
+                  <a:srgbClr val="00B050"/>
+                </a:solidFill>
+                <a:latin typeface="Google Sans"/>
+              </a:rPr>
+              <a:t>array</a:t>
+            </a:r>
+            <a:r>
+              <a:rPr lang="en-US" sz="1900" dirty="0" smtClean="0">
+                <a:solidFill>
+                  <a:srgbClr val="0070C0"/>
+                </a:solidFill>
+                <a:latin typeface="Google Sans"/>
+              </a:rPr>
+              <a:t>)</a:t>
+            </a:r>
+            <a:r>
+              <a:rPr lang="en-US" sz="1900" dirty="0" smtClean="0">
+                <a:latin typeface="Google Sans"/>
+              </a:rPr>
+              <a:t>;</a:t>
+            </a:r>
+            <a:endParaRPr lang="en-US" sz="1900" b="1" dirty="0">
+              <a:latin typeface="Google Sans"/>
+            </a:endParaRPr>
+          </a:p>
+        </p:txBody>
+      </p:sp>
+    </p:spTree>
+    <p:extLst>
+      <p:ext uri="{BB962C8B-B14F-4D97-AF65-F5344CB8AC3E}">
+        <p14:creationId xmlns:p14="http://schemas.microsoft.com/office/powerpoint/2010/main" val="2472299560"/>
       </p:ext>
     </p:extLst>
   </p:cSld>
